--- a/Abschlusspräsentation/Praesentation_newdesign.pptx
+++ b/Abschlusspräsentation/Praesentation_newdesign.pptx
@@ -10115,6 +10115,1174 @@
           </a:p>
         </p:txBody>
       </p:sp>
+      <p:grpSp>
+        <p:nvGrpSpPr>
+          <p:cNvPr id="83" name="Gruppierung 82"/>
+          <p:cNvGrpSpPr/>
+          <p:nvPr/>
+        </p:nvGrpSpPr>
+        <p:grpSpPr>
+          <a:xfrm>
+            <a:off x="757457" y="3024994"/>
+            <a:ext cx="10110409" cy="3413902"/>
+            <a:chOff x="757457" y="3024994"/>
+            <a:chExt cx="10110409" cy="3413902"/>
+          </a:xfrm>
+          <a:effectLst>
+            <a:outerShdw blurRad="50800" dist="38100" dir="2700000" algn="tl" rotWithShape="0">
+              <a:prstClr val="black">
+                <a:alpha val="40000"/>
+              </a:prstClr>
+            </a:outerShdw>
+          </a:effectLst>
+        </p:grpSpPr>
+        <p:grpSp>
+          <p:nvGrpSpPr>
+            <p:cNvPr id="58" name="Gruppierung 57"/>
+            <p:cNvGrpSpPr/>
+            <p:nvPr/>
+          </p:nvGrpSpPr>
+          <p:grpSpPr>
+            <a:xfrm>
+              <a:off x="2600787" y="3024994"/>
+              <a:ext cx="8267079" cy="3413902"/>
+              <a:chOff x="1371596" y="3024994"/>
+              <a:chExt cx="8994196" cy="3599316"/>
+            </a:xfrm>
+            <a:effectLst/>
+          </p:grpSpPr>
+          <p:sp>
+            <p:nvSpPr>
+              <p:cNvPr id="4" name="Rechteck 3"/>
+              <p:cNvSpPr/>
+              <p:nvPr/>
+            </p:nvSpPr>
+            <p:spPr>
+              <a:xfrm>
+                <a:off x="1371596" y="5089357"/>
+                <a:ext cx="2618511" cy="547442"/>
+              </a:xfrm>
+              <a:prstGeom prst="rect">
+                <a:avLst/>
+              </a:prstGeom>
+              <a:gradFill flip="none" rotWithShape="1">
+                <a:gsLst>
+                  <a:gs pos="0">
+                    <a:schemeClr val="accent1">
+                      <a:lumMod val="67000"/>
+                    </a:schemeClr>
+                  </a:gs>
+                  <a:gs pos="48000">
+                    <a:schemeClr val="accent1">
+                      <a:lumMod val="97000"/>
+                      <a:lumOff val="3000"/>
+                    </a:schemeClr>
+                  </a:gs>
+                  <a:gs pos="100000">
+                    <a:schemeClr val="accent1">
+                      <a:lumMod val="60000"/>
+                      <a:lumOff val="40000"/>
+                    </a:schemeClr>
+                  </a:gs>
+                </a:gsLst>
+                <a:lin ang="16200000" scaled="1"/>
+                <a:tileRect/>
+              </a:gradFill>
+            </p:spPr>
+            <p:style>
+              <a:lnRef idx="2">
+                <a:schemeClr val="accent1">
+                  <a:shade val="50000"/>
+                </a:schemeClr>
+              </a:lnRef>
+              <a:fillRef idx="1">
+                <a:schemeClr val="accent1"/>
+              </a:fillRef>
+              <a:effectRef idx="0">
+                <a:schemeClr val="accent1"/>
+              </a:effectRef>
+              <a:fontRef idx="minor">
+                <a:schemeClr val="lt1"/>
+              </a:fontRef>
+            </p:style>
+            <p:txBody>
+              <a:bodyPr rtlCol="0" anchor="ctr"/>
+              <a:lstStyle/>
+              <a:p>
+                <a:pPr algn="ctr"/>
+                <a:r>
+                  <a:rPr lang="de-DE" dirty="0" smtClean="0">
+                    <a:solidFill>
+                      <a:schemeClr val="tx2"/>
+                    </a:solidFill>
+                  </a:rPr>
+                  <a:t>ECTS Standard Deviation</a:t>
+                </a:r>
+              </a:p>
+            </p:txBody>
+          </p:sp>
+          <p:sp>
+            <p:nvSpPr>
+              <p:cNvPr id="5" name="Rechteck 4"/>
+              <p:cNvSpPr/>
+              <p:nvPr/>
+            </p:nvSpPr>
+            <p:spPr>
+              <a:xfrm>
+                <a:off x="1371598" y="3024994"/>
+                <a:ext cx="2618511" cy="547442"/>
+              </a:xfrm>
+              <a:prstGeom prst="rect">
+                <a:avLst/>
+              </a:prstGeom>
+              <a:gradFill flip="none" rotWithShape="1">
+                <a:gsLst>
+                  <a:gs pos="0">
+                    <a:schemeClr val="accent1">
+                      <a:lumMod val="67000"/>
+                    </a:schemeClr>
+                  </a:gs>
+                  <a:gs pos="48000">
+                    <a:schemeClr val="accent1">
+                      <a:lumMod val="97000"/>
+                      <a:lumOff val="3000"/>
+                    </a:schemeClr>
+                  </a:gs>
+                  <a:gs pos="100000">
+                    <a:schemeClr val="accent1">
+                      <a:lumMod val="60000"/>
+                      <a:lumOff val="40000"/>
+                    </a:schemeClr>
+                  </a:gs>
+                </a:gsLst>
+                <a:lin ang="16200000" scaled="1"/>
+                <a:tileRect/>
+              </a:gradFill>
+            </p:spPr>
+            <p:style>
+              <a:lnRef idx="2">
+                <a:schemeClr val="accent1">
+                  <a:shade val="50000"/>
+                </a:schemeClr>
+              </a:lnRef>
+              <a:fillRef idx="1">
+                <a:schemeClr val="accent1"/>
+              </a:fillRef>
+              <a:effectRef idx="0">
+                <a:schemeClr val="accent1"/>
+              </a:effectRef>
+              <a:fontRef idx="minor">
+                <a:schemeClr val="lt1"/>
+              </a:fontRef>
+            </p:style>
+            <p:txBody>
+              <a:bodyPr rtlCol="0" anchor="ctr"/>
+              <a:lstStyle/>
+              <a:p>
+                <a:pPr algn="ctr"/>
+                <a:r>
+                  <a:rPr lang="de-DE" dirty="0" smtClean="0">
+                    <a:solidFill>
+                      <a:schemeClr val="tx2"/>
+                    </a:solidFill>
+                  </a:rPr>
+                  <a:t>Minimal ECTS</a:t>
+                </a:r>
+              </a:p>
+            </p:txBody>
+          </p:sp>
+          <p:sp>
+            <p:nvSpPr>
+              <p:cNvPr id="6" name="Rechteck 5"/>
+              <p:cNvSpPr/>
+              <p:nvPr/>
+            </p:nvSpPr>
+            <p:spPr>
+              <a:xfrm>
+                <a:off x="1371598" y="3713115"/>
+                <a:ext cx="2618511" cy="547442"/>
+              </a:xfrm>
+              <a:prstGeom prst="rect">
+                <a:avLst/>
+              </a:prstGeom>
+              <a:gradFill flip="none" rotWithShape="1">
+                <a:gsLst>
+                  <a:gs pos="0">
+                    <a:schemeClr val="accent1">
+                      <a:lumMod val="67000"/>
+                    </a:schemeClr>
+                  </a:gs>
+                  <a:gs pos="48000">
+                    <a:schemeClr val="accent1">
+                      <a:lumMod val="97000"/>
+                      <a:lumOff val="3000"/>
+                    </a:schemeClr>
+                  </a:gs>
+                  <a:gs pos="100000">
+                    <a:schemeClr val="accent1">
+                      <a:lumMod val="60000"/>
+                      <a:lumOff val="40000"/>
+                    </a:schemeClr>
+                  </a:gs>
+                </a:gsLst>
+                <a:lin ang="16200000" scaled="1"/>
+                <a:tileRect/>
+              </a:gradFill>
+            </p:spPr>
+            <p:style>
+              <a:lnRef idx="2">
+                <a:schemeClr val="accent1">
+                  <a:shade val="50000"/>
+                </a:schemeClr>
+              </a:lnRef>
+              <a:fillRef idx="1">
+                <a:schemeClr val="accent1"/>
+              </a:fillRef>
+              <a:effectRef idx="0">
+                <a:schemeClr val="accent1"/>
+              </a:effectRef>
+              <a:fontRef idx="minor">
+                <a:schemeClr val="lt1"/>
+              </a:fontRef>
+            </p:style>
+            <p:txBody>
+              <a:bodyPr rtlCol="0" anchor="ctr"/>
+              <a:lstStyle/>
+              <a:p>
+                <a:pPr algn="ctr"/>
+                <a:r>
+                  <a:rPr lang="de-DE" dirty="0" smtClean="0">
+                    <a:solidFill>
+                      <a:schemeClr val="tx2"/>
+                    </a:solidFill>
+                  </a:rPr>
+                  <a:t>Minimal Semester</a:t>
+                </a:r>
+              </a:p>
+            </p:txBody>
+          </p:sp>
+          <p:sp>
+            <p:nvSpPr>
+              <p:cNvPr id="7" name="Rechteck 6"/>
+              <p:cNvSpPr/>
+              <p:nvPr/>
+            </p:nvSpPr>
+            <p:spPr>
+              <a:xfrm>
+                <a:off x="1371597" y="4401236"/>
+                <a:ext cx="2618511" cy="547442"/>
+              </a:xfrm>
+              <a:prstGeom prst="rect">
+                <a:avLst/>
+              </a:prstGeom>
+              <a:gradFill flip="none" rotWithShape="1">
+                <a:gsLst>
+                  <a:gs pos="0">
+                    <a:schemeClr val="accent1">
+                      <a:lumMod val="67000"/>
+                    </a:schemeClr>
+                  </a:gs>
+                  <a:gs pos="48000">
+                    <a:schemeClr val="accent1">
+                      <a:lumMod val="97000"/>
+                      <a:lumOff val="3000"/>
+                    </a:schemeClr>
+                  </a:gs>
+                  <a:gs pos="100000">
+                    <a:schemeClr val="accent1">
+                      <a:lumMod val="60000"/>
+                      <a:lumOff val="40000"/>
+                    </a:schemeClr>
+                  </a:gs>
+                </a:gsLst>
+                <a:lin ang="16200000" scaled="1"/>
+                <a:tileRect/>
+              </a:gradFill>
+            </p:spPr>
+            <p:style>
+              <a:lnRef idx="2">
+                <a:schemeClr val="accent1">
+                  <a:shade val="50000"/>
+                </a:schemeClr>
+              </a:lnRef>
+              <a:fillRef idx="1">
+                <a:schemeClr val="accent1"/>
+              </a:fillRef>
+              <a:effectRef idx="0">
+                <a:schemeClr val="accent1"/>
+              </a:effectRef>
+              <a:fontRef idx="minor">
+                <a:schemeClr val="lt1"/>
+              </a:fontRef>
+            </p:style>
+            <p:txBody>
+              <a:bodyPr rtlCol="0" anchor="ctr"/>
+              <a:lstStyle/>
+              <a:p>
+                <a:pPr algn="ctr"/>
+                <a:r>
+                  <a:rPr lang="de-DE" dirty="0" err="1" smtClean="0">
+                    <a:solidFill>
+                      <a:schemeClr val="tx2"/>
+                    </a:solidFill>
+                  </a:rPr>
+                  <a:t>Preferences</a:t>
+                </a:r>
+                <a:endParaRPr lang="de-DE" dirty="0" smtClean="0">
+                  <a:solidFill>
+                    <a:schemeClr val="tx2"/>
+                  </a:solidFill>
+                </a:endParaRPr>
+              </a:p>
+            </p:txBody>
+          </p:sp>
+          <p:sp>
+            <p:nvSpPr>
+              <p:cNvPr id="8" name="Rechteck 7"/>
+              <p:cNvSpPr/>
+              <p:nvPr/>
+            </p:nvSpPr>
+            <p:spPr>
+              <a:xfrm>
+                <a:off x="1371596" y="6051199"/>
+                <a:ext cx="2618511" cy="547442"/>
+              </a:xfrm>
+              <a:prstGeom prst="rect">
+                <a:avLst/>
+              </a:prstGeom>
+              <a:gradFill>
+                <a:gsLst>
+                  <a:gs pos="1000">
+                    <a:schemeClr val="accent3"/>
+                  </a:gs>
+                  <a:gs pos="87000">
+                    <a:schemeClr val="accent2">
+                      <a:lumMod val="97000"/>
+                      <a:lumOff val="3000"/>
+                    </a:schemeClr>
+                  </a:gs>
+                  <a:gs pos="100000">
+                    <a:schemeClr val="accent2">
+                      <a:lumMod val="60000"/>
+                      <a:lumOff val="40000"/>
+                    </a:schemeClr>
+                  </a:gs>
+                </a:gsLst>
+                <a:lin ang="16200000" scaled="1"/>
+              </a:gradFill>
+            </p:spPr>
+            <p:style>
+              <a:lnRef idx="2">
+                <a:schemeClr val="accent1">
+                  <a:shade val="50000"/>
+                </a:schemeClr>
+              </a:lnRef>
+              <a:fillRef idx="1">
+                <a:schemeClr val="accent1"/>
+              </a:fillRef>
+              <a:effectRef idx="0">
+                <a:schemeClr val="accent1"/>
+              </a:effectRef>
+              <a:fontRef idx="minor">
+                <a:schemeClr val="lt1"/>
+              </a:fontRef>
+            </p:style>
+            <p:txBody>
+              <a:bodyPr rtlCol="0" anchor="ctr"/>
+              <a:lstStyle/>
+              <a:p>
+                <a:pPr algn="ctr"/>
+                <a:r>
+                  <a:rPr lang="de-DE" dirty="0" smtClean="0">
+                    <a:solidFill>
+                      <a:schemeClr val="accent1"/>
+                    </a:solidFill>
+                  </a:rPr>
+                  <a:t>User </a:t>
+                </a:r>
+                <a:r>
+                  <a:rPr lang="de-DE" dirty="0" err="1" smtClean="0">
+                    <a:solidFill>
+                      <a:schemeClr val="accent1"/>
+                    </a:solidFill>
+                  </a:rPr>
+                  <a:t>Selection</a:t>
+                </a:r>
+                <a:endParaRPr lang="de-DE" dirty="0" smtClean="0">
+                  <a:solidFill>
+                    <a:schemeClr val="accent1"/>
+                  </a:solidFill>
+                </a:endParaRPr>
+              </a:p>
+            </p:txBody>
+          </p:sp>
+          <p:sp>
+            <p:nvSpPr>
+              <p:cNvPr id="9" name="Rechteck 8"/>
+              <p:cNvSpPr/>
+              <p:nvPr/>
+            </p:nvSpPr>
+            <p:spPr>
+              <a:xfrm>
+                <a:off x="5798380" y="3962744"/>
+                <a:ext cx="698805" cy="696469"/>
+              </a:xfrm>
+              <a:prstGeom prst="rect">
+                <a:avLst/>
+              </a:prstGeom>
+              <a:gradFill flip="none" rotWithShape="1">
+                <a:gsLst>
+                  <a:gs pos="0">
+                    <a:schemeClr val="accent1">
+                      <a:lumMod val="67000"/>
+                    </a:schemeClr>
+                  </a:gs>
+                  <a:gs pos="48000">
+                    <a:schemeClr val="accent1">
+                      <a:lumMod val="97000"/>
+                      <a:lumOff val="3000"/>
+                    </a:schemeClr>
+                  </a:gs>
+                  <a:gs pos="100000">
+                    <a:schemeClr val="accent1">
+                      <a:lumMod val="60000"/>
+                      <a:lumOff val="40000"/>
+                    </a:schemeClr>
+                  </a:gs>
+                </a:gsLst>
+                <a:lin ang="16200000" scaled="1"/>
+                <a:tileRect/>
+              </a:gradFill>
+            </p:spPr>
+            <p:style>
+              <a:lnRef idx="2">
+                <a:schemeClr val="accent1">
+                  <a:shade val="50000"/>
+                </a:schemeClr>
+              </a:lnRef>
+              <a:fillRef idx="1">
+                <a:schemeClr val="accent1"/>
+              </a:fillRef>
+              <a:effectRef idx="0">
+                <a:schemeClr val="accent1"/>
+              </a:effectRef>
+              <a:fontRef idx="minor">
+                <a:schemeClr val="lt1"/>
+              </a:fontRef>
+            </p:style>
+            <p:txBody>
+              <a:bodyPr rtlCol="0" anchor="ctr"/>
+              <a:lstStyle/>
+              <a:p>
+                <a:pPr algn="ctr"/>
+                <a:r>
+                  <a:rPr lang="de-DE" sz="6600" dirty="0" smtClean="0">
+                    <a:solidFill>
+                      <a:schemeClr val="tx2"/>
+                    </a:solidFill>
+                  </a:rPr>
+                  <a:t>∅</a:t>
+                </a:r>
+                <a:endParaRPr lang="de-DE" dirty="0" smtClean="0">
+                  <a:solidFill>
+                    <a:schemeClr val="tx2"/>
+                  </a:solidFill>
+                </a:endParaRPr>
+              </a:p>
+            </p:txBody>
+          </p:sp>
+          <p:cxnSp>
+            <p:nvCxnSpPr>
+              <p:cNvPr id="11" name="Gewinkelte Verbindung 10"/>
+              <p:cNvCxnSpPr>
+                <a:stCxn id="5" idx="3"/>
+                <a:endCxn id="9" idx="1"/>
+              </p:cNvCxnSpPr>
+              <p:nvPr/>
+            </p:nvCxnSpPr>
+            <p:spPr>
+              <a:xfrm>
+                <a:off x="3990109" y="3298715"/>
+                <a:ext cx="1808271" cy="1012264"/>
+              </a:xfrm>
+              <a:prstGeom prst="bentConnector3">
+                <a:avLst/>
+              </a:prstGeom>
+              <a:ln>
+                <a:tailEnd type="triangle"/>
+              </a:ln>
+            </p:spPr>
+            <p:style>
+              <a:lnRef idx="1">
+                <a:schemeClr val="accent1"/>
+              </a:lnRef>
+              <a:fillRef idx="0">
+                <a:schemeClr val="accent1"/>
+              </a:fillRef>
+              <a:effectRef idx="0">
+                <a:schemeClr val="accent1"/>
+              </a:effectRef>
+              <a:fontRef idx="minor">
+                <a:schemeClr val="tx1"/>
+              </a:fontRef>
+            </p:style>
+          </p:cxnSp>
+          <p:cxnSp>
+            <p:nvCxnSpPr>
+              <p:cNvPr id="12" name="Gewinkelte Verbindung 11"/>
+              <p:cNvCxnSpPr>
+                <a:stCxn id="6" idx="3"/>
+                <a:endCxn id="9" idx="1"/>
+              </p:cNvCxnSpPr>
+              <p:nvPr/>
+            </p:nvCxnSpPr>
+            <p:spPr>
+              <a:xfrm>
+                <a:off x="3990109" y="3986836"/>
+                <a:ext cx="1808271" cy="324143"/>
+              </a:xfrm>
+              <a:prstGeom prst="bentConnector3">
+                <a:avLst/>
+              </a:prstGeom>
+              <a:ln>
+                <a:tailEnd type="triangle"/>
+              </a:ln>
+            </p:spPr>
+            <p:style>
+              <a:lnRef idx="1">
+                <a:schemeClr val="accent1"/>
+              </a:lnRef>
+              <a:fillRef idx="0">
+                <a:schemeClr val="accent1"/>
+              </a:fillRef>
+              <a:effectRef idx="0">
+                <a:schemeClr val="accent1"/>
+              </a:effectRef>
+              <a:fontRef idx="minor">
+                <a:schemeClr val="tx1"/>
+              </a:fontRef>
+            </p:style>
+          </p:cxnSp>
+          <p:cxnSp>
+            <p:nvCxnSpPr>
+              <p:cNvPr id="15" name="Gewinkelte Verbindung 14"/>
+              <p:cNvCxnSpPr>
+                <a:stCxn id="7" idx="3"/>
+                <a:endCxn id="9" idx="1"/>
+              </p:cNvCxnSpPr>
+              <p:nvPr/>
+            </p:nvCxnSpPr>
+            <p:spPr>
+              <a:xfrm flipV="1">
+                <a:off x="3990108" y="4310979"/>
+                <a:ext cx="1808272" cy="363978"/>
+              </a:xfrm>
+              <a:prstGeom prst="bentConnector3">
+                <a:avLst/>
+              </a:prstGeom>
+              <a:ln>
+                <a:tailEnd type="triangle"/>
+              </a:ln>
+            </p:spPr>
+            <p:style>
+              <a:lnRef idx="1">
+                <a:schemeClr val="accent1"/>
+              </a:lnRef>
+              <a:fillRef idx="0">
+                <a:schemeClr val="accent1"/>
+              </a:fillRef>
+              <a:effectRef idx="0">
+                <a:schemeClr val="accent1"/>
+              </a:effectRef>
+              <a:fontRef idx="minor">
+                <a:schemeClr val="tx1"/>
+              </a:fontRef>
+            </p:style>
+          </p:cxnSp>
+          <p:cxnSp>
+            <p:nvCxnSpPr>
+              <p:cNvPr id="18" name="Gewinkelte Verbindung 17"/>
+              <p:cNvCxnSpPr>
+                <a:stCxn id="4" idx="3"/>
+                <a:endCxn id="9" idx="1"/>
+              </p:cNvCxnSpPr>
+              <p:nvPr/>
+            </p:nvCxnSpPr>
+            <p:spPr>
+              <a:xfrm flipV="1">
+                <a:off x="3990107" y="4310979"/>
+                <a:ext cx="1808273" cy="1052099"/>
+              </a:xfrm>
+              <a:prstGeom prst="bentConnector3">
+                <a:avLst>
+                  <a:gd name="adj1" fmla="val 50000"/>
+                </a:avLst>
+              </a:prstGeom>
+              <a:ln>
+                <a:tailEnd type="triangle"/>
+              </a:ln>
+            </p:spPr>
+            <p:style>
+              <a:lnRef idx="1">
+                <a:schemeClr val="accent1"/>
+              </a:lnRef>
+              <a:fillRef idx="0">
+                <a:schemeClr val="accent1"/>
+              </a:fillRef>
+              <a:effectRef idx="0">
+                <a:schemeClr val="accent1"/>
+              </a:effectRef>
+              <a:fontRef idx="minor">
+                <a:schemeClr val="tx1"/>
+              </a:fontRef>
+            </p:style>
+          </p:cxnSp>
+          <p:sp>
+            <p:nvSpPr>
+              <p:cNvPr id="35" name="Rechteck 34"/>
+              <p:cNvSpPr/>
+              <p:nvPr/>
+            </p:nvSpPr>
+            <p:spPr>
+              <a:xfrm>
+                <a:off x="4811842" y="6051199"/>
+                <a:ext cx="1685343" cy="573111"/>
+              </a:xfrm>
+              <a:prstGeom prst="rect">
+                <a:avLst/>
+              </a:prstGeom>
+              <a:gradFill flip="none" rotWithShape="1">
+                <a:gsLst>
+                  <a:gs pos="0">
+                    <a:schemeClr val="accent1">
+                      <a:lumMod val="67000"/>
+                    </a:schemeClr>
+                  </a:gs>
+                  <a:gs pos="48000">
+                    <a:schemeClr val="accent1">
+                      <a:lumMod val="97000"/>
+                      <a:lumOff val="3000"/>
+                    </a:schemeClr>
+                  </a:gs>
+                  <a:gs pos="100000">
+                    <a:schemeClr val="accent1">
+                      <a:lumMod val="60000"/>
+                      <a:lumOff val="40000"/>
+                    </a:schemeClr>
+                  </a:gs>
+                </a:gsLst>
+                <a:lin ang="16200000" scaled="1"/>
+                <a:tileRect/>
+              </a:gradFill>
+            </p:spPr>
+            <p:style>
+              <a:lnRef idx="2">
+                <a:schemeClr val="accent1">
+                  <a:shade val="50000"/>
+                </a:schemeClr>
+              </a:lnRef>
+              <a:fillRef idx="1">
+                <a:schemeClr val="accent1"/>
+              </a:fillRef>
+              <a:effectRef idx="0">
+                <a:schemeClr val="accent1"/>
+              </a:effectRef>
+              <a:fontRef idx="minor">
+                <a:schemeClr val="lt1"/>
+              </a:fontRef>
+            </p:style>
+            <p:txBody>
+              <a:bodyPr rtlCol="0" anchor="ctr"/>
+              <a:lstStyle/>
+              <a:p>
+                <a:pPr algn="ctr"/>
+                <a:r>
+                  <a:rPr lang="de-DE" sz="2000" dirty="0">
+                    <a:solidFill>
+                      <a:schemeClr val="tx2"/>
+                    </a:solidFill>
+                  </a:rPr>
+                  <a:t>x</a:t>
+                </a:r>
+                <a:r>
+                  <a:rPr lang="de-DE" sz="2000" dirty="0" smtClean="0">
+                    <a:solidFill>
+                      <a:schemeClr val="tx2"/>
+                    </a:solidFill>
+                  </a:rPr>
+                  <a:t> &lt; 0.5 ? 0 : x</a:t>
+                </a:r>
+                <a:endParaRPr lang="de-DE" sz="1400" dirty="0" smtClean="0">
+                  <a:solidFill>
+                    <a:schemeClr val="tx2"/>
+                  </a:solidFill>
+                </a:endParaRPr>
+              </a:p>
+            </p:txBody>
+          </p:sp>
+          <p:cxnSp>
+            <p:nvCxnSpPr>
+              <p:cNvPr id="41" name="Gerade Verbindung mit Pfeil 40"/>
+              <p:cNvCxnSpPr>
+                <a:stCxn id="8" idx="3"/>
+                <a:endCxn id="35" idx="1"/>
+              </p:cNvCxnSpPr>
+              <p:nvPr/>
+            </p:nvCxnSpPr>
+            <p:spPr>
+              <a:xfrm>
+                <a:off x="3990107" y="6324920"/>
+                <a:ext cx="821735" cy="12835"/>
+              </a:xfrm>
+              <a:prstGeom prst="straightConnector1">
+                <a:avLst/>
+              </a:prstGeom>
+              <a:ln>
+                <a:tailEnd type="triangle"/>
+              </a:ln>
+            </p:spPr>
+            <p:style>
+              <a:lnRef idx="1">
+                <a:schemeClr val="accent1"/>
+              </a:lnRef>
+              <a:fillRef idx="0">
+                <a:schemeClr val="accent1"/>
+              </a:fillRef>
+              <a:effectRef idx="0">
+                <a:schemeClr val="accent1"/>
+              </a:effectRef>
+              <a:fontRef idx="minor">
+                <a:schemeClr val="tx1"/>
+              </a:fontRef>
+            </p:style>
+          </p:cxnSp>
+          <p:sp>
+            <p:nvSpPr>
+              <p:cNvPr id="45" name="Rechteck 44"/>
+              <p:cNvSpPr/>
+              <p:nvPr/>
+            </p:nvSpPr>
+            <p:spPr>
+              <a:xfrm>
+                <a:off x="8067488" y="4674957"/>
+                <a:ext cx="698805" cy="696469"/>
+              </a:xfrm>
+              <a:prstGeom prst="rect">
+                <a:avLst/>
+              </a:prstGeom>
+              <a:gradFill flip="none" rotWithShape="1">
+                <a:gsLst>
+                  <a:gs pos="0">
+                    <a:schemeClr val="accent1">
+                      <a:lumMod val="67000"/>
+                    </a:schemeClr>
+                  </a:gs>
+                  <a:gs pos="48000">
+                    <a:schemeClr val="accent1">
+                      <a:lumMod val="97000"/>
+                      <a:lumOff val="3000"/>
+                    </a:schemeClr>
+                  </a:gs>
+                  <a:gs pos="100000">
+                    <a:schemeClr val="accent1">
+                      <a:lumMod val="60000"/>
+                      <a:lumOff val="40000"/>
+                    </a:schemeClr>
+                  </a:gs>
+                </a:gsLst>
+                <a:lin ang="16200000" scaled="1"/>
+                <a:tileRect/>
+              </a:gradFill>
+            </p:spPr>
+            <p:style>
+              <a:lnRef idx="2">
+                <a:schemeClr val="accent1">
+                  <a:shade val="50000"/>
+                </a:schemeClr>
+              </a:lnRef>
+              <a:fillRef idx="1">
+                <a:schemeClr val="accent1"/>
+              </a:fillRef>
+              <a:effectRef idx="0">
+                <a:schemeClr val="accent1"/>
+              </a:effectRef>
+              <a:fontRef idx="minor">
+                <a:schemeClr val="lt1"/>
+              </a:fontRef>
+            </p:style>
+            <p:txBody>
+              <a:bodyPr rtlCol="0" anchor="ctr"/>
+              <a:lstStyle/>
+              <a:p>
+                <a:pPr algn="ctr"/>
+                <a:r>
+                  <a:rPr lang="de-DE" sz="5400" dirty="0">
+                    <a:solidFill>
+                      <a:schemeClr val="tx2"/>
+                    </a:solidFill>
+                  </a:rPr>
+                  <a:t>*</a:t>
+                </a:r>
+                <a:endParaRPr lang="de-DE" sz="1400" dirty="0" smtClean="0">
+                  <a:solidFill>
+                    <a:schemeClr val="tx2"/>
+                  </a:solidFill>
+                </a:endParaRPr>
+              </a:p>
+            </p:txBody>
+          </p:sp>
+          <p:cxnSp>
+            <p:nvCxnSpPr>
+              <p:cNvPr id="47" name="Gewinkelte Verbindung 46"/>
+              <p:cNvCxnSpPr>
+                <a:stCxn id="35" idx="3"/>
+                <a:endCxn id="45" idx="1"/>
+              </p:cNvCxnSpPr>
+              <p:nvPr/>
+            </p:nvCxnSpPr>
+            <p:spPr>
+              <a:xfrm flipV="1">
+                <a:off x="6497185" y="5023192"/>
+                <a:ext cx="1570303" cy="1314563"/>
+              </a:xfrm>
+              <a:prstGeom prst="bentConnector3">
+                <a:avLst/>
+              </a:prstGeom>
+              <a:ln>
+                <a:tailEnd type="triangle"/>
+              </a:ln>
+            </p:spPr>
+            <p:style>
+              <a:lnRef idx="1">
+                <a:schemeClr val="accent1"/>
+              </a:lnRef>
+              <a:fillRef idx="0">
+                <a:schemeClr val="accent1"/>
+              </a:fillRef>
+              <a:effectRef idx="0">
+                <a:schemeClr val="accent1"/>
+              </a:effectRef>
+              <a:fontRef idx="minor">
+                <a:schemeClr val="tx1"/>
+              </a:fontRef>
+            </p:style>
+          </p:cxnSp>
+          <p:cxnSp>
+            <p:nvCxnSpPr>
+              <p:cNvPr id="49" name="Gewinkelte Verbindung 48"/>
+              <p:cNvCxnSpPr>
+                <a:stCxn id="9" idx="3"/>
+                <a:endCxn id="45" idx="1"/>
+              </p:cNvCxnSpPr>
+              <p:nvPr/>
+            </p:nvCxnSpPr>
+            <p:spPr>
+              <a:xfrm>
+                <a:off x="6497185" y="4310979"/>
+                <a:ext cx="1570303" cy="712213"/>
+              </a:xfrm>
+              <a:prstGeom prst="bentConnector3">
+                <a:avLst/>
+              </a:prstGeom>
+              <a:ln>
+                <a:tailEnd type="triangle"/>
+              </a:ln>
+            </p:spPr>
+            <p:style>
+              <a:lnRef idx="1">
+                <a:schemeClr val="accent1"/>
+              </a:lnRef>
+              <a:fillRef idx="0">
+                <a:schemeClr val="accent1"/>
+              </a:fillRef>
+              <a:effectRef idx="0">
+                <a:schemeClr val="accent1"/>
+              </a:effectRef>
+              <a:fontRef idx="minor">
+                <a:schemeClr val="tx1"/>
+              </a:fontRef>
+            </p:style>
+          </p:cxnSp>
+          <p:sp>
+            <p:nvSpPr>
+              <p:cNvPr id="54" name="Textfeld 53"/>
+              <p:cNvSpPr txBox="1"/>
+              <p:nvPr/>
+            </p:nvSpPr>
+            <p:spPr>
+              <a:xfrm>
+                <a:off x="9613663" y="4823136"/>
+                <a:ext cx="752129" cy="400110"/>
+              </a:xfrm>
+              <a:prstGeom prst="rect">
+                <a:avLst/>
+              </a:prstGeom>
+              <a:noFill/>
+            </p:spPr>
+            <p:txBody>
+              <a:bodyPr wrap="none" rtlCol="0">
+                <a:spAutoFit/>
+              </a:bodyPr>
+              <a:lstStyle/>
+              <a:p>
+                <a:r>
+                  <a:rPr lang="de-DE" sz="2000" dirty="0" smtClean="0"/>
+                  <a:t>score</a:t>
+                </a:r>
+              </a:p>
+            </p:txBody>
+          </p:sp>
+          <p:cxnSp>
+            <p:nvCxnSpPr>
+              <p:cNvPr id="57" name="Gerade Verbindung mit Pfeil 56"/>
+              <p:cNvCxnSpPr>
+                <a:stCxn id="45" idx="3"/>
+                <a:endCxn id="54" idx="1"/>
+              </p:cNvCxnSpPr>
+              <p:nvPr/>
+            </p:nvCxnSpPr>
+            <p:spPr>
+              <a:xfrm flipV="1">
+                <a:off x="8766293" y="5023191"/>
+                <a:ext cx="847370" cy="1"/>
+              </a:xfrm>
+              <a:prstGeom prst="straightConnector1">
+                <a:avLst/>
+              </a:prstGeom>
+              <a:ln>
+                <a:tailEnd type="triangle"/>
+              </a:ln>
+            </p:spPr>
+            <p:style>
+              <a:lnRef idx="1">
+                <a:schemeClr val="accent1"/>
+              </a:lnRef>
+              <a:fillRef idx="0">
+                <a:schemeClr val="accent1"/>
+              </a:fillRef>
+              <a:effectRef idx="0">
+                <a:schemeClr val="accent1"/>
+              </a:effectRef>
+              <a:fontRef idx="minor">
+                <a:schemeClr val="tx1"/>
+              </a:fontRef>
+            </p:style>
+          </p:cxnSp>
+        </p:grpSp>
+        <p:sp>
+          <p:nvSpPr>
+            <p:cNvPr id="59" name="Textfeld 58"/>
+            <p:cNvSpPr txBox="1"/>
+            <p:nvPr/>
+          </p:nvSpPr>
+          <p:spPr>
+            <a:xfrm>
+              <a:off x="757457" y="4543629"/>
+              <a:ext cx="639919" cy="400110"/>
+            </a:xfrm>
+            <a:prstGeom prst="rect">
+              <a:avLst/>
+            </a:prstGeom>
+            <a:noFill/>
+          </p:spPr>
+          <p:txBody>
+            <a:bodyPr wrap="none" rtlCol="0">
+              <a:spAutoFit/>
+            </a:bodyPr>
+            <a:lstStyle/>
+            <a:p>
+              <a:r>
+                <a:rPr lang="de-DE" sz="2000"/>
+                <a:t>p</a:t>
+              </a:r>
+              <a:r>
+                <a:rPr lang="de-DE" sz="2000" smtClean="0"/>
+                <a:t>lan</a:t>
+              </a:r>
+            </a:p>
+          </p:txBody>
+        </p:sp>
+        <p:cxnSp>
+          <p:nvCxnSpPr>
+            <p:cNvPr id="63" name="Gewinkelte Verbindung 62"/>
+            <p:cNvCxnSpPr>
+              <a:stCxn id="59" idx="3"/>
+              <a:endCxn id="5" idx="1"/>
+            </p:cNvCxnSpPr>
+            <p:nvPr/>
+          </p:nvCxnSpPr>
+          <p:spPr>
+            <a:xfrm flipV="1">
+              <a:off x="1397376" y="3284615"/>
+              <a:ext cx="1203413" cy="1459069"/>
+            </a:xfrm>
+            <a:prstGeom prst="bentConnector3">
+              <a:avLst/>
+            </a:prstGeom>
+            <a:ln>
+              <a:tailEnd type="triangle"/>
+            </a:ln>
+          </p:spPr>
+          <p:style>
+            <a:lnRef idx="1">
+              <a:schemeClr val="accent1"/>
+            </a:lnRef>
+            <a:fillRef idx="0">
+              <a:schemeClr val="accent1"/>
+            </a:fillRef>
+            <a:effectRef idx="0">
+              <a:schemeClr val="accent1"/>
+            </a:effectRef>
+            <a:fontRef idx="minor">
+              <a:schemeClr val="tx1"/>
+            </a:fontRef>
+          </p:style>
+        </p:cxnSp>
+        <p:cxnSp>
+          <p:nvCxnSpPr>
+            <p:cNvPr id="64" name="Gewinkelte Verbindung 63"/>
+            <p:cNvCxnSpPr>
+              <a:stCxn id="59" idx="3"/>
+              <a:endCxn id="6" idx="1"/>
+            </p:cNvCxnSpPr>
+            <p:nvPr/>
+          </p:nvCxnSpPr>
+          <p:spPr>
+            <a:xfrm flipV="1">
+              <a:off x="1397376" y="3937288"/>
+              <a:ext cx="1203413" cy="806396"/>
+            </a:xfrm>
+            <a:prstGeom prst="bentConnector3">
+              <a:avLst/>
+            </a:prstGeom>
+            <a:ln>
+              <a:tailEnd type="triangle"/>
+            </a:ln>
+          </p:spPr>
+          <p:style>
+            <a:lnRef idx="1">
+              <a:schemeClr val="accent1"/>
+            </a:lnRef>
+            <a:fillRef idx="0">
+              <a:schemeClr val="accent1"/>
+            </a:fillRef>
+            <a:effectRef idx="0">
+              <a:schemeClr val="accent1"/>
+            </a:effectRef>
+            <a:fontRef idx="minor">
+              <a:schemeClr val="tx1"/>
+            </a:fontRef>
+          </p:style>
+        </p:cxnSp>
+        <p:cxnSp>
+          <p:nvCxnSpPr>
+            <p:cNvPr id="67" name="Gewinkelte Verbindung 66"/>
+            <p:cNvCxnSpPr>
+              <a:stCxn id="59" idx="3"/>
+              <a:endCxn id="7" idx="1"/>
+            </p:cNvCxnSpPr>
+            <p:nvPr/>
+          </p:nvCxnSpPr>
+          <p:spPr>
+            <a:xfrm flipV="1">
+              <a:off x="1397376" y="4589962"/>
+              <a:ext cx="1203412" cy="153722"/>
+            </a:xfrm>
+            <a:prstGeom prst="bentConnector3">
+              <a:avLst/>
+            </a:prstGeom>
+            <a:ln>
+              <a:tailEnd type="triangle"/>
+            </a:ln>
+          </p:spPr>
+          <p:style>
+            <a:lnRef idx="1">
+              <a:schemeClr val="accent1"/>
+            </a:lnRef>
+            <a:fillRef idx="0">
+              <a:schemeClr val="accent1"/>
+            </a:fillRef>
+            <a:effectRef idx="0">
+              <a:schemeClr val="accent1"/>
+            </a:effectRef>
+            <a:fontRef idx="minor">
+              <a:schemeClr val="tx1"/>
+            </a:fontRef>
+          </p:style>
+        </p:cxnSp>
+        <p:cxnSp>
+          <p:nvCxnSpPr>
+            <p:cNvPr id="70" name="Gewinkelte Verbindung 69"/>
+            <p:cNvCxnSpPr>
+              <a:stCxn id="59" idx="3"/>
+              <a:endCxn id="4" idx="1"/>
+            </p:cNvCxnSpPr>
+            <p:nvPr/>
+          </p:nvCxnSpPr>
+          <p:spPr>
+            <a:xfrm>
+              <a:off x="1397376" y="4743684"/>
+              <a:ext cx="1203411" cy="498951"/>
+            </a:xfrm>
+            <a:prstGeom prst="bentConnector3">
+              <a:avLst/>
+            </a:prstGeom>
+            <a:ln>
+              <a:tailEnd type="triangle"/>
+            </a:ln>
+          </p:spPr>
+          <p:style>
+            <a:lnRef idx="1">
+              <a:schemeClr val="accent1"/>
+            </a:lnRef>
+            <a:fillRef idx="0">
+              <a:schemeClr val="accent1"/>
+            </a:fillRef>
+            <a:effectRef idx="0">
+              <a:schemeClr val="accent1"/>
+            </a:effectRef>
+            <a:fontRef idx="minor">
+              <a:schemeClr val="tx1"/>
+            </a:fontRef>
+          </p:style>
+        </p:cxnSp>
+        <p:cxnSp>
+          <p:nvCxnSpPr>
+            <p:cNvPr id="73" name="Gewinkelte Verbindung 72"/>
+            <p:cNvCxnSpPr>
+              <a:stCxn id="59" idx="3"/>
+              <a:endCxn id="8" idx="1"/>
+            </p:cNvCxnSpPr>
+            <p:nvPr/>
+          </p:nvCxnSpPr>
+          <p:spPr>
+            <a:xfrm>
+              <a:off x="1397376" y="4743684"/>
+              <a:ext cx="1203411" cy="1411245"/>
+            </a:xfrm>
+            <a:prstGeom prst="bentConnector3">
+              <a:avLst/>
+            </a:prstGeom>
+            <a:ln>
+              <a:tailEnd type="triangle"/>
+            </a:ln>
+          </p:spPr>
+          <p:style>
+            <a:lnRef idx="1">
+              <a:schemeClr val="accent1"/>
+            </a:lnRef>
+            <a:fillRef idx="0">
+              <a:schemeClr val="accent1"/>
+            </a:fillRef>
+            <a:effectRef idx="0">
+              <a:schemeClr val="accent1"/>
+            </a:effectRef>
+            <a:fontRef idx="minor">
+              <a:schemeClr val="tx1"/>
+            </a:fontRef>
+          </p:style>
+        </p:cxnSp>
+      </p:grpSp>
     </p:spTree>
     <p:extLst>
       <p:ext uri="{BB962C8B-B14F-4D97-AF65-F5344CB8AC3E}">

--- a/Abschlusspräsentation/Praesentation_newdesign.pptx
+++ b/Abschlusspräsentation/Praesentation_newdesign.pptx
@@ -5,7 +5,7 @@
     <p:sldMasterId id="2147483648" r:id="rId1"/>
   </p:sldMasterIdLst>
   <p:notesMasterIdLst>
-    <p:notesMasterId r:id="rId10"/>
+    <p:notesMasterId r:id="rId13"/>
   </p:notesMasterIdLst>
   <p:sldIdLst>
     <p:sldId id="256" r:id="rId2"/>
@@ -16,6 +16,9 @@
     <p:sldId id="261" r:id="rId7"/>
     <p:sldId id="262" r:id="rId8"/>
     <p:sldId id="263" r:id="rId9"/>
+    <p:sldId id="264" r:id="rId10"/>
+    <p:sldId id="265" r:id="rId11"/>
+    <p:sldId id="266" r:id="rId12"/>
   </p:sldIdLst>
   <p:sldSz cx="12192000" cy="6858000"/>
   <p:notesSz cx="6858000" cy="9144000"/>
@@ -218,7 +221,7 @@
           <a:p>
             <a:fld id="{74D74940-F9E6-439C-A55C-AF525C59EADC}" type="datetimeFigureOut">
               <a:rPr lang="de-DE" smtClean="0"/>
-              <a:t>18.03.17</a:t>
+              <a:t>19.03.2017</a:t>
             </a:fld>
             <a:endParaRPr lang="de-DE"/>
           </a:p>
@@ -1023,6 +1026,87 @@
           <a:bodyPr/>
           <a:lstStyle/>
           <a:p>
+            <a:pPr marL="171450" lvl="0" indent="-171450">
+              <a:buFont typeface="Arial" panose="020B0604020202020204" pitchFamily="34" charset="0"/>
+              <a:buChar char="•"/>
+            </a:pPr>
+            <a:r>
+              <a:rPr lang="de-DE" baseline="0" dirty="0"/>
+              <a:t>REST:</a:t>
+            </a:r>
+          </a:p>
+          <a:p>
+            <a:pPr marL="628650" lvl="1" indent="-171450">
+              <a:buFont typeface="Arial" panose="020B0604020202020204" pitchFamily="34" charset="0"/>
+              <a:buChar char="•"/>
+            </a:pPr>
+            <a:r>
+              <a:rPr lang="de-DE" baseline="0" dirty="0"/>
+              <a:t>Wichtige Entscheidung: Mehr als nur die entwickelte </a:t>
+            </a:r>
+            <a:r>
+              <a:rPr lang="de-DE" baseline="0" dirty="0" err="1"/>
+              <a:t>WebApp</a:t>
+            </a:r>
+            <a:r>
+              <a:rPr lang="de-DE" baseline="0" dirty="0"/>
+              <a:t> (=&gt; Plattform)</a:t>
+            </a:r>
+          </a:p>
+          <a:p>
+            <a:pPr marL="628650" lvl="1" indent="-171450">
+              <a:buFont typeface="Arial" panose="020B0604020202020204" pitchFamily="34" charset="0"/>
+              <a:buChar char="•"/>
+            </a:pPr>
+            <a:r>
+              <a:rPr lang="de-DE" baseline="0" dirty="0"/>
+              <a:t>Ohne Bearbeitung: Neue Benutzeroberfläche</a:t>
+            </a:r>
+          </a:p>
+          <a:p>
+            <a:pPr marL="1085850" lvl="2" indent="-171450">
+              <a:buFont typeface="Arial" panose="020B0604020202020204" pitchFamily="34" charset="0"/>
+              <a:buChar char="•"/>
+            </a:pPr>
+            <a:r>
+              <a:rPr lang="de-DE" baseline="0" dirty="0"/>
+              <a:t>z.B. App</a:t>
+            </a:r>
+          </a:p>
+          <a:p>
+            <a:pPr marL="628650" lvl="1" indent="-171450">
+              <a:buFont typeface="Arial" panose="020B0604020202020204" pitchFamily="34" charset="0"/>
+              <a:buChar char="•"/>
+            </a:pPr>
+            <a:r>
+              <a:rPr lang="de-DE" baseline="0" dirty="0"/>
+              <a:t>Eigene </a:t>
+            </a:r>
+            <a:r>
+              <a:rPr lang="de-DE" baseline="0" dirty="0" err="1"/>
+              <a:t>OAuth</a:t>
+            </a:r>
+            <a:r>
+              <a:rPr lang="de-DE" baseline="0" dirty="0"/>
+              <a:t> Implementierung</a:t>
+            </a:r>
+          </a:p>
+          <a:p>
+            <a:pPr marL="628650" lvl="1" indent="-171450">
+              <a:buFont typeface="Arial" panose="020B0604020202020204" pitchFamily="34" charset="0"/>
+              <a:buChar char="•"/>
+            </a:pPr>
+            <a:r>
+              <a:rPr lang="de-DE" baseline="0" dirty="0"/>
+              <a:t>REST-Schnittstelle </a:t>
+            </a:r>
+            <a:r>
+              <a:rPr lang="de-DE" b="1" baseline="0" dirty="0"/>
+              <a:t>gegen Anwendungsfälle getestet</a:t>
+            </a:r>
+            <a:endParaRPr lang="de-DE" b="0" baseline="0" dirty="0"/>
+          </a:p>
+          <a:p>
             <a:pPr marL="171450" indent="-171450">
               <a:buFont typeface="Arial" panose="020B0604020202020204" pitchFamily="34" charset="0"/>
               <a:buChar char="•"/>
@@ -1097,69 +1181,6 @@
               <a:rPr lang="de-DE" baseline="0" dirty="0"/>
               <a:t> (Templates)</a:t>
             </a:r>
-          </a:p>
-          <a:p>
-            <a:pPr marL="171450" lvl="0" indent="-171450">
-              <a:buFont typeface="Arial" panose="020B0604020202020204" pitchFamily="34" charset="0"/>
-              <a:buChar char="•"/>
-            </a:pPr>
-            <a:r>
-              <a:rPr lang="de-DE" baseline="0" dirty="0"/>
-              <a:t>REST:</a:t>
-            </a:r>
-          </a:p>
-          <a:p>
-            <a:pPr marL="628650" lvl="1" indent="-171450">
-              <a:buFont typeface="Arial" panose="020B0604020202020204" pitchFamily="34" charset="0"/>
-              <a:buChar char="•"/>
-            </a:pPr>
-            <a:r>
-              <a:rPr lang="de-DE" baseline="0" dirty="0"/>
-              <a:t>Ohne Bearbeitung: Neue Benutzeroberfläche</a:t>
-            </a:r>
-          </a:p>
-          <a:p>
-            <a:pPr marL="1085850" lvl="2" indent="-171450">
-              <a:buFont typeface="Arial" panose="020B0604020202020204" pitchFamily="34" charset="0"/>
-              <a:buChar char="•"/>
-            </a:pPr>
-            <a:r>
-              <a:rPr lang="de-DE" baseline="0" dirty="0"/>
-              <a:t>z.B. App</a:t>
-            </a:r>
-          </a:p>
-          <a:p>
-            <a:pPr marL="628650" lvl="1" indent="-171450">
-              <a:buFont typeface="Arial" panose="020B0604020202020204" pitchFamily="34" charset="0"/>
-              <a:buChar char="•"/>
-            </a:pPr>
-            <a:r>
-              <a:rPr lang="de-DE" baseline="0" dirty="0"/>
-              <a:t>Eigene </a:t>
-            </a:r>
-            <a:r>
-              <a:rPr lang="de-DE" baseline="0" dirty="0" err="1"/>
-              <a:t>OAuth</a:t>
-            </a:r>
-            <a:r>
-              <a:rPr lang="de-DE" baseline="0" dirty="0"/>
-              <a:t> Implementierung</a:t>
-            </a:r>
-          </a:p>
-          <a:p>
-            <a:pPr marL="628650" lvl="1" indent="-171450">
-              <a:buFont typeface="Arial" panose="020B0604020202020204" pitchFamily="34" charset="0"/>
-              <a:buChar char="•"/>
-            </a:pPr>
-            <a:r>
-              <a:rPr lang="de-DE" baseline="0" dirty="0"/>
-              <a:t>REST-Schnittstelle </a:t>
-            </a:r>
-            <a:r>
-              <a:rPr lang="de-DE" b="1" baseline="0" dirty="0"/>
-              <a:t>gegen Anwendungsfälle getestet</a:t>
-            </a:r>
-            <a:endParaRPr lang="de-DE" b="0" baseline="0" dirty="0"/>
           </a:p>
           <a:p>
             <a:pPr marL="171450" lvl="0" indent="-171450">
@@ -1433,6 +1454,308 @@
     <p:extLst>
       <p:ext uri="{BB962C8B-B14F-4D97-AF65-F5344CB8AC3E}">
         <p14:creationId xmlns:p14="http://schemas.microsoft.com/office/powerpoint/2010/main" val="2063133213"/>
+      </p:ext>
+    </p:extLst>
+  </p:cSld>
+  <p:clrMapOvr>
+    <a:masterClrMapping/>
+  </p:clrMapOvr>
+</p:notes>
+</file>
+
+<file path=ppt/notesSlides/notesSlide6.xml><?xml version="1.0" encoding="utf-8"?>
+<p:notes xmlns:a="http://schemas.openxmlformats.org/drawingml/2006/main" xmlns:r="http://schemas.openxmlformats.org/officeDocument/2006/relationships" xmlns:p="http://schemas.openxmlformats.org/presentationml/2006/main">
+  <p:cSld>
+    <p:spTree>
+      <p:nvGrpSpPr>
+        <p:cNvPr id="1" name=""/>
+        <p:cNvGrpSpPr/>
+        <p:nvPr/>
+      </p:nvGrpSpPr>
+      <p:grpSpPr>
+        <a:xfrm>
+          <a:off x="0" y="0"/>
+          <a:ext cx="0" cy="0"/>
+          <a:chOff x="0" y="0"/>
+          <a:chExt cx="0" cy="0"/>
+        </a:xfrm>
+      </p:grpSpPr>
+      <p:sp>
+        <p:nvSpPr>
+          <p:cNvPr id="2" name="Folienbildplatzhalter 1"/>
+          <p:cNvSpPr>
+            <a:spLocks noGrp="1" noRot="1" noChangeAspect="1"/>
+          </p:cNvSpPr>
+          <p:nvPr>
+            <p:ph type="sldImg"/>
+          </p:nvPr>
+        </p:nvSpPr>
+        <p:spPr/>
+      </p:sp>
+      <p:sp>
+        <p:nvSpPr>
+          <p:cNvPr id="3" name="Notizenplatzhalter 2"/>
+          <p:cNvSpPr>
+            <a:spLocks noGrp="1"/>
+          </p:cNvSpPr>
+          <p:nvPr>
+            <p:ph type="body" idx="1"/>
+          </p:nvPr>
+        </p:nvSpPr>
+        <p:spPr/>
+        <p:txBody>
+          <a:bodyPr/>
+          <a:lstStyle/>
+          <a:p>
+            <a:pPr marL="171450" indent="-171450">
+              <a:buFont typeface="Arial" panose="020B0604020202020204" pitchFamily="34" charset="0"/>
+              <a:buChar char="•"/>
+            </a:pPr>
+            <a:r>
+              <a:rPr lang="de-DE" dirty="0"/>
+              <a:t>Evolutionärer Algorithmus</a:t>
+            </a:r>
+          </a:p>
+          <a:p>
+            <a:pPr marL="628650" lvl="1" indent="-171450">
+              <a:buFont typeface="Arial" panose="020B0604020202020204" pitchFamily="34" charset="0"/>
+              <a:buChar char="•"/>
+            </a:pPr>
+            <a:r>
+              <a:rPr lang="de-DE" dirty="0"/>
+              <a:t>Mehrfache Generierung von „Plan-Familien“</a:t>
+            </a:r>
+          </a:p>
+          <a:p>
+            <a:pPr marL="1085850" lvl="2" indent="-171450">
+              <a:buFont typeface="Arial" panose="020B0604020202020204" pitchFamily="34" charset="0"/>
+              <a:buChar char="•"/>
+            </a:pPr>
+            <a:r>
+              <a:rPr lang="de-DE" dirty="0"/>
+              <a:t>10</a:t>
+            </a:r>
+            <a:r>
+              <a:rPr lang="de-DE" baseline="0" dirty="0"/>
+              <a:t> Pläne/Familie</a:t>
+            </a:r>
+          </a:p>
+          <a:p>
+            <a:pPr marL="1085850" lvl="2" indent="-171450">
+              <a:buFont typeface="Arial" panose="020B0604020202020204" pitchFamily="34" charset="0"/>
+              <a:buChar char="•"/>
+            </a:pPr>
+            <a:r>
+              <a:rPr lang="de-DE" baseline="0" dirty="0"/>
+              <a:t>5 Familien</a:t>
+            </a:r>
+          </a:p>
+          <a:p>
+            <a:pPr marL="1085850" lvl="2" indent="-171450">
+              <a:buFont typeface="Arial" panose="020B0604020202020204" pitchFamily="34" charset="0"/>
+              <a:buChar char="•"/>
+            </a:pPr>
+            <a:r>
+              <a:rPr lang="de-DE" baseline="0" dirty="0"/>
+              <a:t>Immer auf Basis der vorherigen Familie</a:t>
+            </a:r>
+          </a:p>
+          <a:p>
+            <a:pPr marL="171450" lvl="0" indent="-171450">
+              <a:buFont typeface="Arial" panose="020B0604020202020204" pitchFamily="34" charset="0"/>
+              <a:buChar char="•"/>
+            </a:pPr>
+            <a:r>
+              <a:rPr lang="de-DE" baseline="0" dirty="0"/>
+              <a:t>Dauer der Implementierung des Algorithmus (ca. 6-7 Wochen)</a:t>
+            </a:r>
+          </a:p>
+          <a:p>
+            <a:pPr marL="628650" lvl="1" indent="-171450">
+              <a:buFont typeface="Arial" panose="020B0604020202020204" pitchFamily="34" charset="0"/>
+              <a:buChar char="•"/>
+            </a:pPr>
+            <a:r>
+              <a:rPr lang="de-DE" baseline="0" dirty="0"/>
+              <a:t>Erste Code Zeile bis erster verifizierter Plan</a:t>
+            </a:r>
+            <a:endParaRPr lang="de-DE" dirty="0"/>
+          </a:p>
+        </p:txBody>
+      </p:sp>
+      <p:sp>
+        <p:nvSpPr>
+          <p:cNvPr id="4" name="Foliennummernplatzhalter 3"/>
+          <p:cNvSpPr>
+            <a:spLocks noGrp="1"/>
+          </p:cNvSpPr>
+          <p:nvPr>
+            <p:ph type="sldNum" sz="quarter" idx="10"/>
+          </p:nvPr>
+        </p:nvSpPr>
+        <p:spPr/>
+        <p:txBody>
+          <a:bodyPr/>
+          <a:lstStyle/>
+          <a:p>
+            <a:fld id="{10623EF1-A4FE-4F69-895D-EDE1FA958D12}" type="slidenum">
+              <a:rPr lang="de-DE" smtClean="0"/>
+              <a:t>8</a:t>
+            </a:fld>
+            <a:endParaRPr lang="de-DE"/>
+          </a:p>
+        </p:txBody>
+      </p:sp>
+    </p:spTree>
+    <p:extLst>
+      <p:ext uri="{BB962C8B-B14F-4D97-AF65-F5344CB8AC3E}">
+        <p14:creationId xmlns:p14="http://schemas.microsoft.com/office/powerpoint/2010/main" val="2108860238"/>
+      </p:ext>
+    </p:extLst>
+  </p:cSld>
+  <p:clrMapOvr>
+    <a:masterClrMapping/>
+  </p:clrMapOvr>
+</p:notes>
+</file>
+
+<file path=ppt/notesSlides/notesSlide7.xml><?xml version="1.0" encoding="utf-8"?>
+<p:notes xmlns:a="http://schemas.openxmlformats.org/drawingml/2006/main" xmlns:r="http://schemas.openxmlformats.org/officeDocument/2006/relationships" xmlns:p="http://schemas.openxmlformats.org/presentationml/2006/main">
+  <p:cSld>
+    <p:spTree>
+      <p:nvGrpSpPr>
+        <p:cNvPr id="1" name=""/>
+        <p:cNvGrpSpPr/>
+        <p:nvPr/>
+      </p:nvGrpSpPr>
+      <p:grpSpPr>
+        <a:xfrm>
+          <a:off x="0" y="0"/>
+          <a:ext cx="0" cy="0"/>
+          <a:chOff x="0" y="0"/>
+          <a:chExt cx="0" cy="0"/>
+        </a:xfrm>
+      </p:grpSpPr>
+      <p:sp>
+        <p:nvSpPr>
+          <p:cNvPr id="2" name="Folienbildplatzhalter 1"/>
+          <p:cNvSpPr>
+            <a:spLocks noGrp="1" noRot="1" noChangeAspect="1"/>
+          </p:cNvSpPr>
+          <p:nvPr>
+            <p:ph type="sldImg"/>
+          </p:nvPr>
+        </p:nvSpPr>
+        <p:spPr/>
+      </p:sp>
+      <p:sp>
+        <p:nvSpPr>
+          <p:cNvPr id="3" name="Notizenplatzhalter 2"/>
+          <p:cNvSpPr>
+            <a:spLocks noGrp="1"/>
+          </p:cNvSpPr>
+          <p:nvPr>
+            <p:ph type="body" idx="1"/>
+          </p:nvPr>
+        </p:nvSpPr>
+        <p:spPr/>
+        <p:txBody>
+          <a:bodyPr/>
+          <a:lstStyle/>
+          <a:p>
+            <a:pPr marL="171450" indent="-171450">
+              <a:buFont typeface="Arial" panose="020B0604020202020204" pitchFamily="34" charset="0"/>
+              <a:buChar char="•"/>
+            </a:pPr>
+            <a:r>
+              <a:rPr lang="de-DE" dirty="0"/>
+              <a:t>„Wasserfall mit Rückkopplung“ hat für uns funktioniert</a:t>
+            </a:r>
+          </a:p>
+          <a:p>
+            <a:pPr marL="628650" lvl="1" indent="-171450">
+              <a:buFont typeface="Arial" panose="020B0604020202020204" pitchFamily="34" charset="0"/>
+              <a:buChar char="•"/>
+            </a:pPr>
+            <a:r>
+              <a:rPr lang="de-DE" dirty="0"/>
+              <a:t>Pflichtenheft: Gute</a:t>
+            </a:r>
+            <a:r>
+              <a:rPr lang="de-DE" baseline="0" dirty="0"/>
+              <a:t> Grundlage =&gt; „Alle sprechen die selbe Sprache“</a:t>
+            </a:r>
+          </a:p>
+          <a:p>
+            <a:pPr marL="628650" lvl="1" indent="-171450">
+              <a:buFont typeface="Arial" panose="020B0604020202020204" pitchFamily="34" charset="0"/>
+              <a:buChar char="•"/>
+            </a:pPr>
+            <a:r>
+              <a:rPr lang="de-DE" baseline="0" dirty="0"/>
+              <a:t>Entwurf: Erfolgreich</a:t>
+            </a:r>
+          </a:p>
+          <a:p>
+            <a:pPr marL="628650" lvl="1" indent="-171450">
+              <a:buFont typeface="Arial" panose="020B0604020202020204" pitchFamily="34" charset="0"/>
+              <a:buChar char="•"/>
+            </a:pPr>
+            <a:r>
+              <a:rPr lang="de-DE" baseline="0" dirty="0"/>
+              <a:t>Wenig Änderungen in Implementierung notwendig</a:t>
+            </a:r>
+          </a:p>
+          <a:p>
+            <a:pPr marL="628650" lvl="1" indent="-171450">
+              <a:buFont typeface="Arial" panose="020B0604020202020204" pitchFamily="34" charset="0"/>
+              <a:buChar char="•"/>
+            </a:pPr>
+            <a:r>
+              <a:rPr lang="de-DE" baseline="0" dirty="0"/>
+              <a:t>„Perfektionierung“ während Qualitätssicherung</a:t>
+            </a:r>
+          </a:p>
+          <a:p>
+            <a:pPr marL="171450" lvl="0" indent="-171450">
+              <a:buFont typeface="Arial" panose="020B0604020202020204" pitchFamily="34" charset="0"/>
+              <a:buChar char="•"/>
+            </a:pPr>
+            <a:r>
+              <a:rPr lang="de-DE" baseline="0" dirty="0"/>
+              <a:t>Insgesamt: Sehr erfolgreiches Projekt mit zufriedenstellendem Ergebnis</a:t>
+            </a:r>
+            <a:endParaRPr lang="de-DE" dirty="0"/>
+          </a:p>
+        </p:txBody>
+      </p:sp>
+      <p:sp>
+        <p:nvSpPr>
+          <p:cNvPr id="4" name="Foliennummernplatzhalter 3"/>
+          <p:cNvSpPr>
+            <a:spLocks noGrp="1"/>
+          </p:cNvSpPr>
+          <p:nvPr>
+            <p:ph type="sldNum" sz="quarter" idx="10"/>
+          </p:nvPr>
+        </p:nvSpPr>
+        <p:spPr/>
+        <p:txBody>
+          <a:bodyPr/>
+          <a:lstStyle/>
+          <a:p>
+            <a:fld id="{10623EF1-A4FE-4F69-895D-EDE1FA958D12}" type="slidenum">
+              <a:rPr lang="de-DE" smtClean="0"/>
+              <a:t>11</a:t>
+            </a:fld>
+            <a:endParaRPr lang="de-DE"/>
+          </a:p>
+        </p:txBody>
+      </p:sp>
+    </p:spTree>
+    <p:extLst>
+      <p:ext uri="{BB962C8B-B14F-4D97-AF65-F5344CB8AC3E}">
+        <p14:creationId xmlns:p14="http://schemas.microsoft.com/office/powerpoint/2010/main" val="1164759449"/>
       </p:ext>
     </p:extLst>
   </p:cSld>
@@ -1716,7 +2039,7 @@
           <a:p>
             <a:fld id="{78ABE3C1-DBE1-495D-B57B-2849774B866A}" type="datetimeFigureOut">
               <a:rPr lang="en-US" dirty="0"/>
-              <a:t>3/18/17</a:t>
+              <a:t>3/19/2017</a:t>
             </a:fld>
             <a:endParaRPr lang="en-US" dirty="0"/>
           </a:p>
@@ -2125,7 +2448,7 @@
           <a:p>
             <a:fld id="{446C117F-5CCF-4837-BE5F-2B92066CAFAF}" type="datetimeFigureOut">
               <a:rPr lang="en-US" dirty="0"/>
-              <a:t>3/18/17</a:t>
+              <a:t>3/19/2017</a:t>
             </a:fld>
             <a:endParaRPr lang="en-US" dirty="0"/>
           </a:p>
@@ -2456,7 +2779,7 @@
           <a:p>
             <a:fld id="{84EB90BD-B6CE-46B7-997F-7313B992CCDC}" type="datetimeFigureOut">
               <a:rPr lang="en-US" dirty="0"/>
-              <a:t>3/18/17</a:t>
+              <a:t>3/19/2017</a:t>
             </a:fld>
             <a:endParaRPr lang="en-US" dirty="0"/>
           </a:p>
@@ -2856,7 +3179,7 @@
           <a:p>
             <a:fld id="{CDB9D11F-B188-461D-B23F-39381795C052}" type="datetimeFigureOut">
               <a:rPr lang="en-US" dirty="0"/>
-              <a:t>3/18/17</a:t>
+              <a:t>3/19/2017</a:t>
             </a:fld>
             <a:endParaRPr lang="en-US" dirty="0"/>
           </a:p>
@@ -3419,7 +3742,7 @@
           <a:p>
             <a:fld id="{52E6D8D9-55A2-4063-B0F3-121F44549695}" type="datetimeFigureOut">
               <a:rPr lang="en-US" dirty="0"/>
-              <a:t>3/18/17</a:t>
+              <a:t>3/19/2017</a:t>
             </a:fld>
             <a:endParaRPr lang="en-US" dirty="0"/>
           </a:p>
@@ -4095,7 +4418,7 @@
           <a:p>
             <a:fld id="{D4B24536-994D-4021-A283-9F449C0DB509}" type="datetimeFigureOut">
               <a:rPr lang="en-US" dirty="0"/>
-              <a:t>3/18/17</a:t>
+              <a:t>3/19/2017</a:t>
             </a:fld>
             <a:endParaRPr lang="en-US" dirty="0"/>
           </a:p>
@@ -5003,7 +5326,7 @@
           <a:p>
             <a:fld id="{3CBBBB78-C96F-47B7-AB17-D852CA960AC9}" type="datetimeFigureOut">
               <a:rPr lang="en-US" dirty="0"/>
-              <a:t>3/18/17</a:t>
+              <a:t>3/19/2017</a:t>
             </a:fld>
             <a:endParaRPr lang="en-US" dirty="0"/>
           </a:p>
@@ -5311,7 +5634,7 @@
           <a:p>
             <a:fld id="{1FA3F48C-C7C6-4055-9F49-3777875E72AE}" type="datetimeFigureOut">
               <a:rPr lang="en-US" dirty="0"/>
-              <a:t>3/18/17</a:t>
+              <a:t>3/19/2017</a:t>
             </a:fld>
             <a:endParaRPr lang="en-US" dirty="0"/>
           </a:p>
@@ -5570,7 +5893,7 @@
           <a:p>
             <a:fld id="{6178E61D-D431-422C-9764-11DAFE33AB63}" type="datetimeFigureOut">
               <a:rPr lang="en-US" dirty="0"/>
-              <a:t>3/18/17</a:t>
+              <a:t>3/19/2017</a:t>
             </a:fld>
             <a:endParaRPr lang="en-US" dirty="0"/>
           </a:p>
@@ -5889,7 +6212,7 @@
           <a:p>
             <a:fld id="{12DE42F4-6EEF-4EF7-8ED4-2208F0F89A08}" type="datetimeFigureOut">
               <a:rPr lang="en-US" dirty="0"/>
-              <a:t>3/18/17</a:t>
+              <a:t>3/19/2017</a:t>
             </a:fld>
             <a:endParaRPr lang="en-US" dirty="0"/>
           </a:p>
@@ -6273,7 +6596,7 @@
           <a:p>
             <a:fld id="{30578ACC-22D6-47C1-A373-4FD133E34F3C}" type="datetimeFigureOut">
               <a:rPr lang="en-US" dirty="0"/>
-              <a:t>3/18/17</a:t>
+              <a:t>3/19/2017</a:t>
             </a:fld>
             <a:endParaRPr lang="en-US" dirty="0"/>
           </a:p>
@@ -6644,7 +6967,7 @@
           <a:p>
             <a:fld id="{4E5A6C69-6797-4E8A-BF37-F2C3751466E9}" type="datetimeFigureOut">
               <a:rPr lang="en-US" dirty="0"/>
-              <a:t>3/18/17</a:t>
+              <a:t>3/19/2017</a:t>
             </a:fld>
             <a:endParaRPr lang="en-US" dirty="0"/>
           </a:p>
@@ -7145,7 +7468,7 @@
           <a:p>
             <a:fld id="{D82014A1-A632-4878-A0D3-F52BA7563730}" type="datetimeFigureOut">
               <a:rPr lang="en-US" dirty="0"/>
-              <a:t>3/18/17</a:t>
+              <a:t>3/19/2017</a:t>
             </a:fld>
             <a:endParaRPr lang="en-US" dirty="0"/>
           </a:p>
@@ -7397,7 +7720,7 @@
           <a:p>
             <a:fld id="{CE99F462-093F-4566-844B-4C71F2739DA5}" type="datetimeFigureOut">
               <a:rPr lang="en-US" dirty="0"/>
-              <a:t>3/18/17</a:t>
+              <a:t>3/19/2017</a:t>
             </a:fld>
             <a:endParaRPr lang="en-US" dirty="0"/>
           </a:p>
@@ -7555,7 +7878,7 @@
           <a:p>
             <a:fld id="{3D24A7AC-904D-4781-85BA-7D10C17ED021}" type="datetimeFigureOut">
               <a:rPr lang="en-US" dirty="0"/>
-              <a:t>3/18/17</a:t>
+              <a:t>3/19/2017</a:t>
             </a:fld>
             <a:endParaRPr lang="en-US" dirty="0"/>
           </a:p>
@@ -7940,7 +8263,7 @@
           <a:p>
             <a:fld id="{E331444B-B92B-4E27-8C94-BB93EAF5CB18}" type="datetimeFigureOut">
               <a:rPr lang="en-US" dirty="0"/>
-              <a:t>3/18/17</a:t>
+              <a:t>3/19/2017</a:t>
             </a:fld>
             <a:endParaRPr lang="en-US" dirty="0"/>
           </a:p>
@@ -8344,7 +8667,7 @@
           <a:p>
             <a:fld id="{363EFA5E-FA76-400D-B3DC-F0BA90E6D107}" type="datetimeFigureOut">
               <a:rPr lang="en-US" dirty="0"/>
-              <a:t>3/18/17</a:t>
+              <a:t>3/19/2017</a:t>
             </a:fld>
             <a:endParaRPr lang="en-US" dirty="0"/>
           </a:p>
@@ -8409,10 +8732,10 @@
           <a:gsLst>
             <a:gs pos="0">
               <a:schemeClr val="accent2">
-                <a:lumMod val="67000"/>
+                <a:lumMod val="77000"/>
               </a:schemeClr>
             </a:gs>
-            <a:gs pos="32000">
+            <a:gs pos="8000">
               <a:schemeClr val="accent2">
                 <a:lumMod val="97000"/>
                 <a:lumOff val="3000"/>
@@ -8425,7 +8748,7 @@
               </a:schemeClr>
             </a:gs>
           </a:gsLst>
-          <a:lin ang="16200000" scaled="1"/>
+          <a:lin ang="16200000" scaled="0"/>
           <a:tileRect/>
         </a:gradFill>
         <a:effectLst/>
@@ -8606,7 +8929,7 @@
           <a:p>
             <a:fld id="{9D6E9DEC-419B-4CC5-A080-3B06BD5A8291}" type="datetimeFigureOut">
               <a:rPr lang="en-US" dirty="0"/>
-              <a:t>3/18/17</a:t>
+              <a:t>3/19/2017</a:t>
             </a:fld>
             <a:endParaRPr lang="en-US" dirty="0"/>
           </a:p>
@@ -9000,34 +9323,6 @@
 <file path=ppt/slides/slide1.xml><?xml version="1.0" encoding="utf-8"?>
 <p:sld xmlns:a="http://schemas.openxmlformats.org/drawingml/2006/main" xmlns:r="http://schemas.openxmlformats.org/officeDocument/2006/relationships" xmlns:p="http://schemas.openxmlformats.org/presentationml/2006/main">
   <p:cSld>
-    <p:bg>
-      <p:bgPr>
-        <a:gradFill flip="none" rotWithShape="1">
-          <a:gsLst>
-            <a:gs pos="0">
-              <a:schemeClr val="accent2">
-                <a:lumMod val="77000"/>
-              </a:schemeClr>
-            </a:gs>
-            <a:gs pos="32000">
-              <a:schemeClr val="accent2">
-                <a:lumMod val="97000"/>
-                <a:lumOff val="3000"/>
-              </a:schemeClr>
-            </a:gs>
-            <a:gs pos="100000">
-              <a:schemeClr val="accent2">
-                <a:lumMod val="60000"/>
-                <a:lumOff val="40000"/>
-              </a:schemeClr>
-            </a:gs>
-          </a:gsLst>
-          <a:lin ang="16200000" scaled="1"/>
-          <a:tileRect/>
-        </a:gradFill>
-        <a:effectLst/>
-      </p:bgPr>
-    </p:bg>
     <p:spTree>
       <p:nvGrpSpPr>
         <p:cNvPr id="1" name=""/>
@@ -9175,13 +9470,187 @@
   <p:clrMapOvr>
     <a:masterClrMapping/>
   </p:clrMapOvr>
-  <p:timing>
-    <p:tnLst>
-      <p:par>
-        <p:cTn id="1" dur="indefinite" restart="never" nodeType="tmRoot"/>
-      </p:par>
-    </p:tnLst>
-  </p:timing>
+</p:sld>
+</file>
+
+<file path=ppt/slides/slide10.xml><?xml version="1.0" encoding="utf-8"?>
+<p:sld xmlns:a="http://schemas.openxmlformats.org/drawingml/2006/main" xmlns:r="http://schemas.openxmlformats.org/officeDocument/2006/relationships" xmlns:p="http://schemas.openxmlformats.org/presentationml/2006/main">
+  <p:cSld>
+    <p:spTree>
+      <p:nvGrpSpPr>
+        <p:cNvPr id="1" name=""/>
+        <p:cNvGrpSpPr/>
+        <p:nvPr/>
+      </p:nvGrpSpPr>
+      <p:grpSpPr>
+        <a:xfrm>
+          <a:off x="0" y="0"/>
+          <a:ext cx="0" cy="0"/>
+          <a:chOff x="0" y="0"/>
+          <a:chExt cx="0" cy="0"/>
+        </a:xfrm>
+      </p:grpSpPr>
+      <p:sp>
+        <p:nvSpPr>
+          <p:cNvPr id="2" name="Titel 1"/>
+          <p:cNvSpPr>
+            <a:spLocks noGrp="1"/>
+          </p:cNvSpPr>
+          <p:nvPr>
+            <p:ph type="title"/>
+          </p:nvPr>
+        </p:nvSpPr>
+        <p:spPr/>
+        <p:txBody>
+          <a:bodyPr/>
+          <a:lstStyle/>
+          <a:p>
+            <a:r>
+              <a:rPr lang="de-DE" dirty="0"/>
+              <a:t>Vorführung</a:t>
+            </a:r>
+          </a:p>
+        </p:txBody>
+      </p:sp>
+      <p:sp>
+        <p:nvSpPr>
+          <p:cNvPr id="3" name="Textplatzhalter 2"/>
+          <p:cNvSpPr>
+            <a:spLocks noGrp="1"/>
+          </p:cNvSpPr>
+          <p:nvPr>
+            <p:ph type="body" idx="1"/>
+          </p:nvPr>
+        </p:nvSpPr>
+        <p:spPr/>
+        <p:txBody>
+          <a:bodyPr/>
+          <a:lstStyle/>
+          <a:p>
+            <a:r>
+              <a:rPr lang="de-DE" dirty="0"/>
+              <a:t>Denn was helfen 220 Seiten Dokumentation,</a:t>
+            </a:r>
+            <a:br>
+              <a:rPr lang="de-DE" dirty="0"/>
+            </a:br>
+            <a:r>
+              <a:rPr lang="de-DE" dirty="0"/>
+              <a:t>wenn das Produkt nicht funktioniert?</a:t>
+            </a:r>
+          </a:p>
+        </p:txBody>
+      </p:sp>
+    </p:spTree>
+    <p:extLst>
+      <p:ext uri="{BB962C8B-B14F-4D97-AF65-F5344CB8AC3E}">
+        <p14:creationId xmlns:p14="http://schemas.microsoft.com/office/powerpoint/2010/main" val="3526958010"/>
+      </p:ext>
+    </p:extLst>
+  </p:cSld>
+  <p:clrMapOvr>
+    <a:masterClrMapping/>
+  </p:clrMapOvr>
+</p:sld>
+</file>
+
+<file path=ppt/slides/slide11.xml><?xml version="1.0" encoding="utf-8"?>
+<p:sld xmlns:a="http://schemas.openxmlformats.org/drawingml/2006/main" xmlns:r="http://schemas.openxmlformats.org/officeDocument/2006/relationships" xmlns:p="http://schemas.openxmlformats.org/presentationml/2006/main">
+  <p:cSld>
+    <p:spTree>
+      <p:nvGrpSpPr>
+        <p:cNvPr id="1" name=""/>
+        <p:cNvGrpSpPr/>
+        <p:nvPr/>
+      </p:nvGrpSpPr>
+      <p:grpSpPr>
+        <a:xfrm>
+          <a:off x="0" y="0"/>
+          <a:ext cx="0" cy="0"/>
+          <a:chOff x="0" y="0"/>
+          <a:chExt cx="0" cy="0"/>
+        </a:xfrm>
+      </p:grpSpPr>
+      <p:sp>
+        <p:nvSpPr>
+          <p:cNvPr id="2" name="Titel 1"/>
+          <p:cNvSpPr>
+            <a:spLocks noGrp="1"/>
+          </p:cNvSpPr>
+          <p:nvPr>
+            <p:ph type="title"/>
+          </p:nvPr>
+        </p:nvSpPr>
+        <p:spPr/>
+        <p:txBody>
+          <a:bodyPr/>
+          <a:lstStyle/>
+          <a:p>
+            <a:r>
+              <a:rPr lang="de-DE" dirty="0"/>
+              <a:t>Zusammenfassung</a:t>
+            </a:r>
+          </a:p>
+        </p:txBody>
+      </p:sp>
+      <p:sp>
+        <p:nvSpPr>
+          <p:cNvPr id="3" name="Inhaltsplatzhalter 2"/>
+          <p:cNvSpPr>
+            <a:spLocks noGrp="1"/>
+          </p:cNvSpPr>
+          <p:nvPr>
+            <p:ph idx="1"/>
+          </p:nvPr>
+        </p:nvSpPr>
+        <p:spPr/>
+        <p:txBody>
+          <a:bodyPr/>
+          <a:lstStyle/>
+          <a:p>
+            <a:r>
+              <a:rPr lang="de-DE" dirty="0"/>
+              <a:t>Erfolgreicher Entwurf</a:t>
+            </a:r>
+          </a:p>
+          <a:p>
+            <a:pPr lvl="1">
+              <a:buFont typeface="Wingdings" panose="05000000000000000000" pitchFamily="2" charset="2"/>
+              <a:buChar char="Ø"/>
+            </a:pPr>
+            <a:r>
+              <a:rPr lang="de-DE" dirty="0"/>
+              <a:t>Wenige Änderungen in Implementierungsphase notwendig</a:t>
+            </a:r>
+          </a:p>
+          <a:p>
+            <a:r>
+              <a:rPr lang="de-DE" dirty="0"/>
+              <a:t>Erfolgreiches Projekt</a:t>
+            </a:r>
+          </a:p>
+          <a:p>
+            <a:pPr lvl="1">
+              <a:buFont typeface="Wingdings" panose="05000000000000000000" pitchFamily="2" charset="2"/>
+              <a:buChar char="Ø"/>
+            </a:pPr>
+            <a:r>
+              <a:rPr lang="de-DE" dirty="0"/>
+              <a:t>Software entspricht allen Spezifikationen des Pflichtenhefts</a:t>
+            </a:r>
+          </a:p>
+        </p:txBody>
+      </p:sp>
+    </p:spTree>
+    <p:extLst>
+      <p:ext uri="{BB962C8B-B14F-4D97-AF65-F5344CB8AC3E}">
+        <p14:creationId xmlns:p14="http://schemas.microsoft.com/office/powerpoint/2010/main" val="2148954173"/>
+      </p:ext>
+    </p:extLst>
+  </p:cSld>
+  <p:clrMapOvr>
+    <a:masterClrMapping/>
+  </p:clrMapOvr>
 </p:sld>
 </file>
 
@@ -9298,13 +9767,6 @@
   <p:clrMapOvr>
     <a:masterClrMapping/>
   </p:clrMapOvr>
-  <p:timing>
-    <p:tnLst>
-      <p:par>
-        <p:cTn id="1" dur="indefinite" restart="never" nodeType="tmRoot"/>
-      </p:par>
-    </p:tnLst>
-  </p:timing>
 </p:sld>
 </file>
 
@@ -9417,13 +9879,6 @@
   <p:clrMapOvr>
     <a:masterClrMapping/>
   </p:clrMapOvr>
-  <p:timing>
-    <p:tnLst>
-      <p:par>
-        <p:cTn id="1" dur="indefinite" restart="never" nodeType="tmRoot"/>
-      </p:par>
-    </p:tnLst>
-  </p:timing>
 </p:sld>
 </file>
 
@@ -9652,13 +10107,6 @@
   <p:clrMapOvr>
     <a:masterClrMapping/>
   </p:clrMapOvr>
-  <p:timing>
-    <p:tnLst>
-      <p:par>
-        <p:cTn id="1" dur="indefinite" restart="never" nodeType="tmRoot"/>
-      </p:par>
-    </p:tnLst>
-  </p:timing>
 </p:sld>
 </file>
 
@@ -9934,13 +10382,6 @@
   <p:clrMapOvr>
     <a:masterClrMapping/>
   </p:clrMapOvr>
-  <p:timing>
-    <p:tnLst>
-      <p:par>
-        <p:cTn id="1" dur="indefinite" restart="never" nodeType="tmRoot"/>
-      </p:par>
-    </p:tnLst>
-  </p:timing>
 </p:sld>
 </file>
 
@@ -9978,7 +10419,7 @@
           <a:p>
             <a:r>
               <a:rPr lang="de-DE" dirty="0"/>
-              <a:t>Zielfunktionen für Generierung</a:t>
+              <a:t>Entwurf: Zielfunktionen für Generierung</a:t>
             </a:r>
           </a:p>
         </p:txBody>
@@ -9998,27 +10439,44 @@
           <a:bodyPr/>
           <a:lstStyle/>
           <a:p>
+            <a:pPr>
+              <a:lnSpc>
+                <a:spcPct val="150000"/>
+              </a:lnSpc>
+            </a:pPr>
             <a:r>
               <a:rPr lang="de-DE" dirty="0"/>
               <a:t>Mögliche Ziele</a:t>
             </a:r>
           </a:p>
           <a:p>
-            <a:pPr lvl="1"/>
+            <a:pPr lvl="1">
+              <a:lnSpc>
+                <a:spcPct val="150000"/>
+              </a:lnSpc>
+            </a:pPr>
             <a:r>
               <a:rPr lang="de-DE" dirty="0"/>
               <a:t>Minimale ECTS-Zahl</a:t>
             </a:r>
           </a:p>
           <a:p>
-            <a:pPr lvl="1"/>
+            <a:pPr lvl="1">
+              <a:lnSpc>
+                <a:spcPct val="150000"/>
+              </a:lnSpc>
+            </a:pPr>
             <a:r>
               <a:rPr lang="de-DE" dirty="0"/>
               <a:t>Minimale Semester Zahl</a:t>
             </a:r>
           </a:p>
           <a:p>
-            <a:pPr lvl="1"/>
+            <a:pPr lvl="1">
+              <a:lnSpc>
+                <a:spcPct val="150000"/>
+              </a:lnSpc>
+            </a:pPr>
             <a:r>
               <a:rPr lang="de-DE" dirty="0"/>
               <a:t>Präferenzen</a:t>
@@ -10036,13 +10494,6 @@
   <p:clrMapOvr>
     <a:masterClrMapping/>
   </p:clrMapOvr>
-  <p:timing>
-    <p:tnLst>
-      <p:par>
-        <p:cTn id="1" dur="indefinite" restart="never" nodeType="tmRoot"/>
-      </p:par>
-    </p:tnLst>
-  </p:timing>
 </p:sld>
 </file>
 
@@ -10080,7 +10531,7 @@
           <a:p>
             <a:r>
               <a:rPr lang="de-DE" dirty="0"/>
-              <a:t>Zielfunktionen für Generierung</a:t>
+              <a:t>Entwurf: Zielfunktionen für Generierung</a:t>
             </a:r>
           </a:p>
         </p:txBody>
@@ -10211,7 +10662,7 @@
               <a:p>
                 <a:pPr algn="ctr"/>
                 <a:r>
-                  <a:rPr lang="de-DE" dirty="0" smtClean="0">
+                  <a:rPr lang="de-DE" dirty="0">
                     <a:solidFill>
                       <a:schemeClr val="tx2"/>
                     </a:solidFill>
@@ -10281,7 +10732,7 @@
               <a:p>
                 <a:pPr algn="ctr"/>
                 <a:r>
-                  <a:rPr lang="de-DE" dirty="0" smtClean="0">
+                  <a:rPr lang="de-DE" dirty="0">
                     <a:solidFill>
                       <a:schemeClr val="tx2"/>
                     </a:solidFill>
@@ -10351,7 +10802,7 @@
               <a:p>
                 <a:pPr algn="ctr"/>
                 <a:r>
-                  <a:rPr lang="de-DE" dirty="0" smtClean="0">
+                  <a:rPr lang="de-DE" dirty="0">
                     <a:solidFill>
                       <a:schemeClr val="tx2"/>
                     </a:solidFill>
@@ -10421,14 +10872,14 @@
               <a:p>
                 <a:pPr algn="ctr"/>
                 <a:r>
-                  <a:rPr lang="de-DE" dirty="0" err="1" smtClean="0">
+                  <a:rPr lang="de-DE" dirty="0" err="1">
                     <a:solidFill>
                       <a:schemeClr val="tx2"/>
                     </a:solidFill>
                   </a:rPr>
                   <a:t>Preferences</a:t>
                 </a:r>
-                <a:endParaRPr lang="de-DE" dirty="0" smtClean="0">
+                <a:endParaRPr lang="de-DE" dirty="0">
                   <a:solidFill>
                     <a:schemeClr val="tx2"/>
                   </a:solidFill>
@@ -10493,7 +10944,7 @@
               <a:p>
                 <a:pPr algn="ctr"/>
                 <a:r>
-                  <a:rPr lang="de-DE" dirty="0" smtClean="0">
+                  <a:rPr lang="de-DE" dirty="0">
                     <a:solidFill>
                       <a:schemeClr val="accent1"/>
                     </a:solidFill>
@@ -10501,14 +10952,14 @@
                   <a:t>User </a:t>
                 </a:r>
                 <a:r>
-                  <a:rPr lang="de-DE" dirty="0" err="1" smtClean="0">
+                  <a:rPr lang="de-DE" dirty="0" err="1">
                     <a:solidFill>
                       <a:schemeClr val="accent1"/>
                     </a:solidFill>
                   </a:rPr>
                   <a:t>Selection</a:t>
                 </a:r>
-                <a:endParaRPr lang="de-DE" dirty="0" smtClean="0">
+                <a:endParaRPr lang="de-DE" dirty="0">
                   <a:solidFill>
                     <a:schemeClr val="accent1"/>
                   </a:solidFill>
@@ -10576,14 +11027,14 @@
               <a:p>
                 <a:pPr algn="ctr"/>
                 <a:r>
-                  <a:rPr lang="de-DE" sz="6600" dirty="0" smtClean="0">
+                  <a:rPr lang="de-DE" sz="6600" dirty="0">
                     <a:solidFill>
                       <a:schemeClr val="tx2"/>
                     </a:solidFill>
                   </a:rPr>
                   <a:t>∅</a:t>
                 </a:r>
-                <a:endParaRPr lang="de-DE" dirty="0" smtClean="0">
+                <a:endParaRPr lang="de-DE" dirty="0">
                   <a:solidFill>
                     <a:schemeClr val="tx2"/>
                   </a:solidFill>
@@ -10802,17 +11253,9 @@
                       <a:schemeClr val="tx2"/>
                     </a:solidFill>
                   </a:rPr>
-                  <a:t>x</a:t>
+                  <a:t>x &lt; 0.5 ? 0 : x</a:t>
                 </a:r>
-                <a:r>
-                  <a:rPr lang="de-DE" sz="2000" dirty="0" smtClean="0">
-                    <a:solidFill>
-                      <a:schemeClr val="tx2"/>
-                    </a:solidFill>
-                  </a:rPr>
-                  <a:t> &lt; 0.5 ? 0 : x</a:t>
-                </a:r>
-                <a:endParaRPr lang="de-DE" sz="1400" dirty="0" smtClean="0">
+                <a:endParaRPr lang="de-DE" sz="1400" dirty="0">
                   <a:solidFill>
                     <a:schemeClr val="tx2"/>
                   </a:solidFill>
@@ -10923,7 +11366,7 @@
                   </a:rPr>
                   <a:t>*</a:t>
                 </a:r>
-                <a:endParaRPr lang="de-DE" sz="1400" dirty="0" smtClean="0">
+                <a:endParaRPr lang="de-DE" sz="1400" dirty="0">
                   <a:solidFill>
                     <a:schemeClr val="tx2"/>
                   </a:solidFill>
@@ -11026,7 +11469,7 @@
               <a:lstStyle/>
               <a:p>
                 <a:r>
-                  <a:rPr lang="de-DE" sz="2000" dirty="0" smtClean="0"/>
+                  <a:rPr lang="de-DE" sz="2000" dirty="0"/>
                   <a:t>score</a:t>
                 </a:r>
               </a:p>
@@ -11093,11 +11536,7 @@
             <a:p>
               <a:r>
                 <a:rPr lang="de-DE" sz="2000"/>
-                <a:t>p</a:t>
-              </a:r>
-              <a:r>
-                <a:rPr lang="de-DE" sz="2000" smtClean="0"/>
-                <a:t>lan</a:t>
+                <a:t>plan</a:t>
               </a:r>
             </a:p>
           </p:txBody>
@@ -11293,13 +11732,6 @@
   <p:clrMapOvr>
     <a:masterClrMapping/>
   </p:clrMapOvr>
-  <p:timing>
-    <p:tnLst>
-      <p:par>
-        <p:cTn id="1" dur="indefinite" restart="never" nodeType="tmRoot"/>
-      </p:par>
-    </p:tnLst>
-  </p:timing>
 </p:sld>
 </file>
 
@@ -11336,8 +11768,8 @@
           <a:lstStyle/>
           <a:p>
             <a:r>
-              <a:rPr lang="de-DE"/>
-              <a:t>Generierung</a:t>
+              <a:rPr lang="de-DE" dirty="0"/>
+              <a:t>Entwurf: Generierungsalgorithmus</a:t>
             </a:r>
           </a:p>
         </p:txBody>
@@ -11352,12 +11784,110 @@
             <p:ph idx="1"/>
           </p:nvPr>
         </p:nvSpPr>
-        <p:spPr/>
-        <p:txBody>
-          <a:bodyPr/>
+        <p:spPr>
+          <a:xfrm>
+            <a:off x="680321" y="2336872"/>
+            <a:ext cx="9613861" cy="4075959"/>
+          </a:xfrm>
+        </p:spPr>
+        <p:txBody>
+          <a:bodyPr>
+            <a:noAutofit/>
+          </a:bodyPr>
           <a:lstStyle/>
           <a:p>
-            <a:endParaRPr lang="de-DE"/>
+            <a:pPr>
+              <a:lnSpc>
+                <a:spcPct val="150000"/>
+              </a:lnSpc>
+            </a:pPr>
+            <a:r>
+              <a:rPr lang="de-DE" dirty="0"/>
+              <a:t>Evolutionärer Algorithmus</a:t>
+            </a:r>
+          </a:p>
+          <a:p>
+            <a:pPr lvl="1">
+              <a:lnSpc>
+                <a:spcPct val="150000"/>
+              </a:lnSpc>
+              <a:buFont typeface="Wingdings" panose="05000000000000000000" pitchFamily="2" charset="2"/>
+              <a:buChar char="Ø"/>
+            </a:pPr>
+            <a:r>
+              <a:rPr lang="de-DE" dirty="0"/>
+              <a:t>Mehrfache Generierung/Modifizierung von Plänen</a:t>
+            </a:r>
+          </a:p>
+          <a:p>
+            <a:pPr>
+              <a:lnSpc>
+                <a:spcPct val="150000"/>
+              </a:lnSpc>
+            </a:pPr>
+            <a:r>
+              <a:rPr lang="de-DE" dirty="0"/>
+              <a:t>Schritte:</a:t>
+            </a:r>
+          </a:p>
+          <a:p>
+            <a:pPr marL="914400" lvl="1" indent="-457200">
+              <a:lnSpc>
+                <a:spcPct val="150000"/>
+              </a:lnSpc>
+              <a:buFont typeface="+mj-lt"/>
+              <a:buAutoNum type="arabicPeriod"/>
+            </a:pPr>
+            <a:r>
+              <a:rPr lang="de-DE" dirty="0"/>
+              <a:t>Erstellung eines Abhängigkeitsgraphen</a:t>
+            </a:r>
+          </a:p>
+          <a:p>
+            <a:pPr marL="914400" lvl="1" indent="-457200">
+              <a:lnSpc>
+                <a:spcPct val="150000"/>
+              </a:lnSpc>
+              <a:buFont typeface="+mj-lt"/>
+              <a:buAutoNum type="arabicPeriod"/>
+            </a:pPr>
+            <a:r>
+              <a:rPr lang="de-DE" dirty="0"/>
+              <a:t>Zufälliges hinzufügen/austauschen von Module</a:t>
+            </a:r>
+          </a:p>
+          <a:p>
+            <a:pPr marL="914400" lvl="1" indent="-457200">
+              <a:lnSpc>
+                <a:spcPct val="150000"/>
+              </a:lnSpc>
+              <a:buFont typeface="+mj-lt"/>
+              <a:buAutoNum type="arabicPeriod"/>
+            </a:pPr>
+            <a:r>
+              <a:rPr lang="de-DE" dirty="0"/>
+              <a:t>Topologische Sortierung des Graphs</a:t>
+            </a:r>
+          </a:p>
+          <a:p>
+            <a:pPr marL="914400" lvl="1" indent="-457200">
+              <a:lnSpc>
+                <a:spcPct val="150000"/>
+              </a:lnSpc>
+              <a:buFont typeface="+mj-lt"/>
+              <a:buAutoNum type="arabicPeriod"/>
+            </a:pPr>
+            <a:r>
+              <a:rPr lang="de-DE" dirty="0"/>
+              <a:t>„Parallelisierung“ der Sortierung</a:t>
+            </a:r>
+          </a:p>
+          <a:p>
+            <a:pPr marL="914400" lvl="1" indent="-457200">
+              <a:buFont typeface="+mj-lt"/>
+              <a:buAutoNum type="arabicPeriod"/>
+            </a:pPr>
+            <a:endParaRPr lang="de-DE" dirty="0"/>
           </a:p>
         </p:txBody>
       </p:sp>
@@ -11371,13 +11901,1138 @@
   <p:clrMapOvr>
     <a:masterClrMapping/>
   </p:clrMapOvr>
-  <p:timing>
-    <p:tnLst>
-      <p:par>
-        <p:cTn id="1" dur="indefinite" restart="never" nodeType="tmRoot"/>
-      </p:par>
-    </p:tnLst>
-  </p:timing>
+</p:sld>
+</file>
+
+<file path=ppt/slides/slide9.xml><?xml version="1.0" encoding="utf-8"?>
+<p:sld xmlns:a="http://schemas.openxmlformats.org/drawingml/2006/main" xmlns:r="http://schemas.openxmlformats.org/officeDocument/2006/relationships" xmlns:p="http://schemas.openxmlformats.org/presentationml/2006/main">
+  <p:cSld>
+    <p:spTree>
+      <p:nvGrpSpPr>
+        <p:cNvPr id="1" name=""/>
+        <p:cNvGrpSpPr/>
+        <p:nvPr/>
+      </p:nvGrpSpPr>
+      <p:grpSpPr>
+        <a:xfrm>
+          <a:off x="0" y="0"/>
+          <a:ext cx="0" cy="0"/>
+          <a:chOff x="0" y="0"/>
+          <a:chExt cx="0" cy="0"/>
+        </a:xfrm>
+      </p:grpSpPr>
+      <p:sp>
+        <p:nvSpPr>
+          <p:cNvPr id="2" name="Titel 1"/>
+          <p:cNvSpPr>
+            <a:spLocks noGrp="1"/>
+          </p:cNvSpPr>
+          <p:nvPr>
+            <p:ph type="title"/>
+          </p:nvPr>
+        </p:nvSpPr>
+        <p:spPr/>
+        <p:txBody>
+          <a:bodyPr/>
+          <a:lstStyle/>
+          <a:p>
+            <a:r>
+              <a:rPr lang="de-DE" dirty="0"/>
+              <a:t>Implementierung &amp; Qualitätssicherung</a:t>
+            </a:r>
+          </a:p>
+        </p:txBody>
+      </p:sp>
+      <p:sp>
+        <p:nvSpPr>
+          <p:cNvPr id="3" name="Inhaltsplatzhalter 2"/>
+          <p:cNvSpPr>
+            <a:spLocks noGrp="1"/>
+          </p:cNvSpPr>
+          <p:nvPr>
+            <p:ph idx="1"/>
+          </p:nvPr>
+        </p:nvSpPr>
+        <p:spPr>
+          <a:xfrm>
+            <a:off x="680321" y="2613601"/>
+            <a:ext cx="2291478" cy="1164316"/>
+          </a:xfrm>
+        </p:spPr>
+        <p:txBody>
+          <a:bodyPr>
+            <a:normAutofit/>
+          </a:bodyPr>
+          <a:lstStyle/>
+          <a:p>
+            <a:pPr marL="0" indent="0" algn="ctr">
+              <a:buNone/>
+            </a:pPr>
+            <a:r>
+              <a:rPr lang="de-DE" sz="4800" b="1" dirty="0"/>
+              <a:t>~15.000</a:t>
+            </a:r>
+            <a:br>
+              <a:rPr lang="de-DE" sz="3600" b="1" dirty="0"/>
+            </a:br>
+            <a:r>
+              <a:rPr lang="de-DE" sz="1800" b="1" dirty="0"/>
+              <a:t>Lines </a:t>
+            </a:r>
+            <a:r>
+              <a:rPr lang="de-DE" sz="1800" b="1" dirty="0" err="1"/>
+              <a:t>of</a:t>
+            </a:r>
+            <a:r>
+              <a:rPr lang="de-DE" sz="1800" b="1" dirty="0"/>
+              <a:t> Code</a:t>
+            </a:r>
+            <a:endParaRPr lang="de-DE" sz="3600" b="1" dirty="0"/>
+          </a:p>
+        </p:txBody>
+      </p:sp>
+      <p:sp>
+        <p:nvSpPr>
+          <p:cNvPr id="4" name="Inhaltsplatzhalter 2"/>
+          <p:cNvSpPr txBox="1">
+            <a:spLocks/>
+          </p:cNvSpPr>
+          <p:nvPr/>
+        </p:nvSpPr>
+        <p:spPr>
+          <a:xfrm>
+            <a:off x="388286" y="4586913"/>
+            <a:ext cx="2875547" cy="1164316"/>
+          </a:xfrm>
+          <a:prstGeom prst="rect">
+            <a:avLst/>
+          </a:prstGeom>
+        </p:spPr>
+        <p:txBody>
+          <a:bodyPr vert="horz" lIns="91440" tIns="45720" rIns="91440" bIns="45720" rtlCol="0">
+            <a:normAutofit/>
+          </a:bodyPr>
+          <a:lstStyle>
+            <a:lvl1pPr marL="228600" indent="-228600" algn="l" defTabSz="914400" rtl="0" eaLnBrk="1" latinLnBrk="0" hangingPunct="1">
+              <a:lnSpc>
+                <a:spcPct val="90000"/>
+              </a:lnSpc>
+              <a:spcBef>
+                <a:spcPts val="1000"/>
+              </a:spcBef>
+              <a:buFont typeface="Arial" panose="020B0604020202020204" pitchFamily="34" charset="0"/>
+              <a:buChar char="•"/>
+              <a:defRPr sz="2400" kern="1200">
+                <a:solidFill>
+                  <a:schemeClr val="tx1"/>
+                </a:solidFill>
+                <a:latin typeface="+mn-lt"/>
+                <a:ea typeface="+mn-ea"/>
+                <a:cs typeface="+mn-cs"/>
+              </a:defRPr>
+            </a:lvl1pPr>
+            <a:lvl2pPr marL="685800" indent="-228600" algn="l" defTabSz="914400" rtl="0" eaLnBrk="1" latinLnBrk="0" hangingPunct="1">
+              <a:lnSpc>
+                <a:spcPct val="90000"/>
+              </a:lnSpc>
+              <a:spcBef>
+                <a:spcPts val="500"/>
+              </a:spcBef>
+              <a:buFont typeface="Arial" panose="020B0604020202020204" pitchFamily="34" charset="0"/>
+              <a:buChar char="•"/>
+              <a:defRPr sz="2000" kern="1200">
+                <a:solidFill>
+                  <a:schemeClr val="tx1"/>
+                </a:solidFill>
+                <a:latin typeface="+mn-lt"/>
+                <a:ea typeface="+mn-ea"/>
+                <a:cs typeface="+mn-cs"/>
+              </a:defRPr>
+            </a:lvl2pPr>
+            <a:lvl3pPr marL="1143000" indent="-228600" algn="l" defTabSz="914400" rtl="0" eaLnBrk="1" latinLnBrk="0" hangingPunct="1">
+              <a:lnSpc>
+                <a:spcPct val="90000"/>
+              </a:lnSpc>
+              <a:spcBef>
+                <a:spcPts val="500"/>
+              </a:spcBef>
+              <a:buFont typeface="Arial" panose="020B0604020202020204" pitchFamily="34" charset="0"/>
+              <a:buChar char="•"/>
+              <a:defRPr sz="1800" kern="1200">
+                <a:solidFill>
+                  <a:schemeClr val="tx1"/>
+                </a:solidFill>
+                <a:latin typeface="+mn-lt"/>
+                <a:ea typeface="+mn-ea"/>
+                <a:cs typeface="+mn-cs"/>
+              </a:defRPr>
+            </a:lvl3pPr>
+            <a:lvl4pPr marL="1600200" indent="-228600" algn="l" defTabSz="914400" rtl="0" eaLnBrk="1" latinLnBrk="0" hangingPunct="1">
+              <a:lnSpc>
+                <a:spcPct val="90000"/>
+              </a:lnSpc>
+              <a:spcBef>
+                <a:spcPts val="500"/>
+              </a:spcBef>
+              <a:buFont typeface="Arial" panose="020B0604020202020204" pitchFamily="34" charset="0"/>
+              <a:buChar char="•"/>
+              <a:defRPr sz="1600" kern="1200">
+                <a:solidFill>
+                  <a:schemeClr val="tx1"/>
+                </a:solidFill>
+                <a:latin typeface="+mn-lt"/>
+                <a:ea typeface="+mn-ea"/>
+                <a:cs typeface="+mn-cs"/>
+              </a:defRPr>
+            </a:lvl4pPr>
+            <a:lvl5pPr marL="2057400" indent="-228600" algn="l" defTabSz="914400" rtl="0" eaLnBrk="1" latinLnBrk="0" hangingPunct="1">
+              <a:lnSpc>
+                <a:spcPct val="90000"/>
+              </a:lnSpc>
+              <a:spcBef>
+                <a:spcPts val="500"/>
+              </a:spcBef>
+              <a:buFont typeface="Arial" panose="020B0604020202020204" pitchFamily="34" charset="0"/>
+              <a:buChar char="•"/>
+              <a:defRPr sz="1600" kern="1200">
+                <a:solidFill>
+                  <a:schemeClr val="tx1"/>
+                </a:solidFill>
+                <a:latin typeface="+mn-lt"/>
+                <a:ea typeface="+mn-ea"/>
+                <a:cs typeface="+mn-cs"/>
+              </a:defRPr>
+            </a:lvl5pPr>
+            <a:lvl6pPr marL="2514600" indent="-228600" algn="l" defTabSz="914400" rtl="0" eaLnBrk="1" latinLnBrk="0" hangingPunct="1">
+              <a:lnSpc>
+                <a:spcPct val="90000"/>
+              </a:lnSpc>
+              <a:spcBef>
+                <a:spcPts val="500"/>
+              </a:spcBef>
+              <a:buFont typeface="Arial" panose="020B0604020202020204" pitchFamily="34" charset="0"/>
+              <a:buChar char="•"/>
+              <a:defRPr sz="1400" kern="1200">
+                <a:solidFill>
+                  <a:schemeClr val="tx1"/>
+                </a:solidFill>
+                <a:latin typeface="+mn-lt"/>
+                <a:ea typeface="+mn-ea"/>
+                <a:cs typeface="+mn-cs"/>
+              </a:defRPr>
+            </a:lvl6pPr>
+            <a:lvl7pPr marL="2971800" indent="-228600" algn="l" defTabSz="914400" rtl="0" eaLnBrk="1" latinLnBrk="0" hangingPunct="1">
+              <a:lnSpc>
+                <a:spcPct val="90000"/>
+              </a:lnSpc>
+              <a:spcBef>
+                <a:spcPts val="500"/>
+              </a:spcBef>
+              <a:buFont typeface="Arial" panose="020B0604020202020204" pitchFamily="34" charset="0"/>
+              <a:buChar char="•"/>
+              <a:defRPr sz="1400" kern="1200">
+                <a:solidFill>
+                  <a:schemeClr val="tx1"/>
+                </a:solidFill>
+                <a:latin typeface="+mn-lt"/>
+                <a:ea typeface="+mn-ea"/>
+                <a:cs typeface="+mn-cs"/>
+              </a:defRPr>
+            </a:lvl7pPr>
+            <a:lvl8pPr marL="3429000" indent="-228600" algn="l" defTabSz="914400" rtl="0" eaLnBrk="1" latinLnBrk="0" hangingPunct="1">
+              <a:lnSpc>
+                <a:spcPct val="90000"/>
+              </a:lnSpc>
+              <a:spcBef>
+                <a:spcPts val="500"/>
+              </a:spcBef>
+              <a:buFont typeface="Arial" panose="020B0604020202020204" pitchFamily="34" charset="0"/>
+              <a:buChar char="•"/>
+              <a:defRPr sz="1400" kern="1200">
+                <a:solidFill>
+                  <a:schemeClr val="tx1"/>
+                </a:solidFill>
+                <a:latin typeface="+mn-lt"/>
+                <a:ea typeface="+mn-ea"/>
+                <a:cs typeface="+mn-cs"/>
+              </a:defRPr>
+            </a:lvl8pPr>
+            <a:lvl9pPr marL="3886200" indent="-228600" algn="l" defTabSz="914400" rtl="0" eaLnBrk="1" latinLnBrk="0" hangingPunct="1">
+              <a:lnSpc>
+                <a:spcPct val="90000"/>
+              </a:lnSpc>
+              <a:spcBef>
+                <a:spcPts val="500"/>
+              </a:spcBef>
+              <a:buFont typeface="Arial" panose="020B0604020202020204" pitchFamily="34" charset="0"/>
+              <a:buChar char="•"/>
+              <a:defRPr sz="1400" kern="1200">
+                <a:solidFill>
+                  <a:schemeClr val="tx1"/>
+                </a:solidFill>
+                <a:latin typeface="+mn-lt"/>
+                <a:ea typeface="+mn-ea"/>
+                <a:cs typeface="+mn-cs"/>
+              </a:defRPr>
+            </a:lvl9pPr>
+          </a:lstStyle>
+          <a:p>
+            <a:pPr marL="0" indent="0" algn="ctr">
+              <a:buFont typeface="Arial" panose="020B0604020202020204" pitchFamily="34" charset="0"/>
+              <a:buNone/>
+            </a:pPr>
+            <a:r>
+              <a:rPr lang="de-DE" sz="4800" b="1" dirty="0"/>
+              <a:t>~45%</a:t>
+            </a:r>
+            <a:br>
+              <a:rPr lang="de-DE" sz="3600" b="1" dirty="0"/>
+            </a:br>
+            <a:r>
+              <a:rPr lang="de-DE" sz="1800" b="1" dirty="0"/>
+              <a:t>Testüberdeckung Client</a:t>
+            </a:r>
+            <a:endParaRPr lang="de-DE" sz="3600" b="1" dirty="0"/>
+          </a:p>
+        </p:txBody>
+      </p:sp>
+      <p:sp>
+        <p:nvSpPr>
+          <p:cNvPr id="5" name="Inhaltsplatzhalter 2"/>
+          <p:cNvSpPr txBox="1">
+            <a:spLocks/>
+          </p:cNvSpPr>
+          <p:nvPr/>
+        </p:nvSpPr>
+        <p:spPr>
+          <a:xfrm>
+            <a:off x="4049476" y="4586913"/>
+            <a:ext cx="2875547" cy="1537294"/>
+          </a:xfrm>
+          <a:prstGeom prst="rect">
+            <a:avLst/>
+          </a:prstGeom>
+        </p:spPr>
+        <p:txBody>
+          <a:bodyPr vert="horz" lIns="91440" tIns="45720" rIns="91440" bIns="45720" rtlCol="0">
+            <a:normAutofit/>
+          </a:bodyPr>
+          <a:lstStyle>
+            <a:lvl1pPr marL="228600" indent="-228600" algn="l" defTabSz="914400" rtl="0" eaLnBrk="1" latinLnBrk="0" hangingPunct="1">
+              <a:lnSpc>
+                <a:spcPct val="90000"/>
+              </a:lnSpc>
+              <a:spcBef>
+                <a:spcPts val="1000"/>
+              </a:spcBef>
+              <a:buFont typeface="Arial" panose="020B0604020202020204" pitchFamily="34" charset="0"/>
+              <a:buChar char="•"/>
+              <a:defRPr sz="2400" kern="1200">
+                <a:solidFill>
+                  <a:schemeClr val="tx1"/>
+                </a:solidFill>
+                <a:latin typeface="+mn-lt"/>
+                <a:ea typeface="+mn-ea"/>
+                <a:cs typeface="+mn-cs"/>
+              </a:defRPr>
+            </a:lvl1pPr>
+            <a:lvl2pPr marL="685800" indent="-228600" algn="l" defTabSz="914400" rtl="0" eaLnBrk="1" latinLnBrk="0" hangingPunct="1">
+              <a:lnSpc>
+                <a:spcPct val="90000"/>
+              </a:lnSpc>
+              <a:spcBef>
+                <a:spcPts val="500"/>
+              </a:spcBef>
+              <a:buFont typeface="Arial" panose="020B0604020202020204" pitchFamily="34" charset="0"/>
+              <a:buChar char="•"/>
+              <a:defRPr sz="2000" kern="1200">
+                <a:solidFill>
+                  <a:schemeClr val="tx1"/>
+                </a:solidFill>
+                <a:latin typeface="+mn-lt"/>
+                <a:ea typeface="+mn-ea"/>
+                <a:cs typeface="+mn-cs"/>
+              </a:defRPr>
+            </a:lvl2pPr>
+            <a:lvl3pPr marL="1143000" indent="-228600" algn="l" defTabSz="914400" rtl="0" eaLnBrk="1" latinLnBrk="0" hangingPunct="1">
+              <a:lnSpc>
+                <a:spcPct val="90000"/>
+              </a:lnSpc>
+              <a:spcBef>
+                <a:spcPts val="500"/>
+              </a:spcBef>
+              <a:buFont typeface="Arial" panose="020B0604020202020204" pitchFamily="34" charset="0"/>
+              <a:buChar char="•"/>
+              <a:defRPr sz="1800" kern="1200">
+                <a:solidFill>
+                  <a:schemeClr val="tx1"/>
+                </a:solidFill>
+                <a:latin typeface="+mn-lt"/>
+                <a:ea typeface="+mn-ea"/>
+                <a:cs typeface="+mn-cs"/>
+              </a:defRPr>
+            </a:lvl3pPr>
+            <a:lvl4pPr marL="1600200" indent="-228600" algn="l" defTabSz="914400" rtl="0" eaLnBrk="1" latinLnBrk="0" hangingPunct="1">
+              <a:lnSpc>
+                <a:spcPct val="90000"/>
+              </a:lnSpc>
+              <a:spcBef>
+                <a:spcPts val="500"/>
+              </a:spcBef>
+              <a:buFont typeface="Arial" panose="020B0604020202020204" pitchFamily="34" charset="0"/>
+              <a:buChar char="•"/>
+              <a:defRPr sz="1600" kern="1200">
+                <a:solidFill>
+                  <a:schemeClr val="tx1"/>
+                </a:solidFill>
+                <a:latin typeface="+mn-lt"/>
+                <a:ea typeface="+mn-ea"/>
+                <a:cs typeface="+mn-cs"/>
+              </a:defRPr>
+            </a:lvl4pPr>
+            <a:lvl5pPr marL="2057400" indent="-228600" algn="l" defTabSz="914400" rtl="0" eaLnBrk="1" latinLnBrk="0" hangingPunct="1">
+              <a:lnSpc>
+                <a:spcPct val="90000"/>
+              </a:lnSpc>
+              <a:spcBef>
+                <a:spcPts val="500"/>
+              </a:spcBef>
+              <a:buFont typeface="Arial" panose="020B0604020202020204" pitchFamily="34" charset="0"/>
+              <a:buChar char="•"/>
+              <a:defRPr sz="1600" kern="1200">
+                <a:solidFill>
+                  <a:schemeClr val="tx1"/>
+                </a:solidFill>
+                <a:latin typeface="+mn-lt"/>
+                <a:ea typeface="+mn-ea"/>
+                <a:cs typeface="+mn-cs"/>
+              </a:defRPr>
+            </a:lvl5pPr>
+            <a:lvl6pPr marL="2514600" indent="-228600" algn="l" defTabSz="914400" rtl="0" eaLnBrk="1" latinLnBrk="0" hangingPunct="1">
+              <a:lnSpc>
+                <a:spcPct val="90000"/>
+              </a:lnSpc>
+              <a:spcBef>
+                <a:spcPts val="500"/>
+              </a:spcBef>
+              <a:buFont typeface="Arial" panose="020B0604020202020204" pitchFamily="34" charset="0"/>
+              <a:buChar char="•"/>
+              <a:defRPr sz="1400" kern="1200">
+                <a:solidFill>
+                  <a:schemeClr val="tx1"/>
+                </a:solidFill>
+                <a:latin typeface="+mn-lt"/>
+                <a:ea typeface="+mn-ea"/>
+                <a:cs typeface="+mn-cs"/>
+              </a:defRPr>
+            </a:lvl6pPr>
+            <a:lvl7pPr marL="2971800" indent="-228600" algn="l" defTabSz="914400" rtl="0" eaLnBrk="1" latinLnBrk="0" hangingPunct="1">
+              <a:lnSpc>
+                <a:spcPct val="90000"/>
+              </a:lnSpc>
+              <a:spcBef>
+                <a:spcPts val="500"/>
+              </a:spcBef>
+              <a:buFont typeface="Arial" panose="020B0604020202020204" pitchFamily="34" charset="0"/>
+              <a:buChar char="•"/>
+              <a:defRPr sz="1400" kern="1200">
+                <a:solidFill>
+                  <a:schemeClr val="tx1"/>
+                </a:solidFill>
+                <a:latin typeface="+mn-lt"/>
+                <a:ea typeface="+mn-ea"/>
+                <a:cs typeface="+mn-cs"/>
+              </a:defRPr>
+            </a:lvl7pPr>
+            <a:lvl8pPr marL="3429000" indent="-228600" algn="l" defTabSz="914400" rtl="0" eaLnBrk="1" latinLnBrk="0" hangingPunct="1">
+              <a:lnSpc>
+                <a:spcPct val="90000"/>
+              </a:lnSpc>
+              <a:spcBef>
+                <a:spcPts val="500"/>
+              </a:spcBef>
+              <a:buFont typeface="Arial" panose="020B0604020202020204" pitchFamily="34" charset="0"/>
+              <a:buChar char="•"/>
+              <a:defRPr sz="1400" kern="1200">
+                <a:solidFill>
+                  <a:schemeClr val="tx1"/>
+                </a:solidFill>
+                <a:latin typeface="+mn-lt"/>
+                <a:ea typeface="+mn-ea"/>
+                <a:cs typeface="+mn-cs"/>
+              </a:defRPr>
+            </a:lvl8pPr>
+            <a:lvl9pPr marL="3886200" indent="-228600" algn="l" defTabSz="914400" rtl="0" eaLnBrk="1" latinLnBrk="0" hangingPunct="1">
+              <a:lnSpc>
+                <a:spcPct val="90000"/>
+              </a:lnSpc>
+              <a:spcBef>
+                <a:spcPts val="500"/>
+              </a:spcBef>
+              <a:buFont typeface="Arial" panose="020B0604020202020204" pitchFamily="34" charset="0"/>
+              <a:buChar char="•"/>
+              <a:defRPr sz="1400" kern="1200">
+                <a:solidFill>
+                  <a:schemeClr val="tx1"/>
+                </a:solidFill>
+                <a:latin typeface="+mn-lt"/>
+                <a:ea typeface="+mn-ea"/>
+                <a:cs typeface="+mn-cs"/>
+              </a:defRPr>
+            </a:lvl9pPr>
+          </a:lstStyle>
+          <a:p>
+            <a:pPr marL="0" indent="0" algn="ctr">
+              <a:buFont typeface="Arial" panose="020B0604020202020204" pitchFamily="34" charset="0"/>
+              <a:buNone/>
+            </a:pPr>
+            <a:r>
+              <a:rPr lang="de-DE" sz="4800" b="1" dirty="0"/>
+              <a:t>~60%</a:t>
+            </a:r>
+            <a:br>
+              <a:rPr lang="de-DE" sz="3600" b="1" dirty="0"/>
+            </a:br>
+            <a:r>
+              <a:rPr lang="de-DE" sz="1800" b="1" dirty="0"/>
+              <a:t>Testüberdeckung</a:t>
+            </a:r>
+            <a:br>
+              <a:rPr lang="de-DE" sz="1800" b="1" dirty="0"/>
+            </a:br>
+            <a:r>
+              <a:rPr lang="de-DE" sz="1800" b="1" dirty="0"/>
+              <a:t>(ohne REST-Paket) </a:t>
+            </a:r>
+            <a:endParaRPr lang="de-DE" sz="3600" b="1" dirty="0"/>
+          </a:p>
+        </p:txBody>
+      </p:sp>
+      <p:sp>
+        <p:nvSpPr>
+          <p:cNvPr id="6" name="Inhaltsplatzhalter 2"/>
+          <p:cNvSpPr txBox="1">
+            <a:spLocks/>
+          </p:cNvSpPr>
+          <p:nvPr/>
+        </p:nvSpPr>
+        <p:spPr>
+          <a:xfrm>
+            <a:off x="8002702" y="4586913"/>
+            <a:ext cx="2875547" cy="1164316"/>
+          </a:xfrm>
+          <a:prstGeom prst="rect">
+            <a:avLst/>
+          </a:prstGeom>
+        </p:spPr>
+        <p:txBody>
+          <a:bodyPr vert="horz" lIns="91440" tIns="45720" rIns="91440" bIns="45720" rtlCol="0">
+            <a:normAutofit/>
+          </a:bodyPr>
+          <a:lstStyle>
+            <a:lvl1pPr marL="228600" indent="-228600" algn="l" defTabSz="914400" rtl="0" eaLnBrk="1" latinLnBrk="0" hangingPunct="1">
+              <a:lnSpc>
+                <a:spcPct val="90000"/>
+              </a:lnSpc>
+              <a:spcBef>
+                <a:spcPts val="1000"/>
+              </a:spcBef>
+              <a:buFont typeface="Arial" panose="020B0604020202020204" pitchFamily="34" charset="0"/>
+              <a:buChar char="•"/>
+              <a:defRPr sz="2400" kern="1200">
+                <a:solidFill>
+                  <a:schemeClr val="tx1"/>
+                </a:solidFill>
+                <a:latin typeface="+mn-lt"/>
+                <a:ea typeface="+mn-ea"/>
+                <a:cs typeface="+mn-cs"/>
+              </a:defRPr>
+            </a:lvl1pPr>
+            <a:lvl2pPr marL="685800" indent="-228600" algn="l" defTabSz="914400" rtl="0" eaLnBrk="1" latinLnBrk="0" hangingPunct="1">
+              <a:lnSpc>
+                <a:spcPct val="90000"/>
+              </a:lnSpc>
+              <a:spcBef>
+                <a:spcPts val="500"/>
+              </a:spcBef>
+              <a:buFont typeface="Arial" panose="020B0604020202020204" pitchFamily="34" charset="0"/>
+              <a:buChar char="•"/>
+              <a:defRPr sz="2000" kern="1200">
+                <a:solidFill>
+                  <a:schemeClr val="tx1"/>
+                </a:solidFill>
+                <a:latin typeface="+mn-lt"/>
+                <a:ea typeface="+mn-ea"/>
+                <a:cs typeface="+mn-cs"/>
+              </a:defRPr>
+            </a:lvl2pPr>
+            <a:lvl3pPr marL="1143000" indent="-228600" algn="l" defTabSz="914400" rtl="0" eaLnBrk="1" latinLnBrk="0" hangingPunct="1">
+              <a:lnSpc>
+                <a:spcPct val="90000"/>
+              </a:lnSpc>
+              <a:spcBef>
+                <a:spcPts val="500"/>
+              </a:spcBef>
+              <a:buFont typeface="Arial" panose="020B0604020202020204" pitchFamily="34" charset="0"/>
+              <a:buChar char="•"/>
+              <a:defRPr sz="1800" kern="1200">
+                <a:solidFill>
+                  <a:schemeClr val="tx1"/>
+                </a:solidFill>
+                <a:latin typeface="+mn-lt"/>
+                <a:ea typeface="+mn-ea"/>
+                <a:cs typeface="+mn-cs"/>
+              </a:defRPr>
+            </a:lvl3pPr>
+            <a:lvl4pPr marL="1600200" indent="-228600" algn="l" defTabSz="914400" rtl="0" eaLnBrk="1" latinLnBrk="0" hangingPunct="1">
+              <a:lnSpc>
+                <a:spcPct val="90000"/>
+              </a:lnSpc>
+              <a:spcBef>
+                <a:spcPts val="500"/>
+              </a:spcBef>
+              <a:buFont typeface="Arial" panose="020B0604020202020204" pitchFamily="34" charset="0"/>
+              <a:buChar char="•"/>
+              <a:defRPr sz="1600" kern="1200">
+                <a:solidFill>
+                  <a:schemeClr val="tx1"/>
+                </a:solidFill>
+                <a:latin typeface="+mn-lt"/>
+                <a:ea typeface="+mn-ea"/>
+                <a:cs typeface="+mn-cs"/>
+              </a:defRPr>
+            </a:lvl4pPr>
+            <a:lvl5pPr marL="2057400" indent="-228600" algn="l" defTabSz="914400" rtl="0" eaLnBrk="1" latinLnBrk="0" hangingPunct="1">
+              <a:lnSpc>
+                <a:spcPct val="90000"/>
+              </a:lnSpc>
+              <a:spcBef>
+                <a:spcPts val="500"/>
+              </a:spcBef>
+              <a:buFont typeface="Arial" panose="020B0604020202020204" pitchFamily="34" charset="0"/>
+              <a:buChar char="•"/>
+              <a:defRPr sz="1600" kern="1200">
+                <a:solidFill>
+                  <a:schemeClr val="tx1"/>
+                </a:solidFill>
+                <a:latin typeface="+mn-lt"/>
+                <a:ea typeface="+mn-ea"/>
+                <a:cs typeface="+mn-cs"/>
+              </a:defRPr>
+            </a:lvl5pPr>
+            <a:lvl6pPr marL="2514600" indent="-228600" algn="l" defTabSz="914400" rtl="0" eaLnBrk="1" latinLnBrk="0" hangingPunct="1">
+              <a:lnSpc>
+                <a:spcPct val="90000"/>
+              </a:lnSpc>
+              <a:spcBef>
+                <a:spcPts val="500"/>
+              </a:spcBef>
+              <a:buFont typeface="Arial" panose="020B0604020202020204" pitchFamily="34" charset="0"/>
+              <a:buChar char="•"/>
+              <a:defRPr sz="1400" kern="1200">
+                <a:solidFill>
+                  <a:schemeClr val="tx1"/>
+                </a:solidFill>
+                <a:latin typeface="+mn-lt"/>
+                <a:ea typeface="+mn-ea"/>
+                <a:cs typeface="+mn-cs"/>
+              </a:defRPr>
+            </a:lvl6pPr>
+            <a:lvl7pPr marL="2971800" indent="-228600" algn="l" defTabSz="914400" rtl="0" eaLnBrk="1" latinLnBrk="0" hangingPunct="1">
+              <a:lnSpc>
+                <a:spcPct val="90000"/>
+              </a:lnSpc>
+              <a:spcBef>
+                <a:spcPts val="500"/>
+              </a:spcBef>
+              <a:buFont typeface="Arial" panose="020B0604020202020204" pitchFamily="34" charset="0"/>
+              <a:buChar char="•"/>
+              <a:defRPr sz="1400" kern="1200">
+                <a:solidFill>
+                  <a:schemeClr val="tx1"/>
+                </a:solidFill>
+                <a:latin typeface="+mn-lt"/>
+                <a:ea typeface="+mn-ea"/>
+                <a:cs typeface="+mn-cs"/>
+              </a:defRPr>
+            </a:lvl7pPr>
+            <a:lvl8pPr marL="3429000" indent="-228600" algn="l" defTabSz="914400" rtl="0" eaLnBrk="1" latinLnBrk="0" hangingPunct="1">
+              <a:lnSpc>
+                <a:spcPct val="90000"/>
+              </a:lnSpc>
+              <a:spcBef>
+                <a:spcPts val="500"/>
+              </a:spcBef>
+              <a:buFont typeface="Arial" panose="020B0604020202020204" pitchFamily="34" charset="0"/>
+              <a:buChar char="•"/>
+              <a:defRPr sz="1400" kern="1200">
+                <a:solidFill>
+                  <a:schemeClr val="tx1"/>
+                </a:solidFill>
+                <a:latin typeface="+mn-lt"/>
+                <a:ea typeface="+mn-ea"/>
+                <a:cs typeface="+mn-cs"/>
+              </a:defRPr>
+            </a:lvl8pPr>
+            <a:lvl9pPr marL="3886200" indent="-228600" algn="l" defTabSz="914400" rtl="0" eaLnBrk="1" latinLnBrk="0" hangingPunct="1">
+              <a:lnSpc>
+                <a:spcPct val="90000"/>
+              </a:lnSpc>
+              <a:spcBef>
+                <a:spcPts val="500"/>
+              </a:spcBef>
+              <a:buFont typeface="Arial" panose="020B0604020202020204" pitchFamily="34" charset="0"/>
+              <a:buChar char="•"/>
+              <a:defRPr sz="1400" kern="1200">
+                <a:solidFill>
+                  <a:schemeClr val="tx1"/>
+                </a:solidFill>
+                <a:latin typeface="+mn-lt"/>
+                <a:ea typeface="+mn-ea"/>
+                <a:cs typeface="+mn-cs"/>
+              </a:defRPr>
+            </a:lvl9pPr>
+          </a:lstStyle>
+          <a:p>
+            <a:pPr marL="0" indent="0" algn="ctr">
+              <a:buFont typeface="Arial" panose="020B0604020202020204" pitchFamily="34" charset="0"/>
+              <a:buNone/>
+            </a:pPr>
+            <a:r>
+              <a:rPr lang="de-DE" sz="4800" b="1" dirty="0"/>
+              <a:t>viele</a:t>
+            </a:r>
+            <a:br>
+              <a:rPr lang="de-DE" sz="4800" b="1" dirty="0"/>
+            </a:br>
+            <a:r>
+              <a:rPr lang="de-DE" sz="1800" b="1" dirty="0"/>
+              <a:t>durchgemachte Nächte</a:t>
+            </a:r>
+            <a:endParaRPr lang="de-DE" sz="3600" b="1" dirty="0"/>
+          </a:p>
+        </p:txBody>
+      </p:sp>
+      <p:sp>
+        <p:nvSpPr>
+          <p:cNvPr id="7" name="Inhaltsplatzhalter 2"/>
+          <p:cNvSpPr txBox="1">
+            <a:spLocks/>
+          </p:cNvSpPr>
+          <p:nvPr/>
+        </p:nvSpPr>
+        <p:spPr>
+          <a:xfrm>
+            <a:off x="4049477" y="2613601"/>
+            <a:ext cx="2875547" cy="1164316"/>
+          </a:xfrm>
+          <a:prstGeom prst="rect">
+            <a:avLst/>
+          </a:prstGeom>
+        </p:spPr>
+        <p:txBody>
+          <a:bodyPr vert="horz" lIns="91440" tIns="45720" rIns="91440" bIns="45720" rtlCol="0">
+            <a:normAutofit/>
+          </a:bodyPr>
+          <a:lstStyle>
+            <a:lvl1pPr marL="228600" indent="-228600" algn="l" defTabSz="914400" rtl="0" eaLnBrk="1" latinLnBrk="0" hangingPunct="1">
+              <a:lnSpc>
+                <a:spcPct val="90000"/>
+              </a:lnSpc>
+              <a:spcBef>
+                <a:spcPts val="1000"/>
+              </a:spcBef>
+              <a:buFont typeface="Arial" panose="020B0604020202020204" pitchFamily="34" charset="0"/>
+              <a:buChar char="•"/>
+              <a:defRPr sz="2400" kern="1200">
+                <a:solidFill>
+                  <a:schemeClr val="tx1"/>
+                </a:solidFill>
+                <a:latin typeface="+mn-lt"/>
+                <a:ea typeface="+mn-ea"/>
+                <a:cs typeface="+mn-cs"/>
+              </a:defRPr>
+            </a:lvl1pPr>
+            <a:lvl2pPr marL="685800" indent="-228600" algn="l" defTabSz="914400" rtl="0" eaLnBrk="1" latinLnBrk="0" hangingPunct="1">
+              <a:lnSpc>
+                <a:spcPct val="90000"/>
+              </a:lnSpc>
+              <a:spcBef>
+                <a:spcPts val="500"/>
+              </a:spcBef>
+              <a:buFont typeface="Arial" panose="020B0604020202020204" pitchFamily="34" charset="0"/>
+              <a:buChar char="•"/>
+              <a:defRPr sz="2000" kern="1200">
+                <a:solidFill>
+                  <a:schemeClr val="tx1"/>
+                </a:solidFill>
+                <a:latin typeface="+mn-lt"/>
+                <a:ea typeface="+mn-ea"/>
+                <a:cs typeface="+mn-cs"/>
+              </a:defRPr>
+            </a:lvl2pPr>
+            <a:lvl3pPr marL="1143000" indent="-228600" algn="l" defTabSz="914400" rtl="0" eaLnBrk="1" latinLnBrk="0" hangingPunct="1">
+              <a:lnSpc>
+                <a:spcPct val="90000"/>
+              </a:lnSpc>
+              <a:spcBef>
+                <a:spcPts val="500"/>
+              </a:spcBef>
+              <a:buFont typeface="Arial" panose="020B0604020202020204" pitchFamily="34" charset="0"/>
+              <a:buChar char="•"/>
+              <a:defRPr sz="1800" kern="1200">
+                <a:solidFill>
+                  <a:schemeClr val="tx1"/>
+                </a:solidFill>
+                <a:latin typeface="+mn-lt"/>
+                <a:ea typeface="+mn-ea"/>
+                <a:cs typeface="+mn-cs"/>
+              </a:defRPr>
+            </a:lvl3pPr>
+            <a:lvl4pPr marL="1600200" indent="-228600" algn="l" defTabSz="914400" rtl="0" eaLnBrk="1" latinLnBrk="0" hangingPunct="1">
+              <a:lnSpc>
+                <a:spcPct val="90000"/>
+              </a:lnSpc>
+              <a:spcBef>
+                <a:spcPts val="500"/>
+              </a:spcBef>
+              <a:buFont typeface="Arial" panose="020B0604020202020204" pitchFamily="34" charset="0"/>
+              <a:buChar char="•"/>
+              <a:defRPr sz="1600" kern="1200">
+                <a:solidFill>
+                  <a:schemeClr val="tx1"/>
+                </a:solidFill>
+                <a:latin typeface="+mn-lt"/>
+                <a:ea typeface="+mn-ea"/>
+                <a:cs typeface="+mn-cs"/>
+              </a:defRPr>
+            </a:lvl4pPr>
+            <a:lvl5pPr marL="2057400" indent="-228600" algn="l" defTabSz="914400" rtl="0" eaLnBrk="1" latinLnBrk="0" hangingPunct="1">
+              <a:lnSpc>
+                <a:spcPct val="90000"/>
+              </a:lnSpc>
+              <a:spcBef>
+                <a:spcPts val="500"/>
+              </a:spcBef>
+              <a:buFont typeface="Arial" panose="020B0604020202020204" pitchFamily="34" charset="0"/>
+              <a:buChar char="•"/>
+              <a:defRPr sz="1600" kern="1200">
+                <a:solidFill>
+                  <a:schemeClr val="tx1"/>
+                </a:solidFill>
+                <a:latin typeface="+mn-lt"/>
+                <a:ea typeface="+mn-ea"/>
+                <a:cs typeface="+mn-cs"/>
+              </a:defRPr>
+            </a:lvl5pPr>
+            <a:lvl6pPr marL="2514600" indent="-228600" algn="l" defTabSz="914400" rtl="0" eaLnBrk="1" latinLnBrk="0" hangingPunct="1">
+              <a:lnSpc>
+                <a:spcPct val="90000"/>
+              </a:lnSpc>
+              <a:spcBef>
+                <a:spcPts val="500"/>
+              </a:spcBef>
+              <a:buFont typeface="Arial" panose="020B0604020202020204" pitchFamily="34" charset="0"/>
+              <a:buChar char="•"/>
+              <a:defRPr sz="1400" kern="1200">
+                <a:solidFill>
+                  <a:schemeClr val="tx1"/>
+                </a:solidFill>
+                <a:latin typeface="+mn-lt"/>
+                <a:ea typeface="+mn-ea"/>
+                <a:cs typeface="+mn-cs"/>
+              </a:defRPr>
+            </a:lvl6pPr>
+            <a:lvl7pPr marL="2971800" indent="-228600" algn="l" defTabSz="914400" rtl="0" eaLnBrk="1" latinLnBrk="0" hangingPunct="1">
+              <a:lnSpc>
+                <a:spcPct val="90000"/>
+              </a:lnSpc>
+              <a:spcBef>
+                <a:spcPts val="500"/>
+              </a:spcBef>
+              <a:buFont typeface="Arial" panose="020B0604020202020204" pitchFamily="34" charset="0"/>
+              <a:buChar char="•"/>
+              <a:defRPr sz="1400" kern="1200">
+                <a:solidFill>
+                  <a:schemeClr val="tx1"/>
+                </a:solidFill>
+                <a:latin typeface="+mn-lt"/>
+                <a:ea typeface="+mn-ea"/>
+                <a:cs typeface="+mn-cs"/>
+              </a:defRPr>
+            </a:lvl7pPr>
+            <a:lvl8pPr marL="3429000" indent="-228600" algn="l" defTabSz="914400" rtl="0" eaLnBrk="1" latinLnBrk="0" hangingPunct="1">
+              <a:lnSpc>
+                <a:spcPct val="90000"/>
+              </a:lnSpc>
+              <a:spcBef>
+                <a:spcPts val="500"/>
+              </a:spcBef>
+              <a:buFont typeface="Arial" panose="020B0604020202020204" pitchFamily="34" charset="0"/>
+              <a:buChar char="•"/>
+              <a:defRPr sz="1400" kern="1200">
+                <a:solidFill>
+                  <a:schemeClr val="tx1"/>
+                </a:solidFill>
+                <a:latin typeface="+mn-lt"/>
+                <a:ea typeface="+mn-ea"/>
+                <a:cs typeface="+mn-cs"/>
+              </a:defRPr>
+            </a:lvl8pPr>
+            <a:lvl9pPr marL="3886200" indent="-228600" algn="l" defTabSz="914400" rtl="0" eaLnBrk="1" latinLnBrk="0" hangingPunct="1">
+              <a:lnSpc>
+                <a:spcPct val="90000"/>
+              </a:lnSpc>
+              <a:spcBef>
+                <a:spcPts val="500"/>
+              </a:spcBef>
+              <a:buFont typeface="Arial" panose="020B0604020202020204" pitchFamily="34" charset="0"/>
+              <a:buChar char="•"/>
+              <a:defRPr sz="1400" kern="1200">
+                <a:solidFill>
+                  <a:schemeClr val="tx1"/>
+                </a:solidFill>
+                <a:latin typeface="+mn-lt"/>
+                <a:ea typeface="+mn-ea"/>
+                <a:cs typeface="+mn-cs"/>
+              </a:defRPr>
+            </a:lvl9pPr>
+          </a:lstStyle>
+          <a:p>
+            <a:pPr marL="0" indent="0" algn="ctr">
+              <a:buFont typeface="Arial" panose="020B0604020202020204" pitchFamily="34" charset="0"/>
+              <a:buNone/>
+            </a:pPr>
+            <a:r>
+              <a:rPr lang="de-DE" sz="4800" b="1" dirty="0"/>
+              <a:t>&gt;1.400</a:t>
+            </a:r>
+            <a:br>
+              <a:rPr lang="de-DE" sz="3600" b="1" dirty="0"/>
+            </a:br>
+            <a:r>
+              <a:rPr lang="de-DE" sz="1800" b="1" dirty="0" err="1"/>
+              <a:t>Commits</a:t>
+            </a:r>
+            <a:endParaRPr lang="de-DE" sz="3600" b="1" dirty="0"/>
+          </a:p>
+        </p:txBody>
+      </p:sp>
+      <p:sp>
+        <p:nvSpPr>
+          <p:cNvPr id="8" name="Inhaltsplatzhalter 2"/>
+          <p:cNvSpPr txBox="1">
+            <a:spLocks/>
+          </p:cNvSpPr>
+          <p:nvPr/>
+        </p:nvSpPr>
+        <p:spPr>
+          <a:xfrm>
+            <a:off x="8002702" y="2613601"/>
+            <a:ext cx="2875547" cy="1164316"/>
+          </a:xfrm>
+          <a:prstGeom prst="rect">
+            <a:avLst/>
+          </a:prstGeom>
+        </p:spPr>
+        <p:txBody>
+          <a:bodyPr vert="horz" lIns="91440" tIns="45720" rIns="91440" bIns="45720" rtlCol="0">
+            <a:normAutofit/>
+          </a:bodyPr>
+          <a:lstStyle>
+            <a:lvl1pPr marL="228600" indent="-228600" algn="l" defTabSz="914400" rtl="0" eaLnBrk="1" latinLnBrk="0" hangingPunct="1">
+              <a:lnSpc>
+                <a:spcPct val="90000"/>
+              </a:lnSpc>
+              <a:spcBef>
+                <a:spcPts val="1000"/>
+              </a:spcBef>
+              <a:buFont typeface="Arial" panose="020B0604020202020204" pitchFamily="34" charset="0"/>
+              <a:buChar char="•"/>
+              <a:defRPr sz="2400" kern="1200">
+                <a:solidFill>
+                  <a:schemeClr val="tx1"/>
+                </a:solidFill>
+                <a:latin typeface="+mn-lt"/>
+                <a:ea typeface="+mn-ea"/>
+                <a:cs typeface="+mn-cs"/>
+              </a:defRPr>
+            </a:lvl1pPr>
+            <a:lvl2pPr marL="685800" indent="-228600" algn="l" defTabSz="914400" rtl="0" eaLnBrk="1" latinLnBrk="0" hangingPunct="1">
+              <a:lnSpc>
+                <a:spcPct val="90000"/>
+              </a:lnSpc>
+              <a:spcBef>
+                <a:spcPts val="500"/>
+              </a:spcBef>
+              <a:buFont typeface="Arial" panose="020B0604020202020204" pitchFamily="34" charset="0"/>
+              <a:buChar char="•"/>
+              <a:defRPr sz="2000" kern="1200">
+                <a:solidFill>
+                  <a:schemeClr val="tx1"/>
+                </a:solidFill>
+                <a:latin typeface="+mn-lt"/>
+                <a:ea typeface="+mn-ea"/>
+                <a:cs typeface="+mn-cs"/>
+              </a:defRPr>
+            </a:lvl2pPr>
+            <a:lvl3pPr marL="1143000" indent="-228600" algn="l" defTabSz="914400" rtl="0" eaLnBrk="1" latinLnBrk="0" hangingPunct="1">
+              <a:lnSpc>
+                <a:spcPct val="90000"/>
+              </a:lnSpc>
+              <a:spcBef>
+                <a:spcPts val="500"/>
+              </a:spcBef>
+              <a:buFont typeface="Arial" panose="020B0604020202020204" pitchFamily="34" charset="0"/>
+              <a:buChar char="•"/>
+              <a:defRPr sz="1800" kern="1200">
+                <a:solidFill>
+                  <a:schemeClr val="tx1"/>
+                </a:solidFill>
+                <a:latin typeface="+mn-lt"/>
+                <a:ea typeface="+mn-ea"/>
+                <a:cs typeface="+mn-cs"/>
+              </a:defRPr>
+            </a:lvl3pPr>
+            <a:lvl4pPr marL="1600200" indent="-228600" algn="l" defTabSz="914400" rtl="0" eaLnBrk="1" latinLnBrk="0" hangingPunct="1">
+              <a:lnSpc>
+                <a:spcPct val="90000"/>
+              </a:lnSpc>
+              <a:spcBef>
+                <a:spcPts val="500"/>
+              </a:spcBef>
+              <a:buFont typeface="Arial" panose="020B0604020202020204" pitchFamily="34" charset="0"/>
+              <a:buChar char="•"/>
+              <a:defRPr sz="1600" kern="1200">
+                <a:solidFill>
+                  <a:schemeClr val="tx1"/>
+                </a:solidFill>
+                <a:latin typeface="+mn-lt"/>
+                <a:ea typeface="+mn-ea"/>
+                <a:cs typeface="+mn-cs"/>
+              </a:defRPr>
+            </a:lvl4pPr>
+            <a:lvl5pPr marL="2057400" indent="-228600" algn="l" defTabSz="914400" rtl="0" eaLnBrk="1" latinLnBrk="0" hangingPunct="1">
+              <a:lnSpc>
+                <a:spcPct val="90000"/>
+              </a:lnSpc>
+              <a:spcBef>
+                <a:spcPts val="500"/>
+              </a:spcBef>
+              <a:buFont typeface="Arial" panose="020B0604020202020204" pitchFamily="34" charset="0"/>
+              <a:buChar char="•"/>
+              <a:defRPr sz="1600" kern="1200">
+                <a:solidFill>
+                  <a:schemeClr val="tx1"/>
+                </a:solidFill>
+                <a:latin typeface="+mn-lt"/>
+                <a:ea typeface="+mn-ea"/>
+                <a:cs typeface="+mn-cs"/>
+              </a:defRPr>
+            </a:lvl5pPr>
+            <a:lvl6pPr marL="2514600" indent="-228600" algn="l" defTabSz="914400" rtl="0" eaLnBrk="1" latinLnBrk="0" hangingPunct="1">
+              <a:lnSpc>
+                <a:spcPct val="90000"/>
+              </a:lnSpc>
+              <a:spcBef>
+                <a:spcPts val="500"/>
+              </a:spcBef>
+              <a:buFont typeface="Arial" panose="020B0604020202020204" pitchFamily="34" charset="0"/>
+              <a:buChar char="•"/>
+              <a:defRPr sz="1400" kern="1200">
+                <a:solidFill>
+                  <a:schemeClr val="tx1"/>
+                </a:solidFill>
+                <a:latin typeface="+mn-lt"/>
+                <a:ea typeface="+mn-ea"/>
+                <a:cs typeface="+mn-cs"/>
+              </a:defRPr>
+            </a:lvl6pPr>
+            <a:lvl7pPr marL="2971800" indent="-228600" algn="l" defTabSz="914400" rtl="0" eaLnBrk="1" latinLnBrk="0" hangingPunct="1">
+              <a:lnSpc>
+                <a:spcPct val="90000"/>
+              </a:lnSpc>
+              <a:spcBef>
+                <a:spcPts val="500"/>
+              </a:spcBef>
+              <a:buFont typeface="Arial" panose="020B0604020202020204" pitchFamily="34" charset="0"/>
+              <a:buChar char="•"/>
+              <a:defRPr sz="1400" kern="1200">
+                <a:solidFill>
+                  <a:schemeClr val="tx1"/>
+                </a:solidFill>
+                <a:latin typeface="+mn-lt"/>
+                <a:ea typeface="+mn-ea"/>
+                <a:cs typeface="+mn-cs"/>
+              </a:defRPr>
+            </a:lvl7pPr>
+            <a:lvl8pPr marL="3429000" indent="-228600" algn="l" defTabSz="914400" rtl="0" eaLnBrk="1" latinLnBrk="0" hangingPunct="1">
+              <a:lnSpc>
+                <a:spcPct val="90000"/>
+              </a:lnSpc>
+              <a:spcBef>
+                <a:spcPts val="500"/>
+              </a:spcBef>
+              <a:buFont typeface="Arial" panose="020B0604020202020204" pitchFamily="34" charset="0"/>
+              <a:buChar char="•"/>
+              <a:defRPr sz="1400" kern="1200">
+                <a:solidFill>
+                  <a:schemeClr val="tx1"/>
+                </a:solidFill>
+                <a:latin typeface="+mn-lt"/>
+                <a:ea typeface="+mn-ea"/>
+                <a:cs typeface="+mn-cs"/>
+              </a:defRPr>
+            </a:lvl8pPr>
+            <a:lvl9pPr marL="3886200" indent="-228600" algn="l" defTabSz="914400" rtl="0" eaLnBrk="1" latinLnBrk="0" hangingPunct="1">
+              <a:lnSpc>
+                <a:spcPct val="90000"/>
+              </a:lnSpc>
+              <a:spcBef>
+                <a:spcPts val="500"/>
+              </a:spcBef>
+              <a:buFont typeface="Arial" panose="020B0604020202020204" pitchFamily="34" charset="0"/>
+              <a:buChar char="•"/>
+              <a:defRPr sz="1400" kern="1200">
+                <a:solidFill>
+                  <a:schemeClr val="tx1"/>
+                </a:solidFill>
+                <a:latin typeface="+mn-lt"/>
+                <a:ea typeface="+mn-ea"/>
+                <a:cs typeface="+mn-cs"/>
+              </a:defRPr>
+            </a:lvl9pPr>
+          </a:lstStyle>
+          <a:p>
+            <a:pPr marL="0" indent="0" algn="ctr">
+              <a:buFont typeface="Arial" panose="020B0604020202020204" pitchFamily="34" charset="0"/>
+              <a:buNone/>
+            </a:pPr>
+            <a:r>
+              <a:rPr lang="de-DE" sz="4800" b="1" dirty="0"/>
+              <a:t>&gt;220</a:t>
+            </a:r>
+            <a:br>
+              <a:rPr lang="de-DE" sz="3600" b="1" dirty="0"/>
+            </a:br>
+            <a:r>
+              <a:rPr lang="de-DE" sz="1800" b="1" dirty="0"/>
+              <a:t>Seiten Dokumentation</a:t>
+            </a:r>
+            <a:endParaRPr lang="de-DE" sz="3600" b="1" dirty="0"/>
+          </a:p>
+        </p:txBody>
+      </p:sp>
+    </p:spTree>
+    <p:extLst>
+      <p:ext uri="{BB962C8B-B14F-4D97-AF65-F5344CB8AC3E}">
+        <p14:creationId xmlns:p14="http://schemas.microsoft.com/office/powerpoint/2010/main" val="3463086847"/>
+      </p:ext>
+    </p:extLst>
+  </p:cSld>
+  <p:clrMapOvr>
+    <a:masterClrMapping/>
+  </p:clrMapOvr>
 </p:sld>
 </file>
 

--- a/Abschlusspräsentation/Praesentation_newdesign.pptx
+++ b/Abschlusspräsentation/Praesentation_newdesign.pptx
@@ -221,7 +221,7 @@
           <a:p>
             <a:fld id="{74D74940-F9E6-439C-A55C-AF525C59EADC}" type="datetimeFigureOut">
               <a:rPr lang="de-DE" smtClean="0"/>
-              <a:t>19.03.2017</a:t>
+              <a:t>20.03.2017</a:t>
             </a:fld>
             <a:endParaRPr lang="de-DE"/>
           </a:p>
@@ -828,6 +828,16 @@
             </a:pPr>
             <a:r>
               <a:rPr lang="de-DE" dirty="0"/>
+              <a:t>Zunächst Ideensammlung</a:t>
+            </a:r>
+          </a:p>
+          <a:p>
+            <a:pPr marL="171450" indent="-171450">
+              <a:buFont typeface="Arial" panose="020B0604020202020204" pitchFamily="34" charset="0"/>
+              <a:buChar char="•"/>
+            </a:pPr>
+            <a:r>
+              <a:rPr lang="de-DE" dirty="0"/>
               <a:t>Ziele:</a:t>
             </a:r>
           </a:p>
@@ -1507,6 +1517,101 @@
           <a:bodyPr/>
           <a:lstStyle/>
           <a:p>
+            <a:r>
+              <a:rPr lang="de-DE" dirty="0"/>
+              <a:t>Alle geben einen Wert aus dem </a:t>
+            </a:r>
+            <a:r>
+              <a:rPr lang="de-DE" dirty="0" err="1"/>
+              <a:t>Interval</a:t>
+            </a:r>
+            <a:r>
+              <a:rPr lang="de-DE" dirty="0"/>
+              <a:t> [0,1] zurück</a:t>
+            </a:r>
+          </a:p>
+        </p:txBody>
+      </p:sp>
+      <p:sp>
+        <p:nvSpPr>
+          <p:cNvPr id="4" name="Foliennummernplatzhalter 3"/>
+          <p:cNvSpPr>
+            <a:spLocks noGrp="1"/>
+          </p:cNvSpPr>
+          <p:nvPr>
+            <p:ph type="sldNum" sz="quarter" idx="10"/>
+          </p:nvPr>
+        </p:nvSpPr>
+        <p:spPr/>
+        <p:txBody>
+          <a:bodyPr/>
+          <a:lstStyle/>
+          <a:p>
+            <a:fld id="{10623EF1-A4FE-4F69-895D-EDE1FA958D12}" type="slidenum">
+              <a:rPr lang="de-DE" smtClean="0"/>
+              <a:t>7</a:t>
+            </a:fld>
+            <a:endParaRPr lang="de-DE"/>
+          </a:p>
+        </p:txBody>
+      </p:sp>
+    </p:spTree>
+    <p:extLst>
+      <p:ext uri="{BB962C8B-B14F-4D97-AF65-F5344CB8AC3E}">
+        <p14:creationId xmlns:p14="http://schemas.microsoft.com/office/powerpoint/2010/main" val="1278445858"/>
+      </p:ext>
+    </p:extLst>
+  </p:cSld>
+  <p:clrMapOvr>
+    <a:masterClrMapping/>
+  </p:clrMapOvr>
+</p:notes>
+</file>
+
+<file path=ppt/notesSlides/notesSlide7.xml><?xml version="1.0" encoding="utf-8"?>
+<p:notes xmlns:a="http://schemas.openxmlformats.org/drawingml/2006/main" xmlns:r="http://schemas.openxmlformats.org/officeDocument/2006/relationships" xmlns:p="http://schemas.openxmlformats.org/presentationml/2006/main">
+  <p:cSld>
+    <p:spTree>
+      <p:nvGrpSpPr>
+        <p:cNvPr id="1" name=""/>
+        <p:cNvGrpSpPr/>
+        <p:nvPr/>
+      </p:nvGrpSpPr>
+      <p:grpSpPr>
+        <a:xfrm>
+          <a:off x="0" y="0"/>
+          <a:ext cx="0" cy="0"/>
+          <a:chOff x="0" y="0"/>
+          <a:chExt cx="0" cy="0"/>
+        </a:xfrm>
+      </p:grpSpPr>
+      <p:sp>
+        <p:nvSpPr>
+          <p:cNvPr id="2" name="Folienbildplatzhalter 1"/>
+          <p:cNvSpPr>
+            <a:spLocks noGrp="1" noRot="1" noChangeAspect="1"/>
+          </p:cNvSpPr>
+          <p:nvPr>
+            <p:ph type="sldImg"/>
+          </p:nvPr>
+        </p:nvSpPr>
+        <p:spPr/>
+      </p:sp>
+      <p:sp>
+        <p:nvSpPr>
+          <p:cNvPr id="3" name="Notizenplatzhalter 2"/>
+          <p:cNvSpPr>
+            <a:spLocks noGrp="1"/>
+          </p:cNvSpPr>
+          <p:nvPr>
+            <p:ph type="body" idx="1"/>
+          </p:nvPr>
+        </p:nvSpPr>
+        <p:spPr/>
+        <p:txBody>
+          <a:bodyPr/>
+          <a:lstStyle/>
+          <a:p>
             <a:pPr marL="171450" indent="-171450">
               <a:buFont typeface="Arial" panose="020B0604020202020204" pitchFamily="34" charset="0"/>
               <a:buChar char="•"/>
@@ -1619,7 +1724,7 @@
 </p:notes>
 </file>
 
-<file path=ppt/notesSlides/notesSlide7.xml><?xml version="1.0" encoding="utf-8"?>
+<file path=ppt/notesSlides/notesSlide8.xml><?xml version="1.0" encoding="utf-8"?>
 <p:notes xmlns:a="http://schemas.openxmlformats.org/drawingml/2006/main" xmlns:r="http://schemas.openxmlformats.org/officeDocument/2006/relationships" xmlns:p="http://schemas.openxmlformats.org/presentationml/2006/main">
   <p:cSld>
     <p:spTree>
@@ -2039,7 +2144,7 @@
           <a:p>
             <a:fld id="{78ABE3C1-DBE1-495D-B57B-2849774B866A}" type="datetimeFigureOut">
               <a:rPr lang="en-US" dirty="0"/>
-              <a:t>3/19/2017</a:t>
+              <a:t>3/20/2017</a:t>
             </a:fld>
             <a:endParaRPr lang="en-US" dirty="0"/>
           </a:p>
@@ -2448,7 +2553,7 @@
           <a:p>
             <a:fld id="{446C117F-5CCF-4837-BE5F-2B92066CAFAF}" type="datetimeFigureOut">
               <a:rPr lang="en-US" dirty="0"/>
-              <a:t>3/19/2017</a:t>
+              <a:t>3/20/2017</a:t>
             </a:fld>
             <a:endParaRPr lang="en-US" dirty="0"/>
           </a:p>
@@ -2779,7 +2884,7 @@
           <a:p>
             <a:fld id="{84EB90BD-B6CE-46B7-997F-7313B992CCDC}" type="datetimeFigureOut">
               <a:rPr lang="en-US" dirty="0"/>
-              <a:t>3/19/2017</a:t>
+              <a:t>3/20/2017</a:t>
             </a:fld>
             <a:endParaRPr lang="en-US" dirty="0"/>
           </a:p>
@@ -3179,7 +3284,7 @@
           <a:p>
             <a:fld id="{CDB9D11F-B188-461D-B23F-39381795C052}" type="datetimeFigureOut">
               <a:rPr lang="en-US" dirty="0"/>
-              <a:t>3/19/2017</a:t>
+              <a:t>3/20/2017</a:t>
             </a:fld>
             <a:endParaRPr lang="en-US" dirty="0"/>
           </a:p>
@@ -3742,7 +3847,7 @@
           <a:p>
             <a:fld id="{52E6D8D9-55A2-4063-B0F3-121F44549695}" type="datetimeFigureOut">
               <a:rPr lang="en-US" dirty="0"/>
-              <a:t>3/19/2017</a:t>
+              <a:t>3/20/2017</a:t>
             </a:fld>
             <a:endParaRPr lang="en-US" dirty="0"/>
           </a:p>
@@ -4418,7 +4523,7 @@
           <a:p>
             <a:fld id="{D4B24536-994D-4021-A283-9F449C0DB509}" type="datetimeFigureOut">
               <a:rPr lang="en-US" dirty="0"/>
-              <a:t>3/19/2017</a:t>
+              <a:t>3/20/2017</a:t>
             </a:fld>
             <a:endParaRPr lang="en-US" dirty="0"/>
           </a:p>
@@ -5326,7 +5431,7 @@
           <a:p>
             <a:fld id="{3CBBBB78-C96F-47B7-AB17-D852CA960AC9}" type="datetimeFigureOut">
               <a:rPr lang="en-US" dirty="0"/>
-              <a:t>3/19/2017</a:t>
+              <a:t>3/20/2017</a:t>
             </a:fld>
             <a:endParaRPr lang="en-US" dirty="0"/>
           </a:p>
@@ -5634,7 +5739,7 @@
           <a:p>
             <a:fld id="{1FA3F48C-C7C6-4055-9F49-3777875E72AE}" type="datetimeFigureOut">
               <a:rPr lang="en-US" dirty="0"/>
-              <a:t>3/19/2017</a:t>
+              <a:t>3/20/2017</a:t>
             </a:fld>
             <a:endParaRPr lang="en-US" dirty="0"/>
           </a:p>
@@ -5893,7 +5998,7 @@
           <a:p>
             <a:fld id="{6178E61D-D431-422C-9764-11DAFE33AB63}" type="datetimeFigureOut">
               <a:rPr lang="en-US" dirty="0"/>
-              <a:t>3/19/2017</a:t>
+              <a:t>3/20/2017</a:t>
             </a:fld>
             <a:endParaRPr lang="en-US" dirty="0"/>
           </a:p>
@@ -6212,7 +6317,7 @@
           <a:p>
             <a:fld id="{12DE42F4-6EEF-4EF7-8ED4-2208F0F89A08}" type="datetimeFigureOut">
               <a:rPr lang="en-US" dirty="0"/>
-              <a:t>3/19/2017</a:t>
+              <a:t>3/20/2017</a:t>
             </a:fld>
             <a:endParaRPr lang="en-US" dirty="0"/>
           </a:p>
@@ -6596,7 +6701,7 @@
           <a:p>
             <a:fld id="{30578ACC-22D6-47C1-A373-4FD133E34F3C}" type="datetimeFigureOut">
               <a:rPr lang="en-US" dirty="0"/>
-              <a:t>3/19/2017</a:t>
+              <a:t>3/20/2017</a:t>
             </a:fld>
             <a:endParaRPr lang="en-US" dirty="0"/>
           </a:p>
@@ -6967,7 +7072,7 @@
           <a:p>
             <a:fld id="{4E5A6C69-6797-4E8A-BF37-F2C3751466E9}" type="datetimeFigureOut">
               <a:rPr lang="en-US" dirty="0"/>
-              <a:t>3/19/2017</a:t>
+              <a:t>3/20/2017</a:t>
             </a:fld>
             <a:endParaRPr lang="en-US" dirty="0"/>
           </a:p>
@@ -7468,7 +7573,7 @@
           <a:p>
             <a:fld id="{D82014A1-A632-4878-A0D3-F52BA7563730}" type="datetimeFigureOut">
               <a:rPr lang="en-US" dirty="0"/>
-              <a:t>3/19/2017</a:t>
+              <a:t>3/20/2017</a:t>
             </a:fld>
             <a:endParaRPr lang="en-US" dirty="0"/>
           </a:p>
@@ -7720,7 +7825,7 @@
           <a:p>
             <a:fld id="{CE99F462-093F-4566-844B-4C71F2739DA5}" type="datetimeFigureOut">
               <a:rPr lang="en-US" dirty="0"/>
-              <a:t>3/19/2017</a:t>
+              <a:t>3/20/2017</a:t>
             </a:fld>
             <a:endParaRPr lang="en-US" dirty="0"/>
           </a:p>
@@ -7878,7 +7983,7 @@
           <a:p>
             <a:fld id="{3D24A7AC-904D-4781-85BA-7D10C17ED021}" type="datetimeFigureOut">
               <a:rPr lang="en-US" dirty="0"/>
-              <a:t>3/19/2017</a:t>
+              <a:t>3/20/2017</a:t>
             </a:fld>
             <a:endParaRPr lang="en-US" dirty="0"/>
           </a:p>
@@ -8263,7 +8368,7 @@
           <a:p>
             <a:fld id="{E331444B-B92B-4E27-8C94-BB93EAF5CB18}" type="datetimeFigureOut">
               <a:rPr lang="en-US" dirty="0"/>
-              <a:t>3/19/2017</a:t>
+              <a:t>3/20/2017</a:t>
             </a:fld>
             <a:endParaRPr lang="en-US" dirty="0"/>
           </a:p>
@@ -8667,7 +8772,7 @@
           <a:p>
             <a:fld id="{363EFA5E-FA76-400D-B3DC-F0BA90E6D107}" type="datetimeFigureOut">
               <a:rPr lang="en-US" dirty="0"/>
-              <a:t>3/19/2017</a:t>
+              <a:t>3/20/2017</a:t>
             </a:fld>
             <a:endParaRPr lang="en-US" dirty="0"/>
           </a:p>
@@ -8929,7 +9034,7 @@
           <a:p>
             <a:fld id="{9D6E9DEC-419B-4CC5-A080-3B06BD5A8291}" type="datetimeFigureOut">
               <a:rPr lang="en-US" dirty="0"/>
-              <a:t>3/19/2017</a:t>
+              <a:t>3/20/2017</a:t>
             </a:fld>
             <a:endParaRPr lang="en-US" dirty="0"/>
           </a:p>
@@ -10568,950 +10673,773 @@
       </p:sp>
       <p:grpSp>
         <p:nvGrpSpPr>
-          <p:cNvPr id="83" name="Gruppierung 82"/>
+          <p:cNvPr id="24" name="Gruppieren 23"/>
           <p:cNvGrpSpPr/>
           <p:nvPr/>
         </p:nvGrpSpPr>
         <p:grpSpPr>
           <a:xfrm>
-            <a:off x="757457" y="3024994"/>
-            <a:ext cx="10110409" cy="3413902"/>
-            <a:chOff x="757457" y="3024994"/>
-            <a:chExt cx="10110409" cy="3413902"/>
-          </a:xfrm>
-          <a:effectLst>
-            <a:outerShdw blurRad="50800" dist="38100" dir="2700000" algn="tl" rotWithShape="0">
-              <a:prstClr val="black">
-                <a:alpha val="40000"/>
-              </a:prstClr>
-            </a:outerShdw>
-          </a:effectLst>
+            <a:off x="808669" y="3024994"/>
+            <a:ext cx="10059197" cy="3413902"/>
+            <a:chOff x="808669" y="3024994"/>
+            <a:chExt cx="10059197" cy="3413902"/>
+          </a:xfrm>
         </p:grpSpPr>
-        <p:grpSp>
-          <p:nvGrpSpPr>
-            <p:cNvPr id="58" name="Gruppierung 57"/>
-            <p:cNvGrpSpPr/>
+        <p:sp>
+          <p:nvSpPr>
+            <p:cNvPr id="4" name="Rechteck 3"/>
+            <p:cNvSpPr/>
             <p:nvPr/>
-          </p:nvGrpSpPr>
-          <p:grpSpPr>
+          </p:nvSpPr>
+          <p:spPr>
             <a:xfrm>
-              <a:off x="2600787" y="3024994"/>
-              <a:ext cx="8267079" cy="3413902"/>
-              <a:chOff x="1371596" y="3024994"/>
-              <a:chExt cx="8994196" cy="3599316"/>
+              <a:off x="2600787" y="4983014"/>
+              <a:ext cx="2406823" cy="519241"/>
             </a:xfrm>
-            <a:effectLst/>
-          </p:grpSpPr>
-          <p:sp>
-            <p:nvSpPr>
-              <p:cNvPr id="4" name="Rechteck 3"/>
-              <p:cNvSpPr/>
-              <p:nvPr/>
-            </p:nvSpPr>
-            <p:spPr>
-              <a:xfrm>
-                <a:off x="1371596" y="5089357"/>
-                <a:ext cx="2618511" cy="547442"/>
-              </a:xfrm>
-              <a:prstGeom prst="rect">
-                <a:avLst/>
-              </a:prstGeom>
-              <a:gradFill flip="none" rotWithShape="1">
-                <a:gsLst>
-                  <a:gs pos="0">
-                    <a:schemeClr val="accent1">
-                      <a:lumMod val="67000"/>
-                    </a:schemeClr>
-                  </a:gs>
-                  <a:gs pos="48000">
-                    <a:schemeClr val="accent1">
-                      <a:lumMod val="97000"/>
-                      <a:lumOff val="3000"/>
-                    </a:schemeClr>
-                  </a:gs>
-                  <a:gs pos="100000">
-                    <a:schemeClr val="accent1">
-                      <a:lumMod val="60000"/>
-                      <a:lumOff val="40000"/>
-                    </a:schemeClr>
-                  </a:gs>
-                </a:gsLst>
-                <a:lin ang="16200000" scaled="1"/>
-                <a:tileRect/>
-              </a:gradFill>
-            </p:spPr>
-            <p:style>
-              <a:lnRef idx="2">
-                <a:schemeClr val="accent1">
-                  <a:shade val="50000"/>
-                </a:schemeClr>
-              </a:lnRef>
-              <a:fillRef idx="1">
-                <a:schemeClr val="accent1"/>
-              </a:fillRef>
-              <a:effectRef idx="0">
-                <a:schemeClr val="accent1"/>
-              </a:effectRef>
-              <a:fontRef idx="minor">
-                <a:schemeClr val="lt1"/>
-              </a:fontRef>
-            </p:style>
-            <p:txBody>
-              <a:bodyPr rtlCol="0" anchor="ctr"/>
-              <a:lstStyle/>
-              <a:p>
-                <a:pPr algn="ctr"/>
-                <a:r>
-                  <a:rPr lang="de-DE" dirty="0">
-                    <a:solidFill>
-                      <a:schemeClr val="tx2"/>
-                    </a:solidFill>
-                  </a:rPr>
-                  <a:t>ECTS Standard Deviation</a:t>
-                </a:r>
-              </a:p>
-            </p:txBody>
-          </p:sp>
-          <p:sp>
-            <p:nvSpPr>
-              <p:cNvPr id="5" name="Rechteck 4"/>
-              <p:cNvSpPr/>
-              <p:nvPr/>
-            </p:nvSpPr>
-            <p:spPr>
-              <a:xfrm>
-                <a:off x="1371598" y="3024994"/>
-                <a:ext cx="2618511" cy="547442"/>
-              </a:xfrm>
-              <a:prstGeom prst="rect">
-                <a:avLst/>
-              </a:prstGeom>
-              <a:gradFill flip="none" rotWithShape="1">
-                <a:gsLst>
-                  <a:gs pos="0">
-                    <a:schemeClr val="accent1">
-                      <a:lumMod val="67000"/>
-                    </a:schemeClr>
-                  </a:gs>
-                  <a:gs pos="48000">
-                    <a:schemeClr val="accent1">
-                      <a:lumMod val="97000"/>
-                      <a:lumOff val="3000"/>
-                    </a:schemeClr>
-                  </a:gs>
-                  <a:gs pos="100000">
-                    <a:schemeClr val="accent1">
-                      <a:lumMod val="60000"/>
-                      <a:lumOff val="40000"/>
-                    </a:schemeClr>
-                  </a:gs>
-                </a:gsLst>
-                <a:lin ang="16200000" scaled="1"/>
-                <a:tileRect/>
-              </a:gradFill>
-            </p:spPr>
-            <p:style>
-              <a:lnRef idx="2">
-                <a:schemeClr val="accent1">
-                  <a:shade val="50000"/>
-                </a:schemeClr>
-              </a:lnRef>
-              <a:fillRef idx="1">
-                <a:schemeClr val="accent1"/>
-              </a:fillRef>
-              <a:effectRef idx="0">
-                <a:schemeClr val="accent1"/>
-              </a:effectRef>
-              <a:fontRef idx="minor">
-                <a:schemeClr val="lt1"/>
-              </a:fontRef>
-            </p:style>
-            <p:txBody>
-              <a:bodyPr rtlCol="0" anchor="ctr"/>
-              <a:lstStyle/>
-              <a:p>
-                <a:pPr algn="ctr"/>
-                <a:r>
-                  <a:rPr lang="de-DE" dirty="0">
-                    <a:solidFill>
-                      <a:schemeClr val="tx2"/>
-                    </a:solidFill>
-                  </a:rPr>
-                  <a:t>Minimal ECTS</a:t>
-                </a:r>
-              </a:p>
-            </p:txBody>
-          </p:sp>
-          <p:sp>
-            <p:nvSpPr>
-              <p:cNvPr id="6" name="Rechteck 5"/>
-              <p:cNvSpPr/>
-              <p:nvPr/>
-            </p:nvSpPr>
-            <p:spPr>
-              <a:xfrm>
-                <a:off x="1371598" y="3713115"/>
-                <a:ext cx="2618511" cy="547442"/>
-              </a:xfrm>
-              <a:prstGeom prst="rect">
-                <a:avLst/>
-              </a:prstGeom>
-              <a:gradFill flip="none" rotWithShape="1">
-                <a:gsLst>
-                  <a:gs pos="0">
-                    <a:schemeClr val="accent1">
-                      <a:lumMod val="67000"/>
-                    </a:schemeClr>
-                  </a:gs>
-                  <a:gs pos="48000">
-                    <a:schemeClr val="accent1">
-                      <a:lumMod val="97000"/>
-                      <a:lumOff val="3000"/>
-                    </a:schemeClr>
-                  </a:gs>
-                  <a:gs pos="100000">
-                    <a:schemeClr val="accent1">
-                      <a:lumMod val="60000"/>
-                      <a:lumOff val="40000"/>
-                    </a:schemeClr>
-                  </a:gs>
-                </a:gsLst>
-                <a:lin ang="16200000" scaled="1"/>
-                <a:tileRect/>
-              </a:gradFill>
-            </p:spPr>
-            <p:style>
-              <a:lnRef idx="2">
-                <a:schemeClr val="accent1">
-                  <a:shade val="50000"/>
-                </a:schemeClr>
-              </a:lnRef>
-              <a:fillRef idx="1">
-                <a:schemeClr val="accent1"/>
-              </a:fillRef>
-              <a:effectRef idx="0">
-                <a:schemeClr val="accent1"/>
-              </a:effectRef>
-              <a:fontRef idx="minor">
-                <a:schemeClr val="lt1"/>
-              </a:fontRef>
-            </p:style>
-            <p:txBody>
-              <a:bodyPr rtlCol="0" anchor="ctr"/>
-              <a:lstStyle/>
-              <a:p>
-                <a:pPr algn="ctr"/>
-                <a:r>
-                  <a:rPr lang="de-DE" dirty="0">
-                    <a:solidFill>
-                      <a:schemeClr val="tx2"/>
-                    </a:solidFill>
-                  </a:rPr>
-                  <a:t>Minimal Semester</a:t>
-                </a:r>
-              </a:p>
-            </p:txBody>
-          </p:sp>
-          <p:sp>
-            <p:nvSpPr>
-              <p:cNvPr id="7" name="Rechteck 6"/>
-              <p:cNvSpPr/>
-              <p:nvPr/>
-            </p:nvSpPr>
-            <p:spPr>
-              <a:xfrm>
-                <a:off x="1371597" y="4401236"/>
-                <a:ext cx="2618511" cy="547442"/>
-              </a:xfrm>
-              <a:prstGeom prst="rect">
-                <a:avLst/>
-              </a:prstGeom>
-              <a:gradFill flip="none" rotWithShape="1">
-                <a:gsLst>
-                  <a:gs pos="0">
-                    <a:schemeClr val="accent1">
-                      <a:lumMod val="67000"/>
-                    </a:schemeClr>
-                  </a:gs>
-                  <a:gs pos="48000">
-                    <a:schemeClr val="accent1">
-                      <a:lumMod val="97000"/>
-                      <a:lumOff val="3000"/>
-                    </a:schemeClr>
-                  </a:gs>
-                  <a:gs pos="100000">
-                    <a:schemeClr val="accent1">
-                      <a:lumMod val="60000"/>
-                      <a:lumOff val="40000"/>
-                    </a:schemeClr>
-                  </a:gs>
-                </a:gsLst>
-                <a:lin ang="16200000" scaled="1"/>
-                <a:tileRect/>
-              </a:gradFill>
-            </p:spPr>
-            <p:style>
-              <a:lnRef idx="2">
-                <a:schemeClr val="accent1">
-                  <a:shade val="50000"/>
-                </a:schemeClr>
-              </a:lnRef>
-              <a:fillRef idx="1">
-                <a:schemeClr val="accent1"/>
-              </a:fillRef>
-              <a:effectRef idx="0">
-                <a:schemeClr val="accent1"/>
-              </a:effectRef>
-              <a:fontRef idx="minor">
-                <a:schemeClr val="lt1"/>
-              </a:fontRef>
-            </p:style>
-            <p:txBody>
-              <a:bodyPr rtlCol="0" anchor="ctr"/>
-              <a:lstStyle/>
-              <a:p>
-                <a:pPr algn="ctr"/>
-                <a:r>
-                  <a:rPr lang="de-DE" dirty="0" err="1">
-                    <a:solidFill>
-                      <a:schemeClr val="tx2"/>
-                    </a:solidFill>
-                  </a:rPr>
-                  <a:t>Preferences</a:t>
-                </a:r>
-                <a:endParaRPr lang="de-DE" dirty="0">
+            <a:prstGeom prst="rect">
+              <a:avLst/>
+            </a:prstGeom>
+            <a:solidFill>
+              <a:schemeClr val="accent1"/>
+            </a:solidFill>
+          </p:spPr>
+          <p:style>
+            <a:lnRef idx="2">
+              <a:schemeClr val="accent1">
+                <a:shade val="50000"/>
+              </a:schemeClr>
+            </a:lnRef>
+            <a:fillRef idx="1">
+              <a:schemeClr val="accent1"/>
+            </a:fillRef>
+            <a:effectRef idx="0">
+              <a:schemeClr val="accent1"/>
+            </a:effectRef>
+            <a:fontRef idx="minor">
+              <a:schemeClr val="lt1"/>
+            </a:fontRef>
+          </p:style>
+          <p:txBody>
+            <a:bodyPr rtlCol="0" anchor="ctr"/>
+            <a:lstStyle/>
+            <a:p>
+              <a:pPr algn="ctr"/>
+              <a:r>
+                <a:rPr lang="de-DE" dirty="0">
                   <a:solidFill>
                     <a:schemeClr val="tx2"/>
                   </a:solidFill>
-                </a:endParaRPr>
-              </a:p>
-            </p:txBody>
-          </p:sp>
-          <p:sp>
-            <p:nvSpPr>
-              <p:cNvPr id="8" name="Rechteck 7"/>
-              <p:cNvSpPr/>
-              <p:nvPr/>
-            </p:nvSpPr>
-            <p:spPr>
-              <a:xfrm>
-                <a:off x="1371596" y="6051199"/>
-                <a:ext cx="2618511" cy="547442"/>
-              </a:xfrm>
-              <a:prstGeom prst="rect">
-                <a:avLst/>
-              </a:prstGeom>
-              <a:gradFill>
-                <a:gsLst>
-                  <a:gs pos="1000">
-                    <a:schemeClr val="accent3"/>
-                  </a:gs>
-                  <a:gs pos="87000">
-                    <a:schemeClr val="accent2">
-                      <a:lumMod val="97000"/>
-                      <a:lumOff val="3000"/>
-                    </a:schemeClr>
-                  </a:gs>
-                  <a:gs pos="100000">
-                    <a:schemeClr val="accent2">
-                      <a:lumMod val="60000"/>
-                      <a:lumOff val="40000"/>
-                    </a:schemeClr>
-                  </a:gs>
-                </a:gsLst>
-                <a:lin ang="16200000" scaled="1"/>
-              </a:gradFill>
-            </p:spPr>
-            <p:style>
-              <a:lnRef idx="2">
-                <a:schemeClr val="accent1">
-                  <a:shade val="50000"/>
-                </a:schemeClr>
-              </a:lnRef>
-              <a:fillRef idx="1">
-                <a:schemeClr val="accent1"/>
-              </a:fillRef>
-              <a:effectRef idx="0">
-                <a:schemeClr val="accent1"/>
-              </a:effectRef>
-              <a:fontRef idx="minor">
-                <a:schemeClr val="lt1"/>
-              </a:fontRef>
-            </p:style>
-            <p:txBody>
-              <a:bodyPr rtlCol="0" anchor="ctr"/>
-              <a:lstStyle/>
-              <a:p>
-                <a:pPr algn="ctr"/>
-                <a:r>
-                  <a:rPr lang="de-DE" dirty="0">
-                    <a:solidFill>
-                      <a:schemeClr val="accent1"/>
-                    </a:solidFill>
-                  </a:rPr>
-                  <a:t>User </a:t>
-                </a:r>
-                <a:r>
-                  <a:rPr lang="de-DE" dirty="0" err="1">
-                    <a:solidFill>
-                      <a:schemeClr val="accent1"/>
-                    </a:solidFill>
-                  </a:rPr>
-                  <a:t>Selection</a:t>
-                </a:r>
-                <a:endParaRPr lang="de-DE" dirty="0">
+                </a:rPr>
+                <a:t>ECTS Standard Deviation</a:t>
+              </a:r>
+            </a:p>
+          </p:txBody>
+        </p:sp>
+        <p:sp>
+          <p:nvSpPr>
+            <p:cNvPr id="5" name="Rechteck 4"/>
+            <p:cNvSpPr/>
+            <p:nvPr/>
+          </p:nvSpPr>
+          <p:spPr>
+            <a:xfrm>
+              <a:off x="2600789" y="3024994"/>
+              <a:ext cx="2406823" cy="519241"/>
+            </a:xfrm>
+            <a:prstGeom prst="rect">
+              <a:avLst/>
+            </a:prstGeom>
+            <a:solidFill>
+              <a:schemeClr val="accent1"/>
+            </a:solidFill>
+          </p:spPr>
+          <p:style>
+            <a:lnRef idx="2">
+              <a:schemeClr val="accent1">
+                <a:shade val="50000"/>
+              </a:schemeClr>
+            </a:lnRef>
+            <a:fillRef idx="1">
+              <a:schemeClr val="accent1"/>
+            </a:fillRef>
+            <a:effectRef idx="0">
+              <a:schemeClr val="accent1"/>
+            </a:effectRef>
+            <a:fontRef idx="minor">
+              <a:schemeClr val="lt1"/>
+            </a:fontRef>
+          </p:style>
+          <p:txBody>
+            <a:bodyPr rtlCol="0" anchor="ctr"/>
+            <a:lstStyle/>
+            <a:p>
+              <a:pPr algn="ctr"/>
+              <a:r>
+                <a:rPr lang="de-DE" dirty="0">
+                  <a:solidFill>
+                    <a:schemeClr val="tx2"/>
+                  </a:solidFill>
+                </a:rPr>
+                <a:t>Minimal ECTS</a:t>
+              </a:r>
+            </a:p>
+          </p:txBody>
+        </p:sp>
+        <p:sp>
+          <p:nvSpPr>
+            <p:cNvPr id="6" name="Rechteck 5"/>
+            <p:cNvSpPr/>
+            <p:nvPr/>
+          </p:nvSpPr>
+          <p:spPr>
+            <a:xfrm>
+              <a:off x="2600789" y="3677667"/>
+              <a:ext cx="2406823" cy="519241"/>
+            </a:xfrm>
+            <a:prstGeom prst="rect">
+              <a:avLst/>
+            </a:prstGeom>
+            <a:solidFill>
+              <a:schemeClr val="accent1"/>
+            </a:solidFill>
+          </p:spPr>
+          <p:style>
+            <a:lnRef idx="2">
+              <a:schemeClr val="accent1">
+                <a:shade val="50000"/>
+              </a:schemeClr>
+            </a:lnRef>
+            <a:fillRef idx="1">
+              <a:schemeClr val="accent1"/>
+            </a:fillRef>
+            <a:effectRef idx="0">
+              <a:schemeClr val="accent1"/>
+            </a:effectRef>
+            <a:fontRef idx="minor">
+              <a:schemeClr val="lt1"/>
+            </a:fontRef>
+          </p:style>
+          <p:txBody>
+            <a:bodyPr rtlCol="0" anchor="ctr"/>
+            <a:lstStyle/>
+            <a:p>
+              <a:pPr algn="ctr"/>
+              <a:r>
+                <a:rPr lang="de-DE" dirty="0">
+                  <a:solidFill>
+                    <a:schemeClr val="tx2"/>
+                  </a:solidFill>
+                </a:rPr>
+                <a:t>Minimal Semester</a:t>
+              </a:r>
+            </a:p>
+          </p:txBody>
+        </p:sp>
+        <p:sp>
+          <p:nvSpPr>
+            <p:cNvPr id="7" name="Rechteck 6"/>
+            <p:cNvSpPr/>
+            <p:nvPr/>
+          </p:nvSpPr>
+          <p:spPr>
+            <a:xfrm>
+              <a:off x="2600788" y="4330341"/>
+              <a:ext cx="2406823" cy="519241"/>
+            </a:xfrm>
+            <a:prstGeom prst="rect">
+              <a:avLst/>
+            </a:prstGeom>
+            <a:solidFill>
+              <a:schemeClr val="accent1"/>
+            </a:solidFill>
+          </p:spPr>
+          <p:style>
+            <a:lnRef idx="2">
+              <a:schemeClr val="accent1">
+                <a:shade val="50000"/>
+              </a:schemeClr>
+            </a:lnRef>
+            <a:fillRef idx="1">
+              <a:schemeClr val="accent1"/>
+            </a:fillRef>
+            <a:effectRef idx="0">
+              <a:schemeClr val="accent1"/>
+            </a:effectRef>
+            <a:fontRef idx="minor">
+              <a:schemeClr val="lt1"/>
+            </a:fontRef>
+          </p:style>
+          <p:txBody>
+            <a:bodyPr rtlCol="0" anchor="ctr"/>
+            <a:lstStyle/>
+            <a:p>
+              <a:pPr algn="ctr"/>
+              <a:r>
+                <a:rPr lang="de-DE" dirty="0" err="1">
+                  <a:solidFill>
+                    <a:schemeClr val="tx2"/>
+                  </a:solidFill>
+                </a:rPr>
+                <a:t>Preferences</a:t>
+              </a:r>
+              <a:endParaRPr lang="de-DE" dirty="0">
+                <a:solidFill>
+                  <a:schemeClr val="tx2"/>
+                </a:solidFill>
+              </a:endParaRPr>
+            </a:p>
+          </p:txBody>
+        </p:sp>
+        <p:sp>
+          <p:nvSpPr>
+            <p:cNvPr id="8" name="Rechteck 7"/>
+            <p:cNvSpPr/>
+            <p:nvPr/>
+          </p:nvSpPr>
+          <p:spPr>
+            <a:xfrm>
+              <a:off x="2600787" y="5895308"/>
+              <a:ext cx="2406823" cy="519241"/>
+            </a:xfrm>
+            <a:prstGeom prst="rect">
+              <a:avLst/>
+            </a:prstGeom>
+            <a:solidFill>
+              <a:schemeClr val="accent3">
+                <a:lumMod val="60000"/>
+                <a:lumOff val="40000"/>
+              </a:schemeClr>
+            </a:solidFill>
+          </p:spPr>
+          <p:style>
+            <a:lnRef idx="2">
+              <a:schemeClr val="accent1">
+                <a:shade val="50000"/>
+              </a:schemeClr>
+            </a:lnRef>
+            <a:fillRef idx="1">
+              <a:schemeClr val="accent1"/>
+            </a:fillRef>
+            <a:effectRef idx="0">
+              <a:schemeClr val="accent1"/>
+            </a:effectRef>
+            <a:fontRef idx="minor">
+              <a:schemeClr val="lt1"/>
+            </a:fontRef>
+          </p:style>
+          <p:txBody>
+            <a:bodyPr rtlCol="0" anchor="ctr"/>
+            <a:lstStyle/>
+            <a:p>
+              <a:pPr algn="ctr"/>
+              <a:r>
+                <a:rPr lang="de-DE" dirty="0">
                   <a:solidFill>
                     <a:schemeClr val="accent1"/>
                   </a:solidFill>
-                </a:endParaRPr>
-              </a:p>
-            </p:txBody>
-          </p:sp>
-          <p:sp>
-            <p:nvSpPr>
-              <p:cNvPr id="9" name="Rechteck 8"/>
-              <p:cNvSpPr/>
-              <p:nvPr/>
-            </p:nvSpPr>
-            <p:spPr>
-              <a:xfrm>
-                <a:off x="5798380" y="3962744"/>
-                <a:ext cx="698805" cy="696469"/>
-              </a:xfrm>
-              <a:prstGeom prst="rect">
-                <a:avLst/>
-              </a:prstGeom>
-              <a:gradFill flip="none" rotWithShape="1">
-                <a:gsLst>
-                  <a:gs pos="0">
-                    <a:schemeClr val="accent1">
-                      <a:lumMod val="67000"/>
-                    </a:schemeClr>
-                  </a:gs>
-                  <a:gs pos="48000">
-                    <a:schemeClr val="accent1">
-                      <a:lumMod val="97000"/>
-                      <a:lumOff val="3000"/>
-                    </a:schemeClr>
-                  </a:gs>
-                  <a:gs pos="100000">
-                    <a:schemeClr val="accent1">
-                      <a:lumMod val="60000"/>
-                      <a:lumOff val="40000"/>
-                    </a:schemeClr>
-                  </a:gs>
-                </a:gsLst>
-                <a:lin ang="16200000" scaled="1"/>
-                <a:tileRect/>
-              </a:gradFill>
-            </p:spPr>
-            <p:style>
-              <a:lnRef idx="2">
-                <a:schemeClr val="accent1">
-                  <a:shade val="50000"/>
-                </a:schemeClr>
-              </a:lnRef>
-              <a:fillRef idx="1">
-                <a:schemeClr val="accent1"/>
-              </a:fillRef>
-              <a:effectRef idx="0">
-                <a:schemeClr val="accent1"/>
-              </a:effectRef>
-              <a:fontRef idx="minor">
-                <a:schemeClr val="lt1"/>
-              </a:fontRef>
-            </p:style>
-            <p:txBody>
-              <a:bodyPr rtlCol="0" anchor="ctr"/>
-              <a:lstStyle/>
-              <a:p>
-                <a:pPr algn="ctr"/>
-                <a:r>
-                  <a:rPr lang="de-DE" sz="6600" dirty="0">
-                    <a:solidFill>
-                      <a:schemeClr val="tx2"/>
-                    </a:solidFill>
-                  </a:rPr>
-                  <a:t>∅</a:t>
-                </a:r>
-                <a:endParaRPr lang="de-DE" dirty="0">
+                </a:rPr>
+                <a:t>User </a:t>
+              </a:r>
+              <a:r>
+                <a:rPr lang="de-DE" dirty="0" err="1">
+                  <a:solidFill>
+                    <a:schemeClr val="accent1"/>
+                  </a:solidFill>
+                </a:rPr>
+                <a:t>Selection</a:t>
+              </a:r>
+              <a:endParaRPr lang="de-DE" dirty="0">
+                <a:solidFill>
+                  <a:schemeClr val="accent1"/>
+                </a:solidFill>
+              </a:endParaRPr>
+            </a:p>
+          </p:txBody>
+        </p:sp>
+        <p:sp>
+          <p:nvSpPr>
+            <p:cNvPr id="9" name="Rechteck 8"/>
+            <p:cNvSpPr/>
+            <p:nvPr/>
+          </p:nvSpPr>
+          <p:spPr>
+            <a:xfrm>
+              <a:off x="6669697" y="3914437"/>
+              <a:ext cx="642312" cy="660591"/>
+            </a:xfrm>
+            <a:prstGeom prst="rect">
+              <a:avLst/>
+            </a:prstGeom>
+            <a:solidFill>
+              <a:schemeClr val="accent1"/>
+            </a:solidFill>
+          </p:spPr>
+          <p:style>
+            <a:lnRef idx="2">
+              <a:schemeClr val="accent1">
+                <a:shade val="50000"/>
+              </a:schemeClr>
+            </a:lnRef>
+            <a:fillRef idx="1">
+              <a:schemeClr val="accent1"/>
+            </a:fillRef>
+            <a:effectRef idx="0">
+              <a:schemeClr val="accent1"/>
+            </a:effectRef>
+            <a:fontRef idx="minor">
+              <a:schemeClr val="lt1"/>
+            </a:fontRef>
+          </p:style>
+          <p:txBody>
+            <a:bodyPr rtlCol="0" anchor="ctr"/>
+            <a:lstStyle/>
+            <a:p>
+              <a:pPr algn="ctr"/>
+              <a:r>
+                <a:rPr lang="de-DE" sz="4800" dirty="0">
                   <a:solidFill>
                     <a:schemeClr val="tx2"/>
                   </a:solidFill>
-                </a:endParaRPr>
-              </a:p>
-            </p:txBody>
-          </p:sp>
-          <p:cxnSp>
-            <p:nvCxnSpPr>
-              <p:cNvPr id="11" name="Gewinkelte Verbindung 10"/>
-              <p:cNvCxnSpPr>
-                <a:stCxn id="5" idx="3"/>
-                <a:endCxn id="9" idx="1"/>
-              </p:cNvCxnSpPr>
-              <p:nvPr/>
-            </p:nvCxnSpPr>
-            <p:spPr>
-              <a:xfrm>
-                <a:off x="3990109" y="3298715"/>
-                <a:ext cx="1808271" cy="1012264"/>
-              </a:xfrm>
-              <a:prstGeom prst="bentConnector3">
-                <a:avLst/>
-              </a:prstGeom>
-              <a:ln>
-                <a:tailEnd type="triangle"/>
-              </a:ln>
-            </p:spPr>
-            <p:style>
-              <a:lnRef idx="1">
-                <a:schemeClr val="accent1"/>
-              </a:lnRef>
-              <a:fillRef idx="0">
-                <a:schemeClr val="accent1"/>
-              </a:fillRef>
-              <a:effectRef idx="0">
-                <a:schemeClr val="accent1"/>
-              </a:effectRef>
-              <a:fontRef idx="minor">
-                <a:schemeClr val="tx1"/>
-              </a:fontRef>
-            </p:style>
-          </p:cxnSp>
-          <p:cxnSp>
-            <p:nvCxnSpPr>
-              <p:cNvPr id="12" name="Gewinkelte Verbindung 11"/>
-              <p:cNvCxnSpPr>
-                <a:stCxn id="6" idx="3"/>
-                <a:endCxn id="9" idx="1"/>
-              </p:cNvCxnSpPr>
-              <p:nvPr/>
-            </p:nvCxnSpPr>
-            <p:spPr>
-              <a:xfrm>
-                <a:off x="3990109" y="3986836"/>
-                <a:ext cx="1808271" cy="324143"/>
-              </a:xfrm>
-              <a:prstGeom prst="bentConnector3">
-                <a:avLst/>
-              </a:prstGeom>
-              <a:ln>
-                <a:tailEnd type="triangle"/>
-              </a:ln>
-            </p:spPr>
-            <p:style>
-              <a:lnRef idx="1">
-                <a:schemeClr val="accent1"/>
-              </a:lnRef>
-              <a:fillRef idx="0">
-                <a:schemeClr val="accent1"/>
-              </a:fillRef>
-              <a:effectRef idx="0">
-                <a:schemeClr val="accent1"/>
-              </a:effectRef>
-              <a:fontRef idx="minor">
-                <a:schemeClr val="tx1"/>
-              </a:fontRef>
-            </p:style>
-          </p:cxnSp>
-          <p:cxnSp>
-            <p:nvCxnSpPr>
-              <p:cNvPr id="15" name="Gewinkelte Verbindung 14"/>
-              <p:cNvCxnSpPr>
-                <a:stCxn id="7" idx="3"/>
-                <a:endCxn id="9" idx="1"/>
-              </p:cNvCxnSpPr>
-              <p:nvPr/>
-            </p:nvCxnSpPr>
-            <p:spPr>
-              <a:xfrm flipV="1">
-                <a:off x="3990108" y="4310979"/>
-                <a:ext cx="1808272" cy="363978"/>
-              </a:xfrm>
-              <a:prstGeom prst="bentConnector3">
-                <a:avLst/>
-              </a:prstGeom>
-              <a:ln>
-                <a:tailEnd type="triangle"/>
-              </a:ln>
-            </p:spPr>
-            <p:style>
-              <a:lnRef idx="1">
-                <a:schemeClr val="accent1"/>
-              </a:lnRef>
-              <a:fillRef idx="0">
-                <a:schemeClr val="accent1"/>
-              </a:fillRef>
-              <a:effectRef idx="0">
-                <a:schemeClr val="accent1"/>
-              </a:effectRef>
-              <a:fontRef idx="minor">
-                <a:schemeClr val="tx1"/>
-              </a:fontRef>
-            </p:style>
-          </p:cxnSp>
-          <p:cxnSp>
-            <p:nvCxnSpPr>
-              <p:cNvPr id="18" name="Gewinkelte Verbindung 17"/>
-              <p:cNvCxnSpPr>
-                <a:stCxn id="4" idx="3"/>
-                <a:endCxn id="9" idx="1"/>
-              </p:cNvCxnSpPr>
-              <p:nvPr/>
-            </p:nvCxnSpPr>
-            <p:spPr>
-              <a:xfrm flipV="1">
-                <a:off x="3990107" y="4310979"/>
-                <a:ext cx="1808273" cy="1052099"/>
-              </a:xfrm>
-              <a:prstGeom prst="bentConnector3">
-                <a:avLst>
-                  <a:gd name="adj1" fmla="val 50000"/>
-                </a:avLst>
-              </a:prstGeom>
-              <a:ln>
-                <a:tailEnd type="triangle"/>
-              </a:ln>
-            </p:spPr>
-            <p:style>
-              <a:lnRef idx="1">
-                <a:schemeClr val="accent1"/>
-              </a:lnRef>
-              <a:fillRef idx="0">
-                <a:schemeClr val="accent1"/>
-              </a:fillRef>
-              <a:effectRef idx="0">
-                <a:schemeClr val="accent1"/>
-              </a:effectRef>
-              <a:fontRef idx="minor">
-                <a:schemeClr val="tx1"/>
-              </a:fontRef>
-            </p:style>
-          </p:cxnSp>
-          <p:sp>
-            <p:nvSpPr>
-              <p:cNvPr id="35" name="Rechteck 34"/>
-              <p:cNvSpPr/>
-              <p:nvPr/>
-            </p:nvSpPr>
-            <p:spPr>
-              <a:xfrm>
-                <a:off x="4811842" y="6051199"/>
-                <a:ext cx="1685343" cy="573111"/>
-              </a:xfrm>
-              <a:prstGeom prst="rect">
-                <a:avLst/>
-              </a:prstGeom>
-              <a:gradFill flip="none" rotWithShape="1">
-                <a:gsLst>
-                  <a:gs pos="0">
-                    <a:schemeClr val="accent1">
-                      <a:lumMod val="67000"/>
-                    </a:schemeClr>
-                  </a:gs>
-                  <a:gs pos="48000">
-                    <a:schemeClr val="accent1">
-                      <a:lumMod val="97000"/>
-                      <a:lumOff val="3000"/>
-                    </a:schemeClr>
-                  </a:gs>
-                  <a:gs pos="100000">
-                    <a:schemeClr val="accent1">
-                      <a:lumMod val="60000"/>
-                      <a:lumOff val="40000"/>
-                    </a:schemeClr>
-                  </a:gs>
-                </a:gsLst>
-                <a:lin ang="16200000" scaled="1"/>
-                <a:tileRect/>
-              </a:gradFill>
-            </p:spPr>
-            <p:style>
-              <a:lnRef idx="2">
-                <a:schemeClr val="accent1">
-                  <a:shade val="50000"/>
-                </a:schemeClr>
-              </a:lnRef>
-              <a:fillRef idx="1">
-                <a:schemeClr val="accent1"/>
-              </a:fillRef>
-              <a:effectRef idx="0">
-                <a:schemeClr val="accent1"/>
-              </a:effectRef>
-              <a:fontRef idx="minor">
-                <a:schemeClr val="lt1"/>
-              </a:fontRef>
-            </p:style>
-            <p:txBody>
-              <a:bodyPr rtlCol="0" anchor="ctr"/>
-              <a:lstStyle/>
-              <a:p>
-                <a:pPr algn="ctr"/>
-                <a:r>
-                  <a:rPr lang="de-DE" sz="2000" dirty="0">
-                    <a:solidFill>
-                      <a:schemeClr val="tx2"/>
-                    </a:solidFill>
-                  </a:rPr>
-                  <a:t>x &lt; 0.5 ? 0 : x</a:t>
-                </a:r>
-                <a:endParaRPr lang="de-DE" sz="1400" dirty="0">
+                </a:rPr>
+                <a:t>∅</a:t>
+              </a:r>
+              <a:endParaRPr lang="de-DE" dirty="0">
+                <a:solidFill>
+                  <a:schemeClr val="tx2"/>
+                </a:solidFill>
+              </a:endParaRPr>
+            </a:p>
+          </p:txBody>
+        </p:sp>
+        <p:cxnSp>
+          <p:nvCxnSpPr>
+            <p:cNvPr id="11" name="Gewinkelte Verbindung 10"/>
+            <p:cNvCxnSpPr>
+              <a:stCxn id="5" idx="3"/>
+              <a:endCxn id="9" idx="1"/>
+            </p:cNvCxnSpPr>
+            <p:nvPr/>
+          </p:nvCxnSpPr>
+          <p:spPr>
+            <a:xfrm>
+              <a:off x="5007612" y="3284615"/>
+              <a:ext cx="1662085" cy="960119"/>
+            </a:xfrm>
+            <a:prstGeom prst="bentConnector3">
+              <a:avLst/>
+            </a:prstGeom>
+            <a:ln>
+              <a:tailEnd type="triangle"/>
+            </a:ln>
+          </p:spPr>
+          <p:style>
+            <a:lnRef idx="1">
+              <a:schemeClr val="accent1"/>
+            </a:lnRef>
+            <a:fillRef idx="0">
+              <a:schemeClr val="accent1"/>
+            </a:fillRef>
+            <a:effectRef idx="0">
+              <a:schemeClr val="accent1"/>
+            </a:effectRef>
+            <a:fontRef idx="minor">
+              <a:schemeClr val="tx1"/>
+            </a:fontRef>
+          </p:style>
+        </p:cxnSp>
+        <p:cxnSp>
+          <p:nvCxnSpPr>
+            <p:cNvPr id="12" name="Gewinkelte Verbindung 11"/>
+            <p:cNvCxnSpPr>
+              <a:stCxn id="6" idx="3"/>
+              <a:endCxn id="9" idx="1"/>
+            </p:cNvCxnSpPr>
+            <p:nvPr/>
+          </p:nvCxnSpPr>
+          <p:spPr>
+            <a:xfrm>
+              <a:off x="5007612" y="3937288"/>
+              <a:ext cx="1662085" cy="307445"/>
+            </a:xfrm>
+            <a:prstGeom prst="bentConnector3">
+              <a:avLst/>
+            </a:prstGeom>
+            <a:ln>
+              <a:tailEnd type="triangle"/>
+            </a:ln>
+          </p:spPr>
+          <p:style>
+            <a:lnRef idx="1">
+              <a:schemeClr val="accent1"/>
+            </a:lnRef>
+            <a:fillRef idx="0">
+              <a:schemeClr val="accent1"/>
+            </a:fillRef>
+            <a:effectRef idx="0">
+              <a:schemeClr val="accent1"/>
+            </a:effectRef>
+            <a:fontRef idx="minor">
+              <a:schemeClr val="tx1"/>
+            </a:fontRef>
+          </p:style>
+        </p:cxnSp>
+        <p:cxnSp>
+          <p:nvCxnSpPr>
+            <p:cNvPr id="15" name="Gewinkelte Verbindung 14"/>
+            <p:cNvCxnSpPr>
+              <a:stCxn id="7" idx="3"/>
+              <a:endCxn id="9" idx="1"/>
+            </p:cNvCxnSpPr>
+            <p:nvPr/>
+          </p:nvCxnSpPr>
+          <p:spPr>
+            <a:xfrm flipV="1">
+              <a:off x="5007611" y="4244733"/>
+              <a:ext cx="1662086" cy="345228"/>
+            </a:xfrm>
+            <a:prstGeom prst="bentConnector3">
+              <a:avLst/>
+            </a:prstGeom>
+            <a:ln>
+              <a:tailEnd type="triangle"/>
+            </a:ln>
+          </p:spPr>
+          <p:style>
+            <a:lnRef idx="1">
+              <a:schemeClr val="accent1"/>
+            </a:lnRef>
+            <a:fillRef idx="0">
+              <a:schemeClr val="accent1"/>
+            </a:fillRef>
+            <a:effectRef idx="0">
+              <a:schemeClr val="accent1"/>
+            </a:effectRef>
+            <a:fontRef idx="minor">
+              <a:schemeClr val="tx1"/>
+            </a:fontRef>
+          </p:style>
+        </p:cxnSp>
+        <p:cxnSp>
+          <p:nvCxnSpPr>
+            <p:cNvPr id="18" name="Gewinkelte Verbindung 17"/>
+            <p:cNvCxnSpPr>
+              <a:stCxn id="4" idx="3"/>
+              <a:endCxn id="9" idx="1"/>
+            </p:cNvCxnSpPr>
+            <p:nvPr/>
+          </p:nvCxnSpPr>
+          <p:spPr>
+            <a:xfrm flipV="1">
+              <a:off x="5007610" y="4244733"/>
+              <a:ext cx="1662087" cy="997902"/>
+            </a:xfrm>
+            <a:prstGeom prst="bentConnector3">
+              <a:avLst>
+                <a:gd name="adj1" fmla="val 50000"/>
+              </a:avLst>
+            </a:prstGeom>
+            <a:ln>
+              <a:tailEnd type="triangle"/>
+            </a:ln>
+          </p:spPr>
+          <p:style>
+            <a:lnRef idx="1">
+              <a:schemeClr val="accent1"/>
+            </a:lnRef>
+            <a:fillRef idx="0">
+              <a:schemeClr val="accent1"/>
+            </a:fillRef>
+            <a:effectRef idx="0">
+              <a:schemeClr val="accent1"/>
+            </a:effectRef>
+            <a:fontRef idx="minor">
+              <a:schemeClr val="tx1"/>
+            </a:fontRef>
+          </p:style>
+        </p:cxnSp>
+        <p:sp>
+          <p:nvSpPr>
+            <p:cNvPr id="35" name="Rechteck 34"/>
+            <p:cNvSpPr/>
+            <p:nvPr/>
+          </p:nvSpPr>
+          <p:spPr>
+            <a:xfrm>
+              <a:off x="5762913" y="5895308"/>
+              <a:ext cx="1549095" cy="543588"/>
+            </a:xfrm>
+            <a:prstGeom prst="rect">
+              <a:avLst/>
+            </a:prstGeom>
+            <a:solidFill>
+              <a:schemeClr val="accent1"/>
+            </a:solidFill>
+          </p:spPr>
+          <p:style>
+            <a:lnRef idx="2">
+              <a:schemeClr val="accent1">
+                <a:shade val="50000"/>
+              </a:schemeClr>
+            </a:lnRef>
+            <a:fillRef idx="1">
+              <a:schemeClr val="accent1"/>
+            </a:fillRef>
+            <a:effectRef idx="0">
+              <a:schemeClr val="accent1"/>
+            </a:effectRef>
+            <a:fontRef idx="minor">
+              <a:schemeClr val="lt1"/>
+            </a:fontRef>
+          </p:style>
+          <p:txBody>
+            <a:bodyPr rtlCol="0" anchor="ctr"/>
+            <a:lstStyle/>
+            <a:p>
+              <a:pPr algn="ctr"/>
+              <a:r>
+                <a:rPr lang="de-DE" sz="2000" dirty="0">
                   <a:solidFill>
                     <a:schemeClr val="tx2"/>
                   </a:solidFill>
-                </a:endParaRPr>
-              </a:p>
-            </p:txBody>
-          </p:sp>
-          <p:cxnSp>
-            <p:nvCxnSpPr>
-              <p:cNvPr id="41" name="Gerade Verbindung mit Pfeil 40"/>
-              <p:cNvCxnSpPr>
-                <a:stCxn id="8" idx="3"/>
-                <a:endCxn id="35" idx="1"/>
-              </p:cNvCxnSpPr>
-              <p:nvPr/>
-            </p:nvCxnSpPr>
-            <p:spPr>
-              <a:xfrm>
-                <a:off x="3990107" y="6324920"/>
-                <a:ext cx="821735" cy="12835"/>
-              </a:xfrm>
-              <a:prstGeom prst="straightConnector1">
-                <a:avLst/>
-              </a:prstGeom>
-              <a:ln>
-                <a:tailEnd type="triangle"/>
-              </a:ln>
-            </p:spPr>
-            <p:style>
-              <a:lnRef idx="1">
-                <a:schemeClr val="accent1"/>
-              </a:lnRef>
-              <a:fillRef idx="0">
-                <a:schemeClr val="accent1"/>
-              </a:fillRef>
-              <a:effectRef idx="0">
-                <a:schemeClr val="accent1"/>
-              </a:effectRef>
-              <a:fontRef idx="minor">
-                <a:schemeClr val="tx1"/>
-              </a:fontRef>
-            </p:style>
-          </p:cxnSp>
-          <p:sp>
-            <p:nvSpPr>
-              <p:cNvPr id="45" name="Rechteck 44"/>
-              <p:cNvSpPr/>
-              <p:nvPr/>
-            </p:nvSpPr>
-            <p:spPr>
-              <a:xfrm>
-                <a:off x="8067488" y="4674957"/>
-                <a:ext cx="698805" cy="696469"/>
-              </a:xfrm>
-              <a:prstGeom prst="rect">
-                <a:avLst/>
-              </a:prstGeom>
-              <a:gradFill flip="none" rotWithShape="1">
-                <a:gsLst>
-                  <a:gs pos="0">
-                    <a:schemeClr val="accent1">
-                      <a:lumMod val="67000"/>
-                    </a:schemeClr>
-                  </a:gs>
-                  <a:gs pos="48000">
-                    <a:schemeClr val="accent1">
-                      <a:lumMod val="97000"/>
-                      <a:lumOff val="3000"/>
-                    </a:schemeClr>
-                  </a:gs>
-                  <a:gs pos="100000">
-                    <a:schemeClr val="accent1">
-                      <a:lumMod val="60000"/>
-                      <a:lumOff val="40000"/>
-                    </a:schemeClr>
-                  </a:gs>
-                </a:gsLst>
-                <a:lin ang="16200000" scaled="1"/>
-                <a:tileRect/>
-              </a:gradFill>
-            </p:spPr>
-            <p:style>
-              <a:lnRef idx="2">
-                <a:schemeClr val="accent1">
-                  <a:shade val="50000"/>
-                </a:schemeClr>
-              </a:lnRef>
-              <a:fillRef idx="1">
-                <a:schemeClr val="accent1"/>
-              </a:fillRef>
-              <a:effectRef idx="0">
-                <a:schemeClr val="accent1"/>
-              </a:effectRef>
-              <a:fontRef idx="minor">
-                <a:schemeClr val="lt1"/>
-              </a:fontRef>
-            </p:style>
-            <p:txBody>
-              <a:bodyPr rtlCol="0" anchor="ctr"/>
-              <a:lstStyle/>
-              <a:p>
-                <a:pPr algn="ctr"/>
-                <a:r>
-                  <a:rPr lang="de-DE" sz="5400" dirty="0">
-                    <a:solidFill>
-                      <a:schemeClr val="tx2"/>
-                    </a:solidFill>
-                  </a:rPr>
-                  <a:t>*</a:t>
-                </a:r>
-                <a:endParaRPr lang="de-DE" sz="1400" dirty="0">
+                </a:rPr>
+                <a:t>x &lt; 0.5 ? 0 : x</a:t>
+              </a:r>
+              <a:endParaRPr lang="de-DE" sz="1400" dirty="0">
+                <a:solidFill>
+                  <a:schemeClr val="tx2"/>
+                </a:solidFill>
+              </a:endParaRPr>
+            </a:p>
+          </p:txBody>
+        </p:sp>
+        <p:cxnSp>
+          <p:nvCxnSpPr>
+            <p:cNvPr id="41" name="Gerade Verbindung mit Pfeil 40"/>
+            <p:cNvCxnSpPr>
+              <a:stCxn id="8" idx="3"/>
+              <a:endCxn id="35" idx="1"/>
+            </p:cNvCxnSpPr>
+            <p:nvPr/>
+          </p:nvCxnSpPr>
+          <p:spPr>
+            <a:xfrm>
+              <a:off x="5007610" y="6154929"/>
+              <a:ext cx="755304" cy="12174"/>
+            </a:xfrm>
+            <a:prstGeom prst="straightConnector1">
+              <a:avLst/>
+            </a:prstGeom>
+            <a:ln>
+              <a:tailEnd type="triangle"/>
+            </a:ln>
+          </p:spPr>
+          <p:style>
+            <a:lnRef idx="1">
+              <a:schemeClr val="accent1"/>
+            </a:lnRef>
+            <a:fillRef idx="0">
+              <a:schemeClr val="accent1"/>
+            </a:fillRef>
+            <a:effectRef idx="0">
+              <a:schemeClr val="accent1"/>
+            </a:effectRef>
+            <a:fontRef idx="minor">
+              <a:schemeClr val="tx1"/>
+            </a:fontRef>
+          </p:style>
+        </p:cxnSp>
+        <p:sp>
+          <p:nvSpPr>
+            <p:cNvPr id="45" name="Rechteck 44"/>
+            <p:cNvSpPr/>
+            <p:nvPr/>
+          </p:nvSpPr>
+          <p:spPr>
+            <a:xfrm>
+              <a:off x="8755364" y="4589961"/>
+              <a:ext cx="642312" cy="660591"/>
+            </a:xfrm>
+            <a:prstGeom prst="rect">
+              <a:avLst/>
+            </a:prstGeom>
+            <a:solidFill>
+              <a:schemeClr val="accent1"/>
+            </a:solidFill>
+          </p:spPr>
+          <p:style>
+            <a:lnRef idx="2">
+              <a:schemeClr val="accent1">
+                <a:shade val="50000"/>
+              </a:schemeClr>
+            </a:lnRef>
+            <a:fillRef idx="1">
+              <a:schemeClr val="accent1"/>
+            </a:fillRef>
+            <a:effectRef idx="0">
+              <a:schemeClr val="accent1"/>
+            </a:effectRef>
+            <a:fontRef idx="minor">
+              <a:schemeClr val="lt1"/>
+            </a:fontRef>
+          </p:style>
+          <p:txBody>
+            <a:bodyPr rtlCol="0" anchor="ctr"/>
+            <a:lstStyle/>
+            <a:p>
+              <a:pPr algn="ctr"/>
+              <a:r>
+                <a:rPr lang="de-DE" sz="5400" dirty="0">
                   <a:solidFill>
                     <a:schemeClr val="tx2"/>
                   </a:solidFill>
-                </a:endParaRPr>
-              </a:p>
-            </p:txBody>
-          </p:sp>
-          <p:cxnSp>
-            <p:nvCxnSpPr>
-              <p:cNvPr id="47" name="Gewinkelte Verbindung 46"/>
-              <p:cNvCxnSpPr>
-                <a:stCxn id="35" idx="3"/>
-                <a:endCxn id="45" idx="1"/>
-              </p:cNvCxnSpPr>
-              <p:nvPr/>
-            </p:nvCxnSpPr>
-            <p:spPr>
-              <a:xfrm flipV="1">
-                <a:off x="6497185" y="5023192"/>
-                <a:ext cx="1570303" cy="1314563"/>
-              </a:xfrm>
-              <a:prstGeom prst="bentConnector3">
-                <a:avLst/>
-              </a:prstGeom>
-              <a:ln>
-                <a:tailEnd type="triangle"/>
-              </a:ln>
-            </p:spPr>
-            <p:style>
-              <a:lnRef idx="1">
-                <a:schemeClr val="accent1"/>
-              </a:lnRef>
-              <a:fillRef idx="0">
-                <a:schemeClr val="accent1"/>
-              </a:fillRef>
-              <a:effectRef idx="0">
-                <a:schemeClr val="accent1"/>
-              </a:effectRef>
-              <a:fontRef idx="minor">
-                <a:schemeClr val="tx1"/>
-              </a:fontRef>
-            </p:style>
-          </p:cxnSp>
-          <p:cxnSp>
-            <p:nvCxnSpPr>
-              <p:cNvPr id="49" name="Gewinkelte Verbindung 48"/>
-              <p:cNvCxnSpPr>
-                <a:stCxn id="9" idx="3"/>
-                <a:endCxn id="45" idx="1"/>
-              </p:cNvCxnSpPr>
-              <p:nvPr/>
-            </p:nvCxnSpPr>
-            <p:spPr>
-              <a:xfrm>
-                <a:off x="6497185" y="4310979"/>
-                <a:ext cx="1570303" cy="712213"/>
-              </a:xfrm>
-              <a:prstGeom prst="bentConnector3">
-                <a:avLst/>
-              </a:prstGeom>
-              <a:ln>
-                <a:tailEnd type="triangle"/>
-              </a:ln>
-            </p:spPr>
-            <p:style>
-              <a:lnRef idx="1">
-                <a:schemeClr val="accent1"/>
-              </a:lnRef>
-              <a:fillRef idx="0">
-                <a:schemeClr val="accent1"/>
-              </a:fillRef>
-              <a:effectRef idx="0">
-                <a:schemeClr val="accent1"/>
-              </a:effectRef>
-              <a:fontRef idx="minor">
-                <a:schemeClr val="tx1"/>
-              </a:fontRef>
-            </p:style>
-          </p:cxnSp>
-          <p:sp>
-            <p:nvSpPr>
-              <p:cNvPr id="54" name="Textfeld 53"/>
-              <p:cNvSpPr txBox="1"/>
-              <p:nvPr/>
-            </p:nvSpPr>
-            <p:spPr>
-              <a:xfrm>
-                <a:off x="9613663" y="4823136"/>
-                <a:ext cx="752129" cy="400110"/>
-              </a:xfrm>
-              <a:prstGeom prst="rect">
-                <a:avLst/>
-              </a:prstGeom>
-              <a:noFill/>
-            </p:spPr>
-            <p:txBody>
-              <a:bodyPr wrap="none" rtlCol="0">
-                <a:spAutoFit/>
-              </a:bodyPr>
-              <a:lstStyle/>
-              <a:p>
-                <a:r>
-                  <a:rPr lang="de-DE" sz="2000" dirty="0"/>
-                  <a:t>score</a:t>
-                </a:r>
-              </a:p>
-            </p:txBody>
-          </p:sp>
-          <p:cxnSp>
-            <p:nvCxnSpPr>
-              <p:cNvPr id="57" name="Gerade Verbindung mit Pfeil 56"/>
-              <p:cNvCxnSpPr>
-                <a:stCxn id="45" idx="3"/>
-                <a:endCxn id="54" idx="1"/>
-              </p:cNvCxnSpPr>
-              <p:nvPr/>
-            </p:nvCxnSpPr>
-            <p:spPr>
-              <a:xfrm flipV="1">
-                <a:off x="8766293" y="5023191"/>
-                <a:ext cx="847370" cy="1"/>
-              </a:xfrm>
-              <a:prstGeom prst="straightConnector1">
-                <a:avLst/>
-              </a:prstGeom>
-              <a:ln>
-                <a:tailEnd type="triangle"/>
-              </a:ln>
-            </p:spPr>
-            <p:style>
-              <a:lnRef idx="1">
-                <a:schemeClr val="accent1"/>
-              </a:lnRef>
-              <a:fillRef idx="0">
-                <a:schemeClr val="accent1"/>
-              </a:fillRef>
-              <a:effectRef idx="0">
-                <a:schemeClr val="accent1"/>
-              </a:effectRef>
-              <a:fontRef idx="minor">
-                <a:schemeClr val="tx1"/>
-              </a:fontRef>
-            </p:style>
-          </p:cxnSp>
-        </p:grpSp>
+                </a:rPr>
+                <a:t>*</a:t>
+              </a:r>
+              <a:endParaRPr lang="de-DE" sz="1400" dirty="0">
+                <a:solidFill>
+                  <a:schemeClr val="tx2"/>
+                </a:solidFill>
+              </a:endParaRPr>
+            </a:p>
+          </p:txBody>
+        </p:sp>
+        <p:cxnSp>
+          <p:nvCxnSpPr>
+            <p:cNvPr id="47" name="Gewinkelte Verbindung 46"/>
+            <p:cNvCxnSpPr>
+              <a:stCxn id="35" idx="3"/>
+              <a:endCxn id="45" idx="1"/>
+            </p:cNvCxnSpPr>
+            <p:nvPr/>
+          </p:nvCxnSpPr>
+          <p:spPr>
+            <a:xfrm flipV="1">
+              <a:off x="7312008" y="4920257"/>
+              <a:ext cx="1443355" cy="1246845"/>
+            </a:xfrm>
+            <a:prstGeom prst="bentConnector3">
+              <a:avLst/>
+            </a:prstGeom>
+            <a:ln>
+              <a:tailEnd type="triangle"/>
+            </a:ln>
+          </p:spPr>
+          <p:style>
+            <a:lnRef idx="1">
+              <a:schemeClr val="accent1"/>
+            </a:lnRef>
+            <a:fillRef idx="0">
+              <a:schemeClr val="accent1"/>
+            </a:fillRef>
+            <a:effectRef idx="0">
+              <a:schemeClr val="accent1"/>
+            </a:effectRef>
+            <a:fontRef idx="minor">
+              <a:schemeClr val="tx1"/>
+            </a:fontRef>
+          </p:style>
+        </p:cxnSp>
+        <p:cxnSp>
+          <p:nvCxnSpPr>
+            <p:cNvPr id="49" name="Gewinkelte Verbindung 48"/>
+            <p:cNvCxnSpPr>
+              <a:stCxn id="9" idx="3"/>
+              <a:endCxn id="45" idx="1"/>
+            </p:cNvCxnSpPr>
+            <p:nvPr/>
+          </p:nvCxnSpPr>
+          <p:spPr>
+            <a:xfrm>
+              <a:off x="7312008" y="4244733"/>
+              <a:ext cx="1443355" cy="675524"/>
+            </a:xfrm>
+            <a:prstGeom prst="bentConnector3">
+              <a:avLst/>
+            </a:prstGeom>
+            <a:ln>
+              <a:tailEnd type="triangle"/>
+            </a:ln>
+          </p:spPr>
+          <p:style>
+            <a:lnRef idx="1">
+              <a:schemeClr val="accent1"/>
+            </a:lnRef>
+            <a:fillRef idx="0">
+              <a:schemeClr val="accent1"/>
+            </a:fillRef>
+            <a:effectRef idx="0">
+              <a:schemeClr val="accent1"/>
+            </a:effectRef>
+            <a:fontRef idx="minor">
+              <a:schemeClr val="tx1"/>
+            </a:fontRef>
+          </p:style>
+        </p:cxnSp>
+        <p:sp>
+          <p:nvSpPr>
+            <p:cNvPr id="54" name="Textfeld 53"/>
+            <p:cNvSpPr txBox="1"/>
+            <p:nvPr/>
+          </p:nvSpPr>
+          <p:spPr>
+            <a:xfrm>
+              <a:off x="10176541" y="4730507"/>
+              <a:ext cx="691325" cy="379499"/>
+            </a:xfrm>
+            <a:prstGeom prst="rect">
+              <a:avLst/>
+            </a:prstGeom>
+            <a:noFill/>
+          </p:spPr>
+          <p:txBody>
+            <a:bodyPr wrap="none" rtlCol="0">
+              <a:spAutoFit/>
+            </a:bodyPr>
+            <a:lstStyle/>
+            <a:p>
+              <a:r>
+                <a:rPr lang="de-DE" sz="2000" dirty="0"/>
+                <a:t>score</a:t>
+              </a:r>
+            </a:p>
+          </p:txBody>
+        </p:sp>
+        <p:cxnSp>
+          <p:nvCxnSpPr>
+            <p:cNvPr id="57" name="Gerade Verbindung mit Pfeil 56"/>
+            <p:cNvCxnSpPr>
+              <a:stCxn id="45" idx="3"/>
+              <a:endCxn id="54" idx="1"/>
+            </p:cNvCxnSpPr>
+            <p:nvPr/>
+          </p:nvCxnSpPr>
+          <p:spPr>
+            <a:xfrm flipV="1">
+              <a:off x="9397675" y="4920257"/>
+              <a:ext cx="778866" cy="1"/>
+            </a:xfrm>
+            <a:prstGeom prst="straightConnector1">
+              <a:avLst/>
+            </a:prstGeom>
+            <a:ln>
+              <a:tailEnd type="triangle"/>
+            </a:ln>
+          </p:spPr>
+          <p:style>
+            <a:lnRef idx="1">
+              <a:schemeClr val="accent1"/>
+            </a:lnRef>
+            <a:fillRef idx="0">
+              <a:schemeClr val="accent1"/>
+            </a:fillRef>
+            <a:effectRef idx="0">
+              <a:schemeClr val="accent1"/>
+            </a:effectRef>
+            <a:fontRef idx="minor">
+              <a:schemeClr val="tx1"/>
+            </a:fontRef>
+          </p:style>
+        </p:cxnSp>
         <p:sp>
           <p:nvSpPr>
             <p:cNvPr id="59" name="Textfeld 58"/>
@@ -11520,7 +11448,7 @@
           </p:nvSpPr>
           <p:spPr>
             <a:xfrm>
-              <a:off x="757457" y="4543629"/>
+              <a:off x="808669" y="4720201"/>
               <a:ext cx="639919" cy="400110"/>
             </a:xfrm>
             <a:prstGeom prst="rect">
@@ -11535,7 +11463,7 @@
             <a:lstStyle/>
             <a:p>
               <a:r>
-                <a:rPr lang="de-DE" sz="2000"/>
+                <a:rPr lang="de-DE" sz="2000" dirty="0"/>
                 <a:t>plan</a:t>
               </a:r>
             </a:p>
@@ -11552,8 +11480,8 @@
           </p:nvCxnSpPr>
           <p:spPr>
             <a:xfrm flipV="1">
-              <a:off x="1397376" y="3284615"/>
-              <a:ext cx="1203413" cy="1459069"/>
+              <a:off x="1448588" y="3284615"/>
+              <a:ext cx="1152201" cy="1635641"/>
             </a:xfrm>
             <a:prstGeom prst="bentConnector3">
               <a:avLst/>
@@ -11588,8 +11516,8 @@
           </p:nvCxnSpPr>
           <p:spPr>
             <a:xfrm flipV="1">
-              <a:off x="1397376" y="3937288"/>
-              <a:ext cx="1203413" cy="806396"/>
+              <a:off x="1448588" y="3937288"/>
+              <a:ext cx="1152201" cy="982968"/>
             </a:xfrm>
             <a:prstGeom prst="bentConnector3">
               <a:avLst/>
@@ -11624,8 +11552,8 @@
           </p:nvCxnSpPr>
           <p:spPr>
             <a:xfrm flipV="1">
-              <a:off x="1397376" y="4589962"/>
-              <a:ext cx="1203412" cy="153722"/>
+              <a:off x="1448588" y="4589962"/>
+              <a:ext cx="1152200" cy="330294"/>
             </a:xfrm>
             <a:prstGeom prst="bentConnector3">
               <a:avLst/>
@@ -11660,8 +11588,8 @@
           </p:nvCxnSpPr>
           <p:spPr>
             <a:xfrm>
-              <a:off x="1397376" y="4743684"/>
-              <a:ext cx="1203411" cy="498951"/>
+              <a:off x="1448588" y="4920256"/>
+              <a:ext cx="1152199" cy="322379"/>
             </a:xfrm>
             <a:prstGeom prst="bentConnector3">
               <a:avLst/>
@@ -11696,8 +11624,8 @@
           </p:nvCxnSpPr>
           <p:spPr>
             <a:xfrm>
-              <a:off x="1397376" y="4743684"/>
-              <a:ext cx="1203411" cy="1411245"/>
+              <a:off x="1448588" y="4920256"/>
+              <a:ext cx="1152199" cy="1234673"/>
             </a:xfrm>
             <a:prstGeom prst="bentConnector3">
               <a:avLst/>
@@ -11970,22 +11898,14 @@
             </a:pPr>
             <a:r>
               <a:rPr lang="de-DE" sz="4800" b="1" dirty="0"/>
-              <a:t>~15.000</a:t>
+              <a:t>21.711</a:t>
             </a:r>
             <a:br>
               <a:rPr lang="de-DE" sz="3600" b="1" dirty="0"/>
             </a:br>
             <a:r>
-              <a:rPr lang="de-DE" sz="1800" b="1" dirty="0"/>
-              <a:t>Lines </a:t>
-            </a:r>
-            <a:r>
               <a:rPr lang="de-DE" sz="1800" b="1" dirty="0" err="1"/>
-              <a:t>of</a:t>
-            </a:r>
-            <a:r>
-              <a:rPr lang="de-DE" sz="1800" b="1" dirty="0"/>
-              <a:t> Code</a:t>
+              <a:t>LoC</a:t>
             </a:r>
             <a:endParaRPr lang="de-DE" sz="3600" b="1" dirty="0"/>
           </a:p>

--- a/Abschlusspräsentation/Praesentation_newdesign.pptx
+++ b/Abschlusspräsentation/Praesentation_newdesign.pptx
@@ -5,7 +5,7 @@
     <p:sldMasterId id="2147483648" r:id="rId1"/>
   </p:sldMasterIdLst>
   <p:notesMasterIdLst>
-    <p:notesMasterId r:id="rId13"/>
+    <p:notesMasterId r:id="rId12"/>
   </p:notesMasterIdLst>
   <p:sldIdLst>
     <p:sldId id="256" r:id="rId2"/>
@@ -13,12 +13,11 @@
     <p:sldId id="258" r:id="rId4"/>
     <p:sldId id="259" r:id="rId5"/>
     <p:sldId id="260" r:id="rId6"/>
-    <p:sldId id="261" r:id="rId7"/>
-    <p:sldId id="262" r:id="rId8"/>
-    <p:sldId id="263" r:id="rId9"/>
-    <p:sldId id="264" r:id="rId10"/>
-    <p:sldId id="265" r:id="rId11"/>
-    <p:sldId id="266" r:id="rId12"/>
+    <p:sldId id="262" r:id="rId7"/>
+    <p:sldId id="263" r:id="rId8"/>
+    <p:sldId id="264" r:id="rId9"/>
+    <p:sldId id="265" r:id="rId10"/>
+    <p:sldId id="266" r:id="rId11"/>
   </p:sldIdLst>
   <p:sldSz cx="12192000" cy="6858000"/>
   <p:notesSz cx="6858000" cy="9144000"/>
@@ -1517,6 +1516,62 @@
           <a:bodyPr/>
           <a:lstStyle/>
           <a:p>
+            <a:pPr marL="171450" indent="-171450">
+              <a:lnSpc>
+                <a:spcPct val="150000"/>
+              </a:lnSpc>
+              <a:buFont typeface="Arial" panose="020B0604020202020204" pitchFamily="34" charset="0"/>
+              <a:buChar char="•"/>
+            </a:pPr>
+            <a:r>
+              <a:rPr lang="de-DE" dirty="0"/>
+              <a:t>Mögliche Ziele</a:t>
+            </a:r>
+          </a:p>
+          <a:p>
+            <a:pPr marL="628650" lvl="1" indent="-171450">
+              <a:lnSpc>
+                <a:spcPct val="150000"/>
+              </a:lnSpc>
+              <a:buFont typeface="Arial" panose="020B0604020202020204" pitchFamily="34" charset="0"/>
+              <a:buChar char="•"/>
+            </a:pPr>
+            <a:r>
+              <a:rPr lang="de-DE" dirty="0"/>
+              <a:t>Minimale ECTS-Zahl</a:t>
+            </a:r>
+          </a:p>
+          <a:p>
+            <a:pPr marL="628650" lvl="1" indent="-171450">
+              <a:lnSpc>
+                <a:spcPct val="150000"/>
+              </a:lnSpc>
+              <a:buFont typeface="Arial" panose="020B0604020202020204" pitchFamily="34" charset="0"/>
+              <a:buChar char="•"/>
+            </a:pPr>
+            <a:r>
+              <a:rPr lang="de-DE" dirty="0"/>
+              <a:t>Minimale Semester Zahl</a:t>
+            </a:r>
+          </a:p>
+          <a:p>
+            <a:pPr marL="628650" lvl="1" indent="-171450">
+              <a:lnSpc>
+                <a:spcPct val="150000"/>
+              </a:lnSpc>
+              <a:buFont typeface="Arial" panose="020B0604020202020204" pitchFamily="34" charset="0"/>
+              <a:buChar char="•"/>
+            </a:pPr>
+            <a:r>
+              <a:rPr lang="de-DE" dirty="0"/>
+              <a:t>Präferenzen</a:t>
+            </a:r>
+          </a:p>
+          <a:p>
+            <a:pPr marL="171450" indent="-171450">
+              <a:buFont typeface="Arial" panose="020B0604020202020204" pitchFamily="34" charset="0"/>
+              <a:buChar char="•"/>
+            </a:pPr>
             <a:r>
               <a:rPr lang="de-DE" dirty="0"/>
               <a:t>Alle geben einen Wert aus dem </a:t>
@@ -1549,7 +1604,7 @@
           <a:p>
             <a:fld id="{10623EF1-A4FE-4F69-895D-EDE1FA958D12}" type="slidenum">
               <a:rPr lang="de-DE" smtClean="0"/>
-              <a:t>7</a:t>
+              <a:t>6</a:t>
             </a:fld>
             <a:endParaRPr lang="de-DE"/>
           </a:p>
@@ -1705,7 +1760,7 @@
           <a:p>
             <a:fld id="{10623EF1-A4FE-4F69-895D-EDE1FA958D12}" type="slidenum">
               <a:rPr lang="de-DE" smtClean="0"/>
-              <a:t>8</a:t>
+              <a:t>7</a:t>
             </a:fld>
             <a:endParaRPr lang="de-DE"/>
           </a:p>
@@ -1851,7 +1906,7 @@
           <a:p>
             <a:fld id="{10623EF1-A4FE-4F69-895D-EDE1FA958D12}" type="slidenum">
               <a:rPr lang="de-DE" smtClean="0"/>
-              <a:t>11</a:t>
+              <a:t>10</a:t>
             </a:fld>
             <a:endParaRPr lang="de-DE"/>
           </a:p>
@@ -9612,19 +9667,19 @@
           <a:p>
             <a:r>
               <a:rPr lang="de-DE" dirty="0"/>
-              <a:t>Vorführung</a:t>
+              <a:t>Zusammenfassung</a:t>
             </a:r>
           </a:p>
         </p:txBody>
       </p:sp>
       <p:sp>
         <p:nvSpPr>
-          <p:cNvPr id="3" name="Textplatzhalter 2"/>
+          <p:cNvPr id="3" name="Inhaltsplatzhalter 2"/>
           <p:cNvSpPr>
             <a:spLocks noGrp="1"/>
           </p:cNvSpPr>
           <p:nvPr>
-            <p:ph type="body" idx="1"/>
+            <p:ph idx="1"/>
           </p:nvPr>
         </p:nvSpPr>
         <p:spPr/>
@@ -9634,95 +9689,11 @@
           <a:p>
             <a:r>
               <a:rPr lang="de-DE" dirty="0"/>
-              <a:t>Denn was helfen 220 Seiten Dokumentation,</a:t>
-            </a:r>
-            <a:br>
-              <a:rPr lang="de-DE" dirty="0"/>
-            </a:br>
-            <a:r>
-              <a:rPr lang="de-DE" dirty="0"/>
-              <a:t>wenn das Produkt nicht funktioniert?</a:t>
-            </a:r>
-          </a:p>
-        </p:txBody>
-      </p:sp>
-    </p:spTree>
-    <p:extLst>
-      <p:ext uri="{BB962C8B-B14F-4D97-AF65-F5344CB8AC3E}">
-        <p14:creationId xmlns:p14="http://schemas.microsoft.com/office/powerpoint/2010/main" val="3526958010"/>
-      </p:ext>
-    </p:extLst>
-  </p:cSld>
-  <p:clrMapOvr>
-    <a:masterClrMapping/>
-  </p:clrMapOvr>
-</p:sld>
-</file>
-
-<file path=ppt/slides/slide11.xml><?xml version="1.0" encoding="utf-8"?>
-<p:sld xmlns:a="http://schemas.openxmlformats.org/drawingml/2006/main" xmlns:r="http://schemas.openxmlformats.org/officeDocument/2006/relationships" xmlns:p="http://schemas.openxmlformats.org/presentationml/2006/main">
-  <p:cSld>
-    <p:spTree>
-      <p:nvGrpSpPr>
-        <p:cNvPr id="1" name=""/>
-        <p:cNvGrpSpPr/>
-        <p:nvPr/>
-      </p:nvGrpSpPr>
-      <p:grpSpPr>
-        <a:xfrm>
-          <a:off x="0" y="0"/>
-          <a:ext cx="0" cy="0"/>
-          <a:chOff x="0" y="0"/>
-          <a:chExt cx="0" cy="0"/>
-        </a:xfrm>
-      </p:grpSpPr>
-      <p:sp>
-        <p:nvSpPr>
-          <p:cNvPr id="2" name="Titel 1"/>
-          <p:cNvSpPr>
-            <a:spLocks noGrp="1"/>
-          </p:cNvSpPr>
-          <p:nvPr>
-            <p:ph type="title"/>
-          </p:nvPr>
-        </p:nvSpPr>
-        <p:spPr/>
-        <p:txBody>
-          <a:bodyPr/>
-          <a:lstStyle/>
-          <a:p>
-            <a:r>
-              <a:rPr lang="de-DE" dirty="0"/>
-              <a:t>Zusammenfassung</a:t>
-            </a:r>
-          </a:p>
-        </p:txBody>
-      </p:sp>
-      <p:sp>
-        <p:nvSpPr>
-          <p:cNvPr id="3" name="Inhaltsplatzhalter 2"/>
-          <p:cNvSpPr>
-            <a:spLocks noGrp="1"/>
-          </p:cNvSpPr>
-          <p:nvPr>
-            <p:ph idx="1"/>
-          </p:nvPr>
-        </p:nvSpPr>
-        <p:spPr/>
-        <p:txBody>
-          <a:bodyPr/>
-          <a:lstStyle/>
-          <a:p>
-            <a:r>
-              <a:rPr lang="de-DE" dirty="0"/>
               <a:t>Erfolgreicher Entwurf</a:t>
             </a:r>
           </a:p>
           <a:p>
-            <a:pPr lvl="1">
-              <a:buFont typeface="Wingdings" panose="05000000000000000000" pitchFamily="2" charset="2"/>
-              <a:buChar char="Ø"/>
-            </a:pPr>
+            <a:pPr lvl="1"/>
             <a:r>
               <a:rPr lang="de-DE" dirty="0"/>
               <a:t>Wenige Änderungen in Implementierungsphase notwendig</a:t>
@@ -9735,10 +9706,7 @@
             </a:r>
           </a:p>
           <a:p>
-            <a:pPr lvl="1">
-              <a:buFont typeface="Wingdings" panose="05000000000000000000" pitchFamily="2" charset="2"/>
-              <a:buChar char="Ø"/>
-            </a:pPr>
+            <a:pPr lvl="1"/>
             <a:r>
               <a:rPr lang="de-DE" dirty="0"/>
               <a:t>Software entspricht allen Spezifikationen des Pflichtenhefts</a:t>
@@ -9828,8 +9796,6 @@
               <a:lnSpc>
                 <a:spcPct val="150000"/>
               </a:lnSpc>
-              <a:buFont typeface="Wingdings" panose="05000000000000000000" pitchFamily="2" charset="2"/>
-              <a:buChar char="Ø"/>
             </a:pPr>
             <a:r>
               <a:rPr lang="de-DE" dirty="0"/>
@@ -9852,8 +9818,6 @@
               <a:lnSpc>
                 <a:spcPct val="150000"/>
               </a:lnSpc>
-              <a:buFont typeface="Wingdings" panose="05000000000000000000" pitchFamily="2" charset="2"/>
-              <a:buChar char="Ø"/>
             </a:pPr>
             <a:r>
               <a:rPr lang="de-DE" dirty="0"/>
@@ -10028,180 +9992,3315 @@
       </p:sp>
       <p:sp>
         <p:nvSpPr>
-          <p:cNvPr id="3" name="Textplatzhalter 2"/>
-          <p:cNvSpPr>
-            <a:spLocks noGrp="1"/>
-          </p:cNvSpPr>
-          <p:nvPr>
-            <p:ph type="body" idx="1"/>
-          </p:nvPr>
-        </p:nvSpPr>
-        <p:spPr/>
+          <p:cNvPr id="56" name="Bogen 55"/>
+          <p:cNvSpPr/>
+          <p:nvPr/>
+        </p:nvSpPr>
+        <p:spPr>
+          <a:xfrm rot="5400000">
+            <a:off x="1875455" y="2075829"/>
+            <a:ext cx="467972" cy="482047"/>
+          </a:xfrm>
+          <a:prstGeom prst="arc">
+            <a:avLst>
+              <a:gd name="adj1" fmla="val 16785883"/>
+              <a:gd name="adj2" fmla="val 18026903"/>
+            </a:avLst>
+          </a:prstGeom>
+          <a:ln w="19050">
+            <a:solidFill>
+              <a:srgbClr val="F9C37D"/>
+            </a:solidFill>
+          </a:ln>
+        </p:spPr>
+        <p:style>
+          <a:lnRef idx="1">
+            <a:schemeClr val="accent1"/>
+          </a:lnRef>
+          <a:fillRef idx="0">
+            <a:schemeClr val="accent1"/>
+          </a:fillRef>
+          <a:effectRef idx="0">
+            <a:schemeClr val="accent1"/>
+          </a:effectRef>
+          <a:fontRef idx="minor">
+            <a:schemeClr val="tx1"/>
+          </a:fontRef>
+        </p:style>
         <p:txBody>
-          <a:bodyPr/>
+          <a:bodyPr rtlCol="0" anchor="ctr"/>
           <a:lstStyle/>
           <a:p>
             <a:pPr algn="ctr"/>
-            <a:r>
-              <a:rPr lang="de-DE" dirty="0"/>
-              <a:t>Server</a:t>
-            </a:r>
+            <a:endParaRPr lang="de-DE"/>
           </a:p>
         </p:txBody>
       </p:sp>
-      <p:sp>
-        <p:nvSpPr>
-          <p:cNvPr id="4" name="Bildplatzhalter 3"/>
-          <p:cNvSpPr>
-            <a:spLocks noGrp="1"/>
-          </p:cNvSpPr>
-          <p:nvPr>
-            <p:ph type="pic" idx="15"/>
-          </p:nvPr>
-        </p:nvSpPr>
-        <p:spPr/>
-      </p:sp>
-      <p:sp>
-        <p:nvSpPr>
-          <p:cNvPr id="5" name="Textplatzhalter 4"/>
-          <p:cNvSpPr>
-            <a:spLocks noGrp="1"/>
-          </p:cNvSpPr>
-          <p:nvPr>
-            <p:ph type="body" sz="half" idx="18"/>
-          </p:nvPr>
-        </p:nvSpPr>
-        <p:spPr/>
-        <p:txBody>
-          <a:bodyPr/>
-          <a:lstStyle/>
-          <a:p>
-            <a:endParaRPr lang="de-DE" dirty="0"/>
-          </a:p>
-        </p:txBody>
-      </p:sp>
-      <p:sp>
-        <p:nvSpPr>
-          <p:cNvPr id="6" name="Textplatzhalter 5"/>
-          <p:cNvSpPr>
-            <a:spLocks noGrp="1"/>
-          </p:cNvSpPr>
-          <p:nvPr>
-            <p:ph type="body" sz="quarter" idx="3"/>
-          </p:nvPr>
-        </p:nvSpPr>
-        <p:spPr/>
-        <p:txBody>
-          <a:bodyPr/>
-          <a:lstStyle/>
-          <a:p>
-            <a:pPr algn="ctr"/>
-            <a:r>
-              <a:rPr lang="de-DE" dirty="0"/>
-              <a:t>REST-Schnittstelle</a:t>
-            </a:r>
-          </a:p>
-        </p:txBody>
-      </p:sp>
-      <p:sp>
-        <p:nvSpPr>
-          <p:cNvPr id="7" name="Bildplatzhalter 6"/>
-          <p:cNvSpPr>
-            <a:spLocks noGrp="1"/>
-          </p:cNvSpPr>
-          <p:nvPr>
-            <p:ph type="pic" idx="21"/>
-          </p:nvPr>
-        </p:nvSpPr>
-        <p:spPr/>
-      </p:sp>
-      <p:sp>
-        <p:nvSpPr>
-          <p:cNvPr id="8" name="Textplatzhalter 7"/>
-          <p:cNvSpPr>
-            <a:spLocks noGrp="1"/>
-          </p:cNvSpPr>
-          <p:nvPr>
-            <p:ph type="body" sz="half" idx="19"/>
-          </p:nvPr>
-        </p:nvSpPr>
-        <p:spPr/>
-        <p:txBody>
-          <a:bodyPr>
-            <a:normAutofit/>
-          </a:bodyPr>
-          <a:lstStyle/>
-          <a:p>
-            <a:pPr marL="285750" indent="-285750">
-              <a:buFont typeface="Arial" panose="020B0604020202020204" pitchFamily="34" charset="0"/>
-              <a:buChar char="•"/>
-            </a:pPr>
-            <a:r>
-              <a:rPr lang="de-DE" sz="1800" dirty="0"/>
-              <a:t>Abgesichert mit </a:t>
-            </a:r>
-            <a:r>
-              <a:rPr lang="de-DE" sz="1800" dirty="0" err="1"/>
-              <a:t>OAuth</a:t>
-            </a:r>
-            <a:endParaRPr lang="de-DE" sz="1800" dirty="0"/>
-          </a:p>
-        </p:txBody>
-      </p:sp>
-      <p:sp>
-        <p:nvSpPr>
-          <p:cNvPr id="9" name="Textplatzhalter 8"/>
-          <p:cNvSpPr>
-            <a:spLocks noGrp="1"/>
-          </p:cNvSpPr>
-          <p:nvPr>
-            <p:ph type="body" sz="quarter" idx="13"/>
-          </p:nvPr>
-        </p:nvSpPr>
-        <p:spPr/>
-        <p:txBody>
-          <a:bodyPr/>
-          <a:lstStyle/>
-          <a:p>
-            <a:pPr algn="ctr"/>
-            <a:r>
-              <a:rPr lang="de-DE" dirty="0"/>
-              <a:t>Client</a:t>
-            </a:r>
-          </a:p>
-        </p:txBody>
-      </p:sp>
-      <p:sp>
-        <p:nvSpPr>
-          <p:cNvPr id="10" name="Bildplatzhalter 9"/>
-          <p:cNvSpPr>
-            <a:spLocks noGrp="1"/>
-          </p:cNvSpPr>
-          <p:nvPr>
-            <p:ph type="pic" idx="22"/>
-          </p:nvPr>
-        </p:nvSpPr>
-        <p:spPr/>
-      </p:sp>
-      <p:sp>
-        <p:nvSpPr>
-          <p:cNvPr id="11" name="Textplatzhalter 10"/>
-          <p:cNvSpPr>
-            <a:spLocks noGrp="1"/>
-          </p:cNvSpPr>
-          <p:nvPr>
-            <p:ph type="body" sz="half" idx="20"/>
-          </p:nvPr>
-        </p:nvSpPr>
-        <p:spPr/>
-        <p:txBody>
-          <a:bodyPr/>
-          <a:lstStyle/>
-          <a:p>
-            <a:endParaRPr lang="de-DE"/>
-          </a:p>
-        </p:txBody>
-      </p:sp>
+      <p:grpSp>
+        <p:nvGrpSpPr>
+          <p:cNvPr id="73" name="Gruppieren 72"/>
+          <p:cNvGrpSpPr/>
+          <p:nvPr/>
+        </p:nvGrpSpPr>
+        <p:grpSpPr>
+          <a:xfrm>
+            <a:off x="1312084" y="2550839"/>
+            <a:ext cx="9567833" cy="3042046"/>
+            <a:chOff x="726349" y="2550839"/>
+            <a:chExt cx="9567833" cy="3042046"/>
+          </a:xfrm>
+        </p:grpSpPr>
+        <p:grpSp>
+          <p:nvGrpSpPr>
+            <p:cNvPr id="31" name="Gruppieren 30"/>
+            <p:cNvGrpSpPr/>
+            <p:nvPr/>
+          </p:nvGrpSpPr>
+          <p:grpSpPr>
+            <a:xfrm>
+              <a:off x="8135611" y="3047442"/>
+              <a:ext cx="2158571" cy="2036187"/>
+              <a:chOff x="-5740717" y="2203468"/>
+              <a:chExt cx="2592688" cy="2445692"/>
+            </a:xfrm>
+          </p:grpSpPr>
+          <p:sp>
+            <p:nvSpPr>
+              <p:cNvPr id="32" name="Ellipse 31"/>
+              <p:cNvSpPr/>
+              <p:nvPr/>
+            </p:nvSpPr>
+            <p:spPr>
+              <a:xfrm>
+                <a:off x="-5740717" y="2203468"/>
+                <a:ext cx="2592688" cy="2445692"/>
+              </a:xfrm>
+              <a:prstGeom prst="ellipse">
+                <a:avLst/>
+              </a:prstGeom>
+              <a:noFill/>
+              <a:ln w="57150">
+                <a:solidFill>
+                  <a:schemeClr val="accent4"/>
+                </a:solidFill>
+              </a:ln>
+            </p:spPr>
+            <p:style>
+              <a:lnRef idx="2">
+                <a:schemeClr val="accent1">
+                  <a:shade val="50000"/>
+                </a:schemeClr>
+              </a:lnRef>
+              <a:fillRef idx="1">
+                <a:schemeClr val="accent1"/>
+              </a:fillRef>
+              <a:effectRef idx="0">
+                <a:schemeClr val="accent1"/>
+              </a:effectRef>
+              <a:fontRef idx="minor">
+                <a:schemeClr val="lt1"/>
+              </a:fontRef>
+            </p:style>
+            <p:txBody>
+              <a:bodyPr rtlCol="0" anchor="ctr" anchorCtr="0"/>
+              <a:lstStyle/>
+              <a:p>
+                <a:pPr algn="ctr"/>
+                <a:endParaRPr lang="de-DE" dirty="0"/>
+              </a:p>
+            </p:txBody>
+          </p:sp>
+          <p:pic>
+            <p:nvPicPr>
+              <p:cNvPr id="33" name="Picture 20" descr="https://www.webgarage.ch/fileadmin/_processed_/csm_browserfenster-form_12d8813ff8.png"/>
+              <p:cNvPicPr>
+                <a:picLocks noChangeAspect="1" noChangeArrowheads="1"/>
+              </p:cNvPicPr>
+              <p:nvPr/>
+            </p:nvPicPr>
+            <p:blipFill>
+              <a:blip r:embed="rId3">
+                <a:extLst>
+                  <a:ext uri="{28A0092B-C50C-407E-A947-70E740481C1C}">
+                    <a14:useLocalDpi xmlns:a14="http://schemas.microsoft.com/office/drawing/2010/main" val="0"/>
+                  </a:ext>
+                </a:extLst>
+              </a:blip>
+              <a:srcRect/>
+              <a:stretch>
+                <a:fillRect/>
+              </a:stretch>
+            </p:blipFill>
+            <p:spPr bwMode="auto">
+              <a:xfrm>
+                <a:off x="-5333418" y="2800167"/>
+                <a:ext cx="1769514" cy="1252174"/>
+              </a:xfrm>
+              <a:prstGeom prst="rect">
+                <a:avLst/>
+              </a:prstGeom>
+              <a:noFill/>
+              <a:extLst>
+                <a:ext uri="{909E8E84-426E-40DD-AFC4-6F175D3DCCD1}">
+                  <a14:hiddenFill xmlns:a14="http://schemas.microsoft.com/office/drawing/2010/main">
+                    <a:solidFill>
+                      <a:srgbClr val="FFFFFF"/>
+                    </a:solidFill>
+                  </a14:hiddenFill>
+                </a:ext>
+              </a:extLst>
+            </p:spPr>
+          </p:pic>
+          <p:grpSp>
+            <p:nvGrpSpPr>
+              <p:cNvPr id="34" name="Gruppieren 33"/>
+              <p:cNvGrpSpPr/>
+              <p:nvPr/>
+            </p:nvGrpSpPr>
+            <p:grpSpPr>
+              <a:xfrm>
+                <a:off x="-4967403" y="4101722"/>
+                <a:ext cx="1037481" cy="315218"/>
+                <a:chOff x="-5216305" y="-2572113"/>
+                <a:chExt cx="1037481" cy="315218"/>
+              </a:xfrm>
+            </p:grpSpPr>
+            <p:sp>
+              <p:nvSpPr>
+                <p:cNvPr id="35" name="Textfeld 34"/>
+                <p:cNvSpPr txBox="1"/>
+                <p:nvPr/>
+              </p:nvSpPr>
+              <p:spPr>
+                <a:xfrm>
+                  <a:off x="-4989541" y="-2572113"/>
+                  <a:ext cx="96490" cy="312316"/>
+                </a:xfrm>
+                <a:custGeom>
+                  <a:avLst/>
+                  <a:gdLst/>
+                  <a:ahLst/>
+                  <a:cxnLst/>
+                  <a:rect l="l" t="t" r="r" b="b"/>
+                  <a:pathLst>
+                    <a:path w="96490" h="312316">
+                      <a:moveTo>
+                        <a:pt x="79673" y="0"/>
+                      </a:moveTo>
+                      <a:cubicBezTo>
+                        <a:pt x="83245" y="0"/>
+                        <a:pt x="86184" y="149"/>
+                        <a:pt x="88491" y="447"/>
+                      </a:cubicBezTo>
+                      <a:cubicBezTo>
+                        <a:pt x="90798" y="745"/>
+                        <a:pt x="92584" y="1191"/>
+                        <a:pt x="93849" y="1786"/>
+                      </a:cubicBezTo>
+                      <a:cubicBezTo>
+                        <a:pt x="95114" y="2382"/>
+                        <a:pt x="95895" y="3126"/>
+                        <a:pt x="96193" y="4019"/>
+                      </a:cubicBezTo>
+                      <a:cubicBezTo>
+                        <a:pt x="96490" y="4912"/>
+                        <a:pt x="96565" y="5954"/>
+                        <a:pt x="96416" y="7144"/>
+                      </a:cubicBezTo>
+                      <a:lnTo>
+                        <a:pt x="37033" y="305396"/>
+                      </a:lnTo>
+                      <a:cubicBezTo>
+                        <a:pt x="36736" y="306586"/>
+                        <a:pt x="36215" y="307591"/>
+                        <a:pt x="35471" y="308410"/>
+                      </a:cubicBezTo>
+                      <a:cubicBezTo>
+                        <a:pt x="34727" y="309228"/>
+                        <a:pt x="33610" y="309935"/>
+                        <a:pt x="32122" y="310530"/>
+                      </a:cubicBezTo>
+                      <a:cubicBezTo>
+                        <a:pt x="30634" y="311126"/>
+                        <a:pt x="28662" y="311572"/>
+                        <a:pt x="26206" y="311870"/>
+                      </a:cubicBezTo>
+                      <a:cubicBezTo>
+                        <a:pt x="23751" y="312167"/>
+                        <a:pt x="20737" y="312316"/>
+                        <a:pt x="17165" y="312316"/>
+                      </a:cubicBezTo>
+                      <a:cubicBezTo>
+                        <a:pt x="13444" y="312316"/>
+                        <a:pt x="10430" y="312167"/>
+                        <a:pt x="8124" y="311870"/>
+                      </a:cubicBezTo>
+                      <a:cubicBezTo>
+                        <a:pt x="5817" y="311572"/>
+                        <a:pt x="4031" y="311126"/>
+                        <a:pt x="2766" y="310530"/>
+                      </a:cubicBezTo>
+                      <a:cubicBezTo>
+                        <a:pt x="1501" y="309935"/>
+                        <a:pt x="682" y="309228"/>
+                        <a:pt x="310" y="308410"/>
+                      </a:cubicBezTo>
+                      <a:cubicBezTo>
+                        <a:pt x="-62" y="307591"/>
+                        <a:pt x="-99" y="306586"/>
+                        <a:pt x="198" y="305396"/>
+                      </a:cubicBezTo>
+                      <a:lnTo>
+                        <a:pt x="59581" y="7144"/>
+                      </a:lnTo>
+                      <a:cubicBezTo>
+                        <a:pt x="59879" y="5954"/>
+                        <a:pt x="60362" y="4912"/>
+                        <a:pt x="61032" y="4019"/>
+                      </a:cubicBezTo>
+                      <a:cubicBezTo>
+                        <a:pt x="61702" y="3126"/>
+                        <a:pt x="62818" y="2382"/>
+                        <a:pt x="64381" y="1786"/>
+                      </a:cubicBezTo>
+                      <a:cubicBezTo>
+                        <a:pt x="65943" y="1191"/>
+                        <a:pt x="67952" y="745"/>
+                        <a:pt x="70408" y="447"/>
+                      </a:cubicBezTo>
+                      <a:cubicBezTo>
+                        <a:pt x="72864" y="149"/>
+                        <a:pt x="75952" y="0"/>
+                        <a:pt x="79673" y="0"/>
+                      </a:cubicBezTo>
+                      <a:close/>
+                    </a:path>
+                  </a:pathLst>
+                </a:custGeom>
+                <a:solidFill>
+                  <a:schemeClr val="tx1"/>
+                </a:solidFill>
+                <a:ln>
+                  <a:noFill/>
+                </a:ln>
+                <a:effectLst/>
+              </p:spPr>
+              <p:txBody>
+                <a:bodyPr rot="0" spcFirstLastPara="0" vertOverflow="overflow" horzOverflow="overflow" vert="horz" wrap="square" lIns="91440" tIns="45720" rIns="91440" bIns="45720" numCol="1" spcCol="0" rtlCol="0" fromWordArt="0" anchor="ctr" anchorCtr="0" forceAA="0" compatLnSpc="1">
+                  <a:prstTxWarp prst="textNoShape">
+                    <a:avLst/>
+                  </a:prstTxWarp>
+                  <a:noAutofit/>
+                </a:bodyPr>
+                <a:lstStyle/>
+                <a:p>
+                  <a:endParaRPr lang="de-DE" i="1" dirty="0"/>
+                </a:p>
+              </p:txBody>
+            </p:sp>
+            <p:sp>
+              <p:nvSpPr>
+                <p:cNvPr id="36" name="Textfeld 35"/>
+                <p:cNvSpPr txBox="1"/>
+                <p:nvPr/>
+              </p:nvSpPr>
+              <p:spPr>
+                <a:xfrm>
+                  <a:off x="-4836385" y="-2557379"/>
+                  <a:ext cx="47619" cy="44202"/>
+                </a:xfrm>
+                <a:custGeom>
+                  <a:avLst/>
+                  <a:gdLst/>
+                  <a:ahLst/>
+                  <a:cxnLst/>
+                  <a:rect l="l" t="t" r="r" b="b"/>
+                  <a:pathLst>
+                    <a:path w="47619" h="44202">
+                      <a:moveTo>
+                        <a:pt x="28390" y="0"/>
+                      </a:moveTo>
+                      <a:cubicBezTo>
+                        <a:pt x="32706" y="0"/>
+                        <a:pt x="36240" y="335"/>
+                        <a:pt x="38994" y="1005"/>
+                      </a:cubicBezTo>
+                      <a:cubicBezTo>
+                        <a:pt x="41747" y="1675"/>
+                        <a:pt x="43830" y="2940"/>
+                        <a:pt x="45244" y="4800"/>
+                      </a:cubicBezTo>
+                      <a:cubicBezTo>
+                        <a:pt x="46658" y="6661"/>
+                        <a:pt x="47440" y="8967"/>
+                        <a:pt x="47588" y="11721"/>
+                      </a:cubicBezTo>
+                      <a:cubicBezTo>
+                        <a:pt x="47737" y="14474"/>
+                        <a:pt x="47365" y="17934"/>
+                        <a:pt x="46472" y="22101"/>
+                      </a:cubicBezTo>
+                      <a:cubicBezTo>
+                        <a:pt x="45728" y="26269"/>
+                        <a:pt x="44724" y="29766"/>
+                        <a:pt x="43458" y="32594"/>
+                      </a:cubicBezTo>
+                      <a:cubicBezTo>
+                        <a:pt x="42193" y="35422"/>
+                        <a:pt x="40519" y="37691"/>
+                        <a:pt x="38436" y="39403"/>
+                      </a:cubicBezTo>
+                      <a:cubicBezTo>
+                        <a:pt x="36352" y="41114"/>
+                        <a:pt x="33747" y="42342"/>
+                        <a:pt x="30622" y="43086"/>
+                      </a:cubicBezTo>
+                      <a:cubicBezTo>
+                        <a:pt x="27497" y="43830"/>
+                        <a:pt x="23701" y="44202"/>
+                        <a:pt x="19237" y="44202"/>
+                      </a:cubicBezTo>
+                      <a:cubicBezTo>
+                        <a:pt x="14921" y="44202"/>
+                        <a:pt x="11349" y="43830"/>
+                        <a:pt x="8521" y="43086"/>
+                      </a:cubicBezTo>
+                      <a:cubicBezTo>
+                        <a:pt x="5693" y="42342"/>
+                        <a:pt x="3610" y="41114"/>
+                        <a:pt x="2270" y="39403"/>
+                      </a:cubicBezTo>
+                      <a:cubicBezTo>
+                        <a:pt x="931" y="37691"/>
+                        <a:pt x="187" y="35422"/>
+                        <a:pt x="38" y="32594"/>
+                      </a:cubicBezTo>
+                      <a:cubicBezTo>
+                        <a:pt x="-111" y="29766"/>
+                        <a:pt x="187" y="26269"/>
+                        <a:pt x="931" y="22101"/>
+                      </a:cubicBezTo>
+                      <a:cubicBezTo>
+                        <a:pt x="1824" y="17934"/>
+                        <a:pt x="2940" y="14474"/>
+                        <a:pt x="4279" y="11721"/>
+                      </a:cubicBezTo>
+                      <a:cubicBezTo>
+                        <a:pt x="5619" y="8967"/>
+                        <a:pt x="7293" y="6661"/>
+                        <a:pt x="9302" y="4800"/>
+                      </a:cubicBezTo>
+                      <a:cubicBezTo>
+                        <a:pt x="11312" y="2940"/>
+                        <a:pt x="13879" y="1675"/>
+                        <a:pt x="17004" y="1005"/>
+                      </a:cubicBezTo>
+                      <a:cubicBezTo>
+                        <a:pt x="20130" y="335"/>
+                        <a:pt x="23925" y="0"/>
+                        <a:pt x="28390" y="0"/>
+                      </a:cubicBezTo>
+                      <a:close/>
+                    </a:path>
+                  </a:pathLst>
+                </a:custGeom>
+                <a:solidFill>
+                  <a:schemeClr val="tx1"/>
+                </a:solidFill>
+                <a:ln>
+                  <a:noFill/>
+                </a:ln>
+                <a:effectLst/>
+              </p:spPr>
+              <p:txBody>
+                <a:bodyPr rot="0" spcFirstLastPara="0" vertOverflow="overflow" horzOverflow="overflow" vert="horz" wrap="square" lIns="91440" tIns="45720" rIns="91440" bIns="45720" numCol="1" spcCol="0" rtlCol="0" fromWordArt="0" anchor="ctr" anchorCtr="0" forceAA="0" compatLnSpc="1">
+                  <a:prstTxWarp prst="textNoShape">
+                    <a:avLst/>
+                  </a:prstTxWarp>
+                  <a:noAutofit/>
+                </a:bodyPr>
+                <a:lstStyle/>
+                <a:p>
+                  <a:endParaRPr lang="de-DE" i="1" dirty="0"/>
+                </a:p>
+              </p:txBody>
+            </p:sp>
+            <p:sp>
+              <p:nvSpPr>
+                <p:cNvPr id="37" name="Textfeld 36"/>
+                <p:cNvSpPr txBox="1"/>
+                <p:nvPr/>
+              </p:nvSpPr>
+              <p:spPr>
+                <a:xfrm>
+                  <a:off x="-5216305" y="-2553583"/>
+                  <a:ext cx="229939" cy="296019"/>
+                </a:xfrm>
+                <a:custGeom>
+                  <a:avLst/>
+                  <a:gdLst/>
+                  <a:ahLst/>
+                  <a:cxnLst/>
+                  <a:rect l="l" t="t" r="r" b="b"/>
+                  <a:pathLst>
+                    <a:path w="229939" h="296019">
+                      <a:moveTo>
+                        <a:pt x="156269" y="0"/>
+                      </a:moveTo>
+                      <a:cubicBezTo>
+                        <a:pt x="167134" y="0"/>
+                        <a:pt x="177291" y="1227"/>
+                        <a:pt x="186742" y="3683"/>
+                      </a:cubicBezTo>
+                      <a:cubicBezTo>
+                        <a:pt x="196192" y="6139"/>
+                        <a:pt x="204266" y="9227"/>
+                        <a:pt x="210964" y="12948"/>
+                      </a:cubicBezTo>
+                      <a:cubicBezTo>
+                        <a:pt x="217661" y="16668"/>
+                        <a:pt x="222498" y="19980"/>
+                        <a:pt x="225474" y="22882"/>
+                      </a:cubicBezTo>
+                      <a:cubicBezTo>
+                        <a:pt x="228451" y="25784"/>
+                        <a:pt x="229939" y="29170"/>
+                        <a:pt x="229939" y="33039"/>
+                      </a:cubicBezTo>
+                      <a:cubicBezTo>
+                        <a:pt x="229939" y="36165"/>
+                        <a:pt x="229418" y="40034"/>
+                        <a:pt x="228376" y="44648"/>
+                      </a:cubicBezTo>
+                      <a:cubicBezTo>
+                        <a:pt x="227335" y="49262"/>
+                        <a:pt x="225958" y="52908"/>
+                        <a:pt x="224246" y="55587"/>
+                      </a:cubicBezTo>
+                      <a:cubicBezTo>
+                        <a:pt x="222535" y="58266"/>
+                        <a:pt x="220712" y="59605"/>
+                        <a:pt x="218777" y="59605"/>
+                      </a:cubicBezTo>
+                      <a:cubicBezTo>
+                        <a:pt x="216693" y="59605"/>
+                        <a:pt x="214238" y="58229"/>
+                        <a:pt x="211410" y="55475"/>
+                      </a:cubicBezTo>
+                      <a:cubicBezTo>
+                        <a:pt x="208582" y="52722"/>
+                        <a:pt x="204787" y="49745"/>
+                        <a:pt x="200025" y="46546"/>
+                      </a:cubicBezTo>
+                      <a:cubicBezTo>
+                        <a:pt x="195262" y="43346"/>
+                        <a:pt x="189123" y="40369"/>
+                        <a:pt x="181607" y="37616"/>
+                      </a:cubicBezTo>
+                      <a:cubicBezTo>
+                        <a:pt x="174091" y="34863"/>
+                        <a:pt x="164678" y="33486"/>
+                        <a:pt x="153367" y="33486"/>
+                      </a:cubicBezTo>
+                      <a:cubicBezTo>
+                        <a:pt x="140865" y="33486"/>
+                        <a:pt x="129480" y="35830"/>
+                        <a:pt x="119211" y="40518"/>
+                      </a:cubicBezTo>
+                      <a:cubicBezTo>
+                        <a:pt x="108942" y="45206"/>
+                        <a:pt x="99677" y="51531"/>
+                        <a:pt x="91417" y="59494"/>
+                      </a:cubicBezTo>
+                      <a:cubicBezTo>
+                        <a:pt x="83157" y="67456"/>
+                        <a:pt x="75902" y="76646"/>
+                        <a:pt x="69651" y="87064"/>
+                      </a:cubicBezTo>
+                      <a:cubicBezTo>
+                        <a:pt x="63400" y="97482"/>
+                        <a:pt x="58229" y="108384"/>
+                        <a:pt x="54136" y="119769"/>
+                      </a:cubicBezTo>
+                      <a:cubicBezTo>
+                        <a:pt x="50043" y="131154"/>
+                        <a:pt x="46955" y="142651"/>
+                        <a:pt x="44871" y="154260"/>
+                      </a:cubicBezTo>
+                      <a:cubicBezTo>
+                        <a:pt x="42788" y="165869"/>
+                        <a:pt x="41746" y="176882"/>
+                        <a:pt x="41746" y="187300"/>
+                      </a:cubicBezTo>
+                      <a:cubicBezTo>
+                        <a:pt x="41746" y="199206"/>
+                        <a:pt x="43234" y="209810"/>
+                        <a:pt x="46211" y="219112"/>
+                      </a:cubicBezTo>
+                      <a:cubicBezTo>
+                        <a:pt x="49187" y="228414"/>
+                        <a:pt x="53503" y="236264"/>
+                        <a:pt x="59159" y="242664"/>
+                      </a:cubicBezTo>
+                      <a:cubicBezTo>
+                        <a:pt x="64814" y="249063"/>
+                        <a:pt x="71735" y="253900"/>
+                        <a:pt x="79920" y="257175"/>
+                      </a:cubicBezTo>
+                      <a:cubicBezTo>
+                        <a:pt x="88106" y="260449"/>
+                        <a:pt x="97408" y="262086"/>
+                        <a:pt x="107826" y="262086"/>
+                      </a:cubicBezTo>
+                      <a:cubicBezTo>
+                        <a:pt x="119434" y="262086"/>
+                        <a:pt x="129443" y="260784"/>
+                        <a:pt x="137852" y="258179"/>
+                      </a:cubicBezTo>
+                      <a:cubicBezTo>
+                        <a:pt x="146260" y="255575"/>
+                        <a:pt x="153479" y="252673"/>
+                        <a:pt x="159506" y="249473"/>
+                      </a:cubicBezTo>
+                      <a:cubicBezTo>
+                        <a:pt x="165534" y="246273"/>
+                        <a:pt x="170557" y="243371"/>
+                        <a:pt x="174575" y="240766"/>
+                      </a:cubicBezTo>
+                      <a:cubicBezTo>
+                        <a:pt x="178593" y="238162"/>
+                        <a:pt x="181868" y="236860"/>
+                        <a:pt x="184398" y="236860"/>
+                      </a:cubicBezTo>
+                      <a:cubicBezTo>
+                        <a:pt x="186035" y="236860"/>
+                        <a:pt x="187225" y="237455"/>
+                        <a:pt x="187970" y="238645"/>
+                      </a:cubicBezTo>
+                      <a:cubicBezTo>
+                        <a:pt x="188714" y="239836"/>
+                        <a:pt x="189086" y="241622"/>
+                        <a:pt x="189086" y="244003"/>
+                      </a:cubicBezTo>
+                      <a:cubicBezTo>
+                        <a:pt x="189086" y="244747"/>
+                        <a:pt x="188974" y="245826"/>
+                        <a:pt x="188751" y="247240"/>
+                      </a:cubicBezTo>
+                      <a:cubicBezTo>
+                        <a:pt x="188528" y="248654"/>
+                        <a:pt x="188267" y="250180"/>
+                        <a:pt x="187970" y="251817"/>
+                      </a:cubicBezTo>
+                      <a:cubicBezTo>
+                        <a:pt x="187672" y="253454"/>
+                        <a:pt x="187337" y="255240"/>
+                        <a:pt x="186965" y="257175"/>
+                      </a:cubicBezTo>
+                      <a:cubicBezTo>
+                        <a:pt x="186593" y="259109"/>
+                        <a:pt x="186109" y="260932"/>
+                        <a:pt x="185514" y="262644"/>
+                      </a:cubicBezTo>
+                      <a:cubicBezTo>
+                        <a:pt x="184919" y="264356"/>
+                        <a:pt x="184286" y="265918"/>
+                        <a:pt x="183616" y="267332"/>
+                      </a:cubicBezTo>
+                      <a:cubicBezTo>
+                        <a:pt x="182947" y="268746"/>
+                        <a:pt x="181830" y="270197"/>
+                        <a:pt x="180268" y="271685"/>
+                      </a:cubicBezTo>
+                      <a:cubicBezTo>
+                        <a:pt x="178705" y="273174"/>
+                        <a:pt x="175431" y="275369"/>
+                        <a:pt x="170445" y="278271"/>
+                      </a:cubicBezTo>
+                      <a:cubicBezTo>
+                        <a:pt x="165459" y="281173"/>
+                        <a:pt x="159357" y="283926"/>
+                        <a:pt x="152139" y="286531"/>
+                      </a:cubicBezTo>
+                      <a:cubicBezTo>
+                        <a:pt x="144921" y="289135"/>
+                        <a:pt x="136810" y="291368"/>
+                        <a:pt x="127806" y="293228"/>
+                      </a:cubicBezTo>
+                      <a:cubicBezTo>
+                        <a:pt x="118802" y="295089"/>
+                        <a:pt x="109239" y="296019"/>
+                        <a:pt x="99119" y="296019"/>
+                      </a:cubicBezTo>
+                      <a:cubicBezTo>
+                        <a:pt x="83939" y="296019"/>
+                        <a:pt x="70246" y="293749"/>
+                        <a:pt x="58043" y="289210"/>
+                      </a:cubicBezTo>
+                      <a:cubicBezTo>
+                        <a:pt x="45839" y="284671"/>
+                        <a:pt x="35458" y="277973"/>
+                        <a:pt x="26900" y="269118"/>
+                      </a:cubicBezTo>
+                      <a:cubicBezTo>
+                        <a:pt x="18343" y="260263"/>
+                        <a:pt x="11720" y="249249"/>
+                        <a:pt x="7032" y="236078"/>
+                      </a:cubicBezTo>
+                      <a:cubicBezTo>
+                        <a:pt x="2344" y="222907"/>
+                        <a:pt x="0" y="207764"/>
+                        <a:pt x="0" y="190648"/>
+                      </a:cubicBezTo>
+                      <a:cubicBezTo>
+                        <a:pt x="0" y="176510"/>
+                        <a:pt x="1488" y="161962"/>
+                        <a:pt x="4464" y="147005"/>
+                      </a:cubicBezTo>
+                      <a:cubicBezTo>
+                        <a:pt x="7441" y="132047"/>
+                        <a:pt x="11831" y="117499"/>
+                        <a:pt x="17636" y="103361"/>
+                      </a:cubicBezTo>
+                      <a:cubicBezTo>
+                        <a:pt x="23440" y="89222"/>
+                        <a:pt x="30695" y="75902"/>
+                        <a:pt x="39402" y="63400"/>
+                      </a:cubicBezTo>
+                      <a:cubicBezTo>
+                        <a:pt x="48108" y="50899"/>
+                        <a:pt x="58229" y="39923"/>
+                        <a:pt x="69763" y="30472"/>
+                      </a:cubicBezTo>
+                      <a:cubicBezTo>
+                        <a:pt x="81297" y="21022"/>
+                        <a:pt x="94282" y="13580"/>
+                        <a:pt x="108719" y="8148"/>
+                      </a:cubicBezTo>
+                      <a:cubicBezTo>
+                        <a:pt x="123155" y="2716"/>
+                        <a:pt x="139005" y="0"/>
+                        <a:pt x="156269" y="0"/>
+                      </a:cubicBezTo>
+                      <a:close/>
+                    </a:path>
+                  </a:pathLst>
+                </a:custGeom>
+                <a:solidFill>
+                  <a:schemeClr val="tx1"/>
+                </a:solidFill>
+                <a:ln>
+                  <a:noFill/>
+                </a:ln>
+                <a:effectLst/>
+              </p:spPr>
+              <p:txBody>
+                <a:bodyPr rot="0" spcFirstLastPara="0" vertOverflow="overflow" horzOverflow="overflow" vert="horz" wrap="square" lIns="91440" tIns="45720" rIns="91440" bIns="45720" numCol="1" spcCol="0" rtlCol="0" fromWordArt="0" anchor="ctr" anchorCtr="0" forceAA="0" compatLnSpc="1">
+                  <a:prstTxWarp prst="textNoShape">
+                    <a:avLst/>
+                  </a:prstTxWarp>
+                  <a:noAutofit/>
+                </a:bodyPr>
+                <a:lstStyle/>
+                <a:p>
+                  <a:endParaRPr lang="de-DE" i="1" dirty="0"/>
+                </a:p>
+              </p:txBody>
+            </p:sp>
+            <p:sp>
+              <p:nvSpPr>
+                <p:cNvPr id="38" name="Textfeld 37"/>
+                <p:cNvSpPr txBox="1"/>
+                <p:nvPr/>
+              </p:nvSpPr>
+              <p:spPr>
+                <a:xfrm>
+                  <a:off x="-4311877" y="-2528357"/>
+                  <a:ext cx="133053" cy="271016"/>
+                </a:xfrm>
+                <a:custGeom>
+                  <a:avLst/>
+                  <a:gdLst/>
+                  <a:ahLst/>
+                  <a:cxnLst/>
+                  <a:rect l="l" t="t" r="r" b="b"/>
+                  <a:pathLst>
+                    <a:path w="133053" h="271016">
+                      <a:moveTo>
+                        <a:pt x="68759" y="0"/>
+                      </a:moveTo>
+                      <a:cubicBezTo>
+                        <a:pt x="72331" y="0"/>
+                        <a:pt x="75270" y="149"/>
+                        <a:pt x="77577" y="446"/>
+                      </a:cubicBezTo>
+                      <a:cubicBezTo>
+                        <a:pt x="79884" y="744"/>
+                        <a:pt x="81670" y="1228"/>
+                        <a:pt x="82935" y="1898"/>
+                      </a:cubicBezTo>
+                      <a:cubicBezTo>
+                        <a:pt x="84200" y="2567"/>
+                        <a:pt x="85018" y="3349"/>
+                        <a:pt x="85390" y="4242"/>
+                      </a:cubicBezTo>
+                      <a:cubicBezTo>
+                        <a:pt x="85762" y="5135"/>
+                        <a:pt x="85874" y="6102"/>
+                        <a:pt x="85725" y="7144"/>
+                      </a:cubicBezTo>
+                      <a:lnTo>
+                        <a:pt x="76126" y="54918"/>
+                      </a:lnTo>
+                      <a:lnTo>
+                        <a:pt x="127471" y="54918"/>
+                      </a:lnTo>
+                      <a:cubicBezTo>
+                        <a:pt x="129704" y="54918"/>
+                        <a:pt x="131192" y="55736"/>
+                        <a:pt x="131936" y="57373"/>
+                      </a:cubicBezTo>
+                      <a:cubicBezTo>
+                        <a:pt x="132680" y="59010"/>
+                        <a:pt x="133053" y="60871"/>
+                        <a:pt x="133053" y="62954"/>
+                      </a:cubicBezTo>
+                      <a:cubicBezTo>
+                        <a:pt x="133053" y="64294"/>
+                        <a:pt x="132978" y="65745"/>
+                        <a:pt x="132829" y="67307"/>
+                      </a:cubicBezTo>
+                      <a:cubicBezTo>
+                        <a:pt x="132680" y="68870"/>
+                        <a:pt x="132383" y="70470"/>
+                        <a:pt x="131936" y="72107"/>
+                      </a:cubicBezTo>
+                      <a:cubicBezTo>
+                        <a:pt x="131490" y="73744"/>
+                        <a:pt x="130895" y="75381"/>
+                        <a:pt x="130150" y="77019"/>
+                      </a:cubicBezTo>
+                      <a:cubicBezTo>
+                        <a:pt x="129406" y="78656"/>
+                        <a:pt x="128625" y="80107"/>
+                        <a:pt x="127806" y="81372"/>
+                      </a:cubicBezTo>
+                      <a:cubicBezTo>
+                        <a:pt x="126988" y="82637"/>
+                        <a:pt x="126058" y="83641"/>
+                        <a:pt x="125016" y="84386"/>
+                      </a:cubicBezTo>
+                      <a:cubicBezTo>
+                        <a:pt x="123974" y="85130"/>
+                        <a:pt x="122783" y="85502"/>
+                        <a:pt x="121444" y="85502"/>
+                      </a:cubicBezTo>
+                      <a:lnTo>
+                        <a:pt x="70098" y="85502"/>
+                      </a:lnTo>
+                      <a:lnTo>
+                        <a:pt x="47551" y="197569"/>
+                      </a:lnTo>
+                      <a:cubicBezTo>
+                        <a:pt x="46955" y="200695"/>
+                        <a:pt x="46435" y="204192"/>
+                        <a:pt x="45988" y="208062"/>
+                      </a:cubicBezTo>
+                      <a:cubicBezTo>
+                        <a:pt x="45542" y="211931"/>
+                        <a:pt x="45318" y="215131"/>
+                        <a:pt x="45318" y="217661"/>
+                      </a:cubicBezTo>
+                      <a:cubicBezTo>
+                        <a:pt x="45318" y="225251"/>
+                        <a:pt x="46918" y="230795"/>
+                        <a:pt x="50118" y="234293"/>
+                      </a:cubicBezTo>
+                      <a:cubicBezTo>
+                        <a:pt x="53318" y="237790"/>
+                        <a:pt x="58490" y="239539"/>
+                        <a:pt x="65633" y="239539"/>
+                      </a:cubicBezTo>
+                      <a:cubicBezTo>
+                        <a:pt x="69652" y="239539"/>
+                        <a:pt x="73149" y="239204"/>
+                        <a:pt x="76126" y="238534"/>
+                      </a:cubicBezTo>
+                      <a:cubicBezTo>
+                        <a:pt x="79102" y="237865"/>
+                        <a:pt x="81670" y="237158"/>
+                        <a:pt x="83828" y="236413"/>
+                      </a:cubicBezTo>
+                      <a:cubicBezTo>
+                        <a:pt x="85986" y="235669"/>
+                        <a:pt x="87883" y="234962"/>
+                        <a:pt x="89520" y="234293"/>
+                      </a:cubicBezTo>
+                      <a:cubicBezTo>
+                        <a:pt x="91157" y="233623"/>
+                        <a:pt x="92571" y="233288"/>
+                        <a:pt x="93762" y="233288"/>
+                      </a:cubicBezTo>
+                      <a:cubicBezTo>
+                        <a:pt x="94953" y="233288"/>
+                        <a:pt x="95883" y="233697"/>
+                        <a:pt x="96552" y="234516"/>
+                      </a:cubicBezTo>
+                      <a:cubicBezTo>
+                        <a:pt x="97222" y="235334"/>
+                        <a:pt x="97557" y="236860"/>
+                        <a:pt x="97557" y="239092"/>
+                      </a:cubicBezTo>
+                      <a:cubicBezTo>
+                        <a:pt x="97557" y="241027"/>
+                        <a:pt x="97371" y="243148"/>
+                        <a:pt x="96999" y="245455"/>
+                      </a:cubicBezTo>
+                      <a:cubicBezTo>
+                        <a:pt x="96627" y="247762"/>
+                        <a:pt x="96143" y="250031"/>
+                        <a:pt x="95548" y="252264"/>
+                      </a:cubicBezTo>
+                      <a:cubicBezTo>
+                        <a:pt x="94953" y="254496"/>
+                        <a:pt x="94208" y="256505"/>
+                        <a:pt x="93315" y="258291"/>
+                      </a:cubicBezTo>
+                      <a:cubicBezTo>
+                        <a:pt x="92422" y="260077"/>
+                        <a:pt x="91455" y="261491"/>
+                        <a:pt x="90413" y="262533"/>
+                      </a:cubicBezTo>
+                      <a:cubicBezTo>
+                        <a:pt x="89223" y="263575"/>
+                        <a:pt x="87437" y="264616"/>
+                        <a:pt x="85055" y="265658"/>
+                      </a:cubicBezTo>
+                      <a:cubicBezTo>
+                        <a:pt x="82674" y="266700"/>
+                        <a:pt x="79921" y="267630"/>
+                        <a:pt x="76795" y="268449"/>
+                      </a:cubicBezTo>
+                      <a:cubicBezTo>
+                        <a:pt x="73670" y="269267"/>
+                        <a:pt x="70359" y="269900"/>
+                        <a:pt x="66861" y="270346"/>
+                      </a:cubicBezTo>
+                      <a:cubicBezTo>
+                        <a:pt x="63364" y="270793"/>
+                        <a:pt x="59903" y="271016"/>
+                        <a:pt x="56480" y="271016"/>
+                      </a:cubicBezTo>
+                      <a:cubicBezTo>
+                        <a:pt x="48146" y="271016"/>
+                        <a:pt x="40928" y="270123"/>
+                        <a:pt x="34826" y="268337"/>
+                      </a:cubicBezTo>
+                      <a:cubicBezTo>
+                        <a:pt x="28724" y="266551"/>
+                        <a:pt x="23589" y="263761"/>
+                        <a:pt x="19422" y="259965"/>
+                      </a:cubicBezTo>
+                      <a:cubicBezTo>
+                        <a:pt x="15255" y="256170"/>
+                        <a:pt x="12167" y="251408"/>
+                        <a:pt x="10158" y="245678"/>
+                      </a:cubicBezTo>
+                      <a:cubicBezTo>
+                        <a:pt x="8148" y="239948"/>
+                        <a:pt x="7144" y="233065"/>
+                        <a:pt x="7144" y="225028"/>
+                      </a:cubicBezTo>
+                      <a:cubicBezTo>
+                        <a:pt x="7144" y="223242"/>
+                        <a:pt x="7218" y="221270"/>
+                        <a:pt x="7367" y="219112"/>
+                      </a:cubicBezTo>
+                      <a:cubicBezTo>
+                        <a:pt x="7516" y="216954"/>
+                        <a:pt x="7776" y="214685"/>
+                        <a:pt x="8148" y="212303"/>
+                      </a:cubicBezTo>
+                      <a:cubicBezTo>
+                        <a:pt x="8521" y="209922"/>
+                        <a:pt x="8893" y="207541"/>
+                        <a:pt x="9265" y="205160"/>
+                      </a:cubicBezTo>
+                      <a:cubicBezTo>
+                        <a:pt x="9637" y="202778"/>
+                        <a:pt x="10046" y="200546"/>
+                        <a:pt x="10493" y="198462"/>
+                      </a:cubicBezTo>
+                      <a:lnTo>
+                        <a:pt x="33040" y="85502"/>
+                      </a:lnTo>
+                      <a:lnTo>
+                        <a:pt x="5135" y="85502"/>
+                      </a:lnTo>
+                      <a:cubicBezTo>
+                        <a:pt x="3498" y="85502"/>
+                        <a:pt x="2233" y="85018"/>
+                        <a:pt x="1340" y="84051"/>
+                      </a:cubicBezTo>
+                      <a:cubicBezTo>
+                        <a:pt x="447" y="83083"/>
+                        <a:pt x="0" y="81186"/>
+                        <a:pt x="0" y="78358"/>
+                      </a:cubicBezTo>
+                      <a:cubicBezTo>
+                        <a:pt x="0" y="76274"/>
+                        <a:pt x="223" y="73856"/>
+                        <a:pt x="670" y="71103"/>
+                      </a:cubicBezTo>
+                      <a:cubicBezTo>
+                        <a:pt x="1116" y="68349"/>
+                        <a:pt x="1786" y="65782"/>
+                        <a:pt x="2679" y="63401"/>
+                      </a:cubicBezTo>
+                      <a:cubicBezTo>
+                        <a:pt x="3572" y="61019"/>
+                        <a:pt x="4725" y="59010"/>
+                        <a:pt x="6139" y="57373"/>
+                      </a:cubicBezTo>
+                      <a:cubicBezTo>
+                        <a:pt x="7553" y="55736"/>
+                        <a:pt x="9227" y="54918"/>
+                        <a:pt x="11162" y="54918"/>
+                      </a:cubicBezTo>
+                      <a:lnTo>
+                        <a:pt x="39291" y="54918"/>
+                      </a:lnTo>
+                      <a:lnTo>
+                        <a:pt x="48890" y="7144"/>
+                      </a:lnTo>
+                      <a:cubicBezTo>
+                        <a:pt x="49039" y="6102"/>
+                        <a:pt x="49523" y="5135"/>
+                        <a:pt x="50341" y="4242"/>
+                      </a:cubicBezTo>
+                      <a:cubicBezTo>
+                        <a:pt x="51160" y="3349"/>
+                        <a:pt x="52313" y="2567"/>
+                        <a:pt x="53802" y="1898"/>
+                      </a:cubicBezTo>
+                      <a:cubicBezTo>
+                        <a:pt x="55290" y="1228"/>
+                        <a:pt x="57262" y="744"/>
+                        <a:pt x="59717" y="446"/>
+                      </a:cubicBezTo>
+                      <a:cubicBezTo>
+                        <a:pt x="62173" y="149"/>
+                        <a:pt x="65187" y="0"/>
+                        <a:pt x="68759" y="0"/>
+                      </a:cubicBezTo>
+                      <a:close/>
+                    </a:path>
+                  </a:pathLst>
+                </a:custGeom>
+                <a:solidFill>
+                  <a:schemeClr val="tx1"/>
+                </a:solidFill>
+                <a:ln>
+                  <a:noFill/>
+                </a:ln>
+                <a:effectLst/>
+              </p:spPr>
+              <p:txBody>
+                <a:bodyPr rot="0" spcFirstLastPara="0" vertOverflow="overflow" horzOverflow="overflow" vert="horz" wrap="square" lIns="91440" tIns="45720" rIns="91440" bIns="45720" numCol="1" spcCol="0" rtlCol="0" fromWordArt="0" anchor="ctr" anchorCtr="0" forceAA="0" compatLnSpc="1">
+                  <a:prstTxWarp prst="textNoShape">
+                    <a:avLst/>
+                  </a:prstTxWarp>
+                  <a:noAutofit/>
+                </a:bodyPr>
+                <a:lstStyle/>
+                <a:p>
+                  <a:endParaRPr lang="de-DE" i="1" dirty="0"/>
+                </a:p>
+              </p:txBody>
+            </p:sp>
+            <p:sp>
+              <p:nvSpPr>
+                <p:cNvPr id="39" name="Textfeld 38"/>
+                <p:cNvSpPr txBox="1"/>
+                <p:nvPr/>
+              </p:nvSpPr>
+              <p:spPr>
+                <a:xfrm>
+                  <a:off x="-4777114" y="-2477681"/>
+                  <a:ext cx="189310" cy="220786"/>
+                </a:xfrm>
+                <a:custGeom>
+                  <a:avLst/>
+                  <a:gdLst/>
+                  <a:ahLst/>
+                  <a:cxnLst/>
+                  <a:rect l="l" t="t" r="r" b="b"/>
+                  <a:pathLst>
+                    <a:path w="189310" h="220786">
+                      <a:moveTo>
+                        <a:pt x="120105" y="0"/>
+                      </a:moveTo>
+                      <a:cubicBezTo>
+                        <a:pt x="132606" y="0"/>
+                        <a:pt x="143210" y="1563"/>
+                        <a:pt x="151917" y="4688"/>
+                      </a:cubicBezTo>
+                      <a:cubicBezTo>
+                        <a:pt x="160623" y="7813"/>
+                        <a:pt x="167767" y="11832"/>
+                        <a:pt x="173348" y="16743"/>
+                      </a:cubicBezTo>
+                      <a:cubicBezTo>
+                        <a:pt x="178929" y="21654"/>
+                        <a:pt x="182985" y="27124"/>
+                        <a:pt x="185515" y="33151"/>
+                      </a:cubicBezTo>
+                      <a:cubicBezTo>
+                        <a:pt x="188045" y="39179"/>
+                        <a:pt x="189310" y="45169"/>
+                        <a:pt x="189310" y="51122"/>
+                      </a:cubicBezTo>
+                      <a:cubicBezTo>
+                        <a:pt x="189310" y="61392"/>
+                        <a:pt x="186929" y="70619"/>
+                        <a:pt x="182166" y="78804"/>
+                      </a:cubicBezTo>
+                      <a:cubicBezTo>
+                        <a:pt x="177404" y="86990"/>
+                        <a:pt x="169962" y="93985"/>
+                        <a:pt x="159842" y="99789"/>
+                      </a:cubicBezTo>
+                      <a:cubicBezTo>
+                        <a:pt x="149722" y="105593"/>
+                        <a:pt x="136773" y="110058"/>
+                        <a:pt x="120998" y="113184"/>
+                      </a:cubicBezTo>
+                      <a:cubicBezTo>
+                        <a:pt x="105222" y="116309"/>
+                        <a:pt x="86321" y="117872"/>
+                        <a:pt x="64294" y="117872"/>
+                      </a:cubicBezTo>
+                      <a:lnTo>
+                        <a:pt x="40630" y="117872"/>
+                      </a:lnTo>
+                      <a:cubicBezTo>
+                        <a:pt x="39589" y="122783"/>
+                        <a:pt x="38882" y="127546"/>
+                        <a:pt x="38510" y="132159"/>
+                      </a:cubicBezTo>
+                      <a:cubicBezTo>
+                        <a:pt x="38138" y="136773"/>
+                        <a:pt x="37952" y="141089"/>
+                        <a:pt x="37952" y="145107"/>
+                      </a:cubicBezTo>
+                      <a:cubicBezTo>
+                        <a:pt x="37952" y="159990"/>
+                        <a:pt x="41635" y="171376"/>
+                        <a:pt x="49002" y="179263"/>
+                      </a:cubicBezTo>
+                      <a:cubicBezTo>
+                        <a:pt x="56369" y="187151"/>
+                        <a:pt x="68313" y="191095"/>
+                        <a:pt x="84832" y="191095"/>
+                      </a:cubicBezTo>
+                      <a:cubicBezTo>
+                        <a:pt x="94357" y="191095"/>
+                        <a:pt x="102915" y="190388"/>
+                        <a:pt x="110505" y="188974"/>
+                      </a:cubicBezTo>
+                      <a:cubicBezTo>
+                        <a:pt x="118096" y="187561"/>
+                        <a:pt x="124681" y="186035"/>
+                        <a:pt x="130262" y="184398"/>
+                      </a:cubicBezTo>
+                      <a:cubicBezTo>
+                        <a:pt x="135843" y="182761"/>
+                        <a:pt x="140420" y="181235"/>
+                        <a:pt x="143992" y="179822"/>
+                      </a:cubicBezTo>
+                      <a:cubicBezTo>
+                        <a:pt x="147564" y="178408"/>
+                        <a:pt x="150019" y="177701"/>
+                        <a:pt x="151359" y="177701"/>
+                      </a:cubicBezTo>
+                      <a:cubicBezTo>
+                        <a:pt x="152698" y="177701"/>
+                        <a:pt x="153703" y="178184"/>
+                        <a:pt x="154372" y="179152"/>
+                      </a:cubicBezTo>
+                      <a:cubicBezTo>
+                        <a:pt x="155042" y="180119"/>
+                        <a:pt x="155377" y="181496"/>
+                        <a:pt x="155377" y="183282"/>
+                      </a:cubicBezTo>
+                      <a:cubicBezTo>
+                        <a:pt x="155377" y="184770"/>
+                        <a:pt x="155228" y="186556"/>
+                        <a:pt x="154930" y="188640"/>
+                      </a:cubicBezTo>
+                      <a:cubicBezTo>
+                        <a:pt x="154633" y="190723"/>
+                        <a:pt x="154186" y="192844"/>
+                        <a:pt x="153591" y="195002"/>
+                      </a:cubicBezTo>
+                      <a:cubicBezTo>
+                        <a:pt x="152996" y="197160"/>
+                        <a:pt x="152214" y="199206"/>
+                        <a:pt x="151247" y="201141"/>
+                      </a:cubicBezTo>
+                      <a:cubicBezTo>
+                        <a:pt x="150280" y="203076"/>
+                        <a:pt x="149201" y="204713"/>
+                        <a:pt x="148010" y="206052"/>
+                      </a:cubicBezTo>
+                      <a:cubicBezTo>
+                        <a:pt x="146224" y="207838"/>
+                        <a:pt x="143061" y="209587"/>
+                        <a:pt x="138522" y="211299"/>
+                      </a:cubicBezTo>
+                      <a:cubicBezTo>
+                        <a:pt x="133983" y="213010"/>
+                        <a:pt x="128588" y="214573"/>
+                        <a:pt x="122337" y="215987"/>
+                      </a:cubicBezTo>
+                      <a:cubicBezTo>
+                        <a:pt x="116086" y="217401"/>
+                        <a:pt x="109240" y="218554"/>
+                        <a:pt x="101799" y="219447"/>
+                      </a:cubicBezTo>
+                      <a:cubicBezTo>
+                        <a:pt x="94357" y="220340"/>
+                        <a:pt x="86916" y="220786"/>
+                        <a:pt x="79475" y="220786"/>
+                      </a:cubicBezTo>
+                      <a:cubicBezTo>
+                        <a:pt x="66229" y="220786"/>
+                        <a:pt x="54620" y="219298"/>
+                        <a:pt x="44649" y="216322"/>
+                      </a:cubicBezTo>
+                      <a:cubicBezTo>
+                        <a:pt x="34677" y="213345"/>
+                        <a:pt x="26380" y="208769"/>
+                        <a:pt x="19757" y="202592"/>
+                      </a:cubicBezTo>
+                      <a:cubicBezTo>
+                        <a:pt x="13134" y="196416"/>
+                        <a:pt x="8186" y="188714"/>
+                        <a:pt x="4912" y="179487"/>
+                      </a:cubicBezTo>
+                      <a:cubicBezTo>
+                        <a:pt x="1638" y="170259"/>
+                        <a:pt x="0" y="159395"/>
+                        <a:pt x="0" y="146893"/>
+                      </a:cubicBezTo>
+                      <a:cubicBezTo>
+                        <a:pt x="0" y="137219"/>
+                        <a:pt x="931" y="126839"/>
+                        <a:pt x="2791" y="115751"/>
+                      </a:cubicBezTo>
+                      <a:cubicBezTo>
+                        <a:pt x="4651" y="104663"/>
+                        <a:pt x="7591" y="93687"/>
+                        <a:pt x="11609" y="82823"/>
+                      </a:cubicBezTo>
+                      <a:cubicBezTo>
+                        <a:pt x="15627" y="71958"/>
+                        <a:pt x="20836" y="61540"/>
+                        <a:pt x="27236" y="51569"/>
+                      </a:cubicBezTo>
+                      <a:cubicBezTo>
+                        <a:pt x="33636" y="41597"/>
+                        <a:pt x="41263" y="32817"/>
+                        <a:pt x="50118" y="25226"/>
+                      </a:cubicBezTo>
+                      <a:cubicBezTo>
+                        <a:pt x="58974" y="17636"/>
+                        <a:pt x="69205" y="11534"/>
+                        <a:pt x="80814" y="6920"/>
+                      </a:cubicBezTo>
+                      <a:cubicBezTo>
+                        <a:pt x="92423" y="2307"/>
+                        <a:pt x="105520" y="0"/>
+                        <a:pt x="120105" y="0"/>
+                      </a:cubicBezTo>
+                      <a:close/>
+                      <a:moveTo>
+                        <a:pt x="117203" y="29021"/>
+                      </a:moveTo>
+                      <a:cubicBezTo>
+                        <a:pt x="107529" y="29021"/>
+                        <a:pt x="98971" y="30696"/>
+                        <a:pt x="91530" y="34044"/>
+                      </a:cubicBezTo>
+                      <a:cubicBezTo>
+                        <a:pt x="84088" y="37393"/>
+                        <a:pt x="77503" y="41895"/>
+                        <a:pt x="71773" y="47551"/>
+                      </a:cubicBezTo>
+                      <a:cubicBezTo>
+                        <a:pt x="66043" y="53206"/>
+                        <a:pt x="61132" y="59792"/>
+                        <a:pt x="57039" y="67307"/>
+                      </a:cubicBezTo>
+                      <a:cubicBezTo>
+                        <a:pt x="52946" y="74823"/>
+                        <a:pt x="49635" y="82748"/>
+                        <a:pt x="47105" y="91083"/>
+                      </a:cubicBezTo>
+                      <a:lnTo>
+                        <a:pt x="69875" y="91083"/>
+                      </a:lnTo>
+                      <a:cubicBezTo>
+                        <a:pt x="85502" y="91083"/>
+                        <a:pt x="98562" y="90115"/>
+                        <a:pt x="109054" y="88181"/>
+                      </a:cubicBezTo>
+                      <a:cubicBezTo>
+                        <a:pt x="119547" y="86246"/>
+                        <a:pt x="127955" y="83604"/>
+                        <a:pt x="134281" y="80255"/>
+                      </a:cubicBezTo>
+                      <a:cubicBezTo>
+                        <a:pt x="140606" y="76907"/>
+                        <a:pt x="145071" y="73000"/>
+                        <a:pt x="147675" y="68535"/>
+                      </a:cubicBezTo>
+                      <a:cubicBezTo>
+                        <a:pt x="150280" y="64070"/>
+                        <a:pt x="151582" y="59382"/>
+                        <a:pt x="151582" y="54471"/>
+                      </a:cubicBezTo>
+                      <a:cubicBezTo>
+                        <a:pt x="151582" y="46881"/>
+                        <a:pt x="148605" y="40742"/>
+                        <a:pt x="142652" y="36054"/>
+                      </a:cubicBezTo>
+                      <a:cubicBezTo>
+                        <a:pt x="136699" y="31365"/>
+                        <a:pt x="128216" y="29021"/>
+                        <a:pt x="117203" y="29021"/>
+                      </a:cubicBezTo>
+                      <a:close/>
+                    </a:path>
+                  </a:pathLst>
+                </a:custGeom>
+                <a:solidFill>
+                  <a:schemeClr val="tx1"/>
+                </a:solidFill>
+                <a:ln>
+                  <a:noFill/>
+                </a:ln>
+                <a:effectLst/>
+              </p:spPr>
+              <p:txBody>
+                <a:bodyPr rot="0" spcFirstLastPara="0" vertOverflow="overflow" horzOverflow="overflow" vert="horz" wrap="square" lIns="91440" tIns="45720" rIns="91440" bIns="45720" numCol="1" spcCol="0" rtlCol="0" fromWordArt="0" anchor="ctr" anchorCtr="0" forceAA="0" compatLnSpc="1">
+                  <a:prstTxWarp prst="textNoShape">
+                    <a:avLst/>
+                  </a:prstTxWarp>
+                  <a:noAutofit/>
+                </a:bodyPr>
+                <a:lstStyle/>
+                <a:p>
+                  <a:endParaRPr lang="de-DE" i="1" dirty="0"/>
+                </a:p>
+              </p:txBody>
+            </p:sp>
+            <p:sp>
+              <p:nvSpPr>
+                <p:cNvPr id="40" name="Textfeld 39"/>
+                <p:cNvSpPr txBox="1"/>
+                <p:nvPr/>
+              </p:nvSpPr>
+              <p:spPr>
+                <a:xfrm>
+                  <a:off x="-4560916" y="-2477681"/>
+                  <a:ext cx="196428" cy="217884"/>
+                </a:xfrm>
+                <a:custGeom>
+                  <a:avLst/>
+                  <a:gdLst/>
+                  <a:ahLst/>
+                  <a:cxnLst/>
+                  <a:rect l="l" t="t" r="r" b="b"/>
+                  <a:pathLst>
+                    <a:path w="196428" h="217884">
+                      <a:moveTo>
+                        <a:pt x="143520" y="0"/>
+                      </a:moveTo>
+                      <a:cubicBezTo>
+                        <a:pt x="153491" y="0"/>
+                        <a:pt x="161826" y="1525"/>
+                        <a:pt x="168523" y="4576"/>
+                      </a:cubicBezTo>
+                      <a:cubicBezTo>
+                        <a:pt x="175220" y="7627"/>
+                        <a:pt x="180653" y="11646"/>
+                        <a:pt x="184820" y="16631"/>
+                      </a:cubicBezTo>
+                      <a:cubicBezTo>
+                        <a:pt x="188987" y="21617"/>
+                        <a:pt x="191964" y="27384"/>
+                        <a:pt x="193749" y="33933"/>
+                      </a:cubicBezTo>
+                      <a:cubicBezTo>
+                        <a:pt x="195535" y="40481"/>
+                        <a:pt x="196428" y="47327"/>
+                        <a:pt x="196428" y="54471"/>
+                      </a:cubicBezTo>
+                      <a:cubicBezTo>
+                        <a:pt x="196428" y="59680"/>
+                        <a:pt x="196131" y="64815"/>
+                        <a:pt x="195535" y="69875"/>
+                      </a:cubicBezTo>
+                      <a:cubicBezTo>
+                        <a:pt x="194940" y="74935"/>
+                        <a:pt x="194122" y="80144"/>
+                        <a:pt x="193080" y="85502"/>
+                      </a:cubicBezTo>
+                      <a:lnTo>
+                        <a:pt x="167853" y="210964"/>
+                      </a:lnTo>
+                      <a:cubicBezTo>
+                        <a:pt x="167556" y="212154"/>
+                        <a:pt x="167072" y="213159"/>
+                        <a:pt x="166402" y="213978"/>
+                      </a:cubicBezTo>
+                      <a:cubicBezTo>
+                        <a:pt x="165733" y="214796"/>
+                        <a:pt x="164616" y="215503"/>
+                        <a:pt x="163054" y="216098"/>
+                      </a:cubicBezTo>
+                      <a:cubicBezTo>
+                        <a:pt x="161491" y="216694"/>
+                        <a:pt x="159519" y="217140"/>
+                        <a:pt x="157138" y="217438"/>
+                      </a:cubicBezTo>
+                      <a:cubicBezTo>
+                        <a:pt x="154757" y="217735"/>
+                        <a:pt x="151706" y="217884"/>
+                        <a:pt x="147985" y="217884"/>
+                      </a:cubicBezTo>
+                      <a:cubicBezTo>
+                        <a:pt x="144413" y="217884"/>
+                        <a:pt x="141474" y="217735"/>
+                        <a:pt x="139167" y="217438"/>
+                      </a:cubicBezTo>
+                      <a:cubicBezTo>
+                        <a:pt x="136860" y="217140"/>
+                        <a:pt x="135074" y="216694"/>
+                        <a:pt x="133809" y="216098"/>
+                      </a:cubicBezTo>
+                      <a:cubicBezTo>
+                        <a:pt x="132544" y="215503"/>
+                        <a:pt x="131725" y="214796"/>
+                        <a:pt x="131353" y="213978"/>
+                      </a:cubicBezTo>
+                      <a:cubicBezTo>
+                        <a:pt x="130981" y="213159"/>
+                        <a:pt x="130870" y="212154"/>
+                        <a:pt x="131018" y="210964"/>
+                      </a:cubicBezTo>
+                      <a:lnTo>
+                        <a:pt x="155798" y="86841"/>
+                      </a:lnTo>
+                      <a:cubicBezTo>
+                        <a:pt x="156840" y="82227"/>
+                        <a:pt x="157547" y="77763"/>
+                        <a:pt x="157919" y="73447"/>
+                      </a:cubicBezTo>
+                      <a:cubicBezTo>
+                        <a:pt x="158291" y="69131"/>
+                        <a:pt x="158477" y="65335"/>
+                        <a:pt x="158477" y="62061"/>
+                      </a:cubicBezTo>
+                      <a:cubicBezTo>
+                        <a:pt x="158477" y="52983"/>
+                        <a:pt x="156542" y="45653"/>
+                        <a:pt x="152673" y="40072"/>
+                      </a:cubicBezTo>
+                      <a:cubicBezTo>
+                        <a:pt x="148803" y="34491"/>
+                        <a:pt x="142329" y="31700"/>
+                        <a:pt x="133251" y="31700"/>
+                      </a:cubicBezTo>
+                      <a:cubicBezTo>
+                        <a:pt x="125363" y="31700"/>
+                        <a:pt x="117289" y="33970"/>
+                        <a:pt x="109029" y="38509"/>
+                      </a:cubicBezTo>
+                      <a:cubicBezTo>
+                        <a:pt x="100769" y="43048"/>
+                        <a:pt x="93104" y="49299"/>
+                        <a:pt x="86035" y="57262"/>
+                      </a:cubicBezTo>
+                      <a:cubicBezTo>
+                        <a:pt x="78966" y="65224"/>
+                        <a:pt x="72641" y="74674"/>
+                        <a:pt x="67060" y="85613"/>
+                      </a:cubicBezTo>
+                      <a:cubicBezTo>
+                        <a:pt x="61478" y="96552"/>
+                        <a:pt x="57423" y="108421"/>
+                        <a:pt x="54893" y="121220"/>
+                      </a:cubicBezTo>
+                      <a:lnTo>
+                        <a:pt x="37033" y="210964"/>
+                      </a:lnTo>
+                      <a:cubicBezTo>
+                        <a:pt x="36736" y="212154"/>
+                        <a:pt x="36215" y="213159"/>
+                        <a:pt x="35471" y="213978"/>
+                      </a:cubicBezTo>
+                      <a:cubicBezTo>
+                        <a:pt x="34727" y="214796"/>
+                        <a:pt x="33610" y="215503"/>
+                        <a:pt x="32122" y="216098"/>
+                      </a:cubicBezTo>
+                      <a:cubicBezTo>
+                        <a:pt x="30634" y="216694"/>
+                        <a:pt x="28662" y="217140"/>
+                        <a:pt x="26206" y="217438"/>
+                      </a:cubicBezTo>
+                      <a:cubicBezTo>
+                        <a:pt x="23751" y="217735"/>
+                        <a:pt x="20737" y="217884"/>
+                        <a:pt x="17165" y="217884"/>
+                      </a:cubicBezTo>
+                      <a:cubicBezTo>
+                        <a:pt x="13444" y="217884"/>
+                        <a:pt x="10430" y="217735"/>
+                        <a:pt x="8124" y="217438"/>
+                      </a:cubicBezTo>
+                      <a:cubicBezTo>
+                        <a:pt x="5817" y="217140"/>
+                        <a:pt x="4031" y="216694"/>
+                        <a:pt x="2766" y="216098"/>
+                      </a:cubicBezTo>
+                      <a:cubicBezTo>
+                        <a:pt x="1501" y="215503"/>
+                        <a:pt x="682" y="214796"/>
+                        <a:pt x="310" y="213978"/>
+                      </a:cubicBezTo>
+                      <a:cubicBezTo>
+                        <a:pt x="-62" y="213159"/>
+                        <a:pt x="-99" y="212154"/>
+                        <a:pt x="199" y="210964"/>
+                      </a:cubicBezTo>
+                      <a:lnTo>
+                        <a:pt x="40605" y="9823"/>
+                      </a:lnTo>
+                      <a:cubicBezTo>
+                        <a:pt x="40754" y="8781"/>
+                        <a:pt x="41163" y="7813"/>
+                        <a:pt x="41833" y="6920"/>
+                      </a:cubicBezTo>
+                      <a:cubicBezTo>
+                        <a:pt x="42503" y="6027"/>
+                        <a:pt x="43545" y="5283"/>
+                        <a:pt x="44959" y="4688"/>
+                      </a:cubicBezTo>
+                      <a:cubicBezTo>
+                        <a:pt x="46372" y="4093"/>
+                        <a:pt x="48158" y="3683"/>
+                        <a:pt x="50316" y="3460"/>
+                      </a:cubicBezTo>
+                      <a:cubicBezTo>
+                        <a:pt x="52474" y="3237"/>
+                        <a:pt x="55042" y="3125"/>
+                        <a:pt x="58018" y="3125"/>
+                      </a:cubicBezTo>
+                      <a:cubicBezTo>
+                        <a:pt x="61144" y="3125"/>
+                        <a:pt x="63711" y="3237"/>
+                        <a:pt x="65720" y="3460"/>
+                      </a:cubicBezTo>
+                      <a:cubicBezTo>
+                        <a:pt x="67729" y="3683"/>
+                        <a:pt x="69292" y="4093"/>
+                        <a:pt x="70408" y="4688"/>
+                      </a:cubicBezTo>
+                      <a:cubicBezTo>
+                        <a:pt x="71524" y="5283"/>
+                        <a:pt x="72231" y="6027"/>
+                        <a:pt x="72529" y="6920"/>
+                      </a:cubicBezTo>
+                      <a:cubicBezTo>
+                        <a:pt x="72827" y="7813"/>
+                        <a:pt x="72901" y="8781"/>
+                        <a:pt x="72752" y="9823"/>
+                      </a:cubicBezTo>
+                      <a:lnTo>
+                        <a:pt x="65162" y="48220"/>
+                      </a:lnTo>
+                      <a:cubicBezTo>
+                        <a:pt x="67394" y="43160"/>
+                        <a:pt x="71041" y="37802"/>
+                        <a:pt x="76101" y="32147"/>
+                      </a:cubicBezTo>
+                      <a:cubicBezTo>
+                        <a:pt x="81161" y="26491"/>
+                        <a:pt x="87189" y="21282"/>
+                        <a:pt x="94183" y="16520"/>
+                      </a:cubicBezTo>
+                      <a:cubicBezTo>
+                        <a:pt x="101178" y="11757"/>
+                        <a:pt x="108880" y="7813"/>
+                        <a:pt x="117289" y="4688"/>
+                      </a:cubicBezTo>
+                      <a:cubicBezTo>
+                        <a:pt x="125698" y="1563"/>
+                        <a:pt x="134441" y="0"/>
+                        <a:pt x="143520" y="0"/>
+                      </a:cubicBezTo>
+                      <a:close/>
+                    </a:path>
+                  </a:pathLst>
+                </a:custGeom>
+                <a:solidFill>
+                  <a:schemeClr val="tx1"/>
+                </a:solidFill>
+                <a:ln>
+                  <a:noFill/>
+                </a:ln>
+                <a:effectLst/>
+              </p:spPr>
+              <p:txBody>
+                <a:bodyPr rot="0" spcFirstLastPara="0" vertOverflow="overflow" horzOverflow="overflow" vert="horz" wrap="square" lIns="91440" tIns="45720" rIns="91440" bIns="45720" numCol="1" spcCol="0" rtlCol="0" fromWordArt="0" anchor="ctr" anchorCtr="0" forceAA="0" compatLnSpc="1">
+                  <a:prstTxWarp prst="textNoShape">
+                    <a:avLst/>
+                  </a:prstTxWarp>
+                  <a:noAutofit/>
+                </a:bodyPr>
+                <a:lstStyle/>
+                <a:p>
+                  <a:endParaRPr lang="de-DE" i="1" dirty="0"/>
+                </a:p>
+              </p:txBody>
+            </p:sp>
+            <p:sp>
+              <p:nvSpPr>
+                <p:cNvPr id="41" name="Textfeld 40"/>
+                <p:cNvSpPr txBox="1"/>
+                <p:nvPr/>
+              </p:nvSpPr>
+              <p:spPr>
+                <a:xfrm>
+                  <a:off x="-4884766" y="-2474556"/>
+                  <a:ext cx="77057" cy="214759"/>
+                </a:xfrm>
+                <a:custGeom>
+                  <a:avLst/>
+                  <a:gdLst/>
+                  <a:ahLst/>
+                  <a:cxnLst/>
+                  <a:rect l="l" t="t" r="r" b="b"/>
+                  <a:pathLst>
+                    <a:path w="77057" h="214759">
+                      <a:moveTo>
+                        <a:pt x="60027" y="0"/>
+                      </a:moveTo>
+                      <a:cubicBezTo>
+                        <a:pt x="63599" y="0"/>
+                        <a:pt x="66539" y="149"/>
+                        <a:pt x="68845" y="447"/>
+                      </a:cubicBezTo>
+                      <a:cubicBezTo>
+                        <a:pt x="71152" y="744"/>
+                        <a:pt x="72938" y="1191"/>
+                        <a:pt x="74203" y="1786"/>
+                      </a:cubicBezTo>
+                      <a:cubicBezTo>
+                        <a:pt x="75468" y="2382"/>
+                        <a:pt x="76287" y="3126"/>
+                        <a:pt x="76659" y="4019"/>
+                      </a:cubicBezTo>
+                      <a:cubicBezTo>
+                        <a:pt x="77031" y="4912"/>
+                        <a:pt x="77143" y="5879"/>
+                        <a:pt x="76994" y="6921"/>
+                      </a:cubicBezTo>
+                      <a:lnTo>
+                        <a:pt x="37033" y="207839"/>
+                      </a:lnTo>
+                      <a:cubicBezTo>
+                        <a:pt x="36736" y="209029"/>
+                        <a:pt x="36215" y="210034"/>
+                        <a:pt x="35471" y="210853"/>
+                      </a:cubicBezTo>
+                      <a:cubicBezTo>
+                        <a:pt x="34727" y="211671"/>
+                        <a:pt x="33610" y="212378"/>
+                        <a:pt x="32122" y="212973"/>
+                      </a:cubicBezTo>
+                      <a:cubicBezTo>
+                        <a:pt x="30634" y="213569"/>
+                        <a:pt x="28662" y="214015"/>
+                        <a:pt x="26206" y="214313"/>
+                      </a:cubicBezTo>
+                      <a:cubicBezTo>
+                        <a:pt x="23751" y="214610"/>
+                        <a:pt x="20737" y="214759"/>
+                        <a:pt x="17165" y="214759"/>
+                      </a:cubicBezTo>
+                      <a:cubicBezTo>
+                        <a:pt x="13444" y="214759"/>
+                        <a:pt x="10430" y="214610"/>
+                        <a:pt x="8124" y="214313"/>
+                      </a:cubicBezTo>
+                      <a:cubicBezTo>
+                        <a:pt x="5817" y="214015"/>
+                        <a:pt x="4031" y="213569"/>
+                        <a:pt x="2766" y="212973"/>
+                      </a:cubicBezTo>
+                      <a:cubicBezTo>
+                        <a:pt x="1501" y="212378"/>
+                        <a:pt x="682" y="211671"/>
+                        <a:pt x="310" y="210853"/>
+                      </a:cubicBezTo>
+                      <a:cubicBezTo>
+                        <a:pt x="-62" y="210034"/>
+                        <a:pt x="-99" y="209029"/>
+                        <a:pt x="198" y="207839"/>
+                      </a:cubicBezTo>
+                      <a:lnTo>
+                        <a:pt x="40159" y="6921"/>
+                      </a:lnTo>
+                      <a:cubicBezTo>
+                        <a:pt x="40308" y="5879"/>
+                        <a:pt x="40754" y="4912"/>
+                        <a:pt x="41498" y="4019"/>
+                      </a:cubicBezTo>
+                      <a:cubicBezTo>
+                        <a:pt x="42242" y="3126"/>
+                        <a:pt x="43359" y="2382"/>
+                        <a:pt x="44847" y="1786"/>
+                      </a:cubicBezTo>
+                      <a:cubicBezTo>
+                        <a:pt x="46335" y="1191"/>
+                        <a:pt x="48307" y="744"/>
+                        <a:pt x="50763" y="447"/>
+                      </a:cubicBezTo>
+                      <a:cubicBezTo>
+                        <a:pt x="53219" y="149"/>
+                        <a:pt x="56307" y="0"/>
+                        <a:pt x="60027" y="0"/>
+                      </a:cubicBezTo>
+                      <a:close/>
+                    </a:path>
+                  </a:pathLst>
+                </a:custGeom>
+                <a:solidFill>
+                  <a:schemeClr val="tx1"/>
+                </a:solidFill>
+                <a:ln>
+                  <a:noFill/>
+                </a:ln>
+                <a:effectLst/>
+              </p:spPr>
+              <p:txBody>
+                <a:bodyPr rot="0" spcFirstLastPara="0" vertOverflow="overflow" horzOverflow="overflow" vert="horz" wrap="square" lIns="91440" tIns="45720" rIns="91440" bIns="45720" numCol="1" spcCol="0" rtlCol="0" fromWordArt="0" anchor="ctr" anchorCtr="0" forceAA="0" compatLnSpc="1">
+                  <a:prstTxWarp prst="textNoShape">
+                    <a:avLst/>
+                  </a:prstTxWarp>
+                  <a:noAutofit/>
+                </a:bodyPr>
+                <a:lstStyle/>
+                <a:p>
+                  <a:endParaRPr lang="de-DE" i="1" dirty="0"/>
+                </a:p>
+              </p:txBody>
+            </p:sp>
+          </p:grpSp>
+        </p:grpSp>
+        <p:grpSp>
+          <p:nvGrpSpPr>
+            <p:cNvPr id="61" name="Gruppieren 60"/>
+            <p:cNvGrpSpPr/>
+            <p:nvPr/>
+          </p:nvGrpSpPr>
+          <p:grpSpPr>
+            <a:xfrm>
+              <a:off x="726349" y="3047391"/>
+              <a:ext cx="2112544" cy="2036187"/>
+              <a:chOff x="3084477" y="2168727"/>
+              <a:chExt cx="2566442" cy="2473680"/>
+            </a:xfrm>
+          </p:grpSpPr>
+          <p:pic>
+            <p:nvPicPr>
+              <p:cNvPr id="62" name="Picture 22" descr="http://cloudhost.ae/wp-content/uploads/2016/10/hybrid_cloud.png"/>
+              <p:cNvPicPr>
+                <a:picLocks noChangeAspect="1" noChangeArrowheads="1"/>
+              </p:cNvPicPr>
+              <p:nvPr/>
+            </p:nvPicPr>
+            <p:blipFill>
+              <a:blip r:embed="rId4">
+                <a:extLst>
+                  <a:ext uri="{28A0092B-C50C-407E-A947-70E740481C1C}">
+                    <a14:useLocalDpi xmlns:a14="http://schemas.microsoft.com/office/drawing/2010/main" val="0"/>
+                  </a:ext>
+                </a:extLst>
+              </a:blip>
+              <a:srcRect/>
+              <a:stretch>
+                <a:fillRect/>
+              </a:stretch>
+            </p:blipFill>
+            <p:spPr bwMode="auto">
+              <a:xfrm>
+                <a:off x="3374704" y="2742002"/>
+                <a:ext cx="1985989" cy="1327135"/>
+              </a:xfrm>
+              <a:prstGeom prst="rect">
+                <a:avLst/>
+              </a:prstGeom>
+              <a:noFill/>
+              <a:extLst>
+                <a:ext uri="{909E8E84-426E-40DD-AFC4-6F175D3DCCD1}">
+                  <a14:hiddenFill xmlns:a14="http://schemas.microsoft.com/office/drawing/2010/main">
+                    <a:solidFill>
+                      <a:srgbClr val="FFFFFF"/>
+                    </a:solidFill>
+                  </a14:hiddenFill>
+                </a:ext>
+              </a:extLst>
+            </p:spPr>
+          </p:pic>
+          <p:sp>
+            <p:nvSpPr>
+              <p:cNvPr id="63" name="Ellipse 62"/>
+              <p:cNvSpPr/>
+              <p:nvPr/>
+            </p:nvSpPr>
+            <p:spPr>
+              <a:xfrm>
+                <a:off x="3084477" y="2168727"/>
+                <a:ext cx="2566442" cy="2473680"/>
+              </a:xfrm>
+              <a:prstGeom prst="ellipse">
+                <a:avLst/>
+              </a:prstGeom>
+              <a:noFill/>
+              <a:ln w="57150">
+                <a:solidFill>
+                  <a:schemeClr val="accent4"/>
+                </a:solidFill>
+              </a:ln>
+            </p:spPr>
+            <p:style>
+              <a:lnRef idx="2">
+                <a:schemeClr val="accent1">
+                  <a:shade val="50000"/>
+                </a:schemeClr>
+              </a:lnRef>
+              <a:fillRef idx="1">
+                <a:schemeClr val="accent1"/>
+              </a:fillRef>
+              <a:effectRef idx="0">
+                <a:schemeClr val="accent1"/>
+              </a:effectRef>
+              <a:fontRef idx="minor">
+                <a:schemeClr val="lt1"/>
+              </a:fontRef>
+            </p:style>
+            <p:txBody>
+              <a:bodyPr rtlCol="0" anchor="ctr" anchorCtr="0"/>
+              <a:lstStyle/>
+              <a:p>
+                <a:pPr algn="ctr"/>
+                <a:endParaRPr lang="de-DE" dirty="0"/>
+              </a:p>
+            </p:txBody>
+          </p:sp>
+          <p:sp>
+            <p:nvSpPr>
+              <p:cNvPr id="64" name="Textfeld 63"/>
+              <p:cNvSpPr txBox="1"/>
+              <p:nvPr/>
+            </p:nvSpPr>
+            <p:spPr>
+              <a:xfrm>
+                <a:off x="3822277" y="4101722"/>
+                <a:ext cx="1167557" cy="297359"/>
+              </a:xfrm>
+              <a:custGeom>
+                <a:avLst/>
+                <a:gdLst/>
+                <a:ahLst/>
+                <a:cxnLst/>
+                <a:rect l="l" t="t" r="r" b="b"/>
+                <a:pathLst>
+                  <a:path w="1167557" h="297359">
+                    <a:moveTo>
+                      <a:pt x="914549" y="105594"/>
+                    </a:moveTo>
+                    <a:cubicBezTo>
+                      <a:pt x="904875" y="105594"/>
+                      <a:pt x="896317" y="107268"/>
+                      <a:pt x="888876" y="110617"/>
+                    </a:cubicBezTo>
+                    <a:cubicBezTo>
+                      <a:pt x="881435" y="113965"/>
+                      <a:pt x="874849" y="118467"/>
+                      <a:pt x="869119" y="124123"/>
+                    </a:cubicBezTo>
+                    <a:cubicBezTo>
+                      <a:pt x="863389" y="129778"/>
+                      <a:pt x="858478" y="136364"/>
+                      <a:pt x="854385" y="143880"/>
+                    </a:cubicBezTo>
+                    <a:cubicBezTo>
+                      <a:pt x="850292" y="151396"/>
+                      <a:pt x="846981" y="159321"/>
+                      <a:pt x="844451" y="167655"/>
+                    </a:cubicBezTo>
+                    <a:lnTo>
+                      <a:pt x="867222" y="167655"/>
+                    </a:lnTo>
+                    <a:cubicBezTo>
+                      <a:pt x="882848" y="167655"/>
+                      <a:pt x="895908" y="166688"/>
+                      <a:pt x="906401" y="164753"/>
+                    </a:cubicBezTo>
+                    <a:cubicBezTo>
+                      <a:pt x="916893" y="162818"/>
+                      <a:pt x="925302" y="160176"/>
+                      <a:pt x="931627" y="156828"/>
+                    </a:cubicBezTo>
+                    <a:cubicBezTo>
+                      <a:pt x="937952" y="153479"/>
+                      <a:pt x="942417" y="149572"/>
+                      <a:pt x="945021" y="145108"/>
+                    </a:cubicBezTo>
+                    <a:cubicBezTo>
+                      <a:pt x="947626" y="140643"/>
+                      <a:pt x="948928" y="135955"/>
+                      <a:pt x="948928" y="131043"/>
+                    </a:cubicBezTo>
+                    <a:cubicBezTo>
+                      <a:pt x="948928" y="123453"/>
+                      <a:pt x="945952" y="117314"/>
+                      <a:pt x="939998" y="112626"/>
+                    </a:cubicBezTo>
+                    <a:cubicBezTo>
+                      <a:pt x="934045" y="107938"/>
+                      <a:pt x="925562" y="105594"/>
+                      <a:pt x="914549" y="105594"/>
+                    </a:cubicBezTo>
+                    <a:close/>
+                    <a:moveTo>
+                      <a:pt x="343049" y="105594"/>
+                    </a:moveTo>
+                    <a:cubicBezTo>
+                      <a:pt x="333375" y="105594"/>
+                      <a:pt x="324817" y="107268"/>
+                      <a:pt x="317376" y="110617"/>
+                    </a:cubicBezTo>
+                    <a:cubicBezTo>
+                      <a:pt x="309935" y="113965"/>
+                      <a:pt x="303349" y="118467"/>
+                      <a:pt x="297619" y="124123"/>
+                    </a:cubicBezTo>
+                    <a:cubicBezTo>
+                      <a:pt x="291889" y="129778"/>
+                      <a:pt x="286978" y="136364"/>
+                      <a:pt x="282885" y="143880"/>
+                    </a:cubicBezTo>
+                    <a:cubicBezTo>
+                      <a:pt x="278792" y="151396"/>
+                      <a:pt x="275481" y="159321"/>
+                      <a:pt x="272951" y="167655"/>
+                    </a:cubicBezTo>
+                    <a:lnTo>
+                      <a:pt x="295722" y="167655"/>
+                    </a:lnTo>
+                    <a:cubicBezTo>
+                      <a:pt x="311348" y="167655"/>
+                      <a:pt x="324408" y="166688"/>
+                      <a:pt x="334901" y="164753"/>
+                    </a:cubicBezTo>
+                    <a:cubicBezTo>
+                      <a:pt x="345393" y="162818"/>
+                      <a:pt x="353802" y="160176"/>
+                      <a:pt x="360127" y="156828"/>
+                    </a:cubicBezTo>
+                    <a:cubicBezTo>
+                      <a:pt x="366452" y="153479"/>
+                      <a:pt x="370917" y="149572"/>
+                      <a:pt x="373521" y="145108"/>
+                    </a:cubicBezTo>
+                    <a:cubicBezTo>
+                      <a:pt x="376126" y="140643"/>
+                      <a:pt x="377428" y="135955"/>
+                      <a:pt x="377428" y="131043"/>
+                    </a:cubicBezTo>
+                    <a:cubicBezTo>
+                      <a:pt x="377428" y="123453"/>
+                      <a:pt x="374452" y="117314"/>
+                      <a:pt x="368498" y="112626"/>
+                    </a:cubicBezTo>
+                    <a:cubicBezTo>
+                      <a:pt x="362545" y="107938"/>
+                      <a:pt x="354062" y="105594"/>
+                      <a:pt x="343049" y="105594"/>
+                    </a:cubicBezTo>
+                    <a:close/>
+                    <a:moveTo>
+                      <a:pt x="626343" y="79698"/>
+                    </a:moveTo>
+                    <a:cubicBezTo>
+                      <a:pt x="630213" y="79698"/>
+                      <a:pt x="633338" y="79809"/>
+                      <a:pt x="635719" y="80032"/>
+                    </a:cubicBezTo>
+                    <a:cubicBezTo>
+                      <a:pt x="638101" y="80256"/>
+                      <a:pt x="639924" y="80628"/>
+                      <a:pt x="641189" y="81149"/>
+                    </a:cubicBezTo>
+                    <a:cubicBezTo>
+                      <a:pt x="642454" y="81670"/>
+                      <a:pt x="643310" y="82414"/>
+                      <a:pt x="643756" y="83381"/>
+                    </a:cubicBezTo>
+                    <a:cubicBezTo>
+                      <a:pt x="644203" y="84348"/>
+                      <a:pt x="644500" y="85502"/>
+                      <a:pt x="644649" y="86841"/>
+                    </a:cubicBezTo>
+                    <a:lnTo>
+                      <a:pt x="668759" y="252487"/>
+                    </a:lnTo>
+                    <a:lnTo>
+                      <a:pt x="668759" y="255166"/>
+                    </a:lnTo>
+                    <a:lnTo>
+                      <a:pt x="669875" y="253826"/>
+                    </a:lnTo>
+                    <a:cubicBezTo>
+                      <a:pt x="678656" y="240581"/>
+                      <a:pt x="686693" y="227744"/>
+                      <a:pt x="693986" y="215317"/>
+                    </a:cubicBezTo>
+                    <a:cubicBezTo>
+                      <a:pt x="701278" y="202890"/>
+                      <a:pt x="708050" y="190054"/>
+                      <a:pt x="714301" y="176808"/>
+                    </a:cubicBezTo>
+                    <a:cubicBezTo>
+                      <a:pt x="720551" y="163562"/>
+                      <a:pt x="726467" y="149647"/>
+                      <a:pt x="732048" y="135062"/>
+                    </a:cubicBezTo>
+                    <a:cubicBezTo>
+                      <a:pt x="737629" y="120477"/>
+                      <a:pt x="743322" y="104403"/>
+                      <a:pt x="749126" y="86841"/>
+                    </a:cubicBezTo>
+                    <a:cubicBezTo>
+                      <a:pt x="749573" y="85502"/>
+                      <a:pt x="750205" y="84348"/>
+                      <a:pt x="751024" y="83381"/>
+                    </a:cubicBezTo>
+                    <a:cubicBezTo>
+                      <a:pt x="751843" y="82414"/>
+                      <a:pt x="753033" y="81670"/>
+                      <a:pt x="754596" y="81149"/>
+                    </a:cubicBezTo>
+                    <a:cubicBezTo>
+                      <a:pt x="756159" y="80628"/>
+                      <a:pt x="758242" y="80256"/>
+                      <a:pt x="760847" y="80032"/>
+                    </a:cubicBezTo>
+                    <a:cubicBezTo>
+                      <a:pt x="763451" y="79809"/>
+                      <a:pt x="766688" y="79698"/>
+                      <a:pt x="770558" y="79698"/>
+                    </a:cubicBezTo>
+                    <a:cubicBezTo>
+                      <a:pt x="774130" y="79698"/>
+                      <a:pt x="777032" y="79809"/>
+                      <a:pt x="779264" y="80032"/>
+                    </a:cubicBezTo>
+                    <a:cubicBezTo>
+                      <a:pt x="781497" y="80256"/>
+                      <a:pt x="783245" y="80553"/>
+                      <a:pt x="784510" y="80925"/>
+                    </a:cubicBezTo>
+                    <a:cubicBezTo>
+                      <a:pt x="785775" y="81298"/>
+                      <a:pt x="786668" y="81818"/>
+                      <a:pt x="787189" y="82488"/>
+                    </a:cubicBezTo>
+                    <a:cubicBezTo>
+                      <a:pt x="787710" y="83158"/>
+                      <a:pt x="787971" y="83939"/>
+                      <a:pt x="787971" y="84832"/>
+                    </a:cubicBezTo>
+                    <a:cubicBezTo>
+                      <a:pt x="787971" y="86320"/>
+                      <a:pt x="787747" y="87846"/>
+                      <a:pt x="787301" y="89409"/>
+                    </a:cubicBezTo>
+                    <a:cubicBezTo>
+                      <a:pt x="786854" y="90971"/>
+                      <a:pt x="786333" y="92571"/>
+                      <a:pt x="785738" y="94208"/>
+                    </a:cubicBezTo>
+                    <a:cubicBezTo>
+                      <a:pt x="780231" y="110431"/>
+                      <a:pt x="774018" y="126839"/>
+                      <a:pt x="767097" y="143433"/>
+                    </a:cubicBezTo>
+                    <a:cubicBezTo>
+                      <a:pt x="760177" y="160028"/>
+                      <a:pt x="752512" y="176547"/>
+                      <a:pt x="744103" y="192993"/>
+                    </a:cubicBezTo>
+                    <a:cubicBezTo>
+                      <a:pt x="735695" y="209438"/>
+                      <a:pt x="726467" y="225586"/>
+                      <a:pt x="716421" y="241437"/>
+                    </a:cubicBezTo>
+                    <a:cubicBezTo>
+                      <a:pt x="706376" y="257287"/>
+                      <a:pt x="695399" y="272579"/>
+                      <a:pt x="683493" y="287313"/>
+                    </a:cubicBezTo>
+                    <a:cubicBezTo>
+                      <a:pt x="682451" y="288950"/>
+                      <a:pt x="681261" y="290215"/>
+                      <a:pt x="679921" y="291108"/>
+                    </a:cubicBezTo>
+                    <a:cubicBezTo>
+                      <a:pt x="678582" y="292001"/>
+                      <a:pt x="676982" y="292708"/>
+                      <a:pt x="675122" y="293229"/>
+                    </a:cubicBezTo>
+                    <a:cubicBezTo>
+                      <a:pt x="673261" y="293750"/>
+                      <a:pt x="671140" y="294084"/>
+                      <a:pt x="668759" y="294233"/>
+                    </a:cubicBezTo>
+                    <a:cubicBezTo>
+                      <a:pt x="666378" y="294382"/>
+                      <a:pt x="663550" y="294457"/>
+                      <a:pt x="660276" y="294457"/>
+                    </a:cubicBezTo>
+                    <a:cubicBezTo>
+                      <a:pt x="655662" y="294457"/>
+                      <a:pt x="651942" y="294308"/>
+                      <a:pt x="649114" y="294010"/>
+                    </a:cubicBezTo>
+                    <a:cubicBezTo>
+                      <a:pt x="646286" y="293712"/>
+                      <a:pt x="644091" y="293266"/>
+                      <a:pt x="642528" y="292671"/>
+                    </a:cubicBezTo>
+                    <a:cubicBezTo>
+                      <a:pt x="640966" y="292075"/>
+                      <a:pt x="639849" y="291257"/>
+                      <a:pt x="639180" y="290215"/>
+                    </a:cubicBezTo>
+                    <a:cubicBezTo>
+                      <a:pt x="638510" y="289173"/>
+                      <a:pt x="638101" y="287908"/>
+                      <a:pt x="637952" y="286420"/>
+                    </a:cubicBezTo>
+                    <a:lnTo>
+                      <a:pt x="608261" y="95994"/>
+                    </a:lnTo>
+                    <a:cubicBezTo>
+                      <a:pt x="608112" y="94357"/>
+                      <a:pt x="608000" y="92906"/>
+                      <a:pt x="607926" y="91641"/>
+                    </a:cubicBezTo>
+                    <a:cubicBezTo>
+                      <a:pt x="607851" y="90376"/>
+                      <a:pt x="607814" y="89223"/>
+                      <a:pt x="607814" y="88181"/>
+                    </a:cubicBezTo>
+                    <a:cubicBezTo>
+                      <a:pt x="607814" y="86246"/>
+                      <a:pt x="608112" y="84758"/>
+                      <a:pt x="608707" y="83716"/>
+                    </a:cubicBezTo>
+                    <a:cubicBezTo>
+                      <a:pt x="609302" y="82674"/>
+                      <a:pt x="610270" y="81856"/>
+                      <a:pt x="611609" y="81260"/>
+                    </a:cubicBezTo>
+                    <a:cubicBezTo>
+                      <a:pt x="612949" y="80665"/>
+                      <a:pt x="614772" y="80256"/>
+                      <a:pt x="617079" y="80032"/>
+                    </a:cubicBezTo>
+                    <a:cubicBezTo>
+                      <a:pt x="619385" y="79809"/>
+                      <a:pt x="622474" y="79698"/>
+                      <a:pt x="626343" y="79698"/>
+                    </a:cubicBezTo>
+                    <a:close/>
+                    <a:moveTo>
+                      <a:pt x="1141438" y="76572"/>
+                    </a:moveTo>
+                    <a:cubicBezTo>
+                      <a:pt x="1143967" y="76572"/>
+                      <a:pt x="1146535" y="76758"/>
+                      <a:pt x="1149139" y="77130"/>
+                    </a:cubicBezTo>
+                    <a:cubicBezTo>
+                      <a:pt x="1151744" y="77502"/>
+                      <a:pt x="1154162" y="77949"/>
+                      <a:pt x="1156395" y="78470"/>
+                    </a:cubicBezTo>
+                    <a:cubicBezTo>
+                      <a:pt x="1158627" y="78991"/>
+                      <a:pt x="1160599" y="79586"/>
+                      <a:pt x="1162311" y="80256"/>
+                    </a:cubicBezTo>
+                    <a:cubicBezTo>
+                      <a:pt x="1164022" y="80925"/>
+                      <a:pt x="1165324" y="81707"/>
+                      <a:pt x="1166217" y="82600"/>
+                    </a:cubicBezTo>
+                    <a:cubicBezTo>
+                      <a:pt x="1167110" y="83493"/>
+                      <a:pt x="1167557" y="84907"/>
+                      <a:pt x="1167557" y="86841"/>
+                    </a:cubicBezTo>
+                    <a:cubicBezTo>
+                      <a:pt x="1167557" y="87437"/>
+                      <a:pt x="1167445" y="88590"/>
+                      <a:pt x="1167222" y="90302"/>
+                    </a:cubicBezTo>
+                    <a:cubicBezTo>
+                      <a:pt x="1166999" y="92013"/>
+                      <a:pt x="1166738" y="93985"/>
+                      <a:pt x="1166441" y="96218"/>
+                    </a:cubicBezTo>
+                    <a:cubicBezTo>
+                      <a:pt x="1166143" y="98450"/>
+                      <a:pt x="1165696" y="100757"/>
+                      <a:pt x="1165101" y="103138"/>
+                    </a:cubicBezTo>
+                    <a:cubicBezTo>
+                      <a:pt x="1164506" y="105519"/>
+                      <a:pt x="1163762" y="107714"/>
+                      <a:pt x="1162869" y="109724"/>
+                    </a:cubicBezTo>
+                    <a:cubicBezTo>
+                      <a:pt x="1161976" y="111733"/>
+                      <a:pt x="1161045" y="113407"/>
+                      <a:pt x="1160078" y="114747"/>
+                    </a:cubicBezTo>
+                    <a:cubicBezTo>
+                      <a:pt x="1159111" y="116086"/>
+                      <a:pt x="1158032" y="116756"/>
+                      <a:pt x="1156841" y="116756"/>
+                    </a:cubicBezTo>
+                    <a:cubicBezTo>
+                      <a:pt x="1155650" y="116756"/>
+                      <a:pt x="1154348" y="116495"/>
+                      <a:pt x="1152934" y="115974"/>
+                    </a:cubicBezTo>
+                    <a:cubicBezTo>
+                      <a:pt x="1151520" y="115454"/>
+                      <a:pt x="1149958" y="114821"/>
+                      <a:pt x="1148246" y="114077"/>
+                    </a:cubicBezTo>
+                    <a:cubicBezTo>
+                      <a:pt x="1146535" y="113333"/>
+                      <a:pt x="1144563" y="112700"/>
+                      <a:pt x="1142330" y="112179"/>
+                    </a:cubicBezTo>
+                    <a:cubicBezTo>
+                      <a:pt x="1140098" y="111658"/>
+                      <a:pt x="1137493" y="111398"/>
+                      <a:pt x="1134517" y="111398"/>
+                    </a:cubicBezTo>
+                    <a:cubicBezTo>
+                      <a:pt x="1129457" y="111398"/>
+                      <a:pt x="1123615" y="113593"/>
+                      <a:pt x="1116992" y="117984"/>
+                    </a:cubicBezTo>
+                    <a:cubicBezTo>
+                      <a:pt x="1110369" y="122374"/>
+                      <a:pt x="1103858" y="128439"/>
+                      <a:pt x="1097459" y="136178"/>
+                    </a:cubicBezTo>
+                    <a:cubicBezTo>
+                      <a:pt x="1091059" y="143917"/>
+                      <a:pt x="1085217" y="153070"/>
+                      <a:pt x="1079934" y="163637"/>
+                    </a:cubicBezTo>
+                    <a:cubicBezTo>
+                      <a:pt x="1074651" y="174203"/>
+                      <a:pt x="1070744" y="185663"/>
+                      <a:pt x="1068214" y="198016"/>
+                    </a:cubicBezTo>
+                    <a:lnTo>
+                      <a:pt x="1050578" y="287536"/>
+                    </a:lnTo>
+                    <a:cubicBezTo>
+                      <a:pt x="1050280" y="288727"/>
+                      <a:pt x="1049759" y="289731"/>
+                      <a:pt x="1049015" y="290550"/>
+                    </a:cubicBezTo>
+                    <a:cubicBezTo>
+                      <a:pt x="1048271" y="291368"/>
+                      <a:pt x="1047155" y="292075"/>
+                      <a:pt x="1045667" y="292671"/>
+                    </a:cubicBezTo>
+                    <a:cubicBezTo>
+                      <a:pt x="1044178" y="293266"/>
+                      <a:pt x="1042206" y="293712"/>
+                      <a:pt x="1039751" y="294010"/>
+                    </a:cubicBezTo>
+                    <a:cubicBezTo>
+                      <a:pt x="1037295" y="294308"/>
+                      <a:pt x="1034281" y="294457"/>
+                      <a:pt x="1030709" y="294457"/>
+                    </a:cubicBezTo>
+                    <a:cubicBezTo>
+                      <a:pt x="1026989" y="294457"/>
+                      <a:pt x="1023975" y="294308"/>
+                      <a:pt x="1021668" y="294010"/>
+                    </a:cubicBezTo>
+                    <a:cubicBezTo>
+                      <a:pt x="1019361" y="293712"/>
+                      <a:pt x="1017575" y="293266"/>
+                      <a:pt x="1016310" y="292671"/>
+                    </a:cubicBezTo>
+                    <a:cubicBezTo>
+                      <a:pt x="1015045" y="292075"/>
+                      <a:pt x="1014226" y="291368"/>
+                      <a:pt x="1013854" y="290550"/>
+                    </a:cubicBezTo>
+                    <a:cubicBezTo>
+                      <a:pt x="1013482" y="289731"/>
+                      <a:pt x="1013445" y="288727"/>
+                      <a:pt x="1013743" y="287536"/>
+                    </a:cubicBezTo>
+                    <a:lnTo>
+                      <a:pt x="1053703" y="86395"/>
+                    </a:lnTo>
+                    <a:cubicBezTo>
+                      <a:pt x="1053852" y="85353"/>
+                      <a:pt x="1054299" y="84386"/>
+                      <a:pt x="1055043" y="83493"/>
+                    </a:cubicBezTo>
+                    <a:cubicBezTo>
+                      <a:pt x="1055787" y="82600"/>
+                      <a:pt x="1056903" y="81856"/>
+                      <a:pt x="1058391" y="81260"/>
+                    </a:cubicBezTo>
+                    <a:cubicBezTo>
+                      <a:pt x="1059880" y="80665"/>
+                      <a:pt x="1061703" y="80256"/>
+                      <a:pt x="1063861" y="80032"/>
+                    </a:cubicBezTo>
+                    <a:cubicBezTo>
+                      <a:pt x="1066019" y="79809"/>
+                      <a:pt x="1068586" y="79698"/>
+                      <a:pt x="1071563" y="79698"/>
+                    </a:cubicBezTo>
+                    <a:cubicBezTo>
+                      <a:pt x="1074688" y="79698"/>
+                      <a:pt x="1077255" y="79809"/>
+                      <a:pt x="1079264" y="80032"/>
+                    </a:cubicBezTo>
+                    <a:cubicBezTo>
+                      <a:pt x="1081274" y="80256"/>
+                      <a:pt x="1082836" y="80665"/>
+                      <a:pt x="1083953" y="81260"/>
+                    </a:cubicBezTo>
+                    <a:cubicBezTo>
+                      <a:pt x="1085069" y="81856"/>
+                      <a:pt x="1085776" y="82600"/>
+                      <a:pt x="1086073" y="83493"/>
+                    </a:cubicBezTo>
+                    <a:cubicBezTo>
+                      <a:pt x="1086371" y="84386"/>
+                      <a:pt x="1086445" y="85353"/>
+                      <a:pt x="1086297" y="86395"/>
+                    </a:cubicBezTo>
+                    <a:lnTo>
+                      <a:pt x="1078930" y="123007"/>
+                    </a:lnTo>
+                    <a:cubicBezTo>
+                      <a:pt x="1082353" y="116905"/>
+                      <a:pt x="1086408" y="111026"/>
+                      <a:pt x="1091096" y="105370"/>
+                    </a:cubicBezTo>
+                    <a:cubicBezTo>
+                      <a:pt x="1095784" y="99715"/>
+                      <a:pt x="1100882" y="94766"/>
+                      <a:pt x="1106388" y="90525"/>
+                    </a:cubicBezTo>
+                    <a:cubicBezTo>
+                      <a:pt x="1111895" y="86283"/>
+                      <a:pt x="1117662" y="82897"/>
+                      <a:pt x="1123690" y="80367"/>
+                    </a:cubicBezTo>
+                    <a:cubicBezTo>
+                      <a:pt x="1129717" y="77837"/>
+                      <a:pt x="1135633" y="76572"/>
+                      <a:pt x="1141438" y="76572"/>
+                    </a:cubicBezTo>
+                    <a:close/>
+                    <a:moveTo>
+                      <a:pt x="917451" y="76572"/>
+                    </a:moveTo>
+                    <a:cubicBezTo>
+                      <a:pt x="929953" y="76572"/>
+                      <a:pt x="940557" y="78135"/>
+                      <a:pt x="949263" y="81260"/>
+                    </a:cubicBezTo>
+                    <a:cubicBezTo>
+                      <a:pt x="957969" y="84386"/>
+                      <a:pt x="965113" y="88404"/>
+                      <a:pt x="970694" y="93315"/>
+                    </a:cubicBezTo>
+                    <a:cubicBezTo>
+                      <a:pt x="976275" y="98227"/>
+                      <a:pt x="980331" y="103696"/>
+                      <a:pt x="982861" y="109724"/>
+                    </a:cubicBezTo>
+                    <a:cubicBezTo>
+                      <a:pt x="985391" y="115751"/>
+                      <a:pt x="986656" y="121742"/>
+                      <a:pt x="986656" y="127695"/>
+                    </a:cubicBezTo>
+                    <a:cubicBezTo>
+                      <a:pt x="986656" y="137964"/>
+                      <a:pt x="984275" y="147191"/>
+                      <a:pt x="979512" y="155377"/>
+                    </a:cubicBezTo>
+                    <a:cubicBezTo>
+                      <a:pt x="974750" y="163562"/>
+                      <a:pt x="967308" y="170557"/>
+                      <a:pt x="957188" y="176361"/>
+                    </a:cubicBezTo>
+                    <a:cubicBezTo>
+                      <a:pt x="947068" y="182166"/>
+                      <a:pt x="934120" y="186631"/>
+                      <a:pt x="918344" y="189756"/>
+                    </a:cubicBezTo>
+                    <a:cubicBezTo>
+                      <a:pt x="902568" y="192881"/>
+                      <a:pt x="883667" y="194444"/>
+                      <a:pt x="861641" y="194444"/>
+                    </a:cubicBezTo>
+                    <a:lnTo>
+                      <a:pt x="837977" y="194444"/>
+                    </a:lnTo>
+                    <a:cubicBezTo>
+                      <a:pt x="836935" y="199355"/>
+                      <a:pt x="836228" y="204118"/>
+                      <a:pt x="835856" y="208732"/>
+                    </a:cubicBezTo>
+                    <a:cubicBezTo>
+                      <a:pt x="835484" y="213345"/>
+                      <a:pt x="835298" y="217661"/>
+                      <a:pt x="835298" y="221680"/>
+                    </a:cubicBezTo>
+                    <a:cubicBezTo>
+                      <a:pt x="835298" y="236562"/>
+                      <a:pt x="838981" y="247948"/>
+                      <a:pt x="846348" y="255836"/>
+                    </a:cubicBezTo>
+                    <a:cubicBezTo>
+                      <a:pt x="853715" y="263724"/>
+                      <a:pt x="865659" y="267667"/>
+                      <a:pt x="882179" y="267667"/>
+                    </a:cubicBezTo>
+                    <a:cubicBezTo>
+                      <a:pt x="891704" y="267667"/>
+                      <a:pt x="900261" y="266961"/>
+                      <a:pt x="907852" y="265547"/>
+                    </a:cubicBezTo>
+                    <a:cubicBezTo>
+                      <a:pt x="915442" y="264133"/>
+                      <a:pt x="922027" y="262607"/>
+                      <a:pt x="927609" y="260970"/>
+                    </a:cubicBezTo>
+                    <a:cubicBezTo>
+                      <a:pt x="933190" y="259333"/>
+                      <a:pt x="937766" y="257808"/>
+                      <a:pt x="941338" y="256394"/>
+                    </a:cubicBezTo>
+                    <a:cubicBezTo>
+                      <a:pt x="944910" y="254980"/>
+                      <a:pt x="947365" y="254273"/>
+                      <a:pt x="948705" y="254273"/>
+                    </a:cubicBezTo>
+                    <a:cubicBezTo>
+                      <a:pt x="950044" y="254273"/>
+                      <a:pt x="951049" y="254757"/>
+                      <a:pt x="951719" y="255724"/>
+                    </a:cubicBezTo>
+                    <a:cubicBezTo>
+                      <a:pt x="952388" y="256691"/>
+                      <a:pt x="952723" y="258068"/>
+                      <a:pt x="952723" y="259854"/>
+                    </a:cubicBezTo>
+                    <a:cubicBezTo>
+                      <a:pt x="952723" y="261342"/>
+                      <a:pt x="952574" y="263128"/>
+                      <a:pt x="952277" y="265212"/>
+                    </a:cubicBezTo>
+                    <a:cubicBezTo>
+                      <a:pt x="951979" y="267295"/>
+                      <a:pt x="951533" y="269416"/>
+                      <a:pt x="950937" y="271574"/>
+                    </a:cubicBezTo>
+                    <a:cubicBezTo>
+                      <a:pt x="950342" y="273732"/>
+                      <a:pt x="949561" y="275779"/>
+                      <a:pt x="948593" y="277713"/>
+                    </a:cubicBezTo>
+                    <a:cubicBezTo>
+                      <a:pt x="947626" y="279648"/>
+                      <a:pt x="946547" y="281285"/>
+                      <a:pt x="945356" y="282625"/>
+                    </a:cubicBezTo>
+                    <a:cubicBezTo>
+                      <a:pt x="943570" y="284411"/>
+                      <a:pt x="940408" y="286159"/>
+                      <a:pt x="935869" y="287871"/>
+                    </a:cubicBezTo>
+                    <a:cubicBezTo>
+                      <a:pt x="931329" y="289582"/>
+                      <a:pt x="925934" y="291145"/>
+                      <a:pt x="919683" y="292559"/>
+                    </a:cubicBezTo>
+                    <a:cubicBezTo>
+                      <a:pt x="913433" y="293973"/>
+                      <a:pt x="906587" y="295126"/>
+                      <a:pt x="899145" y="296019"/>
+                    </a:cubicBezTo>
+                    <a:cubicBezTo>
+                      <a:pt x="891704" y="296912"/>
+                      <a:pt x="884262" y="297359"/>
+                      <a:pt x="876821" y="297359"/>
+                    </a:cubicBezTo>
+                    <a:cubicBezTo>
+                      <a:pt x="863575" y="297359"/>
+                      <a:pt x="851967" y="295870"/>
+                      <a:pt x="841995" y="292894"/>
+                    </a:cubicBezTo>
+                    <a:cubicBezTo>
+                      <a:pt x="832024" y="289917"/>
+                      <a:pt x="823727" y="285341"/>
+                      <a:pt x="817104" y="279164"/>
+                    </a:cubicBezTo>
+                    <a:cubicBezTo>
+                      <a:pt x="810481" y="272988"/>
+                      <a:pt x="805532" y="265286"/>
+                      <a:pt x="802258" y="256059"/>
+                    </a:cubicBezTo>
+                    <a:cubicBezTo>
+                      <a:pt x="798984" y="246832"/>
+                      <a:pt x="797347" y="235967"/>
+                      <a:pt x="797347" y="223466"/>
+                    </a:cubicBezTo>
+                    <a:cubicBezTo>
+                      <a:pt x="797347" y="213792"/>
+                      <a:pt x="798277" y="203411"/>
+                      <a:pt x="800137" y="192323"/>
+                    </a:cubicBezTo>
+                    <a:cubicBezTo>
+                      <a:pt x="801998" y="181236"/>
+                      <a:pt x="804937" y="170259"/>
+                      <a:pt x="808955" y="159395"/>
+                    </a:cubicBezTo>
+                    <a:cubicBezTo>
+                      <a:pt x="812974" y="148531"/>
+                      <a:pt x="818183" y="138113"/>
+                      <a:pt x="824582" y="128141"/>
+                    </a:cubicBezTo>
+                    <a:cubicBezTo>
+                      <a:pt x="830982" y="118170"/>
+                      <a:pt x="838609" y="109389"/>
+                      <a:pt x="847465" y="101799"/>
+                    </a:cubicBezTo>
+                    <a:cubicBezTo>
+                      <a:pt x="856320" y="94208"/>
+                      <a:pt x="866552" y="88106"/>
+                      <a:pt x="878160" y="83493"/>
+                    </a:cubicBezTo>
+                    <a:cubicBezTo>
+                      <a:pt x="889769" y="78879"/>
+                      <a:pt x="902866" y="76572"/>
+                      <a:pt x="917451" y="76572"/>
+                    </a:cubicBezTo>
+                    <a:close/>
+                    <a:moveTo>
+                      <a:pt x="569937" y="76572"/>
+                    </a:moveTo>
+                    <a:cubicBezTo>
+                      <a:pt x="572468" y="76572"/>
+                      <a:pt x="575035" y="76758"/>
+                      <a:pt x="577639" y="77130"/>
+                    </a:cubicBezTo>
+                    <a:cubicBezTo>
+                      <a:pt x="580244" y="77502"/>
+                      <a:pt x="582662" y="77949"/>
+                      <a:pt x="584895" y="78470"/>
+                    </a:cubicBezTo>
+                    <a:cubicBezTo>
+                      <a:pt x="587127" y="78991"/>
+                      <a:pt x="589099" y="79586"/>
+                      <a:pt x="590810" y="80256"/>
+                    </a:cubicBezTo>
+                    <a:cubicBezTo>
+                      <a:pt x="592522" y="80925"/>
+                      <a:pt x="593824" y="81707"/>
+                      <a:pt x="594717" y="82600"/>
+                    </a:cubicBezTo>
+                    <a:cubicBezTo>
+                      <a:pt x="595610" y="83493"/>
+                      <a:pt x="596057" y="84907"/>
+                      <a:pt x="596057" y="86841"/>
+                    </a:cubicBezTo>
+                    <a:cubicBezTo>
+                      <a:pt x="596057" y="87437"/>
+                      <a:pt x="595945" y="88590"/>
+                      <a:pt x="595722" y="90302"/>
+                    </a:cubicBezTo>
+                    <a:cubicBezTo>
+                      <a:pt x="595499" y="92013"/>
+                      <a:pt x="595238" y="93985"/>
+                      <a:pt x="594940" y="96218"/>
+                    </a:cubicBezTo>
+                    <a:cubicBezTo>
+                      <a:pt x="594643" y="98450"/>
+                      <a:pt x="594196" y="100757"/>
+                      <a:pt x="593601" y="103138"/>
+                    </a:cubicBezTo>
+                    <a:cubicBezTo>
+                      <a:pt x="593006" y="105519"/>
+                      <a:pt x="592262" y="107714"/>
+                      <a:pt x="591369" y="109724"/>
+                    </a:cubicBezTo>
+                    <a:cubicBezTo>
+                      <a:pt x="590476" y="111733"/>
+                      <a:pt x="589545" y="113407"/>
+                      <a:pt x="588578" y="114747"/>
+                    </a:cubicBezTo>
+                    <a:cubicBezTo>
+                      <a:pt x="587611" y="116086"/>
+                      <a:pt x="586532" y="116756"/>
+                      <a:pt x="585341" y="116756"/>
+                    </a:cubicBezTo>
+                    <a:cubicBezTo>
+                      <a:pt x="584150" y="116756"/>
+                      <a:pt x="582848" y="116495"/>
+                      <a:pt x="581434" y="115974"/>
+                    </a:cubicBezTo>
+                    <a:cubicBezTo>
+                      <a:pt x="580021" y="115454"/>
+                      <a:pt x="578458" y="114821"/>
+                      <a:pt x="576746" y="114077"/>
+                    </a:cubicBezTo>
+                    <a:cubicBezTo>
+                      <a:pt x="575035" y="113333"/>
+                      <a:pt x="573063" y="112700"/>
+                      <a:pt x="570830" y="112179"/>
+                    </a:cubicBezTo>
+                    <a:cubicBezTo>
+                      <a:pt x="568598" y="111658"/>
+                      <a:pt x="565993" y="111398"/>
+                      <a:pt x="563017" y="111398"/>
+                    </a:cubicBezTo>
+                    <a:cubicBezTo>
+                      <a:pt x="557957" y="111398"/>
+                      <a:pt x="552115" y="113593"/>
+                      <a:pt x="545492" y="117984"/>
+                    </a:cubicBezTo>
+                    <a:cubicBezTo>
+                      <a:pt x="538869" y="122374"/>
+                      <a:pt x="532358" y="128439"/>
+                      <a:pt x="525959" y="136178"/>
+                    </a:cubicBezTo>
+                    <a:cubicBezTo>
+                      <a:pt x="519559" y="143917"/>
+                      <a:pt x="513718" y="153070"/>
+                      <a:pt x="508434" y="163637"/>
+                    </a:cubicBezTo>
+                    <a:cubicBezTo>
+                      <a:pt x="503151" y="174203"/>
+                      <a:pt x="499244" y="185663"/>
+                      <a:pt x="496714" y="198016"/>
+                    </a:cubicBezTo>
+                    <a:lnTo>
+                      <a:pt x="479078" y="287536"/>
+                    </a:lnTo>
+                    <a:cubicBezTo>
+                      <a:pt x="478780" y="288727"/>
+                      <a:pt x="478259" y="289731"/>
+                      <a:pt x="477515" y="290550"/>
+                    </a:cubicBezTo>
+                    <a:cubicBezTo>
+                      <a:pt x="476771" y="291368"/>
+                      <a:pt x="475655" y="292075"/>
+                      <a:pt x="474166" y="292671"/>
+                    </a:cubicBezTo>
+                    <a:cubicBezTo>
+                      <a:pt x="472678" y="293266"/>
+                      <a:pt x="470706" y="293712"/>
+                      <a:pt x="468251" y="294010"/>
+                    </a:cubicBezTo>
+                    <a:cubicBezTo>
+                      <a:pt x="465795" y="294308"/>
+                      <a:pt x="462781" y="294457"/>
+                      <a:pt x="459209" y="294457"/>
+                    </a:cubicBezTo>
+                    <a:cubicBezTo>
+                      <a:pt x="455489" y="294457"/>
+                      <a:pt x="452475" y="294308"/>
+                      <a:pt x="450168" y="294010"/>
+                    </a:cubicBezTo>
+                    <a:cubicBezTo>
+                      <a:pt x="447861" y="293712"/>
+                      <a:pt x="446075" y="293266"/>
+                      <a:pt x="444810" y="292671"/>
+                    </a:cubicBezTo>
+                    <a:cubicBezTo>
+                      <a:pt x="443545" y="292075"/>
+                      <a:pt x="442727" y="291368"/>
+                      <a:pt x="442354" y="290550"/>
+                    </a:cubicBezTo>
+                    <a:cubicBezTo>
+                      <a:pt x="441982" y="289731"/>
+                      <a:pt x="441945" y="288727"/>
+                      <a:pt x="442243" y="287536"/>
+                    </a:cubicBezTo>
+                    <a:lnTo>
+                      <a:pt x="482203" y="86395"/>
+                    </a:lnTo>
+                    <a:cubicBezTo>
+                      <a:pt x="482352" y="85353"/>
+                      <a:pt x="482799" y="84386"/>
+                      <a:pt x="483543" y="83493"/>
+                    </a:cubicBezTo>
+                    <a:cubicBezTo>
+                      <a:pt x="484287" y="82600"/>
+                      <a:pt x="485403" y="81856"/>
+                      <a:pt x="486891" y="81260"/>
+                    </a:cubicBezTo>
+                    <a:cubicBezTo>
+                      <a:pt x="488380" y="80665"/>
+                      <a:pt x="490203" y="80256"/>
+                      <a:pt x="492361" y="80032"/>
+                    </a:cubicBezTo>
+                    <a:cubicBezTo>
+                      <a:pt x="494519" y="79809"/>
+                      <a:pt x="497086" y="79698"/>
+                      <a:pt x="500063" y="79698"/>
+                    </a:cubicBezTo>
+                    <a:cubicBezTo>
+                      <a:pt x="503188" y="79698"/>
+                      <a:pt x="505755" y="79809"/>
+                      <a:pt x="507764" y="80032"/>
+                    </a:cubicBezTo>
+                    <a:cubicBezTo>
+                      <a:pt x="509774" y="80256"/>
+                      <a:pt x="511336" y="80665"/>
+                      <a:pt x="512453" y="81260"/>
+                    </a:cubicBezTo>
+                    <a:cubicBezTo>
+                      <a:pt x="513569" y="81856"/>
+                      <a:pt x="514276" y="82600"/>
+                      <a:pt x="514573" y="83493"/>
+                    </a:cubicBezTo>
+                    <a:cubicBezTo>
+                      <a:pt x="514871" y="84386"/>
+                      <a:pt x="514945" y="85353"/>
+                      <a:pt x="514797" y="86395"/>
+                    </a:cubicBezTo>
+                    <a:lnTo>
+                      <a:pt x="507429" y="123007"/>
+                    </a:lnTo>
+                    <a:cubicBezTo>
+                      <a:pt x="510853" y="116905"/>
+                      <a:pt x="514908" y="111026"/>
+                      <a:pt x="519596" y="105370"/>
+                    </a:cubicBezTo>
+                    <a:cubicBezTo>
+                      <a:pt x="524284" y="99715"/>
+                      <a:pt x="529382" y="94766"/>
+                      <a:pt x="534888" y="90525"/>
+                    </a:cubicBezTo>
+                    <a:cubicBezTo>
+                      <a:pt x="540395" y="86283"/>
+                      <a:pt x="546162" y="82897"/>
+                      <a:pt x="552190" y="80367"/>
+                    </a:cubicBezTo>
+                    <a:cubicBezTo>
+                      <a:pt x="558217" y="77837"/>
+                      <a:pt x="564133" y="76572"/>
+                      <a:pt x="569937" y="76572"/>
+                    </a:cubicBezTo>
+                    <a:close/>
+                    <a:moveTo>
+                      <a:pt x="345951" y="76572"/>
+                    </a:moveTo>
+                    <a:cubicBezTo>
+                      <a:pt x="358453" y="76572"/>
+                      <a:pt x="369057" y="78135"/>
+                      <a:pt x="377763" y="81260"/>
+                    </a:cubicBezTo>
+                    <a:cubicBezTo>
+                      <a:pt x="386470" y="84386"/>
+                      <a:pt x="393613" y="88404"/>
+                      <a:pt x="399194" y="93315"/>
+                    </a:cubicBezTo>
+                    <a:cubicBezTo>
+                      <a:pt x="404775" y="98227"/>
+                      <a:pt x="408831" y="103696"/>
+                      <a:pt x="411361" y="109724"/>
+                    </a:cubicBezTo>
+                    <a:cubicBezTo>
+                      <a:pt x="413891" y="115751"/>
+                      <a:pt x="415156" y="121742"/>
+                      <a:pt x="415156" y="127695"/>
+                    </a:cubicBezTo>
+                    <a:cubicBezTo>
+                      <a:pt x="415156" y="137964"/>
+                      <a:pt x="412775" y="147191"/>
+                      <a:pt x="408012" y="155377"/>
+                    </a:cubicBezTo>
+                    <a:cubicBezTo>
+                      <a:pt x="403250" y="163562"/>
+                      <a:pt x="395808" y="170557"/>
+                      <a:pt x="385688" y="176361"/>
+                    </a:cubicBezTo>
+                    <a:cubicBezTo>
+                      <a:pt x="375568" y="182166"/>
+                      <a:pt x="362620" y="186631"/>
+                      <a:pt x="346844" y="189756"/>
+                    </a:cubicBezTo>
+                    <a:cubicBezTo>
+                      <a:pt x="331068" y="192881"/>
+                      <a:pt x="312167" y="194444"/>
+                      <a:pt x="290140" y="194444"/>
+                    </a:cubicBezTo>
+                    <a:lnTo>
+                      <a:pt x="266477" y="194444"/>
+                    </a:lnTo>
+                    <a:cubicBezTo>
+                      <a:pt x="265435" y="199355"/>
+                      <a:pt x="264728" y="204118"/>
+                      <a:pt x="264356" y="208732"/>
+                    </a:cubicBezTo>
+                    <a:cubicBezTo>
+                      <a:pt x="263984" y="213345"/>
+                      <a:pt x="263798" y="217661"/>
+                      <a:pt x="263798" y="221680"/>
+                    </a:cubicBezTo>
+                    <a:cubicBezTo>
+                      <a:pt x="263798" y="236562"/>
+                      <a:pt x="267481" y="247948"/>
+                      <a:pt x="274848" y="255836"/>
+                    </a:cubicBezTo>
+                    <a:cubicBezTo>
+                      <a:pt x="282215" y="263724"/>
+                      <a:pt x="294159" y="267667"/>
+                      <a:pt x="310679" y="267667"/>
+                    </a:cubicBezTo>
+                    <a:cubicBezTo>
+                      <a:pt x="320204" y="267667"/>
+                      <a:pt x="328761" y="266961"/>
+                      <a:pt x="336352" y="265547"/>
+                    </a:cubicBezTo>
+                    <a:cubicBezTo>
+                      <a:pt x="343942" y="264133"/>
+                      <a:pt x="350527" y="262607"/>
+                      <a:pt x="356109" y="260970"/>
+                    </a:cubicBezTo>
+                    <a:cubicBezTo>
+                      <a:pt x="361690" y="259333"/>
+                      <a:pt x="366266" y="257808"/>
+                      <a:pt x="369838" y="256394"/>
+                    </a:cubicBezTo>
+                    <a:cubicBezTo>
+                      <a:pt x="373410" y="254980"/>
+                      <a:pt x="375865" y="254273"/>
+                      <a:pt x="377205" y="254273"/>
+                    </a:cubicBezTo>
+                    <a:cubicBezTo>
+                      <a:pt x="378544" y="254273"/>
+                      <a:pt x="379549" y="254757"/>
+                      <a:pt x="380219" y="255724"/>
+                    </a:cubicBezTo>
+                    <a:cubicBezTo>
+                      <a:pt x="380888" y="256691"/>
+                      <a:pt x="381223" y="258068"/>
+                      <a:pt x="381223" y="259854"/>
+                    </a:cubicBezTo>
+                    <a:cubicBezTo>
+                      <a:pt x="381223" y="261342"/>
+                      <a:pt x="381074" y="263128"/>
+                      <a:pt x="380777" y="265212"/>
+                    </a:cubicBezTo>
+                    <a:cubicBezTo>
+                      <a:pt x="380479" y="267295"/>
+                      <a:pt x="380033" y="269416"/>
+                      <a:pt x="379437" y="271574"/>
+                    </a:cubicBezTo>
+                    <a:cubicBezTo>
+                      <a:pt x="378842" y="273732"/>
+                      <a:pt x="378061" y="275779"/>
+                      <a:pt x="377093" y="277713"/>
+                    </a:cubicBezTo>
+                    <a:cubicBezTo>
+                      <a:pt x="376126" y="279648"/>
+                      <a:pt x="375047" y="281285"/>
+                      <a:pt x="373856" y="282625"/>
+                    </a:cubicBezTo>
+                    <a:cubicBezTo>
+                      <a:pt x="372070" y="284411"/>
+                      <a:pt x="368908" y="286159"/>
+                      <a:pt x="364369" y="287871"/>
+                    </a:cubicBezTo>
+                    <a:cubicBezTo>
+                      <a:pt x="359829" y="289582"/>
+                      <a:pt x="354434" y="291145"/>
+                      <a:pt x="348183" y="292559"/>
+                    </a:cubicBezTo>
+                    <a:cubicBezTo>
+                      <a:pt x="341933" y="293973"/>
+                      <a:pt x="335087" y="295126"/>
+                      <a:pt x="327645" y="296019"/>
+                    </a:cubicBezTo>
+                    <a:cubicBezTo>
+                      <a:pt x="320204" y="296912"/>
+                      <a:pt x="312762" y="297359"/>
+                      <a:pt x="305321" y="297359"/>
+                    </a:cubicBezTo>
+                    <a:cubicBezTo>
+                      <a:pt x="292075" y="297359"/>
+                      <a:pt x="280467" y="295870"/>
+                      <a:pt x="270495" y="292894"/>
+                    </a:cubicBezTo>
+                    <a:cubicBezTo>
+                      <a:pt x="260524" y="289917"/>
+                      <a:pt x="252227" y="285341"/>
+                      <a:pt x="245604" y="279164"/>
+                    </a:cubicBezTo>
+                    <a:cubicBezTo>
+                      <a:pt x="238981" y="272988"/>
+                      <a:pt x="234032" y="265286"/>
+                      <a:pt x="230758" y="256059"/>
+                    </a:cubicBezTo>
+                    <a:cubicBezTo>
+                      <a:pt x="227484" y="246832"/>
+                      <a:pt x="225847" y="235967"/>
+                      <a:pt x="225847" y="223466"/>
+                    </a:cubicBezTo>
+                    <a:cubicBezTo>
+                      <a:pt x="225847" y="213792"/>
+                      <a:pt x="226777" y="203411"/>
+                      <a:pt x="228637" y="192323"/>
+                    </a:cubicBezTo>
+                    <a:cubicBezTo>
+                      <a:pt x="230498" y="181236"/>
+                      <a:pt x="233437" y="170259"/>
+                      <a:pt x="237455" y="159395"/>
+                    </a:cubicBezTo>
+                    <a:cubicBezTo>
+                      <a:pt x="241474" y="148531"/>
+                      <a:pt x="246683" y="138113"/>
+                      <a:pt x="253082" y="128141"/>
+                    </a:cubicBezTo>
+                    <a:cubicBezTo>
+                      <a:pt x="259482" y="118170"/>
+                      <a:pt x="267109" y="109389"/>
+                      <a:pt x="275965" y="101799"/>
+                    </a:cubicBezTo>
+                    <a:cubicBezTo>
+                      <a:pt x="284820" y="94208"/>
+                      <a:pt x="295052" y="88106"/>
+                      <a:pt x="306660" y="83493"/>
+                    </a:cubicBezTo>
+                    <a:cubicBezTo>
+                      <a:pt x="318269" y="78879"/>
+                      <a:pt x="331366" y="76572"/>
+                      <a:pt x="345951" y="76572"/>
+                    </a:cubicBezTo>
+                    <a:close/>
+                    <a:moveTo>
+                      <a:pt x="141982" y="0"/>
+                    </a:moveTo>
+                    <a:cubicBezTo>
+                      <a:pt x="149126" y="0"/>
+                      <a:pt x="155935" y="595"/>
+                      <a:pt x="162409" y="1786"/>
+                    </a:cubicBezTo>
+                    <a:cubicBezTo>
+                      <a:pt x="168883" y="2977"/>
+                      <a:pt x="174724" y="4428"/>
+                      <a:pt x="179933" y="6139"/>
+                    </a:cubicBezTo>
+                    <a:cubicBezTo>
+                      <a:pt x="185142" y="7851"/>
+                      <a:pt x="189607" y="9711"/>
+                      <a:pt x="193328" y="11720"/>
+                    </a:cubicBezTo>
+                    <a:cubicBezTo>
+                      <a:pt x="197049" y="13730"/>
+                      <a:pt x="199579" y="15404"/>
+                      <a:pt x="200918" y="16743"/>
+                    </a:cubicBezTo>
+                    <a:cubicBezTo>
+                      <a:pt x="202257" y="18083"/>
+                      <a:pt x="203225" y="19459"/>
+                      <a:pt x="203820" y="20873"/>
+                    </a:cubicBezTo>
+                    <a:cubicBezTo>
+                      <a:pt x="204415" y="22287"/>
+                      <a:pt x="204713" y="24036"/>
+                      <a:pt x="204713" y="26119"/>
+                    </a:cubicBezTo>
+                    <a:cubicBezTo>
+                      <a:pt x="204713" y="27310"/>
+                      <a:pt x="204639" y="28687"/>
+                      <a:pt x="204490" y="30249"/>
+                    </a:cubicBezTo>
+                    <a:cubicBezTo>
+                      <a:pt x="204341" y="31812"/>
+                      <a:pt x="204081" y="33449"/>
+                      <a:pt x="203709" y="35161"/>
+                    </a:cubicBezTo>
+                    <a:cubicBezTo>
+                      <a:pt x="203336" y="36872"/>
+                      <a:pt x="202890" y="38658"/>
+                      <a:pt x="202369" y="40519"/>
+                    </a:cubicBezTo>
+                    <a:cubicBezTo>
+                      <a:pt x="201848" y="42379"/>
+                      <a:pt x="201216" y="44016"/>
+                      <a:pt x="200472" y="45430"/>
+                    </a:cubicBezTo>
+                    <a:cubicBezTo>
+                      <a:pt x="199727" y="46844"/>
+                      <a:pt x="198872" y="47997"/>
+                      <a:pt x="197904" y="48890"/>
+                    </a:cubicBezTo>
+                    <a:cubicBezTo>
+                      <a:pt x="196937" y="49783"/>
+                      <a:pt x="195858" y="50230"/>
+                      <a:pt x="194667" y="50230"/>
+                    </a:cubicBezTo>
+                    <a:cubicBezTo>
+                      <a:pt x="193030" y="50230"/>
+                      <a:pt x="190761" y="49262"/>
+                      <a:pt x="187858" y="47327"/>
+                    </a:cubicBezTo>
+                    <a:cubicBezTo>
+                      <a:pt x="184956" y="45393"/>
+                      <a:pt x="181236" y="43346"/>
+                      <a:pt x="176696" y="41188"/>
+                    </a:cubicBezTo>
+                    <a:cubicBezTo>
+                      <a:pt x="172157" y="39030"/>
+                      <a:pt x="166762" y="36984"/>
+                      <a:pt x="160511" y="35049"/>
+                    </a:cubicBezTo>
+                    <a:cubicBezTo>
+                      <a:pt x="154260" y="33114"/>
+                      <a:pt x="147042" y="32147"/>
+                      <a:pt x="138857" y="32147"/>
+                    </a:cubicBezTo>
+                    <a:cubicBezTo>
+                      <a:pt x="129778" y="32147"/>
+                      <a:pt x="121816" y="33524"/>
+                      <a:pt x="114970" y="36277"/>
+                    </a:cubicBezTo>
+                    <a:cubicBezTo>
+                      <a:pt x="108124" y="39030"/>
+                      <a:pt x="102394" y="42751"/>
+                      <a:pt x="97780" y="47439"/>
+                    </a:cubicBezTo>
+                    <a:cubicBezTo>
+                      <a:pt x="93166" y="52127"/>
+                      <a:pt x="89706" y="57448"/>
+                      <a:pt x="87399" y="63401"/>
+                    </a:cubicBezTo>
+                    <a:cubicBezTo>
+                      <a:pt x="85093" y="69354"/>
+                      <a:pt x="83939" y="75530"/>
+                      <a:pt x="83939" y="81930"/>
+                    </a:cubicBezTo>
+                    <a:cubicBezTo>
+                      <a:pt x="83939" y="88478"/>
+                      <a:pt x="85390" y="94208"/>
+                      <a:pt x="88292" y="99120"/>
+                    </a:cubicBezTo>
+                    <a:cubicBezTo>
+                      <a:pt x="91194" y="104031"/>
+                      <a:pt x="94990" y="108496"/>
+                      <a:pt x="99678" y="112514"/>
+                    </a:cubicBezTo>
+                    <a:cubicBezTo>
+                      <a:pt x="104366" y="116533"/>
+                      <a:pt x="109724" y="120328"/>
+                      <a:pt x="115751" y="123900"/>
+                    </a:cubicBezTo>
+                    <a:cubicBezTo>
+                      <a:pt x="121779" y="127471"/>
+                      <a:pt x="127918" y="131118"/>
+                      <a:pt x="134169" y="134838"/>
+                    </a:cubicBezTo>
+                    <a:cubicBezTo>
+                      <a:pt x="140419" y="138559"/>
+                      <a:pt x="146596" y="142540"/>
+                      <a:pt x="152698" y="146782"/>
+                    </a:cubicBezTo>
+                    <a:cubicBezTo>
+                      <a:pt x="158800" y="151023"/>
+                      <a:pt x="164195" y="155935"/>
+                      <a:pt x="168883" y="161516"/>
+                    </a:cubicBezTo>
+                    <a:cubicBezTo>
+                      <a:pt x="173571" y="167097"/>
+                      <a:pt x="177366" y="173496"/>
+                      <a:pt x="180268" y="180715"/>
+                    </a:cubicBezTo>
+                    <a:cubicBezTo>
+                      <a:pt x="183170" y="187933"/>
+                      <a:pt x="184621" y="196304"/>
+                      <a:pt x="184621" y="205829"/>
+                    </a:cubicBezTo>
+                    <a:cubicBezTo>
+                      <a:pt x="184621" y="218480"/>
+                      <a:pt x="182017" y="230349"/>
+                      <a:pt x="176808" y="241437"/>
+                    </a:cubicBezTo>
+                    <a:cubicBezTo>
+                      <a:pt x="171599" y="252524"/>
+                      <a:pt x="164195" y="262198"/>
+                      <a:pt x="154595" y="270458"/>
+                    </a:cubicBezTo>
+                    <a:cubicBezTo>
+                      <a:pt x="144996" y="278718"/>
+                      <a:pt x="133424" y="285266"/>
+                      <a:pt x="119881" y="290103"/>
+                    </a:cubicBezTo>
+                    <a:cubicBezTo>
+                      <a:pt x="106338" y="294940"/>
+                      <a:pt x="91232" y="297359"/>
+                      <a:pt x="74563" y="297359"/>
+                    </a:cubicBezTo>
+                    <a:cubicBezTo>
+                      <a:pt x="65484" y="297359"/>
+                      <a:pt x="57038" y="296577"/>
+                      <a:pt x="49225" y="295015"/>
+                    </a:cubicBezTo>
+                    <a:cubicBezTo>
+                      <a:pt x="41411" y="293452"/>
+                      <a:pt x="34379" y="291517"/>
+                      <a:pt x="28129" y="289210"/>
+                    </a:cubicBezTo>
+                    <a:cubicBezTo>
+                      <a:pt x="21878" y="286903"/>
+                      <a:pt x="16594" y="284522"/>
+                      <a:pt x="12278" y="282067"/>
+                    </a:cubicBezTo>
+                    <a:cubicBezTo>
+                      <a:pt x="7962" y="279611"/>
+                      <a:pt x="4837" y="277416"/>
+                      <a:pt x="2902" y="275481"/>
+                    </a:cubicBezTo>
+                    <a:cubicBezTo>
+                      <a:pt x="967" y="273546"/>
+                      <a:pt x="0" y="270718"/>
+                      <a:pt x="0" y="266998"/>
+                    </a:cubicBezTo>
+                    <a:cubicBezTo>
+                      <a:pt x="0" y="266105"/>
+                      <a:pt x="112" y="264840"/>
+                      <a:pt x="335" y="263203"/>
+                    </a:cubicBezTo>
+                    <a:cubicBezTo>
+                      <a:pt x="558" y="261566"/>
+                      <a:pt x="893" y="259780"/>
+                      <a:pt x="1339" y="257845"/>
+                    </a:cubicBezTo>
+                    <a:cubicBezTo>
+                      <a:pt x="1786" y="255910"/>
+                      <a:pt x="2270" y="254012"/>
+                      <a:pt x="2791" y="252152"/>
+                    </a:cubicBezTo>
+                    <a:cubicBezTo>
+                      <a:pt x="3311" y="250292"/>
+                      <a:pt x="3981" y="248580"/>
+                      <a:pt x="4800" y="247018"/>
+                    </a:cubicBezTo>
+                    <a:cubicBezTo>
+                      <a:pt x="5618" y="245455"/>
+                      <a:pt x="6511" y="244190"/>
+                      <a:pt x="7479" y="243222"/>
+                    </a:cubicBezTo>
+                    <a:cubicBezTo>
+                      <a:pt x="8446" y="242255"/>
+                      <a:pt x="9599" y="241771"/>
+                      <a:pt x="10939" y="241771"/>
+                    </a:cubicBezTo>
+                    <a:cubicBezTo>
+                      <a:pt x="13320" y="241771"/>
+                      <a:pt x="16297" y="242962"/>
+                      <a:pt x="19869" y="245343"/>
+                    </a:cubicBezTo>
+                    <a:cubicBezTo>
+                      <a:pt x="23440" y="247724"/>
+                      <a:pt x="27868" y="250292"/>
+                      <a:pt x="33151" y="253045"/>
+                    </a:cubicBezTo>
+                    <a:cubicBezTo>
+                      <a:pt x="38435" y="255798"/>
+                      <a:pt x="44723" y="258366"/>
+                      <a:pt x="52015" y="260747"/>
+                    </a:cubicBezTo>
+                    <a:cubicBezTo>
+                      <a:pt x="59308" y="263128"/>
+                      <a:pt x="67866" y="264319"/>
+                      <a:pt x="77688" y="264319"/>
+                    </a:cubicBezTo>
+                    <a:cubicBezTo>
+                      <a:pt x="88106" y="264319"/>
+                      <a:pt x="97408" y="262868"/>
+                      <a:pt x="105594" y="259966"/>
+                    </a:cubicBezTo>
+                    <a:cubicBezTo>
+                      <a:pt x="113779" y="257063"/>
+                      <a:pt x="120662" y="253120"/>
+                      <a:pt x="126244" y="248134"/>
+                    </a:cubicBezTo>
+                    <a:cubicBezTo>
+                      <a:pt x="131825" y="243148"/>
+                      <a:pt x="136103" y="237307"/>
+                      <a:pt x="139080" y="230609"/>
+                    </a:cubicBezTo>
+                    <a:cubicBezTo>
+                      <a:pt x="142057" y="223912"/>
+                      <a:pt x="143545" y="216768"/>
+                      <a:pt x="143545" y="209178"/>
+                    </a:cubicBezTo>
+                    <a:cubicBezTo>
+                      <a:pt x="143545" y="202481"/>
+                      <a:pt x="142131" y="196639"/>
+                      <a:pt x="139303" y="191653"/>
+                    </a:cubicBezTo>
+                    <a:cubicBezTo>
+                      <a:pt x="136475" y="186668"/>
+                      <a:pt x="132755" y="182166"/>
+                      <a:pt x="128141" y="178147"/>
+                    </a:cubicBezTo>
+                    <a:cubicBezTo>
+                      <a:pt x="123527" y="174129"/>
+                      <a:pt x="118207" y="170408"/>
+                      <a:pt x="112179" y="166985"/>
+                    </a:cubicBezTo>
+                    <a:cubicBezTo>
+                      <a:pt x="106152" y="163562"/>
+                      <a:pt x="100050" y="159990"/>
+                      <a:pt x="93873" y="156270"/>
+                    </a:cubicBezTo>
+                    <a:cubicBezTo>
+                      <a:pt x="87697" y="152549"/>
+                      <a:pt x="81632" y="148568"/>
+                      <a:pt x="75679" y="144326"/>
+                    </a:cubicBezTo>
+                    <a:cubicBezTo>
+                      <a:pt x="69726" y="140085"/>
+                      <a:pt x="64443" y="135173"/>
+                      <a:pt x="59829" y="129592"/>
+                    </a:cubicBezTo>
+                    <a:cubicBezTo>
+                      <a:pt x="55215" y="124011"/>
+                      <a:pt x="51457" y="117612"/>
+                      <a:pt x="48555" y="110393"/>
+                    </a:cubicBezTo>
+                    <a:cubicBezTo>
+                      <a:pt x="45653" y="103175"/>
+                      <a:pt x="44202" y="94729"/>
+                      <a:pt x="44202" y="85055"/>
+                    </a:cubicBezTo>
+                    <a:cubicBezTo>
+                      <a:pt x="44202" y="73298"/>
+                      <a:pt x="46509" y="62285"/>
+                      <a:pt x="51122" y="52016"/>
+                    </a:cubicBezTo>
+                    <a:cubicBezTo>
+                      <a:pt x="55736" y="41746"/>
+                      <a:pt x="62285" y="32742"/>
+                      <a:pt x="70768" y="25003"/>
+                    </a:cubicBezTo>
+                    <a:cubicBezTo>
+                      <a:pt x="79251" y="17264"/>
+                      <a:pt x="89520" y="11162"/>
+                      <a:pt x="101575" y="6697"/>
+                    </a:cubicBezTo>
+                    <a:cubicBezTo>
+                      <a:pt x="113630" y="2233"/>
+                      <a:pt x="127099" y="0"/>
+                      <a:pt x="141982" y="0"/>
+                    </a:cubicBezTo>
+                    <a:close/>
+                  </a:path>
+                </a:pathLst>
+              </a:custGeom>
+              <a:solidFill>
+                <a:schemeClr val="tx1"/>
+              </a:solidFill>
+              <a:ln>
+                <a:noFill/>
+              </a:ln>
+              <a:effectLst/>
+            </p:spPr>
+            <p:txBody>
+              <a:bodyPr rot="0" spcFirstLastPara="0" vertOverflow="overflow" horzOverflow="overflow" vert="horz" wrap="square" lIns="91440" tIns="45720" rIns="91440" bIns="45720" numCol="1" spcCol="0" rtlCol="0" fromWordArt="0" anchor="ctr" anchorCtr="0" forceAA="0" compatLnSpc="1">
+                <a:prstTxWarp prst="textNoShape">
+                  <a:avLst/>
+                </a:prstTxWarp>
+                <a:noAutofit/>
+              </a:bodyPr>
+              <a:lstStyle/>
+              <a:p>
+                <a:endParaRPr lang="de-DE" sz="3600" i="1" dirty="0"/>
+              </a:p>
+            </p:txBody>
+          </p:sp>
+        </p:grpSp>
+        <p:pic>
+          <p:nvPicPr>
+            <p:cNvPr id="68" name="Grafik 67"/>
+            <p:cNvPicPr>
+              <a:picLocks noChangeAspect="1"/>
+            </p:cNvPicPr>
+            <p:nvPr/>
+          </p:nvPicPr>
+          <p:blipFill>
+            <a:blip r:embed="rId5"/>
+            <a:stretch>
+              <a:fillRect/>
+            </a:stretch>
+          </p:blipFill>
+          <p:spPr>
+            <a:xfrm>
+              <a:off x="3966229" y="2550839"/>
+              <a:ext cx="3042046" cy="3042046"/>
+            </a:xfrm>
+            <a:prstGeom prst="rect">
+              <a:avLst/>
+            </a:prstGeom>
+          </p:spPr>
+        </p:pic>
+      </p:grpSp>
     </p:spTree>
     <p:extLst>
       <p:ext uri="{BB962C8B-B14F-4D97-AF65-F5344CB8AC3E}">
@@ -10249,15 +13348,7 @@
           <a:p>
             <a:r>
               <a:rPr lang="de-DE" dirty="0"/>
-              <a:t>Entwurf: </a:t>
-            </a:r>
-            <a:r>
-              <a:rPr lang="de-DE" dirty="0" err="1"/>
-              <a:t>Anforderungs</a:t>
-            </a:r>
-            <a:r>
-              <a:rPr lang="de-DE" dirty="0"/>
-              <a:t> Modellierung</a:t>
+              <a:t>Entwurf: Anforderungsmodellierung</a:t>
             </a:r>
           </a:p>
         </p:txBody>
@@ -10280,7 +13371,7 @@
             <a:pPr algn="ctr"/>
             <a:r>
               <a:rPr lang="de-DE" dirty="0"/>
-              <a:t>Modul </a:t>
+              <a:t>Module </a:t>
             </a:r>
             <a:r>
               <a:rPr lang="de-DE" dirty="0" err="1"/>
@@ -10309,8 +13400,8 @@
               <a:lnSpc>
                 <a:spcPct val="150000"/>
               </a:lnSpc>
-              <a:buFont typeface="Wingdings" panose="05000000000000000000" pitchFamily="2" charset="2"/>
-              <a:buChar char="Ø"/>
+              <a:buFont typeface="Arial" panose="020B0604020202020204" pitchFamily="34" charset="0"/>
+              <a:buChar char="•"/>
             </a:pPr>
             <a:r>
               <a:rPr lang="de-DE" sz="1800" dirty="0"/>
@@ -10412,8 +13503,8 @@
           <a:lstStyle/>
           <a:p>
             <a:pPr marL="285750" indent="-285750">
-              <a:buFont typeface="Wingdings" panose="05000000000000000000" pitchFamily="2" charset="2"/>
-              <a:buChar char="Ø"/>
+              <a:buFont typeface="Arial" panose="020B0604020202020204" pitchFamily="34" charset="0"/>
+              <a:buChar char="•"/>
             </a:pPr>
             <a:r>
               <a:rPr lang="de-DE" sz="1800" dirty="0"/>
@@ -10467,8 +13558,8 @@
           <a:lstStyle/>
           <a:p>
             <a:pPr marL="285750" indent="-285750">
-              <a:buFont typeface="Wingdings" panose="05000000000000000000" pitchFamily="2" charset="2"/>
-              <a:buChar char="Ø"/>
+              <a:buFont typeface="Arial" panose="020B0604020202020204" pitchFamily="34" charset="0"/>
+              <a:buChar char="•"/>
             </a:pPr>
             <a:r>
               <a:rPr lang="de-DE" sz="1800" dirty="0"/>
@@ -10491,118 +13582,6 @@
 </file>
 
 <file path=ppt/slides/slide6.xml><?xml version="1.0" encoding="utf-8"?>
-<p:sld xmlns:a="http://schemas.openxmlformats.org/drawingml/2006/main" xmlns:r="http://schemas.openxmlformats.org/officeDocument/2006/relationships" xmlns:p="http://schemas.openxmlformats.org/presentationml/2006/main">
-  <p:cSld>
-    <p:spTree>
-      <p:nvGrpSpPr>
-        <p:cNvPr id="1" name=""/>
-        <p:cNvGrpSpPr/>
-        <p:nvPr/>
-      </p:nvGrpSpPr>
-      <p:grpSpPr>
-        <a:xfrm>
-          <a:off x="0" y="0"/>
-          <a:ext cx="0" cy="0"/>
-          <a:chOff x="0" y="0"/>
-          <a:chExt cx="0" cy="0"/>
-        </a:xfrm>
-      </p:grpSpPr>
-      <p:sp>
-        <p:nvSpPr>
-          <p:cNvPr id="2" name="Titel 1"/>
-          <p:cNvSpPr>
-            <a:spLocks noGrp="1"/>
-          </p:cNvSpPr>
-          <p:nvPr>
-            <p:ph type="title"/>
-          </p:nvPr>
-        </p:nvSpPr>
-        <p:spPr/>
-        <p:txBody>
-          <a:bodyPr/>
-          <a:lstStyle/>
-          <a:p>
-            <a:r>
-              <a:rPr lang="de-DE" dirty="0"/>
-              <a:t>Entwurf: Zielfunktionen für Generierung</a:t>
-            </a:r>
-          </a:p>
-        </p:txBody>
-      </p:sp>
-      <p:sp>
-        <p:nvSpPr>
-          <p:cNvPr id="3" name="Inhaltsplatzhalter 2"/>
-          <p:cNvSpPr>
-            <a:spLocks noGrp="1"/>
-          </p:cNvSpPr>
-          <p:nvPr>
-            <p:ph idx="1"/>
-          </p:nvPr>
-        </p:nvSpPr>
-        <p:spPr/>
-        <p:txBody>
-          <a:bodyPr/>
-          <a:lstStyle/>
-          <a:p>
-            <a:pPr>
-              <a:lnSpc>
-                <a:spcPct val="150000"/>
-              </a:lnSpc>
-            </a:pPr>
-            <a:r>
-              <a:rPr lang="de-DE" dirty="0"/>
-              <a:t>Mögliche Ziele</a:t>
-            </a:r>
-          </a:p>
-          <a:p>
-            <a:pPr lvl="1">
-              <a:lnSpc>
-                <a:spcPct val="150000"/>
-              </a:lnSpc>
-            </a:pPr>
-            <a:r>
-              <a:rPr lang="de-DE" dirty="0"/>
-              <a:t>Minimale ECTS-Zahl</a:t>
-            </a:r>
-          </a:p>
-          <a:p>
-            <a:pPr lvl="1">
-              <a:lnSpc>
-                <a:spcPct val="150000"/>
-              </a:lnSpc>
-            </a:pPr>
-            <a:r>
-              <a:rPr lang="de-DE" dirty="0"/>
-              <a:t>Minimale Semester Zahl</a:t>
-            </a:r>
-          </a:p>
-          <a:p>
-            <a:pPr lvl="1">
-              <a:lnSpc>
-                <a:spcPct val="150000"/>
-              </a:lnSpc>
-            </a:pPr>
-            <a:r>
-              <a:rPr lang="de-DE" dirty="0"/>
-              <a:t>Präferenzen</a:t>
-            </a:r>
-          </a:p>
-        </p:txBody>
-      </p:sp>
-    </p:spTree>
-    <p:extLst>
-      <p:ext uri="{BB962C8B-B14F-4D97-AF65-F5344CB8AC3E}">
-        <p14:creationId xmlns:p14="http://schemas.microsoft.com/office/powerpoint/2010/main" val="2351326482"/>
-      </p:ext>
-    </p:extLst>
-  </p:cSld>
-  <p:clrMapOvr>
-    <a:masterClrMapping/>
-  </p:clrMapOvr>
-</p:sld>
-</file>
-
-<file path=ppt/slides/slide7.xml><?xml version="1.0" encoding="utf-8"?>
 <p:sld xmlns:a="http://schemas.openxmlformats.org/drawingml/2006/main" xmlns:r="http://schemas.openxmlformats.org/officeDocument/2006/relationships" xmlns:p="http://schemas.openxmlformats.org/presentationml/2006/main">
   <p:cSld>
     <p:spTree>
@@ -11663,7 +14642,7 @@
 </p:sld>
 </file>
 
-<file path=ppt/slides/slide8.xml><?xml version="1.0" encoding="utf-8"?>
+<file path=ppt/slides/slide7.xml><?xml version="1.0" encoding="utf-8"?>
 <p:sld xmlns:a="http://schemas.openxmlformats.org/drawingml/2006/main" xmlns:r="http://schemas.openxmlformats.org/officeDocument/2006/relationships" xmlns:p="http://schemas.openxmlformats.org/presentationml/2006/main">
   <p:cSld>
     <p:spTree>
@@ -11739,8 +14718,6 @@
               <a:lnSpc>
                 <a:spcPct val="150000"/>
               </a:lnSpc>
-              <a:buFont typeface="Wingdings" panose="05000000000000000000" pitchFamily="2" charset="2"/>
-              <a:buChar char="Ø"/>
             </a:pPr>
             <a:r>
               <a:rPr lang="de-DE" dirty="0"/>
@@ -11832,7 +14809,7 @@
 </p:sld>
 </file>
 
-<file path=ppt/slides/slide9.xml><?xml version="1.0" encoding="utf-8"?>
+<file path=ppt/slides/slide8.xml><?xml version="1.0" encoding="utf-8"?>
 <p:sld xmlns:a="http://schemas.openxmlformats.org/drawingml/2006/main" xmlns:r="http://schemas.openxmlformats.org/officeDocument/2006/relationships" xmlns:p="http://schemas.openxmlformats.org/presentationml/2006/main">
   <p:cSld>
     <p:spTree>
@@ -12947,6 +15924,87 @@
     <p:extLst>
       <p:ext uri="{BB962C8B-B14F-4D97-AF65-F5344CB8AC3E}">
         <p14:creationId xmlns:p14="http://schemas.microsoft.com/office/powerpoint/2010/main" val="3463086847"/>
+      </p:ext>
+    </p:extLst>
+  </p:cSld>
+  <p:clrMapOvr>
+    <a:masterClrMapping/>
+  </p:clrMapOvr>
+</p:sld>
+</file>
+
+<file path=ppt/slides/slide9.xml><?xml version="1.0" encoding="utf-8"?>
+<p:sld xmlns:a="http://schemas.openxmlformats.org/drawingml/2006/main" xmlns:r="http://schemas.openxmlformats.org/officeDocument/2006/relationships" xmlns:p="http://schemas.openxmlformats.org/presentationml/2006/main">
+  <p:cSld>
+    <p:spTree>
+      <p:nvGrpSpPr>
+        <p:cNvPr id="1" name=""/>
+        <p:cNvGrpSpPr/>
+        <p:nvPr/>
+      </p:nvGrpSpPr>
+      <p:grpSpPr>
+        <a:xfrm>
+          <a:off x="0" y="0"/>
+          <a:ext cx="0" cy="0"/>
+          <a:chOff x="0" y="0"/>
+          <a:chExt cx="0" cy="0"/>
+        </a:xfrm>
+      </p:grpSpPr>
+      <p:sp>
+        <p:nvSpPr>
+          <p:cNvPr id="2" name="Titel 1"/>
+          <p:cNvSpPr>
+            <a:spLocks noGrp="1"/>
+          </p:cNvSpPr>
+          <p:nvPr>
+            <p:ph type="title"/>
+          </p:nvPr>
+        </p:nvSpPr>
+        <p:spPr/>
+        <p:txBody>
+          <a:bodyPr/>
+          <a:lstStyle/>
+          <a:p>
+            <a:r>
+              <a:rPr lang="de-DE" dirty="0"/>
+              <a:t>Vorführung</a:t>
+            </a:r>
+          </a:p>
+        </p:txBody>
+      </p:sp>
+      <p:sp>
+        <p:nvSpPr>
+          <p:cNvPr id="3" name="Textplatzhalter 2"/>
+          <p:cNvSpPr>
+            <a:spLocks noGrp="1"/>
+          </p:cNvSpPr>
+          <p:nvPr>
+            <p:ph type="body" idx="1"/>
+          </p:nvPr>
+        </p:nvSpPr>
+        <p:spPr/>
+        <p:txBody>
+          <a:bodyPr/>
+          <a:lstStyle/>
+          <a:p>
+            <a:r>
+              <a:rPr lang="de-DE" dirty="0"/>
+              <a:t>Denn was helfen 220 Seiten Dokumentation,</a:t>
+            </a:r>
+            <a:br>
+              <a:rPr lang="de-DE" dirty="0"/>
+            </a:br>
+            <a:r>
+              <a:rPr lang="de-DE" dirty="0"/>
+              <a:t>wenn das Produkt nicht funktioniert?</a:t>
+            </a:r>
+          </a:p>
+        </p:txBody>
+      </p:sp>
+    </p:spTree>
+    <p:extLst>
+      <p:ext uri="{BB962C8B-B14F-4D97-AF65-F5344CB8AC3E}">
+        <p14:creationId xmlns:p14="http://schemas.microsoft.com/office/powerpoint/2010/main" val="3526958010"/>
       </p:ext>
     </p:extLst>
   </p:cSld>

--- a/Abschlusspräsentation/Praesentation_newdesign.pptx
+++ b/Abschlusspräsentation/Praesentation_newdesign.pptx
@@ -16001,6 +16001,54 @@
           </a:p>
         </p:txBody>
       </p:sp>
+      <p:sp>
+        <p:nvSpPr>
+          <p:cNvPr id="5" name="Rechteck 4">
+            <a:hlinkClick r:id="rId2"/>
+          </p:cNvPr>
+          <p:cNvSpPr/>
+          <p:nvPr/>
+        </p:nvSpPr>
+        <p:spPr>
+          <a:xfrm>
+            <a:off x="10611853" y="2755231"/>
+            <a:ext cx="1580147" cy="1335505"/>
+          </a:xfrm>
+          <a:prstGeom prst="rect">
+            <a:avLst/>
+          </a:prstGeom>
+          <a:solidFill>
+            <a:schemeClr val="accent1"/>
+          </a:solidFill>
+          <a:ln>
+            <a:noFill/>
+          </a:ln>
+        </p:spPr>
+        <p:style>
+          <a:lnRef idx="2">
+            <a:schemeClr val="accent1">
+              <a:shade val="50000"/>
+            </a:schemeClr>
+          </a:lnRef>
+          <a:fillRef idx="1">
+            <a:schemeClr val="accent1"/>
+          </a:fillRef>
+          <a:effectRef idx="0">
+            <a:schemeClr val="accent1"/>
+          </a:effectRef>
+          <a:fontRef idx="minor">
+            <a:schemeClr val="lt1"/>
+          </a:fontRef>
+        </p:style>
+        <p:txBody>
+          <a:bodyPr rtlCol="0" anchor="ctr"/>
+          <a:lstStyle/>
+          <a:p>
+            <a:pPr algn="ctr"/>
+            <a:endParaRPr lang="de-DE"/>
+          </a:p>
+        </p:txBody>
+      </p:sp>
     </p:spTree>
     <p:extLst>
       <p:ext uri="{BB962C8B-B14F-4D97-AF65-F5344CB8AC3E}">
@@ -16017,7 +16065,7 @@
 <file path=ppt/theme/theme1.xml><?xml version="1.0" encoding="utf-8"?>
 <a:theme xmlns:a="http://schemas.openxmlformats.org/drawingml/2006/main" name="TM04033917[[fn=Berlin]]_novariants">
   <a:themeElements>
-    <a:clrScheme name="Benutzerdefiniert 17">
+    <a:clrScheme name="Benutzerdefiniert 4">
       <a:dk1>
         <a:srgbClr val="83D9CC"/>
       </a:dk1>
@@ -16049,10 +16097,10 @@
         <a:srgbClr val="51C3F9"/>
       </a:accent6>
       <a:hlink>
-        <a:srgbClr val="6B9F25"/>
+        <a:srgbClr val="FFFFFF"/>
       </a:hlink>
       <a:folHlink>
-        <a:srgbClr val="B26B02"/>
+        <a:srgbClr val="FFFFFF"/>
       </a:folHlink>
     </a:clrScheme>
     <a:fontScheme name="Corbel">

--- a/Abschlusspräsentation/Praesentation_newdesign.pptx
+++ b/Abschlusspräsentation/Praesentation_newdesign.pptx
@@ -7,17 +7,20 @@
   <p:notesMasterIdLst>
     <p:notesMasterId r:id="rId12"/>
   </p:notesMasterIdLst>
+  <p:handoutMasterIdLst>
+    <p:handoutMasterId r:id="rId13"/>
+  </p:handoutMasterIdLst>
   <p:sldIdLst>
     <p:sldId id="256" r:id="rId2"/>
     <p:sldId id="257" r:id="rId3"/>
     <p:sldId id="258" r:id="rId4"/>
     <p:sldId id="259" r:id="rId5"/>
     <p:sldId id="260" r:id="rId6"/>
-    <p:sldId id="262" r:id="rId7"/>
-    <p:sldId id="263" r:id="rId8"/>
+    <p:sldId id="263" r:id="rId7"/>
+    <p:sldId id="262" r:id="rId8"/>
     <p:sldId id="264" r:id="rId9"/>
     <p:sldId id="265" r:id="rId10"/>
-    <p:sldId id="266" r:id="rId11"/>
+    <p:sldId id="267" r:id="rId11"/>
   </p:sldIdLst>
   <p:sldSz cx="12192000" cy="6858000"/>
   <p:notesSz cx="6858000" cy="9144000"/>
@@ -138,6 +141,171 @@
 </p:presentation>
 </file>
 
+<file path=ppt/handoutMasters/handoutMaster1.xml><?xml version="1.0" encoding="utf-8"?>
+<p:handoutMaster xmlns:a="http://schemas.openxmlformats.org/drawingml/2006/main" xmlns:r="http://schemas.openxmlformats.org/officeDocument/2006/relationships" xmlns:p="http://schemas.openxmlformats.org/presentationml/2006/main">
+  <p:cSld>
+    <p:bg>
+      <p:bgRef idx="1001">
+        <a:schemeClr val="bg1"/>
+      </p:bgRef>
+    </p:bg>
+    <p:spTree>
+      <p:nvGrpSpPr>
+        <p:cNvPr id="1" name=""/>
+        <p:cNvGrpSpPr/>
+        <p:nvPr/>
+      </p:nvGrpSpPr>
+      <p:grpSpPr>
+        <a:xfrm>
+          <a:off x="0" y="0"/>
+          <a:ext cx="0" cy="0"/>
+          <a:chOff x="0" y="0"/>
+          <a:chExt cx="0" cy="0"/>
+        </a:xfrm>
+      </p:grpSpPr>
+      <p:sp>
+        <p:nvSpPr>
+          <p:cNvPr id="2" name="Kopfzeilenplatzhalter 1"/>
+          <p:cNvSpPr>
+            <a:spLocks noGrp="1"/>
+          </p:cNvSpPr>
+          <p:nvPr>
+            <p:ph type="hdr" sz="quarter"/>
+          </p:nvPr>
+        </p:nvSpPr>
+        <p:spPr>
+          <a:xfrm>
+            <a:off x="0" y="0"/>
+            <a:ext cx="2971800" cy="458788"/>
+          </a:xfrm>
+          <a:prstGeom prst="rect">
+            <a:avLst/>
+          </a:prstGeom>
+        </p:spPr>
+        <p:txBody>
+          <a:bodyPr vert="horz" lIns="91440" tIns="45720" rIns="91440" bIns="45720" rtlCol="0"/>
+          <a:lstStyle>
+            <a:lvl1pPr algn="l">
+              <a:defRPr sz="1200"/>
+            </a:lvl1pPr>
+          </a:lstStyle>
+          <a:p>
+            <a:endParaRPr lang="de-DE"/>
+          </a:p>
+        </p:txBody>
+      </p:sp>
+      <p:sp>
+        <p:nvSpPr>
+          <p:cNvPr id="3" name="Datumsplatzhalter 2"/>
+          <p:cNvSpPr>
+            <a:spLocks noGrp="1"/>
+          </p:cNvSpPr>
+          <p:nvPr>
+            <p:ph type="dt" sz="quarter" idx="1"/>
+          </p:nvPr>
+        </p:nvSpPr>
+        <p:spPr>
+          <a:xfrm>
+            <a:off x="3884613" y="0"/>
+            <a:ext cx="2971800" cy="458788"/>
+          </a:xfrm>
+          <a:prstGeom prst="rect">
+            <a:avLst/>
+          </a:prstGeom>
+        </p:spPr>
+        <p:txBody>
+          <a:bodyPr vert="horz" lIns="91440" tIns="45720" rIns="91440" bIns="45720" rtlCol="0"/>
+          <a:lstStyle>
+            <a:lvl1pPr algn="r">
+              <a:defRPr sz="1200"/>
+            </a:lvl1pPr>
+          </a:lstStyle>
+          <a:p>
+            <a:fld id="{D1552242-029C-4138-91BD-3BE315DF1C94}" type="datetimeFigureOut">
+              <a:rPr lang="de-DE" smtClean="0"/>
+              <a:t>20.03.2017</a:t>
+            </a:fld>
+            <a:endParaRPr lang="de-DE"/>
+          </a:p>
+        </p:txBody>
+      </p:sp>
+      <p:sp>
+        <p:nvSpPr>
+          <p:cNvPr id="4" name="Fußzeilenplatzhalter 3"/>
+          <p:cNvSpPr>
+            <a:spLocks noGrp="1"/>
+          </p:cNvSpPr>
+          <p:nvPr>
+            <p:ph type="ftr" sz="quarter" idx="2"/>
+          </p:nvPr>
+        </p:nvSpPr>
+        <p:spPr>
+          <a:xfrm>
+            <a:off x="0" y="8685213"/>
+            <a:ext cx="2971800" cy="458787"/>
+          </a:xfrm>
+          <a:prstGeom prst="rect">
+            <a:avLst/>
+          </a:prstGeom>
+        </p:spPr>
+        <p:txBody>
+          <a:bodyPr vert="horz" lIns="91440" tIns="45720" rIns="91440" bIns="45720" rtlCol="0" anchor="b"/>
+          <a:lstStyle>
+            <a:lvl1pPr algn="l">
+              <a:defRPr sz="1200"/>
+            </a:lvl1pPr>
+          </a:lstStyle>
+          <a:p>
+            <a:endParaRPr lang="de-DE"/>
+          </a:p>
+        </p:txBody>
+      </p:sp>
+      <p:sp>
+        <p:nvSpPr>
+          <p:cNvPr id="5" name="Foliennummernplatzhalter 4"/>
+          <p:cNvSpPr>
+            <a:spLocks noGrp="1"/>
+          </p:cNvSpPr>
+          <p:nvPr>
+            <p:ph type="sldNum" sz="quarter" idx="3"/>
+          </p:nvPr>
+        </p:nvSpPr>
+        <p:spPr>
+          <a:xfrm>
+            <a:off x="3884613" y="8685213"/>
+            <a:ext cx="2971800" cy="458787"/>
+          </a:xfrm>
+          <a:prstGeom prst="rect">
+            <a:avLst/>
+          </a:prstGeom>
+        </p:spPr>
+        <p:txBody>
+          <a:bodyPr vert="horz" lIns="91440" tIns="45720" rIns="91440" bIns="45720" rtlCol="0" anchor="b"/>
+          <a:lstStyle>
+            <a:lvl1pPr algn="r">
+              <a:defRPr sz="1200"/>
+            </a:lvl1pPr>
+          </a:lstStyle>
+          <a:p>
+            <a:fld id="{46B46D07-8830-4ED4-99A9-9D5D4E0F65EB}" type="slidenum">
+              <a:rPr lang="de-DE" smtClean="0"/>
+              <a:t>‹Nr.›</a:t>
+            </a:fld>
+            <a:endParaRPr lang="de-DE"/>
+          </a:p>
+        </p:txBody>
+      </p:sp>
+    </p:spTree>
+    <p:extLst>
+      <p:ext uri="{BB962C8B-B14F-4D97-AF65-F5344CB8AC3E}">
+        <p14:creationId xmlns:p14="http://schemas.microsoft.com/office/powerpoint/2010/main" val="3346797399"/>
+      </p:ext>
+    </p:extLst>
+  </p:cSld>
+  <p:clrMap bg1="lt1" tx1="dk1" bg2="lt2" tx2="dk2" accent1="accent1" accent2="accent2" accent3="accent3" accent4="accent4" accent5="accent5" accent6="accent6" hlink="hlink" folHlink="folHlink"/>
+</p:handoutMaster>
+</file>
+
 <file path=ppt/notesMasters/notesMaster1.xml><?xml version="1.0" encoding="utf-8"?>
 <p:notesMaster xmlns:a="http://schemas.openxmlformats.org/drawingml/2006/main" xmlns:r="http://schemas.openxmlformats.org/officeDocument/2006/relationships" xmlns:p="http://schemas.openxmlformats.org/presentationml/2006/main">
   <p:cSld>
@@ -531,6 +699,16 @@
           <a:bodyPr/>
           <a:lstStyle/>
           <a:p>
+            <a:pPr marL="0" indent="0">
+              <a:buFont typeface="Arial" panose="020B0604020202020204" pitchFamily="34" charset="0"/>
+              <a:buNone/>
+            </a:pPr>
+            <a:r>
+              <a:rPr lang="de-DE" dirty="0"/>
+              <a:t>Samuel</a:t>
+            </a:r>
+          </a:p>
+          <a:p>
             <a:pPr marL="171450" indent="-171450">
               <a:buFont typeface="Arial" panose="020B0604020202020204" pitchFamily="34" charset="0"/>
               <a:buChar char="•"/>
@@ -677,6 +855,16 @@
           <a:bodyPr/>
           <a:lstStyle/>
           <a:p>
+            <a:pPr marL="0" indent="0">
+              <a:buFont typeface="Arial" panose="020B0604020202020204" pitchFamily="34" charset="0"/>
+              <a:buNone/>
+            </a:pPr>
+            <a:r>
+              <a:rPr lang="de-DE" dirty="0"/>
+              <a:t>Samuel</a:t>
+            </a:r>
+          </a:p>
+          <a:p>
             <a:pPr marL="171450" indent="-171450">
               <a:buFont typeface="Arial" panose="020B0604020202020204" pitchFamily="34" charset="0"/>
               <a:buChar char="•"/>
@@ -821,6 +1009,16 @@
           <a:bodyPr/>
           <a:lstStyle/>
           <a:p>
+            <a:pPr marL="0" indent="0">
+              <a:buFont typeface="Arial" panose="020B0604020202020204" pitchFamily="34" charset="0"/>
+              <a:buNone/>
+            </a:pPr>
+            <a:r>
+              <a:rPr lang="de-DE" dirty="0"/>
+              <a:t>Niklas</a:t>
+            </a:r>
+          </a:p>
+          <a:p>
             <a:pPr marL="171450" indent="-171450">
               <a:buFont typeface="Arial" panose="020B0604020202020204" pitchFamily="34" charset="0"/>
               <a:buChar char="•"/>
@@ -1035,6 +1233,16 @@
           <a:bodyPr/>
           <a:lstStyle/>
           <a:p>
+            <a:pPr marL="0" lvl="0" indent="0">
+              <a:buFont typeface="Arial" panose="020B0604020202020204" pitchFamily="34" charset="0"/>
+              <a:buNone/>
+            </a:pPr>
+            <a:r>
+              <a:rPr lang="de-DE" baseline="0" dirty="0"/>
+              <a:t>Niklas</a:t>
+            </a:r>
+          </a:p>
+          <a:p>
             <a:pPr marL="171450" lvl="0" indent="-171450">
               <a:buFont typeface="Arial" panose="020B0604020202020204" pitchFamily="34" charset="0"/>
               <a:buChar char="•"/>
@@ -1381,6 +1589,16 @@
           <a:bodyPr/>
           <a:lstStyle/>
           <a:p>
+            <a:pPr marL="0" indent="0">
+              <a:buFont typeface="Arial" panose="020B0604020202020204" pitchFamily="34" charset="0"/>
+              <a:buNone/>
+            </a:pPr>
+            <a:r>
+              <a:rPr lang="de-DE" dirty="0"/>
+              <a:t>Niklas</a:t>
+            </a:r>
+          </a:p>
+          <a:p>
             <a:pPr marL="171450" indent="-171450">
               <a:buFont typeface="Arial" panose="020B0604020202020204" pitchFamily="34" charset="0"/>
               <a:buChar char="•"/>
@@ -1516,55 +1734,13 @@
           <a:bodyPr/>
           <a:lstStyle/>
           <a:p>
-            <a:pPr marL="171450" indent="-171450">
-              <a:lnSpc>
-                <a:spcPct val="150000"/>
-              </a:lnSpc>
+            <a:pPr marL="0" indent="0">
               <a:buFont typeface="Arial" panose="020B0604020202020204" pitchFamily="34" charset="0"/>
-              <a:buChar char="•"/>
+              <a:buNone/>
             </a:pPr>
             <a:r>
               <a:rPr lang="de-DE" dirty="0"/>
-              <a:t>Mögliche Ziele</a:t>
-            </a:r>
-          </a:p>
-          <a:p>
-            <a:pPr marL="628650" lvl="1" indent="-171450">
-              <a:lnSpc>
-                <a:spcPct val="150000"/>
-              </a:lnSpc>
-              <a:buFont typeface="Arial" panose="020B0604020202020204" pitchFamily="34" charset="0"/>
-              <a:buChar char="•"/>
-            </a:pPr>
-            <a:r>
-              <a:rPr lang="de-DE" dirty="0"/>
-              <a:t>Minimale ECTS-Zahl</a:t>
-            </a:r>
-          </a:p>
-          <a:p>
-            <a:pPr marL="628650" lvl="1" indent="-171450">
-              <a:lnSpc>
-                <a:spcPct val="150000"/>
-              </a:lnSpc>
-              <a:buFont typeface="Arial" panose="020B0604020202020204" pitchFamily="34" charset="0"/>
-              <a:buChar char="•"/>
-            </a:pPr>
-            <a:r>
-              <a:rPr lang="de-DE" dirty="0"/>
-              <a:t>Minimale Semester Zahl</a:t>
-            </a:r>
-          </a:p>
-          <a:p>
-            <a:pPr marL="628650" lvl="1" indent="-171450">
-              <a:lnSpc>
-                <a:spcPct val="150000"/>
-              </a:lnSpc>
-              <a:buFont typeface="Arial" panose="020B0604020202020204" pitchFamily="34" charset="0"/>
-              <a:buChar char="•"/>
-            </a:pPr>
-            <a:r>
-              <a:rPr lang="de-DE" dirty="0"/>
-              <a:t>Präferenzen</a:t>
+              <a:t>Samuel</a:t>
             </a:r>
           </a:p>
           <a:p>
@@ -1574,16 +1750,73 @@
             </a:pPr>
             <a:r>
               <a:rPr lang="de-DE" dirty="0"/>
-              <a:t>Alle geben einen Wert aus dem </a:t>
-            </a:r>
-            <a:r>
-              <a:rPr lang="de-DE" dirty="0" err="1"/>
-              <a:t>Interval</a:t>
-            </a:r>
+              <a:t>Evolutionärer Algorithmus</a:t>
+            </a:r>
+          </a:p>
+          <a:p>
+            <a:pPr marL="628650" lvl="1" indent="-171450">
+              <a:buFont typeface="Arial" panose="020B0604020202020204" pitchFamily="34" charset="0"/>
+              <a:buChar char="•"/>
+            </a:pPr>
             <a:r>
               <a:rPr lang="de-DE" dirty="0"/>
-              <a:t> [0,1] zurück</a:t>
-            </a:r>
+              <a:t>Mehrfache Generierung von „Plan-Familien“</a:t>
+            </a:r>
+          </a:p>
+          <a:p>
+            <a:pPr marL="1085850" lvl="2" indent="-171450">
+              <a:buFont typeface="Arial" panose="020B0604020202020204" pitchFamily="34" charset="0"/>
+              <a:buChar char="•"/>
+            </a:pPr>
+            <a:r>
+              <a:rPr lang="de-DE" dirty="0"/>
+              <a:t>10</a:t>
+            </a:r>
+            <a:r>
+              <a:rPr lang="de-DE" baseline="0" dirty="0"/>
+              <a:t> Pläne/Familie</a:t>
+            </a:r>
+          </a:p>
+          <a:p>
+            <a:pPr marL="1085850" lvl="2" indent="-171450">
+              <a:buFont typeface="Arial" panose="020B0604020202020204" pitchFamily="34" charset="0"/>
+              <a:buChar char="•"/>
+            </a:pPr>
+            <a:r>
+              <a:rPr lang="de-DE" baseline="0" dirty="0"/>
+              <a:t>5 Familien</a:t>
+            </a:r>
+          </a:p>
+          <a:p>
+            <a:pPr marL="1085850" lvl="2" indent="-171450">
+              <a:buFont typeface="Arial" panose="020B0604020202020204" pitchFamily="34" charset="0"/>
+              <a:buChar char="•"/>
+            </a:pPr>
+            <a:r>
+              <a:rPr lang="de-DE" baseline="0" dirty="0"/>
+              <a:t>Immer auf Basis der vorherigen Familie</a:t>
+            </a:r>
+          </a:p>
+          <a:p>
+            <a:pPr marL="171450" lvl="0" indent="-171450">
+              <a:buFont typeface="Arial" panose="020B0604020202020204" pitchFamily="34" charset="0"/>
+              <a:buChar char="•"/>
+            </a:pPr>
+            <a:r>
+              <a:rPr lang="de-DE" baseline="0" dirty="0"/>
+              <a:t>Dauer der Implementierung des Algorithmus (ca. 6-7 Wochen)</a:t>
+            </a:r>
+          </a:p>
+          <a:p>
+            <a:pPr marL="628650" lvl="1" indent="-171450">
+              <a:buFont typeface="Arial" panose="020B0604020202020204" pitchFamily="34" charset="0"/>
+              <a:buChar char="•"/>
+            </a:pPr>
+            <a:r>
+              <a:rPr lang="de-DE" baseline="0" dirty="0"/>
+              <a:t>Erste Code Zeile bis erster verifizierter Plan</a:t>
+            </a:r>
+            <a:endParaRPr lang="de-DE" dirty="0"/>
           </a:p>
         </p:txBody>
       </p:sp>
@@ -1613,7 +1846,7 @@
     </p:spTree>
     <p:extLst>
       <p:ext uri="{BB962C8B-B14F-4D97-AF65-F5344CB8AC3E}">
-        <p14:creationId xmlns:p14="http://schemas.microsoft.com/office/powerpoint/2010/main" val="1278445858"/>
+        <p14:creationId xmlns:p14="http://schemas.microsoft.com/office/powerpoint/2010/main" val="2108860238"/>
       </p:ext>
     </p:extLst>
   </p:cSld>
@@ -1667,79 +1900,87 @@
           <a:bodyPr/>
           <a:lstStyle/>
           <a:p>
+            <a:pPr marL="0" indent="0">
+              <a:lnSpc>
+                <a:spcPct val="150000"/>
+              </a:lnSpc>
+              <a:buFont typeface="Arial" panose="020B0604020202020204" pitchFamily="34" charset="0"/>
+              <a:buNone/>
+            </a:pPr>
+            <a:r>
+              <a:rPr lang="de-DE" dirty="0"/>
+              <a:t>Samuel</a:t>
+            </a:r>
+          </a:p>
+          <a:p>
+            <a:pPr marL="171450" indent="-171450">
+              <a:lnSpc>
+                <a:spcPct val="150000"/>
+              </a:lnSpc>
+              <a:buFont typeface="Arial" panose="020B0604020202020204" pitchFamily="34" charset="0"/>
+              <a:buChar char="•"/>
+            </a:pPr>
+            <a:r>
+              <a:rPr lang="de-DE" dirty="0"/>
+              <a:t>Mögliche Ziele</a:t>
+            </a:r>
+          </a:p>
+          <a:p>
+            <a:pPr marL="628650" lvl="1" indent="-171450">
+              <a:lnSpc>
+                <a:spcPct val="150000"/>
+              </a:lnSpc>
+              <a:buFont typeface="Arial" panose="020B0604020202020204" pitchFamily="34" charset="0"/>
+              <a:buChar char="•"/>
+            </a:pPr>
+            <a:r>
+              <a:rPr lang="de-DE" dirty="0"/>
+              <a:t>Minimale ECTS-Zahl</a:t>
+            </a:r>
+          </a:p>
+          <a:p>
+            <a:pPr marL="628650" lvl="1" indent="-171450">
+              <a:lnSpc>
+                <a:spcPct val="150000"/>
+              </a:lnSpc>
+              <a:buFont typeface="Arial" panose="020B0604020202020204" pitchFamily="34" charset="0"/>
+              <a:buChar char="•"/>
+            </a:pPr>
+            <a:r>
+              <a:rPr lang="de-DE" dirty="0"/>
+              <a:t>Minimale Semester Zahl</a:t>
+            </a:r>
+          </a:p>
+          <a:p>
+            <a:pPr marL="628650" lvl="1" indent="-171450">
+              <a:lnSpc>
+                <a:spcPct val="150000"/>
+              </a:lnSpc>
+              <a:buFont typeface="Arial" panose="020B0604020202020204" pitchFamily="34" charset="0"/>
+              <a:buChar char="•"/>
+            </a:pPr>
+            <a:r>
+              <a:rPr lang="de-DE" dirty="0"/>
+              <a:t>Präferenzen</a:t>
+            </a:r>
+          </a:p>
+          <a:p>
             <a:pPr marL="171450" indent="-171450">
               <a:buFont typeface="Arial" panose="020B0604020202020204" pitchFamily="34" charset="0"/>
               <a:buChar char="•"/>
             </a:pPr>
             <a:r>
               <a:rPr lang="de-DE" dirty="0"/>
-              <a:t>Evolutionärer Algorithmus</a:t>
-            </a:r>
-          </a:p>
-          <a:p>
-            <a:pPr marL="628650" lvl="1" indent="-171450">
-              <a:buFont typeface="Arial" panose="020B0604020202020204" pitchFamily="34" charset="0"/>
-              <a:buChar char="•"/>
-            </a:pPr>
+              <a:t>Alle geben einen Wert aus dem </a:t>
+            </a:r>
+            <a:r>
+              <a:rPr lang="de-DE" dirty="0" err="1"/>
+              <a:t>Interval</a:t>
+            </a:r>
             <a:r>
               <a:rPr lang="de-DE" dirty="0"/>
-              <a:t>Mehrfache Generierung von „Plan-Familien“</a:t>
-            </a:r>
-          </a:p>
-          <a:p>
-            <a:pPr marL="1085850" lvl="2" indent="-171450">
-              <a:buFont typeface="Arial" panose="020B0604020202020204" pitchFamily="34" charset="0"/>
-              <a:buChar char="•"/>
-            </a:pPr>
-            <a:r>
-              <a:rPr lang="de-DE" dirty="0"/>
-              <a:t>10</a:t>
-            </a:r>
-            <a:r>
-              <a:rPr lang="de-DE" baseline="0" dirty="0"/>
-              <a:t> Pläne/Familie</a:t>
-            </a:r>
-          </a:p>
-          <a:p>
-            <a:pPr marL="1085850" lvl="2" indent="-171450">
-              <a:buFont typeface="Arial" panose="020B0604020202020204" pitchFamily="34" charset="0"/>
-              <a:buChar char="•"/>
-            </a:pPr>
-            <a:r>
-              <a:rPr lang="de-DE" baseline="0" dirty="0"/>
-              <a:t>5 Familien</a:t>
-            </a:r>
-          </a:p>
-          <a:p>
-            <a:pPr marL="1085850" lvl="2" indent="-171450">
-              <a:buFont typeface="Arial" panose="020B0604020202020204" pitchFamily="34" charset="0"/>
-              <a:buChar char="•"/>
-            </a:pPr>
-            <a:r>
-              <a:rPr lang="de-DE" baseline="0" dirty="0"/>
-              <a:t>Immer auf Basis der vorherigen Familie</a:t>
-            </a:r>
-          </a:p>
-          <a:p>
-            <a:pPr marL="171450" lvl="0" indent="-171450">
-              <a:buFont typeface="Arial" panose="020B0604020202020204" pitchFamily="34" charset="0"/>
-              <a:buChar char="•"/>
-            </a:pPr>
-            <a:r>
-              <a:rPr lang="de-DE" baseline="0" dirty="0"/>
-              <a:t>Dauer der Implementierung des Algorithmus (ca. 6-7 Wochen)</a:t>
-            </a:r>
-          </a:p>
-          <a:p>
-            <a:pPr marL="628650" lvl="1" indent="-171450">
-              <a:buFont typeface="Arial" panose="020B0604020202020204" pitchFamily="34" charset="0"/>
-              <a:buChar char="•"/>
-            </a:pPr>
-            <a:r>
-              <a:rPr lang="de-DE" baseline="0" dirty="0"/>
-              <a:t>Erste Code Zeile bis erster verifizierter Plan</a:t>
-            </a:r>
-            <a:endParaRPr lang="de-DE" dirty="0"/>
+              <a:t> [0,1] zurück</a:t>
+            </a:r>
           </a:p>
         </p:txBody>
       </p:sp>
@@ -1769,7 +2010,7 @@
     </p:spTree>
     <p:extLst>
       <p:ext uri="{BB962C8B-B14F-4D97-AF65-F5344CB8AC3E}">
-        <p14:creationId xmlns:p14="http://schemas.microsoft.com/office/powerpoint/2010/main" val="2108860238"/>
+        <p14:creationId xmlns:p14="http://schemas.microsoft.com/office/powerpoint/2010/main" val="1278445858"/>
       </p:ext>
     </p:extLst>
   </p:cSld>
@@ -1823,69 +2064,10 @@
           <a:bodyPr/>
           <a:lstStyle/>
           <a:p>
-            <a:pPr marL="171450" indent="-171450">
-              <a:buFont typeface="Arial" panose="020B0604020202020204" pitchFamily="34" charset="0"/>
-              <a:buChar char="•"/>
-            </a:pPr>
             <a:r>
               <a:rPr lang="de-DE" dirty="0"/>
-              <a:t>„Wasserfall mit Rückkopplung“ hat für uns funktioniert</a:t>
-            </a:r>
-          </a:p>
-          <a:p>
-            <a:pPr marL="628650" lvl="1" indent="-171450">
-              <a:buFont typeface="Arial" panose="020B0604020202020204" pitchFamily="34" charset="0"/>
-              <a:buChar char="•"/>
-            </a:pPr>
-            <a:r>
-              <a:rPr lang="de-DE" dirty="0"/>
-              <a:t>Pflichtenheft: Gute</a:t>
-            </a:r>
-            <a:r>
-              <a:rPr lang="de-DE" baseline="0" dirty="0"/>
-              <a:t> Grundlage =&gt; „Alle sprechen die selbe Sprache“</a:t>
-            </a:r>
-          </a:p>
-          <a:p>
-            <a:pPr marL="628650" lvl="1" indent="-171450">
-              <a:buFont typeface="Arial" panose="020B0604020202020204" pitchFamily="34" charset="0"/>
-              <a:buChar char="•"/>
-            </a:pPr>
-            <a:r>
-              <a:rPr lang="de-DE" baseline="0" dirty="0"/>
-              <a:t>Entwurf: Erfolgreich</a:t>
-            </a:r>
-          </a:p>
-          <a:p>
-            <a:pPr marL="628650" lvl="1" indent="-171450">
-              <a:buFont typeface="Arial" panose="020B0604020202020204" pitchFamily="34" charset="0"/>
-              <a:buChar char="•"/>
-            </a:pPr>
-            <a:r>
-              <a:rPr lang="de-DE" baseline="0" dirty="0"/>
-              <a:t>Wenig Änderungen in Implementierung notwendig</a:t>
-            </a:r>
-          </a:p>
-          <a:p>
-            <a:pPr marL="628650" lvl="1" indent="-171450">
-              <a:buFont typeface="Arial" panose="020B0604020202020204" pitchFamily="34" charset="0"/>
-              <a:buChar char="•"/>
-            </a:pPr>
-            <a:r>
-              <a:rPr lang="de-DE" baseline="0" dirty="0"/>
-              <a:t>„Perfektionierung“ während Qualitätssicherung</a:t>
-            </a:r>
-          </a:p>
-          <a:p>
-            <a:pPr marL="171450" lvl="0" indent="-171450">
-              <a:buFont typeface="Arial" panose="020B0604020202020204" pitchFamily="34" charset="0"/>
-              <a:buChar char="•"/>
-            </a:pPr>
-            <a:r>
-              <a:rPr lang="de-DE" baseline="0" dirty="0"/>
-              <a:t>Insgesamt: Sehr erfolgreiches Projekt mit zufriedenstellendem Ergebnis</a:t>
-            </a:r>
-            <a:endParaRPr lang="de-DE" dirty="0"/>
+              <a:t>Niklas</a:t>
+            </a:r>
           </a:p>
         </p:txBody>
       </p:sp>
@@ -1906,7 +2088,7 @@
           <a:p>
             <a:fld id="{10623EF1-A4FE-4F69-895D-EDE1FA958D12}" type="slidenum">
               <a:rPr lang="de-DE" smtClean="0"/>
-              <a:t>10</a:t>
+              <a:t>8</a:t>
             </a:fld>
             <a:endParaRPr lang="de-DE"/>
           </a:p>
@@ -1915,7 +2097,91 @@
     </p:spTree>
     <p:extLst>
       <p:ext uri="{BB962C8B-B14F-4D97-AF65-F5344CB8AC3E}">
-        <p14:creationId xmlns:p14="http://schemas.microsoft.com/office/powerpoint/2010/main" val="1164759449"/>
+        <p14:creationId xmlns:p14="http://schemas.microsoft.com/office/powerpoint/2010/main" val="2680986530"/>
+      </p:ext>
+    </p:extLst>
+  </p:cSld>
+  <p:clrMapOvr>
+    <a:masterClrMapping/>
+  </p:clrMapOvr>
+</p:notes>
+</file>
+
+<file path=ppt/notesSlides/notesSlide9.xml><?xml version="1.0" encoding="utf-8"?>
+<p:notes xmlns:a="http://schemas.openxmlformats.org/drawingml/2006/main" xmlns:r="http://schemas.openxmlformats.org/officeDocument/2006/relationships" xmlns:p="http://schemas.openxmlformats.org/presentationml/2006/main">
+  <p:cSld>
+    <p:spTree>
+      <p:nvGrpSpPr>
+        <p:cNvPr id="1" name=""/>
+        <p:cNvGrpSpPr/>
+        <p:nvPr/>
+      </p:nvGrpSpPr>
+      <p:grpSpPr>
+        <a:xfrm>
+          <a:off x="0" y="0"/>
+          <a:ext cx="0" cy="0"/>
+          <a:chOff x="0" y="0"/>
+          <a:chExt cx="0" cy="0"/>
+        </a:xfrm>
+      </p:grpSpPr>
+      <p:sp>
+        <p:nvSpPr>
+          <p:cNvPr id="2" name="Folienbildplatzhalter 1"/>
+          <p:cNvSpPr>
+            <a:spLocks noGrp="1" noRot="1" noChangeAspect="1"/>
+          </p:cNvSpPr>
+          <p:nvPr>
+            <p:ph type="sldImg"/>
+          </p:nvPr>
+        </p:nvSpPr>
+        <p:spPr/>
+      </p:sp>
+      <p:sp>
+        <p:nvSpPr>
+          <p:cNvPr id="3" name="Notizenplatzhalter 2"/>
+          <p:cNvSpPr>
+            <a:spLocks noGrp="1"/>
+          </p:cNvSpPr>
+          <p:nvPr>
+            <p:ph type="body" idx="1"/>
+          </p:nvPr>
+        </p:nvSpPr>
+        <p:spPr/>
+        <p:txBody>
+          <a:bodyPr/>
+          <a:lstStyle/>
+          <a:p>
+            <a:endParaRPr lang="de-DE"/>
+          </a:p>
+        </p:txBody>
+      </p:sp>
+      <p:sp>
+        <p:nvSpPr>
+          <p:cNvPr id="4" name="Foliennummernplatzhalter 3"/>
+          <p:cNvSpPr>
+            <a:spLocks noGrp="1"/>
+          </p:cNvSpPr>
+          <p:nvPr>
+            <p:ph type="sldNum" sz="quarter" idx="10"/>
+          </p:nvPr>
+        </p:nvSpPr>
+        <p:spPr/>
+        <p:txBody>
+          <a:bodyPr/>
+          <a:lstStyle/>
+          <a:p>
+            <a:fld id="{10623EF1-A4FE-4F69-895D-EDE1FA958D12}" type="slidenum">
+              <a:rPr lang="de-DE" smtClean="0"/>
+              <a:t>9</a:t>
+            </a:fld>
+            <a:endParaRPr lang="de-DE"/>
+          </a:p>
+        </p:txBody>
+      </p:sp>
+    </p:spTree>
+    <p:extLst>
+      <p:ext uri="{BB962C8B-B14F-4D97-AF65-F5344CB8AC3E}">
+        <p14:creationId xmlns:p14="http://schemas.microsoft.com/office/powerpoint/2010/main" val="713698698"/>
       </p:ext>
     </p:extLst>
   </p:cSld>
@@ -9630,6 +9896,9 @@
   <p:clrMapOvr>
     <a:masterClrMapping/>
   </p:clrMapOvr>
+  <p:transition>
+    <p:fade/>
+  </p:transition>
 </p:sld>
 </file>
 
@@ -9674,56 +9943,61 @@
       </p:sp>
       <p:sp>
         <p:nvSpPr>
-          <p:cNvPr id="3" name="Inhaltsplatzhalter 2"/>
+          <p:cNvPr id="3" name="Textplatzhalter 2"/>
           <p:cNvSpPr>
             <a:spLocks noGrp="1"/>
           </p:cNvSpPr>
           <p:nvPr>
-            <p:ph idx="1"/>
+            <p:ph type="body" idx="1"/>
           </p:nvPr>
         </p:nvSpPr>
         <p:spPr/>
         <p:txBody>
-          <a:bodyPr/>
+          <a:bodyPr>
+            <a:normAutofit/>
+          </a:bodyPr>
           <a:lstStyle/>
           <a:p>
             <a:r>
-              <a:rPr lang="de-DE" dirty="0"/>
-              <a:t>Erfolgreicher Entwurf</a:t>
-            </a:r>
-          </a:p>
-          <a:p>
-            <a:pPr lvl="1"/>
-            <a:r>
-              <a:rPr lang="de-DE" dirty="0"/>
-              <a:t>Wenige Änderungen in Implementierungsphase notwendig</a:t>
-            </a:r>
-          </a:p>
-          <a:p>
-            <a:r>
-              <a:rPr lang="de-DE" dirty="0"/>
-              <a:t>Erfolgreiches Projekt</a:t>
-            </a:r>
-          </a:p>
-          <a:p>
-            <a:pPr lvl="1"/>
-            <a:r>
-              <a:rPr lang="de-DE" dirty="0"/>
-              <a:t>Software entspricht allen Spezifikationen des Pflichtenhefts</a:t>
-            </a:r>
+              <a:rPr lang="de-DE" sz="2400" b="1" dirty="0">
+                <a:solidFill>
+                  <a:schemeClr val="tx1"/>
+                </a:solidFill>
+                <a:latin typeface="Consolas" panose="020B0609020204030204" pitchFamily="49" charset="0"/>
+                <a:cs typeface="Adobe Devanagari" panose="02040503050201020203" pitchFamily="18" charset="0"/>
+              </a:rPr>
+              <a:t>Project Status:	</a:t>
+            </a:r>
+            <a:r>
+              <a:rPr lang="de-DE" sz="2400" b="1" dirty="0">
+                <a:solidFill>
+                  <a:schemeClr val="accent1"/>
+                </a:solidFill>
+                <a:latin typeface="Consolas" panose="020B0609020204030204" pitchFamily="49" charset="0"/>
+                <a:cs typeface="Adobe Devanagari" panose="02040503050201020203" pitchFamily="18" charset="0"/>
+              </a:rPr>
+              <a:t>SUCCESS</a:t>
+            </a:r>
+            <a:endParaRPr lang="de-DE" sz="2400" b="1" dirty="0">
+              <a:latin typeface="Consolas" panose="020B0609020204030204" pitchFamily="49" charset="0"/>
+              <a:cs typeface="Adobe Devanagari" panose="02040503050201020203" pitchFamily="18" charset="0"/>
+            </a:endParaRPr>
           </a:p>
         </p:txBody>
       </p:sp>
     </p:spTree>
     <p:extLst>
       <p:ext uri="{BB962C8B-B14F-4D97-AF65-F5344CB8AC3E}">
-        <p14:creationId xmlns:p14="http://schemas.microsoft.com/office/powerpoint/2010/main" val="2148954173"/>
+        <p14:creationId xmlns:p14="http://schemas.microsoft.com/office/powerpoint/2010/main" val="1707420876"/>
       </p:ext>
     </p:extLst>
   </p:cSld>
   <p:clrMapOvr>
     <a:masterClrMapping/>
   </p:clrMapOvr>
+  <p:transition>
+    <p:fade/>
+  </p:transition>
 </p:sld>
 </file>
 
@@ -9836,6 +10110,9 @@
   <p:clrMapOvr>
     <a:masterClrMapping/>
   </p:clrMapOvr>
+  <p:transition>
+    <p:fade/>
+  </p:transition>
 </p:sld>
 </file>
 
@@ -9948,6 +10225,9 @@
   <p:clrMapOvr>
     <a:masterClrMapping/>
   </p:clrMapOvr>
+  <p:transition>
+    <p:fade/>
+  </p:transition>
 </p:sld>
 </file>
 
@@ -9987,52 +10267,6 @@
               <a:rPr lang="de-DE" dirty="0"/>
               <a:t>Entwurf: Architektur</a:t>
             </a:r>
-          </a:p>
-        </p:txBody>
-      </p:sp>
-      <p:sp>
-        <p:nvSpPr>
-          <p:cNvPr id="56" name="Bogen 55"/>
-          <p:cNvSpPr/>
-          <p:nvPr/>
-        </p:nvSpPr>
-        <p:spPr>
-          <a:xfrm rot="5400000">
-            <a:off x="1875455" y="2075829"/>
-            <a:ext cx="467972" cy="482047"/>
-          </a:xfrm>
-          <a:prstGeom prst="arc">
-            <a:avLst>
-              <a:gd name="adj1" fmla="val 16785883"/>
-              <a:gd name="adj2" fmla="val 18026903"/>
-            </a:avLst>
-          </a:prstGeom>
-          <a:ln w="19050">
-            <a:solidFill>
-              <a:srgbClr val="F9C37D"/>
-            </a:solidFill>
-          </a:ln>
-        </p:spPr>
-        <p:style>
-          <a:lnRef idx="1">
-            <a:schemeClr val="accent1"/>
-          </a:lnRef>
-          <a:fillRef idx="0">
-            <a:schemeClr val="accent1"/>
-          </a:fillRef>
-          <a:effectRef idx="0">
-            <a:schemeClr val="accent1"/>
-          </a:effectRef>
-          <a:fontRef idx="minor">
-            <a:schemeClr val="tx1"/>
-          </a:fontRef>
-        </p:style>
-        <p:txBody>
-          <a:bodyPr rtlCol="0" anchor="ctr"/>
-          <a:lstStyle/>
-          <a:p>
-            <a:pPr algn="ctr"/>
-            <a:endParaRPr lang="de-DE"/>
           </a:p>
         </p:txBody>
       </p:sp>
@@ -13311,6 +13545,9 @@
   <p:clrMapOvr>
     <a:masterClrMapping/>
   </p:clrMapOvr>
+  <p:transition>
+    <p:fade/>
+  </p:transition>
 </p:sld>
 </file>
 
@@ -13578,10 +13815,183 @@
   <p:clrMapOvr>
     <a:masterClrMapping/>
   </p:clrMapOvr>
+  <p:transition>
+    <p:fade/>
+  </p:transition>
 </p:sld>
 </file>
 
 <file path=ppt/slides/slide6.xml><?xml version="1.0" encoding="utf-8"?>
+<p:sld xmlns:a="http://schemas.openxmlformats.org/drawingml/2006/main" xmlns:r="http://schemas.openxmlformats.org/officeDocument/2006/relationships" xmlns:p="http://schemas.openxmlformats.org/presentationml/2006/main">
+  <p:cSld>
+    <p:spTree>
+      <p:nvGrpSpPr>
+        <p:cNvPr id="1" name=""/>
+        <p:cNvGrpSpPr/>
+        <p:nvPr/>
+      </p:nvGrpSpPr>
+      <p:grpSpPr>
+        <a:xfrm>
+          <a:off x="0" y="0"/>
+          <a:ext cx="0" cy="0"/>
+          <a:chOff x="0" y="0"/>
+          <a:chExt cx="0" cy="0"/>
+        </a:xfrm>
+      </p:grpSpPr>
+      <p:sp>
+        <p:nvSpPr>
+          <p:cNvPr id="2" name="Titel 1"/>
+          <p:cNvSpPr>
+            <a:spLocks noGrp="1"/>
+          </p:cNvSpPr>
+          <p:nvPr>
+            <p:ph type="title"/>
+          </p:nvPr>
+        </p:nvSpPr>
+        <p:spPr/>
+        <p:txBody>
+          <a:bodyPr/>
+          <a:lstStyle/>
+          <a:p>
+            <a:r>
+              <a:rPr lang="de-DE" dirty="0"/>
+              <a:t>Entwurf: Generierungsalgorithmus</a:t>
+            </a:r>
+          </a:p>
+        </p:txBody>
+      </p:sp>
+      <p:sp>
+        <p:nvSpPr>
+          <p:cNvPr id="3" name="Inhaltsplatzhalter 2"/>
+          <p:cNvSpPr>
+            <a:spLocks noGrp="1"/>
+          </p:cNvSpPr>
+          <p:nvPr>
+            <p:ph idx="1"/>
+          </p:nvPr>
+        </p:nvSpPr>
+        <p:spPr>
+          <a:xfrm>
+            <a:off x="680321" y="2336872"/>
+            <a:ext cx="9613861" cy="4075959"/>
+          </a:xfrm>
+        </p:spPr>
+        <p:txBody>
+          <a:bodyPr>
+            <a:noAutofit/>
+          </a:bodyPr>
+          <a:lstStyle/>
+          <a:p>
+            <a:pPr>
+              <a:lnSpc>
+                <a:spcPct val="150000"/>
+              </a:lnSpc>
+            </a:pPr>
+            <a:r>
+              <a:rPr lang="de-DE" dirty="0"/>
+              <a:t>Evolutionärer Algorithmus</a:t>
+            </a:r>
+          </a:p>
+          <a:p>
+            <a:pPr lvl="1">
+              <a:lnSpc>
+                <a:spcPct val="150000"/>
+              </a:lnSpc>
+            </a:pPr>
+            <a:r>
+              <a:rPr lang="de-DE" dirty="0"/>
+              <a:t>Mehrfache Generierung/Modifizierung von Plänen</a:t>
+            </a:r>
+          </a:p>
+          <a:p>
+            <a:pPr>
+              <a:lnSpc>
+                <a:spcPct val="150000"/>
+              </a:lnSpc>
+            </a:pPr>
+            <a:r>
+              <a:rPr lang="de-DE" dirty="0"/>
+              <a:t>Schritte:</a:t>
+            </a:r>
+          </a:p>
+          <a:p>
+            <a:pPr marL="914400" lvl="1" indent="-457200">
+              <a:lnSpc>
+                <a:spcPct val="150000"/>
+              </a:lnSpc>
+              <a:buFont typeface="+mj-lt"/>
+              <a:buAutoNum type="arabicPeriod"/>
+            </a:pPr>
+            <a:r>
+              <a:rPr lang="de-DE" dirty="0"/>
+              <a:t>Erstellung eines Abhängigkeitsgraphen</a:t>
+            </a:r>
+          </a:p>
+          <a:p>
+            <a:pPr marL="914400" lvl="1" indent="-457200">
+              <a:lnSpc>
+                <a:spcPct val="150000"/>
+              </a:lnSpc>
+              <a:buFont typeface="+mj-lt"/>
+              <a:buAutoNum type="arabicPeriod"/>
+            </a:pPr>
+            <a:r>
+              <a:rPr lang="de-DE" dirty="0"/>
+              <a:t>Zufälliges hinzufügen/austauschen von Module</a:t>
+            </a:r>
+          </a:p>
+          <a:p>
+            <a:pPr marL="914400" lvl="1" indent="-457200">
+              <a:lnSpc>
+                <a:spcPct val="150000"/>
+              </a:lnSpc>
+              <a:buFont typeface="+mj-lt"/>
+              <a:buAutoNum type="arabicPeriod"/>
+            </a:pPr>
+            <a:r>
+              <a:rPr lang="de-DE" dirty="0"/>
+              <a:t>Topologische Sortierung des Graphs</a:t>
+            </a:r>
+          </a:p>
+          <a:p>
+            <a:pPr marL="914400" lvl="1" indent="-457200">
+              <a:lnSpc>
+                <a:spcPct val="150000"/>
+              </a:lnSpc>
+              <a:buFont typeface="+mj-lt"/>
+              <a:buAutoNum type="arabicPeriod"/>
+            </a:pPr>
+            <a:r>
+              <a:rPr lang="de-DE" dirty="0"/>
+              <a:t>„Parallelisierung“ der Sortierung</a:t>
+            </a:r>
+          </a:p>
+          <a:p>
+            <a:pPr marL="914400" lvl="1" indent="-457200">
+              <a:buFont typeface="+mj-lt"/>
+              <a:buAutoNum type="arabicPeriod"/>
+            </a:pPr>
+            <a:endParaRPr lang="de-DE" dirty="0"/>
+          </a:p>
+        </p:txBody>
+      </p:sp>
+    </p:spTree>
+    <p:extLst>
+      <p:ext uri="{BB962C8B-B14F-4D97-AF65-F5344CB8AC3E}">
+        <p14:creationId xmlns:p14="http://schemas.microsoft.com/office/powerpoint/2010/main" val="2365399036"/>
+      </p:ext>
+    </p:extLst>
+  </p:cSld>
+  <p:clrMapOvr>
+    <a:masterClrMapping/>
+  </p:clrMapOvr>
+  <p:transition>
+    <p:fade/>
+  </p:transition>
+</p:sld>
+</file>
+
+<file path=ppt/slides/slide7.xml><?xml version="1.0" encoding="utf-8"?>
 <p:sld xmlns:a="http://schemas.openxmlformats.org/drawingml/2006/main" xmlns:r="http://schemas.openxmlformats.org/officeDocument/2006/relationships" xmlns:p="http://schemas.openxmlformats.org/presentationml/2006/main">
   <p:cSld>
     <p:spTree>
@@ -14639,173 +15049,9 @@
   <p:clrMapOvr>
     <a:masterClrMapping/>
   </p:clrMapOvr>
-</p:sld>
-</file>
-
-<file path=ppt/slides/slide7.xml><?xml version="1.0" encoding="utf-8"?>
-<p:sld xmlns:a="http://schemas.openxmlformats.org/drawingml/2006/main" xmlns:r="http://schemas.openxmlformats.org/officeDocument/2006/relationships" xmlns:p="http://schemas.openxmlformats.org/presentationml/2006/main">
-  <p:cSld>
-    <p:spTree>
-      <p:nvGrpSpPr>
-        <p:cNvPr id="1" name=""/>
-        <p:cNvGrpSpPr/>
-        <p:nvPr/>
-      </p:nvGrpSpPr>
-      <p:grpSpPr>
-        <a:xfrm>
-          <a:off x="0" y="0"/>
-          <a:ext cx="0" cy="0"/>
-          <a:chOff x="0" y="0"/>
-          <a:chExt cx="0" cy="0"/>
-        </a:xfrm>
-      </p:grpSpPr>
-      <p:sp>
-        <p:nvSpPr>
-          <p:cNvPr id="2" name="Titel 1"/>
-          <p:cNvSpPr>
-            <a:spLocks noGrp="1"/>
-          </p:cNvSpPr>
-          <p:nvPr>
-            <p:ph type="title"/>
-          </p:nvPr>
-        </p:nvSpPr>
-        <p:spPr/>
-        <p:txBody>
-          <a:bodyPr/>
-          <a:lstStyle/>
-          <a:p>
-            <a:r>
-              <a:rPr lang="de-DE" dirty="0"/>
-              <a:t>Entwurf: Generierungsalgorithmus</a:t>
-            </a:r>
-          </a:p>
-        </p:txBody>
-      </p:sp>
-      <p:sp>
-        <p:nvSpPr>
-          <p:cNvPr id="3" name="Inhaltsplatzhalter 2"/>
-          <p:cNvSpPr>
-            <a:spLocks noGrp="1"/>
-          </p:cNvSpPr>
-          <p:nvPr>
-            <p:ph idx="1"/>
-          </p:nvPr>
-        </p:nvSpPr>
-        <p:spPr>
-          <a:xfrm>
-            <a:off x="680321" y="2336872"/>
-            <a:ext cx="9613861" cy="4075959"/>
-          </a:xfrm>
-        </p:spPr>
-        <p:txBody>
-          <a:bodyPr>
-            <a:noAutofit/>
-          </a:bodyPr>
-          <a:lstStyle/>
-          <a:p>
-            <a:pPr>
-              <a:lnSpc>
-                <a:spcPct val="150000"/>
-              </a:lnSpc>
-            </a:pPr>
-            <a:r>
-              <a:rPr lang="de-DE" dirty="0"/>
-              <a:t>Evolutionärer Algorithmus</a:t>
-            </a:r>
-          </a:p>
-          <a:p>
-            <a:pPr lvl="1">
-              <a:lnSpc>
-                <a:spcPct val="150000"/>
-              </a:lnSpc>
-            </a:pPr>
-            <a:r>
-              <a:rPr lang="de-DE" dirty="0"/>
-              <a:t>Mehrfache Generierung/Modifizierung von Plänen</a:t>
-            </a:r>
-          </a:p>
-          <a:p>
-            <a:pPr>
-              <a:lnSpc>
-                <a:spcPct val="150000"/>
-              </a:lnSpc>
-            </a:pPr>
-            <a:r>
-              <a:rPr lang="de-DE" dirty="0"/>
-              <a:t>Schritte:</a:t>
-            </a:r>
-          </a:p>
-          <a:p>
-            <a:pPr marL="914400" lvl="1" indent="-457200">
-              <a:lnSpc>
-                <a:spcPct val="150000"/>
-              </a:lnSpc>
-              <a:buFont typeface="+mj-lt"/>
-              <a:buAutoNum type="arabicPeriod"/>
-            </a:pPr>
-            <a:r>
-              <a:rPr lang="de-DE" dirty="0"/>
-              <a:t>Erstellung eines Abhängigkeitsgraphen</a:t>
-            </a:r>
-          </a:p>
-          <a:p>
-            <a:pPr marL="914400" lvl="1" indent="-457200">
-              <a:lnSpc>
-                <a:spcPct val="150000"/>
-              </a:lnSpc>
-              <a:buFont typeface="+mj-lt"/>
-              <a:buAutoNum type="arabicPeriod"/>
-            </a:pPr>
-            <a:r>
-              <a:rPr lang="de-DE" dirty="0"/>
-              <a:t>Zufälliges hinzufügen/austauschen von Module</a:t>
-            </a:r>
-          </a:p>
-          <a:p>
-            <a:pPr marL="914400" lvl="1" indent="-457200">
-              <a:lnSpc>
-                <a:spcPct val="150000"/>
-              </a:lnSpc>
-              <a:buFont typeface="+mj-lt"/>
-              <a:buAutoNum type="arabicPeriod"/>
-            </a:pPr>
-            <a:r>
-              <a:rPr lang="de-DE" dirty="0"/>
-              <a:t>Topologische Sortierung des Graphs</a:t>
-            </a:r>
-          </a:p>
-          <a:p>
-            <a:pPr marL="914400" lvl="1" indent="-457200">
-              <a:lnSpc>
-                <a:spcPct val="150000"/>
-              </a:lnSpc>
-              <a:buFont typeface="+mj-lt"/>
-              <a:buAutoNum type="arabicPeriod"/>
-            </a:pPr>
-            <a:r>
-              <a:rPr lang="de-DE" dirty="0"/>
-              <a:t>„Parallelisierung“ der Sortierung</a:t>
-            </a:r>
-          </a:p>
-          <a:p>
-            <a:pPr marL="914400" lvl="1" indent="-457200">
-              <a:buFont typeface="+mj-lt"/>
-              <a:buAutoNum type="arabicPeriod"/>
-            </a:pPr>
-            <a:endParaRPr lang="de-DE" dirty="0"/>
-          </a:p>
-        </p:txBody>
-      </p:sp>
-    </p:spTree>
-    <p:extLst>
-      <p:ext uri="{BB962C8B-B14F-4D97-AF65-F5344CB8AC3E}">
-        <p14:creationId xmlns:p14="http://schemas.microsoft.com/office/powerpoint/2010/main" val="2365399036"/>
-      </p:ext>
-    </p:extLst>
-  </p:cSld>
-  <p:clrMapOvr>
-    <a:masterClrMapping/>
-  </p:clrMapOvr>
+  <p:transition>
+    <p:fade/>
+  </p:transition>
 </p:sld>
 </file>
 
@@ -15930,6 +16176,9 @@
   <p:clrMapOvr>
     <a:masterClrMapping/>
   </p:clrMapOvr>
+  <p:transition>
+    <p:fade/>
+  </p:transition>
 </p:sld>
 </file>
 
@@ -16004,7 +16253,7 @@
       <p:sp>
         <p:nvSpPr>
           <p:cNvPr id="5" name="Rechteck 4">
-            <a:hlinkClick r:id="rId2"/>
+            <a:hlinkClick r:id="rId3"/>
           </p:cNvPr>
           <p:cNvSpPr/>
           <p:nvPr/>
@@ -16059,6 +16308,9 @@
   <p:clrMapOvr>
     <a:masterClrMapping/>
   </p:clrMapOvr>
+  <p:transition>
+    <p:fade/>
+  </p:transition>
 </p:sld>
 </file>
 
@@ -16609,4 +16861,299 @@
     </a:ext>
   </a:extLst>
 </a:theme>
+</file>
+
+<file path=ppt/theme/theme3.xml><?xml version="1.0" encoding="utf-8"?>
+<a:theme xmlns:a="http://schemas.openxmlformats.org/drawingml/2006/main" name="Office">
+  <a:themeElements>
+    <a:clrScheme name="Office">
+      <a:dk1>
+        <a:sysClr val="windowText" lastClr="000000"/>
+      </a:dk1>
+      <a:lt1>
+        <a:sysClr val="window" lastClr="FFFFFF"/>
+      </a:lt1>
+      <a:dk2>
+        <a:srgbClr val="44546A"/>
+      </a:dk2>
+      <a:lt2>
+        <a:srgbClr val="E7E6E6"/>
+      </a:lt2>
+      <a:accent1>
+        <a:srgbClr val="5B9BD5"/>
+      </a:accent1>
+      <a:accent2>
+        <a:srgbClr val="ED7D31"/>
+      </a:accent2>
+      <a:accent3>
+        <a:srgbClr val="A5A5A5"/>
+      </a:accent3>
+      <a:accent4>
+        <a:srgbClr val="FFC000"/>
+      </a:accent4>
+      <a:accent5>
+        <a:srgbClr val="4472C4"/>
+      </a:accent5>
+      <a:accent6>
+        <a:srgbClr val="70AD47"/>
+      </a:accent6>
+      <a:hlink>
+        <a:srgbClr val="0563C1"/>
+      </a:hlink>
+      <a:folHlink>
+        <a:srgbClr val="954F72"/>
+      </a:folHlink>
+    </a:clrScheme>
+    <a:fontScheme name="Office">
+      <a:majorFont>
+        <a:latin typeface="Calibri Light" panose="020F0302020204030204"/>
+        <a:ea typeface=""/>
+        <a:cs typeface=""/>
+        <a:font script="Jpan" typeface="游ゴシック Light"/>
+        <a:font script="Hang" typeface="맑은 고딕"/>
+        <a:font script="Hans" typeface="等线 Light"/>
+        <a:font script="Hant" typeface="新細明體"/>
+        <a:font script="Arab" typeface="Times New Roman"/>
+        <a:font script="Hebr" typeface="Times New Roman"/>
+        <a:font script="Thai" typeface="Angsana New"/>
+        <a:font script="Ethi" typeface="Nyala"/>
+        <a:font script="Beng" typeface="Vrinda"/>
+        <a:font script="Gujr" typeface="Shruti"/>
+        <a:font script="Khmr" typeface="MoolBoran"/>
+        <a:font script="Knda" typeface="Tunga"/>
+        <a:font script="Guru" typeface="Raavi"/>
+        <a:font script="Cans" typeface="Euphemia"/>
+        <a:font script="Cher" typeface="Plantagenet Cherokee"/>
+        <a:font script="Yiii" typeface="Microsoft Yi Baiti"/>
+        <a:font script="Tibt" typeface="Microsoft Himalaya"/>
+        <a:font script="Thaa" typeface="MV Boli"/>
+        <a:font script="Deva" typeface="Mangal"/>
+        <a:font script="Telu" typeface="Gautami"/>
+        <a:font script="Taml" typeface="Latha"/>
+        <a:font script="Syrc" typeface="Estrangelo Edessa"/>
+        <a:font script="Orya" typeface="Kalinga"/>
+        <a:font script="Mlym" typeface="Kartika"/>
+        <a:font script="Laoo" typeface="DokChampa"/>
+        <a:font script="Sinh" typeface="Iskoola Pota"/>
+        <a:font script="Mong" typeface="Mongolian Baiti"/>
+        <a:font script="Viet" typeface="Times New Roman"/>
+        <a:font script="Uigh" typeface="Microsoft Uighur"/>
+        <a:font script="Geor" typeface="Sylfaen"/>
+        <a:font script="Armn" typeface="Arial"/>
+        <a:font script="Bugi" typeface="Leelawadee UI"/>
+        <a:font script="Bopo" typeface="Microsoft JhengHei"/>
+        <a:font script="Java" typeface="Javanese Text"/>
+        <a:font script="Lisu" typeface="Segoe UI"/>
+        <a:font script="Mymr" typeface="Myanmar Text"/>
+        <a:font script="Nkoo" typeface="Ebrima"/>
+        <a:font script="Olck" typeface="Nirmala UI"/>
+        <a:font script="Osma" typeface="Ebrima"/>
+        <a:font script="Phag" typeface="Phagspa"/>
+        <a:font script="Syrn" typeface="Estrangelo Edessa"/>
+        <a:font script="Syrj" typeface="Estrangelo Edessa"/>
+        <a:font script="Syre" typeface="Estrangelo Edessa"/>
+        <a:font script="Sora" typeface="Nirmala UI"/>
+        <a:font script="Tale" typeface="Microsoft Tai Le"/>
+        <a:font script="Talu" typeface="Microsoft New Tai Lue"/>
+        <a:font script="Tfng" typeface="Ebrima"/>
+      </a:majorFont>
+      <a:minorFont>
+        <a:latin typeface="Calibri" panose="020F0502020204030204"/>
+        <a:ea typeface=""/>
+        <a:cs typeface=""/>
+        <a:font script="Jpan" typeface="游ゴシック"/>
+        <a:font script="Hang" typeface="맑은 고딕"/>
+        <a:font script="Hans" typeface="等线"/>
+        <a:font script="Hant" typeface="新細明體"/>
+        <a:font script="Arab" typeface="Arial"/>
+        <a:font script="Hebr" typeface="Arial"/>
+        <a:font script="Thai" typeface="Cordia New"/>
+        <a:font script="Ethi" typeface="Nyala"/>
+        <a:font script="Beng" typeface="Vrinda"/>
+        <a:font script="Gujr" typeface="Shruti"/>
+        <a:font script="Khmr" typeface="DaunPenh"/>
+        <a:font script="Knda" typeface="Tunga"/>
+        <a:font script="Guru" typeface="Raavi"/>
+        <a:font script="Cans" typeface="Euphemia"/>
+        <a:font script="Cher" typeface="Plantagenet Cherokee"/>
+        <a:font script="Yiii" typeface="Microsoft Yi Baiti"/>
+        <a:font script="Tibt" typeface="Microsoft Himalaya"/>
+        <a:font script="Thaa" typeface="MV Boli"/>
+        <a:font script="Deva" typeface="Mangal"/>
+        <a:font script="Telu" typeface="Gautami"/>
+        <a:font script="Taml" typeface="Latha"/>
+        <a:font script="Syrc" typeface="Estrangelo Edessa"/>
+        <a:font script="Orya" typeface="Kalinga"/>
+        <a:font script="Mlym" typeface="Kartika"/>
+        <a:font script="Laoo" typeface="DokChampa"/>
+        <a:font script="Sinh" typeface="Iskoola Pota"/>
+        <a:font script="Mong" typeface="Mongolian Baiti"/>
+        <a:font script="Viet" typeface="Arial"/>
+        <a:font script="Uigh" typeface="Microsoft Uighur"/>
+        <a:font script="Geor" typeface="Sylfaen"/>
+        <a:font script="Armn" typeface="Arial"/>
+        <a:font script="Bugi" typeface="Leelawadee UI"/>
+        <a:font script="Bopo" typeface="Microsoft JhengHei"/>
+        <a:font script="Java" typeface="Javanese Text"/>
+        <a:font script="Lisu" typeface="Segoe UI"/>
+        <a:font script="Mymr" typeface="Myanmar Text"/>
+        <a:font script="Nkoo" typeface="Ebrima"/>
+        <a:font script="Olck" typeface="Nirmala UI"/>
+        <a:font script="Osma" typeface="Ebrima"/>
+        <a:font script="Phag" typeface="Phagspa"/>
+        <a:font script="Syrn" typeface="Estrangelo Edessa"/>
+        <a:font script="Syrj" typeface="Estrangelo Edessa"/>
+        <a:font script="Syre" typeface="Estrangelo Edessa"/>
+        <a:font script="Sora" typeface="Nirmala UI"/>
+        <a:font script="Tale" typeface="Microsoft Tai Le"/>
+        <a:font script="Talu" typeface="Microsoft New Tai Lue"/>
+        <a:font script="Tfng" typeface="Ebrima"/>
+      </a:minorFont>
+    </a:fontScheme>
+    <a:fmtScheme name="Office">
+      <a:fillStyleLst>
+        <a:solidFill>
+          <a:schemeClr val="phClr"/>
+        </a:solidFill>
+        <a:gradFill rotWithShape="1">
+          <a:gsLst>
+            <a:gs pos="0">
+              <a:schemeClr val="phClr">
+                <a:lumMod val="110000"/>
+                <a:satMod val="105000"/>
+                <a:tint val="67000"/>
+              </a:schemeClr>
+            </a:gs>
+            <a:gs pos="50000">
+              <a:schemeClr val="phClr">
+                <a:lumMod val="105000"/>
+                <a:satMod val="103000"/>
+                <a:tint val="73000"/>
+              </a:schemeClr>
+            </a:gs>
+            <a:gs pos="100000">
+              <a:schemeClr val="phClr">
+                <a:lumMod val="105000"/>
+                <a:satMod val="109000"/>
+                <a:tint val="81000"/>
+              </a:schemeClr>
+            </a:gs>
+          </a:gsLst>
+          <a:lin ang="5400000" scaled="0"/>
+        </a:gradFill>
+        <a:gradFill rotWithShape="1">
+          <a:gsLst>
+            <a:gs pos="0">
+              <a:schemeClr val="phClr">
+                <a:satMod val="103000"/>
+                <a:lumMod val="102000"/>
+                <a:tint val="94000"/>
+              </a:schemeClr>
+            </a:gs>
+            <a:gs pos="50000">
+              <a:schemeClr val="phClr">
+                <a:satMod val="110000"/>
+                <a:lumMod val="100000"/>
+                <a:shade val="100000"/>
+              </a:schemeClr>
+            </a:gs>
+            <a:gs pos="100000">
+              <a:schemeClr val="phClr">
+                <a:lumMod val="99000"/>
+                <a:satMod val="120000"/>
+                <a:shade val="78000"/>
+              </a:schemeClr>
+            </a:gs>
+          </a:gsLst>
+          <a:lin ang="5400000" scaled="0"/>
+        </a:gradFill>
+      </a:fillStyleLst>
+      <a:lnStyleLst>
+        <a:ln w="6350" cap="flat" cmpd="sng" algn="ctr">
+          <a:solidFill>
+            <a:schemeClr val="phClr"/>
+          </a:solidFill>
+          <a:prstDash val="solid"/>
+          <a:miter lim="800000"/>
+        </a:ln>
+        <a:ln w="12700" cap="flat" cmpd="sng" algn="ctr">
+          <a:solidFill>
+            <a:schemeClr val="phClr"/>
+          </a:solidFill>
+          <a:prstDash val="solid"/>
+          <a:miter lim="800000"/>
+        </a:ln>
+        <a:ln w="19050" cap="flat" cmpd="sng" algn="ctr">
+          <a:solidFill>
+            <a:schemeClr val="phClr"/>
+          </a:solidFill>
+          <a:prstDash val="solid"/>
+          <a:miter lim="800000"/>
+        </a:ln>
+      </a:lnStyleLst>
+      <a:effectStyleLst>
+        <a:effectStyle>
+          <a:effectLst/>
+        </a:effectStyle>
+        <a:effectStyle>
+          <a:effectLst/>
+        </a:effectStyle>
+        <a:effectStyle>
+          <a:effectLst>
+            <a:outerShdw blurRad="57150" dist="19050" dir="5400000" algn="ctr" rotWithShape="0">
+              <a:srgbClr val="000000">
+                <a:alpha val="63000"/>
+              </a:srgbClr>
+            </a:outerShdw>
+          </a:effectLst>
+        </a:effectStyle>
+      </a:effectStyleLst>
+      <a:bgFillStyleLst>
+        <a:solidFill>
+          <a:schemeClr val="phClr"/>
+        </a:solidFill>
+        <a:solidFill>
+          <a:schemeClr val="phClr">
+            <a:tint val="95000"/>
+            <a:satMod val="170000"/>
+          </a:schemeClr>
+        </a:solidFill>
+        <a:gradFill rotWithShape="1">
+          <a:gsLst>
+            <a:gs pos="0">
+              <a:schemeClr val="phClr">
+                <a:tint val="93000"/>
+                <a:satMod val="150000"/>
+                <a:shade val="98000"/>
+                <a:lumMod val="102000"/>
+              </a:schemeClr>
+            </a:gs>
+            <a:gs pos="50000">
+              <a:schemeClr val="phClr">
+                <a:tint val="98000"/>
+                <a:satMod val="130000"/>
+                <a:shade val="90000"/>
+                <a:lumMod val="103000"/>
+              </a:schemeClr>
+            </a:gs>
+            <a:gs pos="100000">
+              <a:schemeClr val="phClr">
+                <a:shade val="63000"/>
+                <a:satMod val="120000"/>
+              </a:schemeClr>
+            </a:gs>
+          </a:gsLst>
+          <a:lin ang="5400000" scaled="0"/>
+        </a:gradFill>
+      </a:bgFillStyleLst>
+    </a:fmtScheme>
+  </a:themeElements>
+  <a:objectDefaults/>
+  <a:extraClrSchemeLst/>
+  <a:extLst>
+    <a:ext uri="{05A4C25C-085E-4340-85A3-A5531E510DB2}">
+      <thm15:themeFamily xmlns:thm15="http://schemas.microsoft.com/office/thememl/2012/main" name="Office Theme" id="{62F939B6-93AF-4DB8-9C6B-D6C7DFDC589F}" vid="{4A3C46E8-61CC-4603-A589-7422A47A8E4A}"/>
+    </a:ext>
+  </a:extLst>
+</a:theme>
 </file>
--- a/Abschlusspräsentation/Praesentation_newdesign.pptx
+++ b/Abschlusspräsentation/Praesentation_newdesign.pptx
@@ -228,7 +228,7 @@
           <a:p>
             <a:fld id="{D1552242-029C-4138-91BD-3BE315DF1C94}" type="datetimeFigureOut">
               <a:rPr lang="de-DE" smtClean="0"/>
-              <a:t>20.03.2017</a:t>
+              <a:t>20.03.17</a:t>
             </a:fld>
             <a:endParaRPr lang="de-DE"/>
           </a:p>
@@ -393,7 +393,7 @@
           <a:p>
             <a:fld id="{74D74940-F9E6-439C-A55C-AF525C59EADC}" type="datetimeFigureOut">
               <a:rPr lang="de-DE" smtClean="0"/>
-              <a:t>20.03.2017</a:t>
+              <a:t>20.03.17</a:t>
             </a:fld>
             <a:endParaRPr lang="de-DE"/>
           </a:p>
@@ -2150,7 +2150,7 @@
           <a:p>
             <a:fld id="{78ABE3C1-DBE1-495D-B57B-2849774B866A}" type="datetimeFigureOut">
               <a:rPr lang="en-US" dirty="0"/>
-              <a:t>3/20/2017</a:t>
+              <a:t>3/20/17</a:t>
             </a:fld>
             <a:endParaRPr lang="en-US" dirty="0"/>
           </a:p>
@@ -2559,7 +2559,7 @@
           <a:p>
             <a:fld id="{446C117F-5CCF-4837-BE5F-2B92066CAFAF}" type="datetimeFigureOut">
               <a:rPr lang="en-US" dirty="0"/>
-              <a:t>3/20/2017</a:t>
+              <a:t>3/20/17</a:t>
             </a:fld>
             <a:endParaRPr lang="en-US" dirty="0"/>
           </a:p>
@@ -2890,7 +2890,7 @@
           <a:p>
             <a:fld id="{84EB90BD-B6CE-46B7-997F-7313B992CCDC}" type="datetimeFigureOut">
               <a:rPr lang="en-US" dirty="0"/>
-              <a:t>3/20/2017</a:t>
+              <a:t>3/20/17</a:t>
             </a:fld>
             <a:endParaRPr lang="en-US" dirty="0"/>
           </a:p>
@@ -3290,7 +3290,7 @@
           <a:p>
             <a:fld id="{CDB9D11F-B188-461D-B23F-39381795C052}" type="datetimeFigureOut">
               <a:rPr lang="en-US" dirty="0"/>
-              <a:t>3/20/2017</a:t>
+              <a:t>3/20/17</a:t>
             </a:fld>
             <a:endParaRPr lang="en-US" dirty="0"/>
           </a:p>
@@ -3853,7 +3853,7 @@
           <a:p>
             <a:fld id="{52E6D8D9-55A2-4063-B0F3-121F44549695}" type="datetimeFigureOut">
               <a:rPr lang="en-US" dirty="0"/>
-              <a:t>3/20/2017</a:t>
+              <a:t>3/20/17</a:t>
             </a:fld>
             <a:endParaRPr lang="en-US" dirty="0"/>
           </a:p>
@@ -4529,7 +4529,7 @@
           <a:p>
             <a:fld id="{D4B24536-994D-4021-A283-9F449C0DB509}" type="datetimeFigureOut">
               <a:rPr lang="en-US" dirty="0"/>
-              <a:t>3/20/2017</a:t>
+              <a:t>3/20/17</a:t>
             </a:fld>
             <a:endParaRPr lang="en-US" dirty="0"/>
           </a:p>
@@ -5437,7 +5437,7 @@
           <a:p>
             <a:fld id="{3CBBBB78-C96F-47B7-AB17-D852CA960AC9}" type="datetimeFigureOut">
               <a:rPr lang="en-US" dirty="0"/>
-              <a:t>3/20/2017</a:t>
+              <a:t>3/20/17</a:t>
             </a:fld>
             <a:endParaRPr lang="en-US" dirty="0"/>
           </a:p>
@@ -5745,7 +5745,7 @@
           <a:p>
             <a:fld id="{1FA3F48C-C7C6-4055-9F49-3777875E72AE}" type="datetimeFigureOut">
               <a:rPr lang="en-US" dirty="0"/>
-              <a:t>3/20/2017</a:t>
+              <a:t>3/20/17</a:t>
             </a:fld>
             <a:endParaRPr lang="en-US" dirty="0"/>
           </a:p>
@@ -6004,7 +6004,7 @@
           <a:p>
             <a:fld id="{6178E61D-D431-422C-9764-11DAFE33AB63}" type="datetimeFigureOut">
               <a:rPr lang="en-US" dirty="0"/>
-              <a:t>3/20/2017</a:t>
+              <a:t>3/20/17</a:t>
             </a:fld>
             <a:endParaRPr lang="en-US" dirty="0"/>
           </a:p>
@@ -6323,7 +6323,7 @@
           <a:p>
             <a:fld id="{12DE42F4-6EEF-4EF7-8ED4-2208F0F89A08}" type="datetimeFigureOut">
               <a:rPr lang="en-US" dirty="0"/>
-              <a:t>3/20/2017</a:t>
+              <a:t>3/20/17</a:t>
             </a:fld>
             <a:endParaRPr lang="en-US" dirty="0"/>
           </a:p>
@@ -6707,7 +6707,7 @@
           <a:p>
             <a:fld id="{30578ACC-22D6-47C1-A373-4FD133E34F3C}" type="datetimeFigureOut">
               <a:rPr lang="en-US" dirty="0"/>
-              <a:t>3/20/2017</a:t>
+              <a:t>3/20/17</a:t>
             </a:fld>
             <a:endParaRPr lang="en-US" dirty="0"/>
           </a:p>
@@ -7078,7 +7078,7 @@
           <a:p>
             <a:fld id="{4E5A6C69-6797-4E8A-BF37-F2C3751466E9}" type="datetimeFigureOut">
               <a:rPr lang="en-US" dirty="0"/>
-              <a:t>3/20/2017</a:t>
+              <a:t>3/20/17</a:t>
             </a:fld>
             <a:endParaRPr lang="en-US" dirty="0"/>
           </a:p>
@@ -7579,7 +7579,7 @@
           <a:p>
             <a:fld id="{D82014A1-A632-4878-A0D3-F52BA7563730}" type="datetimeFigureOut">
               <a:rPr lang="en-US" dirty="0"/>
-              <a:t>3/20/2017</a:t>
+              <a:t>3/20/17</a:t>
             </a:fld>
             <a:endParaRPr lang="en-US" dirty="0"/>
           </a:p>
@@ -7831,7 +7831,7 @@
           <a:p>
             <a:fld id="{CE99F462-093F-4566-844B-4C71F2739DA5}" type="datetimeFigureOut">
               <a:rPr lang="en-US" dirty="0"/>
-              <a:t>3/20/2017</a:t>
+              <a:t>3/20/17</a:t>
             </a:fld>
             <a:endParaRPr lang="en-US" dirty="0"/>
           </a:p>
@@ -7989,7 +7989,7 @@
           <a:p>
             <a:fld id="{3D24A7AC-904D-4781-85BA-7D10C17ED021}" type="datetimeFigureOut">
               <a:rPr lang="en-US" dirty="0"/>
-              <a:t>3/20/2017</a:t>
+              <a:t>3/20/17</a:t>
             </a:fld>
             <a:endParaRPr lang="en-US" dirty="0"/>
           </a:p>
@@ -8374,7 +8374,7 @@
           <a:p>
             <a:fld id="{E331444B-B92B-4E27-8C94-BB93EAF5CB18}" type="datetimeFigureOut">
               <a:rPr lang="en-US" dirty="0"/>
-              <a:t>3/20/2017</a:t>
+              <a:t>3/20/17</a:t>
             </a:fld>
             <a:endParaRPr lang="en-US" dirty="0"/>
           </a:p>
@@ -8778,7 +8778,7 @@
           <a:p>
             <a:fld id="{363EFA5E-FA76-400D-B3DC-F0BA90E6D107}" type="datetimeFigureOut">
               <a:rPr lang="en-US" dirty="0"/>
-              <a:t>3/20/2017</a:t>
+              <a:t>3/20/17</a:t>
             </a:fld>
             <a:endParaRPr lang="en-US" dirty="0"/>
           </a:p>
@@ -9040,7 +9040,7 @@
           <a:p>
             <a:fld id="{9D6E9DEC-419B-4CC5-A080-3B06BD5A8291}" type="datetimeFigureOut">
               <a:rPr lang="en-US" dirty="0"/>
-              <a:t>3/20/2017</a:t>
+              <a:t>3/20/17</a:t>
             </a:fld>
             <a:endParaRPr lang="en-US" dirty="0"/>
           </a:p>
@@ -9584,6 +9584,13 @@
   <p:transition>
     <p:fade/>
   </p:transition>
+  <p:timing>
+    <p:tnLst>
+      <p:par>
+        <p:cTn id="1" dur="indefinite" restart="never" nodeType="tmRoot"/>
+      </p:par>
+    </p:tnLst>
+  </p:timing>
 </p:sld>
 </file>
 
@@ -9623,7 +9630,6 @@
               <a:rPr lang="de-DE" dirty="0"/>
               <a:t>Entwurf: Generierungsalgorithmus</a:t>
             </a:r>
-            <a:endParaRPr lang="de-DE" dirty="0"/>
           </a:p>
         </p:txBody>
       </p:sp>
@@ -10386,18 +10392,25 @@
   <p:clrMapOvr>
     <a:masterClrMapping/>
   </p:clrMapOvr>
-  <mc:AlternateContent xmlns:mc="http://schemas.openxmlformats.org/markup-compatibility/2006">
-    <mc:Choice xmlns:p159="http://schemas.microsoft.com/office/powerpoint/2015/09/main" Requires="p159">
+  <mc:AlternateContent xmlns:mc="http://schemas.openxmlformats.org/markup-compatibility/2006" xmlns:p159="http://schemas.microsoft.com/office/powerpoint/2015/09/main">
+    <mc:Choice Requires="p159">
       <p:transition xmlns:p14="http://schemas.microsoft.com/office/powerpoint/2010/main" spd="slow" p14:dur="2000">
         <p159:morph option="byObject"/>
       </p:transition>
     </mc:Choice>
-    <mc:Fallback>
+    <mc:Fallback xmlns="">
       <p:transition spd="slow">
         <p:fade/>
       </p:transition>
     </mc:Fallback>
   </mc:AlternateContent>
+  <p:timing>
+    <p:tnLst>
+      <p:par>
+        <p:cTn id="1" dur="indefinite" restart="never" nodeType="tmRoot"/>
+      </p:par>
+    </p:tnLst>
+  </p:timing>
 </p:sld>
 </file>
 
@@ -10437,7 +10450,6 @@
               <a:rPr lang="de-DE" dirty="0"/>
               <a:t>Entwurf: Generierungsalgorithmus</a:t>
             </a:r>
-            <a:endParaRPr lang="de-DE" dirty="0"/>
           </a:p>
         </p:txBody>
       </p:sp>
@@ -11350,18 +11362,25 @@
   <p:clrMapOvr>
     <a:masterClrMapping/>
   </p:clrMapOvr>
-  <mc:AlternateContent xmlns:mc="http://schemas.openxmlformats.org/markup-compatibility/2006">
-    <mc:Choice xmlns:p159="http://schemas.microsoft.com/office/powerpoint/2015/09/main" Requires="p159">
+  <mc:AlternateContent xmlns:mc="http://schemas.openxmlformats.org/markup-compatibility/2006" xmlns:p159="http://schemas.microsoft.com/office/powerpoint/2015/09/main">
+    <mc:Choice Requires="p159">
       <p:transition xmlns:p14="http://schemas.microsoft.com/office/powerpoint/2010/main" spd="slow" p14:dur="2000">
         <p159:morph option="byObject"/>
       </p:transition>
     </mc:Choice>
-    <mc:Fallback>
+    <mc:Fallback xmlns="">
       <p:transition spd="slow">
         <p:fade/>
       </p:transition>
     </mc:Fallback>
   </mc:AlternateContent>
+  <p:timing>
+    <p:tnLst>
+      <p:par>
+        <p:cTn id="1" dur="indefinite" restart="never" nodeType="tmRoot"/>
+      </p:par>
+    </p:tnLst>
+  </p:timing>
 </p:sld>
 </file>
 
@@ -11920,8 +11939,8 @@
             </a:fontRef>
           </p:style>
         </p:cxnSp>
-        <mc:AlternateContent xmlns:mc="http://schemas.openxmlformats.org/markup-compatibility/2006">
-          <mc:Choice xmlns:a14="http://schemas.microsoft.com/office/drawing/2010/main" Requires="a14">
+        <mc:AlternateContent xmlns:mc="http://schemas.openxmlformats.org/markup-compatibility/2006" xmlns:a14="http://schemas.microsoft.com/office/drawing/2010/main">
+          <mc:Choice Requires="a14">
             <p:sp>
               <p:nvSpPr>
                 <p:cNvPr id="35" name="Rechteck 34"/>
@@ -11976,7 +11995,7 @@
                                 <a:solidFill>
                                   <a:schemeClr val="tx2"/>
                                 </a:solidFill>
-                                <a:latin typeface="Cambria Math" panose="02040503050406030204" pitchFamily="18" charset="0"/>
+                                <a:latin typeface="Cambria Math" charset="0"/>
                               </a:rPr>
                             </m:ctrlPr>
                           </m:dPr>
@@ -11988,7 +12007,7 @@
                                     <a:solidFill>
                                       <a:schemeClr val="tx2"/>
                                     </a:solidFill>
-                                    <a:latin typeface="Cambria Math" panose="02040503050406030204" pitchFamily="18" charset="0"/>
+                                    <a:latin typeface="Cambria Math" charset="0"/>
                                   </a:rPr>
                                 </m:ctrlPr>
                               </m:eqArrPr>
@@ -12130,7 +12149,7 @@
               </p:txBody>
             </p:sp>
           </mc:Choice>
-          <mc:Fallback>
+          <mc:Fallback xmlns="">
             <p:sp>
               <p:nvSpPr>
                 <p:cNvPr id="35" name="Rechteck 34"/>
@@ -12620,6 +12639,13 @@
   <p:transition>
     <p:fade/>
   </p:transition>
+  <p:timing>
+    <p:tnLst>
+      <p:par>
+        <p:cTn id="1" dur="indefinite" restart="never" nodeType="tmRoot"/>
+      </p:par>
+    </p:tnLst>
+  </p:timing>
 </p:sld>
 </file>
 
@@ -12690,6 +12716,10 @@
             <a:r>
               <a:rPr lang="de-DE" sz="4800" b="1" dirty="0"/>
               <a:t>21.711</a:t>
+            </a:r>
+            <a:r>
+              <a:rPr lang="de-DE" sz="3600" b="1" dirty="0"/>
+              <a:t/>
             </a:r>
             <a:br>
               <a:rPr lang="de-DE" sz="3600" b="1" dirty="0"/>
@@ -12896,6 +12926,10 @@
               <a:rPr lang="de-DE" sz="4800" b="1" dirty="0"/>
               <a:t>~45%</a:t>
             </a:r>
+            <a:r>
+              <a:rPr lang="de-DE" sz="3600" b="1" dirty="0"/>
+              <a:t/>
+            </a:r>
             <a:br>
               <a:rPr lang="de-DE" sz="3600" b="1" dirty="0"/>
             </a:br>
@@ -13101,6 +13135,10 @@
               <a:rPr lang="de-DE" sz="4800" b="1" dirty="0"/>
               <a:t>~60%</a:t>
             </a:r>
+            <a:r>
+              <a:rPr lang="de-DE" sz="3600" b="1" dirty="0"/>
+              <a:t/>
+            </a:r>
             <a:br>
               <a:rPr lang="de-DE" sz="3600" b="1" dirty="0"/>
             </a:br>
@@ -13518,6 +13556,10 @@
               <a:rPr lang="de-DE" sz="4800" b="1" dirty="0"/>
               <a:t>&gt;1.400</a:t>
             </a:r>
+            <a:r>
+              <a:rPr lang="de-DE" sz="3600" b="1" dirty="0"/>
+              <a:t/>
+            </a:r>
             <a:br>
               <a:rPr lang="de-DE" sz="3600" b="1" dirty="0"/>
             </a:br>
@@ -13723,6 +13765,10 @@
               <a:rPr lang="de-DE" sz="4800" b="1" dirty="0"/>
               <a:t>&gt;220</a:t>
             </a:r>
+            <a:r>
+              <a:rPr lang="de-DE" sz="3600" b="1" dirty="0"/>
+              <a:t/>
+            </a:r>
             <a:br>
               <a:rPr lang="de-DE" sz="3600" b="1" dirty="0"/>
             </a:br>
@@ -13747,6 +13793,13 @@
   <p:transition>
     <p:fade/>
   </p:transition>
+  <p:timing>
+    <p:tnLst>
+      <p:par>
+        <p:cTn id="1" dur="indefinite" restart="never" nodeType="tmRoot"/>
+      </p:par>
+    </p:tnLst>
+  </p:timing>
 </p:sld>
 </file>
 
@@ -13879,6 +13932,13 @@
   <p:transition>
     <p:fade/>
   </p:transition>
+  <p:timing>
+    <p:tnLst>
+      <p:par>
+        <p:cTn id="1" dur="indefinite" restart="never" nodeType="tmRoot"/>
+      </p:par>
+    </p:tnLst>
+  </p:timing>
 </p:sld>
 </file>
 
@@ -13978,6 +14038,13 @@
   <p:transition>
     <p:fade/>
   </p:transition>
+  <p:timing>
+    <p:tnLst>
+      <p:par>
+        <p:cTn id="1" dur="indefinite" restart="never" nodeType="tmRoot"/>
+      </p:par>
+    </p:tnLst>
+  </p:timing>
 </p:sld>
 </file>
 
@@ -14055,6 +14122,13 @@
   <p:transition>
     <p:fade/>
   </p:transition>
+  <p:timing>
+    <p:tnLst>
+      <p:par>
+        <p:cTn id="1" dur="indefinite" restart="never" nodeType="tmRoot"/>
+      </p:par>
+    </p:tnLst>
+  </p:timing>
 </p:sld>
 </file>
 
@@ -14202,6 +14276,13 @@
   <p:transition>
     <p:fade/>
   </p:transition>
+  <p:timing>
+    <p:tnLst>
+      <p:par>
+        <p:cTn id="1" dur="indefinite" restart="never" nodeType="tmRoot"/>
+      </p:par>
+    </p:tnLst>
+  </p:timing>
 </p:sld>
 </file>
 
@@ -17522,6 +17603,13 @@
   <p:transition>
     <p:fade/>
   </p:transition>
+  <p:timing>
+    <p:tnLst>
+      <p:par>
+        <p:cTn id="1" dur="indefinite" restart="never" nodeType="tmRoot"/>
+      </p:par>
+    </p:tnLst>
+  </p:timing>
 </p:sld>
 </file>
 
@@ -17576,7 +17664,7 @@
         </p:nvSpPr>
         <p:spPr>
           <a:xfrm>
-            <a:off x="669222" y="3572548"/>
+            <a:off x="669222" y="5272771"/>
             <a:ext cx="3070034" cy="576262"/>
           </a:xfrm>
         </p:spPr>
@@ -17609,7 +17697,7 @@
         </p:nvSpPr>
         <p:spPr>
           <a:xfrm>
-            <a:off x="3964301" y="3572548"/>
+            <a:off x="3964301" y="5272771"/>
             <a:ext cx="3063240" cy="576262"/>
           </a:xfrm>
         </p:spPr>
@@ -17637,7 +17725,7 @@
         </p:nvSpPr>
         <p:spPr>
           <a:xfrm>
-            <a:off x="7232432" y="3572548"/>
+            <a:off x="7232432" y="5272771"/>
             <a:ext cx="3070025" cy="576262"/>
           </a:xfrm>
         </p:spPr>
@@ -17657,6 +17745,743 @@
           </a:p>
         </p:txBody>
       </p:sp>
+      <p:grpSp>
+        <p:nvGrpSpPr>
+          <p:cNvPr id="37" name="Gruppierung 36"/>
+          <p:cNvGrpSpPr/>
+          <p:nvPr/>
+        </p:nvGrpSpPr>
+        <p:grpSpPr>
+          <a:xfrm>
+            <a:off x="1119692" y="3446319"/>
+            <a:ext cx="2109234" cy="1229069"/>
+            <a:chOff x="1028700" y="3986218"/>
+            <a:chExt cx="2109234" cy="1229069"/>
+          </a:xfrm>
+        </p:grpSpPr>
+        <p:sp>
+          <p:nvSpPr>
+            <p:cNvPr id="4" name="Rechteck 3"/>
+            <p:cNvSpPr/>
+            <p:nvPr/>
+          </p:nvSpPr>
+          <p:spPr>
+            <a:xfrm>
+              <a:off x="1028700" y="3986218"/>
+              <a:ext cx="657225" cy="657225"/>
+            </a:xfrm>
+            <a:prstGeom prst="rect">
+              <a:avLst/>
+            </a:prstGeom>
+          </p:spPr>
+          <p:style>
+            <a:lnRef idx="2">
+              <a:schemeClr val="accent1">
+                <a:shade val="50000"/>
+              </a:schemeClr>
+            </a:lnRef>
+            <a:fillRef idx="1">
+              <a:schemeClr val="accent1"/>
+            </a:fillRef>
+            <a:effectRef idx="0">
+              <a:schemeClr val="accent1"/>
+            </a:effectRef>
+            <a:fontRef idx="minor">
+              <a:schemeClr val="lt1"/>
+            </a:fontRef>
+          </p:style>
+          <p:txBody>
+            <a:bodyPr rtlCol="0" anchor="ctr"/>
+            <a:lstStyle/>
+            <a:p>
+              <a:pPr algn="ctr"/>
+              <a:r>
+                <a:rPr lang="de-DE" sz="3600" dirty="0" smtClean="0">
+                  <a:solidFill>
+                    <a:schemeClr val="tx2"/>
+                  </a:solidFill>
+                </a:rPr>
+                <a:t>A</a:t>
+              </a:r>
+              <a:endParaRPr lang="de-DE" dirty="0">
+                <a:solidFill>
+                  <a:schemeClr val="tx2"/>
+                </a:solidFill>
+              </a:endParaRPr>
+            </a:p>
+          </p:txBody>
+        </p:sp>
+        <p:sp>
+          <p:nvSpPr>
+            <p:cNvPr id="8" name="Rechteck 7"/>
+            <p:cNvSpPr/>
+            <p:nvPr/>
+          </p:nvSpPr>
+          <p:spPr>
+            <a:xfrm>
+              <a:off x="2480709" y="4558062"/>
+              <a:ext cx="657225" cy="657225"/>
+            </a:xfrm>
+            <a:prstGeom prst="rect">
+              <a:avLst/>
+            </a:prstGeom>
+          </p:spPr>
+          <p:style>
+            <a:lnRef idx="2">
+              <a:schemeClr val="accent1">
+                <a:shade val="50000"/>
+              </a:schemeClr>
+            </a:lnRef>
+            <a:fillRef idx="1">
+              <a:schemeClr val="accent1"/>
+            </a:fillRef>
+            <a:effectRef idx="0">
+              <a:schemeClr val="accent1"/>
+            </a:effectRef>
+            <a:fontRef idx="minor">
+              <a:schemeClr val="lt1"/>
+            </a:fontRef>
+          </p:style>
+          <p:txBody>
+            <a:bodyPr rtlCol="0" anchor="ctr"/>
+            <a:lstStyle/>
+            <a:p>
+              <a:pPr algn="ctr"/>
+              <a:r>
+                <a:rPr lang="de-DE" sz="3600" dirty="0">
+                  <a:solidFill>
+                    <a:schemeClr val="tx2"/>
+                  </a:solidFill>
+                </a:rPr>
+                <a:t>B</a:t>
+              </a:r>
+              <a:endParaRPr lang="de-DE" dirty="0">
+                <a:solidFill>
+                  <a:schemeClr val="tx2"/>
+                </a:solidFill>
+              </a:endParaRPr>
+            </a:p>
+          </p:txBody>
+        </p:sp>
+        <p:cxnSp>
+          <p:nvCxnSpPr>
+            <p:cNvPr id="9" name="Gerade Verbindung mit Pfeil 8"/>
+            <p:cNvCxnSpPr>
+              <a:stCxn id="4" idx="3"/>
+              <a:endCxn id="8" idx="1"/>
+            </p:cNvCxnSpPr>
+            <p:nvPr/>
+          </p:nvCxnSpPr>
+          <p:spPr>
+            <a:xfrm>
+              <a:off x="1685925" y="4314831"/>
+              <a:ext cx="794784" cy="571844"/>
+            </a:xfrm>
+            <a:prstGeom prst="straightConnector1">
+              <a:avLst/>
+            </a:prstGeom>
+            <a:ln>
+              <a:tailEnd type="triangle"/>
+            </a:ln>
+          </p:spPr>
+          <p:style>
+            <a:lnRef idx="1">
+              <a:schemeClr val="accent1"/>
+            </a:lnRef>
+            <a:fillRef idx="0">
+              <a:schemeClr val="accent1"/>
+            </a:fillRef>
+            <a:effectRef idx="0">
+              <a:schemeClr val="accent1"/>
+            </a:effectRef>
+            <a:fontRef idx="minor">
+              <a:schemeClr val="tx1"/>
+            </a:fontRef>
+          </p:style>
+        </p:cxnSp>
+      </p:grpSp>
+      <p:grpSp>
+        <p:nvGrpSpPr>
+          <p:cNvPr id="38" name="Gruppierung 37"/>
+          <p:cNvGrpSpPr/>
+          <p:nvPr/>
+        </p:nvGrpSpPr>
+        <p:grpSpPr>
+          <a:xfrm>
+            <a:off x="4179277" y="2752327"/>
+            <a:ext cx="2628900" cy="2468461"/>
+            <a:chOff x="4100513" y="2752327"/>
+            <a:chExt cx="2628900" cy="2468461"/>
+          </a:xfrm>
+        </p:grpSpPr>
+        <p:sp>
+          <p:nvSpPr>
+            <p:cNvPr id="13" name="Rechteck 12"/>
+            <p:cNvSpPr/>
+            <p:nvPr/>
+          </p:nvSpPr>
+          <p:spPr>
+            <a:xfrm>
+              <a:off x="4510088" y="3328992"/>
+              <a:ext cx="657225" cy="657225"/>
+            </a:xfrm>
+            <a:prstGeom prst="rect">
+              <a:avLst/>
+            </a:prstGeom>
+          </p:spPr>
+          <p:style>
+            <a:lnRef idx="2">
+              <a:schemeClr val="accent1">
+                <a:shade val="50000"/>
+              </a:schemeClr>
+            </a:lnRef>
+            <a:fillRef idx="1">
+              <a:schemeClr val="accent1"/>
+            </a:fillRef>
+            <a:effectRef idx="0">
+              <a:schemeClr val="accent1"/>
+            </a:effectRef>
+            <a:fontRef idx="minor">
+              <a:schemeClr val="lt1"/>
+            </a:fontRef>
+          </p:style>
+          <p:txBody>
+            <a:bodyPr rtlCol="0" anchor="ctr"/>
+            <a:lstStyle/>
+            <a:p>
+              <a:pPr algn="ctr"/>
+              <a:r>
+                <a:rPr lang="de-DE" sz="3600" dirty="0" smtClean="0">
+                  <a:solidFill>
+                    <a:schemeClr val="tx2"/>
+                  </a:solidFill>
+                </a:rPr>
+                <a:t>A</a:t>
+              </a:r>
+              <a:endParaRPr lang="de-DE" dirty="0">
+                <a:solidFill>
+                  <a:schemeClr val="tx2"/>
+                </a:solidFill>
+              </a:endParaRPr>
+            </a:p>
+          </p:txBody>
+        </p:sp>
+        <p:sp>
+          <p:nvSpPr>
+            <p:cNvPr id="14" name="Rechteck 13"/>
+            <p:cNvSpPr/>
+            <p:nvPr/>
+          </p:nvSpPr>
+          <p:spPr>
+            <a:xfrm>
+              <a:off x="5390148" y="3643657"/>
+              <a:ext cx="657225" cy="657225"/>
+            </a:xfrm>
+            <a:prstGeom prst="rect">
+              <a:avLst/>
+            </a:prstGeom>
+          </p:spPr>
+          <p:style>
+            <a:lnRef idx="2">
+              <a:schemeClr val="accent1">
+                <a:shade val="50000"/>
+              </a:schemeClr>
+            </a:lnRef>
+            <a:fillRef idx="1">
+              <a:schemeClr val="accent1"/>
+            </a:fillRef>
+            <a:effectRef idx="0">
+              <a:schemeClr val="accent1"/>
+            </a:effectRef>
+            <a:fontRef idx="minor">
+              <a:schemeClr val="lt1"/>
+            </a:fontRef>
+          </p:style>
+          <p:txBody>
+            <a:bodyPr rtlCol="0" anchor="ctr"/>
+            <a:lstStyle/>
+            <a:p>
+              <a:pPr algn="ctr"/>
+              <a:r>
+                <a:rPr lang="de-DE" sz="3600" dirty="0">
+                  <a:solidFill>
+                    <a:schemeClr val="tx2"/>
+                  </a:solidFill>
+                </a:rPr>
+                <a:t>B</a:t>
+              </a:r>
+              <a:endParaRPr lang="de-DE" dirty="0">
+                <a:solidFill>
+                  <a:schemeClr val="tx2"/>
+                </a:solidFill>
+              </a:endParaRPr>
+            </a:p>
+          </p:txBody>
+        </p:sp>
+        <p:sp>
+          <p:nvSpPr>
+            <p:cNvPr id="15" name="Rechteck 14"/>
+            <p:cNvSpPr/>
+            <p:nvPr/>
+          </p:nvSpPr>
+          <p:spPr>
+            <a:xfrm>
+              <a:off x="4618173" y="4203552"/>
+              <a:ext cx="657225" cy="657225"/>
+            </a:xfrm>
+            <a:prstGeom prst="rect">
+              <a:avLst/>
+            </a:prstGeom>
+          </p:spPr>
+          <p:style>
+            <a:lnRef idx="2">
+              <a:schemeClr val="accent1">
+                <a:shade val="50000"/>
+              </a:schemeClr>
+            </a:lnRef>
+            <a:fillRef idx="1">
+              <a:schemeClr val="accent1"/>
+            </a:fillRef>
+            <a:effectRef idx="0">
+              <a:schemeClr val="accent1"/>
+            </a:effectRef>
+            <a:fontRef idx="minor">
+              <a:schemeClr val="lt1"/>
+            </a:fontRef>
+          </p:style>
+          <p:txBody>
+            <a:bodyPr rtlCol="0" anchor="ctr"/>
+            <a:lstStyle/>
+            <a:p>
+              <a:pPr algn="ctr"/>
+              <a:r>
+                <a:rPr lang="de-DE" sz="3600" dirty="0">
+                  <a:solidFill>
+                    <a:schemeClr val="tx2"/>
+                  </a:solidFill>
+                </a:rPr>
+                <a:t>C</a:t>
+              </a:r>
+              <a:endParaRPr lang="de-DE" dirty="0">
+                <a:solidFill>
+                  <a:schemeClr val="tx2"/>
+                </a:solidFill>
+              </a:endParaRPr>
+            </a:p>
+          </p:txBody>
+        </p:sp>
+        <p:sp>
+          <p:nvSpPr>
+            <p:cNvPr id="16" name="Rechteck 15"/>
+            <p:cNvSpPr/>
+            <p:nvPr/>
+          </p:nvSpPr>
+          <p:spPr>
+            <a:xfrm>
+              <a:off x="5552522" y="4367896"/>
+              <a:ext cx="657225" cy="657225"/>
+            </a:xfrm>
+            <a:prstGeom prst="rect">
+              <a:avLst/>
+            </a:prstGeom>
+          </p:spPr>
+          <p:style>
+            <a:lnRef idx="2">
+              <a:schemeClr val="accent1">
+                <a:shade val="50000"/>
+              </a:schemeClr>
+            </a:lnRef>
+            <a:fillRef idx="1">
+              <a:schemeClr val="accent1"/>
+            </a:fillRef>
+            <a:effectRef idx="0">
+              <a:schemeClr val="accent1"/>
+            </a:effectRef>
+            <a:fontRef idx="minor">
+              <a:schemeClr val="lt1"/>
+            </a:fontRef>
+          </p:style>
+          <p:txBody>
+            <a:bodyPr rtlCol="0" anchor="ctr"/>
+            <a:lstStyle/>
+            <a:p>
+              <a:pPr algn="ctr"/>
+              <a:r>
+                <a:rPr lang="de-DE" sz="3600" dirty="0">
+                  <a:solidFill>
+                    <a:schemeClr val="tx2"/>
+                  </a:solidFill>
+                </a:rPr>
+                <a:t>D</a:t>
+              </a:r>
+              <a:endParaRPr lang="de-DE" dirty="0">
+                <a:solidFill>
+                  <a:schemeClr val="tx2"/>
+                </a:solidFill>
+              </a:endParaRPr>
+            </a:p>
+          </p:txBody>
+        </p:sp>
+        <p:sp>
+          <p:nvSpPr>
+            <p:cNvPr id="24" name="Eckige Klammer links/rechts 23"/>
+            <p:cNvSpPr/>
+            <p:nvPr/>
+          </p:nvSpPr>
+          <p:spPr>
+            <a:xfrm>
+              <a:off x="4100513" y="2752327"/>
+              <a:ext cx="2628900" cy="2468461"/>
+            </a:xfrm>
+            <a:prstGeom prst="bracketPair">
+              <a:avLst/>
+            </a:prstGeom>
+          </p:spPr>
+          <p:style>
+            <a:lnRef idx="1">
+              <a:schemeClr val="accent1"/>
+            </a:lnRef>
+            <a:fillRef idx="0">
+              <a:schemeClr val="accent1"/>
+            </a:fillRef>
+            <a:effectRef idx="0">
+              <a:schemeClr val="accent1"/>
+            </a:effectRef>
+            <a:fontRef idx="minor">
+              <a:schemeClr val="tx1"/>
+            </a:fontRef>
+          </p:style>
+          <p:txBody>
+            <a:bodyPr rtlCol="0" anchor="ctr"/>
+            <a:lstStyle/>
+            <a:p>
+              <a:pPr algn="ctr"/>
+              <a:endParaRPr lang="de-DE"/>
+            </a:p>
+          </p:txBody>
+        </p:sp>
+        <p:sp>
+          <p:nvSpPr>
+            <p:cNvPr id="30" name="Textfeld 29"/>
+            <p:cNvSpPr txBox="1"/>
+            <p:nvPr/>
+          </p:nvSpPr>
+          <p:spPr>
+            <a:xfrm>
+              <a:off x="4692650" y="2855994"/>
+              <a:ext cx="1444626" cy="369332"/>
+            </a:xfrm>
+            <a:prstGeom prst="rect">
+              <a:avLst/>
+            </a:prstGeom>
+            <a:noFill/>
+          </p:spPr>
+          <p:txBody>
+            <a:bodyPr wrap="none" rtlCol="0">
+              <a:spAutoFit/>
+            </a:bodyPr>
+            <a:lstStyle/>
+            <a:p>
+              <a:r>
+                <a:rPr lang="de-DE" dirty="0" smtClean="0"/>
+                <a:t>min. 10 ECTS</a:t>
+              </a:r>
+              <a:endParaRPr lang="de-DE" dirty="0"/>
+            </a:p>
+          </p:txBody>
+        </p:sp>
+      </p:grpSp>
+      <p:grpSp>
+        <p:nvGrpSpPr>
+          <p:cNvPr id="39" name="Gruppierung 38"/>
+          <p:cNvGrpSpPr/>
+          <p:nvPr/>
+        </p:nvGrpSpPr>
+        <p:grpSpPr>
+          <a:xfrm>
+            <a:off x="7452994" y="2752327"/>
+            <a:ext cx="2628900" cy="2468461"/>
+            <a:chOff x="4100513" y="2752327"/>
+            <a:chExt cx="2628900" cy="2468461"/>
+          </a:xfrm>
+        </p:grpSpPr>
+        <p:sp>
+          <p:nvSpPr>
+            <p:cNvPr id="40" name="Rechteck 39"/>
+            <p:cNvSpPr/>
+            <p:nvPr/>
+          </p:nvSpPr>
+          <p:spPr>
+            <a:xfrm>
+              <a:off x="4510088" y="3328992"/>
+              <a:ext cx="657225" cy="657225"/>
+            </a:xfrm>
+            <a:prstGeom prst="rect">
+              <a:avLst/>
+            </a:prstGeom>
+          </p:spPr>
+          <p:style>
+            <a:lnRef idx="2">
+              <a:schemeClr val="accent1">
+                <a:shade val="50000"/>
+              </a:schemeClr>
+            </a:lnRef>
+            <a:fillRef idx="1">
+              <a:schemeClr val="accent1"/>
+            </a:fillRef>
+            <a:effectRef idx="0">
+              <a:schemeClr val="accent1"/>
+            </a:effectRef>
+            <a:fontRef idx="minor">
+              <a:schemeClr val="lt1"/>
+            </a:fontRef>
+          </p:style>
+          <p:txBody>
+            <a:bodyPr rtlCol="0" anchor="ctr"/>
+            <a:lstStyle/>
+            <a:p>
+              <a:pPr algn="ctr"/>
+              <a:r>
+                <a:rPr lang="de-DE" sz="3600" dirty="0" smtClean="0">
+                  <a:solidFill>
+                    <a:schemeClr val="tx2"/>
+                  </a:solidFill>
+                </a:rPr>
+                <a:t>A</a:t>
+              </a:r>
+              <a:endParaRPr lang="de-DE" dirty="0">
+                <a:solidFill>
+                  <a:schemeClr val="tx2"/>
+                </a:solidFill>
+              </a:endParaRPr>
+            </a:p>
+          </p:txBody>
+        </p:sp>
+        <p:sp>
+          <p:nvSpPr>
+            <p:cNvPr id="41" name="Rechteck 40"/>
+            <p:cNvSpPr/>
+            <p:nvPr/>
+          </p:nvSpPr>
+          <p:spPr>
+            <a:xfrm>
+              <a:off x="5390148" y="3643657"/>
+              <a:ext cx="657225" cy="657225"/>
+            </a:xfrm>
+            <a:prstGeom prst="rect">
+              <a:avLst/>
+            </a:prstGeom>
+          </p:spPr>
+          <p:style>
+            <a:lnRef idx="2">
+              <a:schemeClr val="accent1">
+                <a:shade val="50000"/>
+              </a:schemeClr>
+            </a:lnRef>
+            <a:fillRef idx="1">
+              <a:schemeClr val="accent1"/>
+            </a:fillRef>
+            <a:effectRef idx="0">
+              <a:schemeClr val="accent1"/>
+            </a:effectRef>
+            <a:fontRef idx="minor">
+              <a:schemeClr val="lt1"/>
+            </a:fontRef>
+          </p:style>
+          <p:txBody>
+            <a:bodyPr rtlCol="0" anchor="ctr"/>
+            <a:lstStyle/>
+            <a:p>
+              <a:pPr algn="ctr"/>
+              <a:r>
+                <a:rPr lang="de-DE" sz="3600" dirty="0">
+                  <a:solidFill>
+                    <a:schemeClr val="tx2"/>
+                  </a:solidFill>
+                </a:rPr>
+                <a:t>B</a:t>
+              </a:r>
+              <a:endParaRPr lang="de-DE" dirty="0">
+                <a:solidFill>
+                  <a:schemeClr val="tx2"/>
+                </a:solidFill>
+              </a:endParaRPr>
+            </a:p>
+          </p:txBody>
+        </p:sp>
+        <p:sp>
+          <p:nvSpPr>
+            <p:cNvPr id="42" name="Rechteck 41"/>
+            <p:cNvSpPr/>
+            <p:nvPr/>
+          </p:nvSpPr>
+          <p:spPr>
+            <a:xfrm>
+              <a:off x="4618173" y="4203552"/>
+              <a:ext cx="657225" cy="657225"/>
+            </a:xfrm>
+            <a:prstGeom prst="rect">
+              <a:avLst/>
+            </a:prstGeom>
+          </p:spPr>
+          <p:style>
+            <a:lnRef idx="2">
+              <a:schemeClr val="accent1">
+                <a:shade val="50000"/>
+              </a:schemeClr>
+            </a:lnRef>
+            <a:fillRef idx="1">
+              <a:schemeClr val="accent1"/>
+            </a:fillRef>
+            <a:effectRef idx="0">
+              <a:schemeClr val="accent1"/>
+            </a:effectRef>
+            <a:fontRef idx="minor">
+              <a:schemeClr val="lt1"/>
+            </a:fontRef>
+          </p:style>
+          <p:txBody>
+            <a:bodyPr rtlCol="0" anchor="ctr"/>
+            <a:lstStyle/>
+            <a:p>
+              <a:pPr algn="ctr"/>
+              <a:r>
+                <a:rPr lang="de-DE" sz="3600" dirty="0">
+                  <a:solidFill>
+                    <a:schemeClr val="tx2"/>
+                  </a:solidFill>
+                </a:rPr>
+                <a:t>C</a:t>
+              </a:r>
+              <a:endParaRPr lang="de-DE" dirty="0">
+                <a:solidFill>
+                  <a:schemeClr val="tx2"/>
+                </a:solidFill>
+              </a:endParaRPr>
+            </a:p>
+          </p:txBody>
+        </p:sp>
+        <p:sp>
+          <p:nvSpPr>
+            <p:cNvPr id="43" name="Rechteck 42"/>
+            <p:cNvSpPr/>
+            <p:nvPr/>
+          </p:nvSpPr>
+          <p:spPr>
+            <a:xfrm>
+              <a:off x="5552522" y="4367896"/>
+              <a:ext cx="657225" cy="657225"/>
+            </a:xfrm>
+            <a:prstGeom prst="rect">
+              <a:avLst/>
+            </a:prstGeom>
+          </p:spPr>
+          <p:style>
+            <a:lnRef idx="2">
+              <a:schemeClr val="accent1">
+                <a:shade val="50000"/>
+              </a:schemeClr>
+            </a:lnRef>
+            <a:fillRef idx="1">
+              <a:schemeClr val="accent1"/>
+            </a:fillRef>
+            <a:effectRef idx="0">
+              <a:schemeClr val="accent1"/>
+            </a:effectRef>
+            <a:fontRef idx="minor">
+              <a:schemeClr val="lt1"/>
+            </a:fontRef>
+          </p:style>
+          <p:txBody>
+            <a:bodyPr rtlCol="0" anchor="ctr"/>
+            <a:lstStyle/>
+            <a:p>
+              <a:pPr algn="ctr"/>
+              <a:r>
+                <a:rPr lang="de-DE" sz="3600" dirty="0">
+                  <a:solidFill>
+                    <a:schemeClr val="tx2"/>
+                  </a:solidFill>
+                </a:rPr>
+                <a:t>D</a:t>
+              </a:r>
+              <a:endParaRPr lang="de-DE" dirty="0">
+                <a:solidFill>
+                  <a:schemeClr val="tx2"/>
+                </a:solidFill>
+              </a:endParaRPr>
+            </a:p>
+          </p:txBody>
+        </p:sp>
+        <p:sp>
+          <p:nvSpPr>
+            <p:cNvPr id="44" name="Eckige Klammer links/rechts 43"/>
+            <p:cNvSpPr/>
+            <p:nvPr/>
+          </p:nvSpPr>
+          <p:spPr>
+            <a:xfrm>
+              <a:off x="4100513" y="2752327"/>
+              <a:ext cx="2628900" cy="2468461"/>
+            </a:xfrm>
+            <a:prstGeom prst="bracketPair">
+              <a:avLst/>
+            </a:prstGeom>
+          </p:spPr>
+          <p:style>
+            <a:lnRef idx="1">
+              <a:schemeClr val="accent1"/>
+            </a:lnRef>
+            <a:fillRef idx="0">
+              <a:schemeClr val="accent1"/>
+            </a:fillRef>
+            <a:effectRef idx="0">
+              <a:schemeClr val="accent1"/>
+            </a:effectRef>
+            <a:fontRef idx="minor">
+              <a:schemeClr val="tx1"/>
+            </a:fontRef>
+          </p:style>
+          <p:txBody>
+            <a:bodyPr rtlCol="0" anchor="ctr"/>
+            <a:lstStyle/>
+            <a:p>
+              <a:pPr algn="ctr"/>
+              <a:endParaRPr lang="de-DE"/>
+            </a:p>
+          </p:txBody>
+        </p:sp>
+        <p:sp>
+          <p:nvSpPr>
+            <p:cNvPr id="45" name="Textfeld 44"/>
+            <p:cNvSpPr txBox="1"/>
+            <p:nvPr/>
+          </p:nvSpPr>
+          <p:spPr>
+            <a:xfrm>
+              <a:off x="4746571" y="2840903"/>
+              <a:ext cx="1255472" cy="369332"/>
+            </a:xfrm>
+            <a:prstGeom prst="rect">
+              <a:avLst/>
+            </a:prstGeom>
+            <a:noFill/>
+          </p:spPr>
+          <p:txBody>
+            <a:bodyPr wrap="none" rtlCol="0">
+              <a:spAutoFit/>
+            </a:bodyPr>
+            <a:lstStyle/>
+            <a:p>
+              <a:r>
+                <a:rPr lang="de-DE" smtClean="0"/>
+                <a:t>2-3 Module</a:t>
+              </a:r>
+              <a:endParaRPr lang="de-DE" dirty="0"/>
+            </a:p>
+          </p:txBody>
+        </p:sp>
+      </p:grpSp>
     </p:spTree>
     <p:extLst>
       <p:ext uri="{BB962C8B-B14F-4D97-AF65-F5344CB8AC3E}">
@@ -17670,6 +18495,13 @@
   <p:transition>
     <p:fade/>
   </p:transition>
+  <p:timing>
+    <p:tnLst>
+      <p:par>
+        <p:cTn id="1" dur="indefinite" restart="never" nodeType="tmRoot"/>
+      </p:par>
+    </p:tnLst>
+  </p:timing>
 </p:sld>
 </file>
 
@@ -17709,7 +18541,6 @@
               <a:rPr lang="de-DE" dirty="0"/>
               <a:t>Entwurf: Generierungsalgorithmus</a:t>
             </a:r>
-            <a:endParaRPr lang="de-DE" dirty="0"/>
           </a:p>
         </p:txBody>
       </p:sp>
@@ -18760,7 +19591,6 @@
               <a:rPr lang="de-DE" dirty="0"/>
               <a:t>Entwurf: Generierungsalgorithmus</a:t>
             </a:r>
-            <a:endParaRPr lang="de-DE" dirty="0"/>
           </a:p>
         </p:txBody>
       </p:sp>
@@ -19319,13 +20149,13 @@
   <p:clrMapOvr>
     <a:masterClrMapping/>
   </p:clrMapOvr>
-  <mc:AlternateContent xmlns:mc="http://schemas.openxmlformats.org/markup-compatibility/2006">
-    <mc:Choice xmlns:p159="http://schemas.microsoft.com/office/powerpoint/2015/09/main" Requires="p159">
+  <mc:AlternateContent xmlns:mc="http://schemas.openxmlformats.org/markup-compatibility/2006" xmlns:p159="http://schemas.microsoft.com/office/powerpoint/2015/09/main">
+    <mc:Choice Requires="p159">
       <p:transition spd="slow">
         <p159:morph option="byObject"/>
       </p:transition>
     </mc:Choice>
-    <mc:Fallback>
+    <mc:Fallback xmlns="">
       <p:transition spd="slow">
         <p:fade/>
       </p:transition>
@@ -19819,7 +20649,6 @@
               <a:rPr lang="de-DE" dirty="0"/>
               <a:t>Entwurf: Generierungsalgorithmus</a:t>
             </a:r>
-            <a:endParaRPr lang="de-DE" dirty="0"/>
           </a:p>
         </p:txBody>
       </p:sp>
@@ -19928,13 +20757,13 @@
   <p:clrMapOvr>
     <a:masterClrMapping/>
   </p:clrMapOvr>
-  <mc:AlternateContent xmlns:mc="http://schemas.openxmlformats.org/markup-compatibility/2006">
-    <mc:Choice xmlns:p159="http://schemas.microsoft.com/office/powerpoint/2015/09/main" Requires="p159">
+  <mc:AlternateContent xmlns:mc="http://schemas.openxmlformats.org/markup-compatibility/2006" xmlns:p159="http://schemas.microsoft.com/office/powerpoint/2015/09/main">
+    <mc:Choice Requires="p159">
       <p:transition xmlns:p14="http://schemas.microsoft.com/office/powerpoint/2010/main" spd="slow" p14:dur="2000">
         <p159:morph option="byObject"/>
       </p:transition>
     </mc:Choice>
-    <mc:Fallback>
+    <mc:Fallback xmlns="">
       <p:transition spd="slow">
         <p:fade/>
       </p:transition>
@@ -20068,7 +20897,6 @@
               <a:rPr lang="de-DE" dirty="0"/>
               <a:t>Entwurf: Generierungsalgorithmus</a:t>
             </a:r>
-            <a:endParaRPr lang="de-DE" dirty="0"/>
           </a:p>
         </p:txBody>
       </p:sp>
